--- a/Grav.pptx
+++ b/Grav.pptx
@@ -264,7 +264,7 @@
           <a:p>
             <a:fld id="{C0F4B3F7-870B-4BF0-9286-18BFBE390500}" type="datetimeFigureOut">
               <a:rPr lang="tr-TR" smtClean="0"/>
-              <a:t>20.04.2019</a:t>
+              <a:t>21.04.2019</a:t>
             </a:fld>
             <a:endParaRPr lang="tr-TR"/>
           </a:p>
@@ -434,7 +434,7 @@
           <a:p>
             <a:fld id="{C0F4B3F7-870B-4BF0-9286-18BFBE390500}" type="datetimeFigureOut">
               <a:rPr lang="tr-TR" smtClean="0"/>
-              <a:t>20.04.2019</a:t>
+              <a:t>21.04.2019</a:t>
             </a:fld>
             <a:endParaRPr lang="tr-TR"/>
           </a:p>
@@ -614,7 +614,7 @@
           <a:p>
             <a:fld id="{C0F4B3F7-870B-4BF0-9286-18BFBE390500}" type="datetimeFigureOut">
               <a:rPr lang="tr-TR" smtClean="0"/>
-              <a:t>20.04.2019</a:t>
+              <a:t>21.04.2019</a:t>
             </a:fld>
             <a:endParaRPr lang="tr-TR"/>
           </a:p>
@@ -784,7 +784,7 @@
           <a:p>
             <a:fld id="{C0F4B3F7-870B-4BF0-9286-18BFBE390500}" type="datetimeFigureOut">
               <a:rPr lang="tr-TR" smtClean="0"/>
-              <a:t>20.04.2019</a:t>
+              <a:t>21.04.2019</a:t>
             </a:fld>
             <a:endParaRPr lang="tr-TR"/>
           </a:p>
@@ -1030,7 +1030,7 @@
           <a:p>
             <a:fld id="{C0F4B3F7-870B-4BF0-9286-18BFBE390500}" type="datetimeFigureOut">
               <a:rPr lang="tr-TR" smtClean="0"/>
-              <a:t>20.04.2019</a:t>
+              <a:t>21.04.2019</a:t>
             </a:fld>
             <a:endParaRPr lang="tr-TR"/>
           </a:p>
@@ -1262,7 +1262,7 @@
           <a:p>
             <a:fld id="{C0F4B3F7-870B-4BF0-9286-18BFBE390500}" type="datetimeFigureOut">
               <a:rPr lang="tr-TR" smtClean="0"/>
-              <a:t>20.04.2019</a:t>
+              <a:t>21.04.2019</a:t>
             </a:fld>
             <a:endParaRPr lang="tr-TR"/>
           </a:p>
@@ -1629,7 +1629,7 @@
           <a:p>
             <a:fld id="{C0F4B3F7-870B-4BF0-9286-18BFBE390500}" type="datetimeFigureOut">
               <a:rPr lang="tr-TR" smtClean="0"/>
-              <a:t>20.04.2019</a:t>
+              <a:t>21.04.2019</a:t>
             </a:fld>
             <a:endParaRPr lang="tr-TR"/>
           </a:p>
@@ -1747,7 +1747,7 @@
           <a:p>
             <a:fld id="{C0F4B3F7-870B-4BF0-9286-18BFBE390500}" type="datetimeFigureOut">
               <a:rPr lang="tr-TR" smtClean="0"/>
-              <a:t>20.04.2019</a:t>
+              <a:t>21.04.2019</a:t>
             </a:fld>
             <a:endParaRPr lang="tr-TR"/>
           </a:p>
@@ -1842,7 +1842,7 @@
           <a:p>
             <a:fld id="{C0F4B3F7-870B-4BF0-9286-18BFBE390500}" type="datetimeFigureOut">
               <a:rPr lang="tr-TR" smtClean="0"/>
-              <a:t>20.04.2019</a:t>
+              <a:t>21.04.2019</a:t>
             </a:fld>
             <a:endParaRPr lang="tr-TR"/>
           </a:p>
@@ -2119,7 +2119,7 @@
           <a:p>
             <a:fld id="{C0F4B3F7-870B-4BF0-9286-18BFBE390500}" type="datetimeFigureOut">
               <a:rPr lang="tr-TR" smtClean="0"/>
-              <a:t>20.04.2019</a:t>
+              <a:t>21.04.2019</a:t>
             </a:fld>
             <a:endParaRPr lang="tr-TR"/>
           </a:p>
@@ -2372,7 +2372,7 @@
           <a:p>
             <a:fld id="{C0F4B3F7-870B-4BF0-9286-18BFBE390500}" type="datetimeFigureOut">
               <a:rPr lang="tr-TR" smtClean="0"/>
-              <a:t>20.04.2019</a:t>
+              <a:t>21.04.2019</a:t>
             </a:fld>
             <a:endParaRPr lang="tr-TR"/>
           </a:p>
@@ -2585,7 +2585,7 @@
           <a:p>
             <a:fld id="{C0F4B3F7-870B-4BF0-9286-18BFBE390500}" type="datetimeFigureOut">
               <a:rPr lang="tr-TR" smtClean="0"/>
-              <a:t>20.04.2019</a:t>
+              <a:t>21.04.2019</a:t>
             </a:fld>
             <a:endParaRPr lang="tr-TR"/>
           </a:p>
@@ -5805,7 +5805,7 @@
         <p:spPr>
           <a:xfrm>
             <a:off x="845316" y="1533744"/>
-            <a:ext cx="10866268" cy="4093428"/>
+            <a:ext cx="5502144" cy="5016758"/>
           </a:xfrm>
           <a:prstGeom prst="rect">
             <a:avLst/>
@@ -5818,7 +5818,7 @@
           <a:lstStyle/>
           <a:p>
             <a:r>
-              <a:rPr lang="tr-TR" sz="2000" dirty="0">
+              <a:rPr lang="tr-TR" sz="1600" dirty="0">
                 <a:latin typeface="Consolas" panose="020B0609020204030204" pitchFamily="49" charset="0"/>
               </a:rPr>
               <a:t>URL üzerinden Etkin Dil Türkçe olarak varsayılan dildir, tarayıcınızı bir dil belirtmeden işaret etseydiniz, içeriği default.tr.md dosyasında açıklandığı şekilde alırsınız, </a:t>
@@ -5826,45 +5826,45 @@
           </a:p>
           <a:p>
             <a:r>
-              <a:rPr lang="tr-TR" sz="2000" dirty="0">
+              <a:rPr lang="tr-TR" sz="1600" dirty="0">
                 <a:latin typeface="Consolas" panose="020B0609020204030204" pitchFamily="49" charset="0"/>
               </a:rPr>
               <a:t>ancak tarayıcınızı şu adrese yönlendirerek de açıkça Türkçe' </a:t>
             </a:r>
             <a:r>
-              <a:rPr lang="tr-TR" sz="2000" dirty="0" err="1">
+              <a:rPr lang="tr-TR" sz="1600" dirty="0" err="1">
                 <a:latin typeface="Consolas" panose="020B0609020204030204" pitchFamily="49" charset="0"/>
               </a:rPr>
               <a:t>yi</a:t>
             </a:r>
             <a:r>
-              <a:rPr lang="tr-TR" sz="2000" dirty="0">
+              <a:rPr lang="tr-TR" sz="1600" dirty="0">
                 <a:latin typeface="Consolas" panose="020B0609020204030204" pitchFamily="49" charset="0"/>
               </a:rPr>
               <a:t> isteyebilirsiniz.</a:t>
             </a:r>
           </a:p>
           <a:p>
-            <a:endParaRPr lang="tr-TR" sz="2000" dirty="0">
+            <a:endParaRPr lang="tr-TR" sz="1600" dirty="0">
               <a:latin typeface="Consolas" panose="020B0609020204030204" pitchFamily="49" charset="0"/>
             </a:endParaRPr>
           </a:p>
           <a:p>
             <a:r>
-              <a:rPr lang="tr-TR" sz="2000" dirty="0">
+              <a:rPr lang="tr-TR" sz="1600" dirty="0">
                 <a:latin typeface="Consolas" panose="020B0609020204030204" pitchFamily="49" charset="0"/>
               </a:rPr>
               <a:t>http://yoursite.com/tr</a:t>
             </a:r>
           </a:p>
           <a:p>
-            <a:endParaRPr lang="tr-TR" sz="2000" dirty="0">
+            <a:endParaRPr lang="tr-TR" sz="1600" dirty="0">
               <a:latin typeface="Consolas" panose="020B0609020204030204" pitchFamily="49" charset="0"/>
             </a:endParaRPr>
           </a:p>
           <a:p>
             <a:r>
-              <a:rPr lang="tr-TR" sz="2000" dirty="0">
+              <a:rPr lang="tr-TR" sz="1600" dirty="0">
                 <a:latin typeface="Consolas" panose="020B0609020204030204" pitchFamily="49" charset="0"/>
               </a:rPr>
               <a:t>http://yoursite.com/hakkimizda</a:t>
@@ -5872,7 +5872,7 @@
           </a:p>
           <a:p>
             <a:r>
-              <a:rPr lang="tr-TR" sz="2000" dirty="0">
+              <a:rPr lang="tr-TR" sz="1600" dirty="0">
                 <a:latin typeface="Consolas" panose="020B0609020204030204" pitchFamily="49" charset="0"/>
               </a:rPr>
               <a:t>---</a:t>
@@ -5880,30 +5880,30 @@
           </a:p>
           <a:p>
             <a:r>
-              <a:rPr lang="tr-TR" sz="2000" dirty="0" err="1">
+              <a:rPr lang="tr-TR" sz="1600" dirty="0" err="1">
                 <a:latin typeface="Consolas" panose="020B0609020204030204" pitchFamily="49" charset="0"/>
               </a:rPr>
               <a:t>slug</a:t>
             </a:r>
             <a:r>
-              <a:rPr lang="tr-TR" sz="2000" dirty="0">
+              <a:rPr lang="tr-TR" sz="1600" dirty="0">
                 <a:latin typeface="Consolas" panose="020B0609020204030204" pitchFamily="49" charset="0"/>
               </a:rPr>
               <a:t>: </a:t>
             </a:r>
             <a:r>
-              <a:rPr lang="tr-TR" sz="2000" dirty="0" err="1">
+              <a:rPr lang="tr-TR" sz="1600" dirty="0" err="1">
                 <a:latin typeface="Consolas" panose="020B0609020204030204" pitchFamily="49" charset="0"/>
               </a:rPr>
               <a:t>about</a:t>
             </a:r>
-            <a:endParaRPr lang="tr-TR" sz="2000" dirty="0">
+            <a:endParaRPr lang="tr-TR" sz="1600" dirty="0">
               <a:latin typeface="Consolas" panose="020B0609020204030204" pitchFamily="49" charset="0"/>
             </a:endParaRPr>
           </a:p>
           <a:p>
             <a:r>
-              <a:rPr lang="tr-TR" sz="2000" dirty="0">
+              <a:rPr lang="tr-TR" sz="1600" dirty="0">
                 <a:latin typeface="Consolas" panose="020B0609020204030204" pitchFamily="49" charset="0"/>
               </a:rPr>
               <a:t>---</a:t>
@@ -5911,11 +5911,409 @@
           </a:p>
           <a:p>
             <a:r>
-              <a:rPr lang="tr-TR" sz="2000" dirty="0">
-                <a:latin typeface="Consolas" panose="020B0609020204030204" pitchFamily="49" charset="0"/>
-              </a:rPr>
-              <a:t>http://yoursite.com/en/about</a:t>
-            </a:r>
+              <a:rPr lang="tr-TR" sz="1600" dirty="0">
+                <a:latin typeface="Consolas" panose="020B0609020204030204" pitchFamily="49" charset="0"/>
+                <a:hlinkClick r:id="rId4"/>
+              </a:rPr>
+              <a:t>http://</a:t>
+            </a:r>
+            <a:r>
+              <a:rPr lang="tr-TR" sz="1600" dirty="0" smtClean="0">
+                <a:latin typeface="Consolas" panose="020B0609020204030204" pitchFamily="49" charset="0"/>
+                <a:hlinkClick r:id="rId4"/>
+              </a:rPr>
+              <a:t>yoursite.com/en/about</a:t>
+            </a:r>
+            <a:endParaRPr lang="tr-TR" sz="1600" dirty="0" smtClean="0">
+              <a:latin typeface="Consolas" panose="020B0609020204030204" pitchFamily="49" charset="0"/>
+            </a:endParaRPr>
+          </a:p>
+          <a:p>
+            <a:endParaRPr lang="tr-TR" sz="1600" dirty="0">
+              <a:latin typeface="Consolas" panose="020B0609020204030204" pitchFamily="49" charset="0"/>
+            </a:endParaRPr>
+          </a:p>
+          <a:p>
+            <a:r>
+              <a:rPr lang="tr-TR" sz="1600" dirty="0">
+                <a:latin typeface="Consolas" panose="020B0609020204030204" pitchFamily="49" charset="0"/>
+              </a:rPr>
+              <a:t>Not</a:t>
+            </a:r>
+            <a:r>
+              <a:rPr lang="tr-TR" sz="1600" dirty="0" smtClean="0">
+                <a:latin typeface="Consolas" panose="020B0609020204030204" pitchFamily="49" charset="0"/>
+              </a:rPr>
+              <a:t>: Temanın </a:t>
+            </a:r>
+            <a:r>
+              <a:rPr lang="tr-TR" sz="1600" dirty="0">
+                <a:latin typeface="Consolas" panose="020B0609020204030204" pitchFamily="49" charset="0"/>
+              </a:rPr>
+              <a:t>dil dosyasını kullanın, eklentiler dil dosyasında yapılan değişiklikler güncellenince kaybolacaktır.</a:t>
+            </a:r>
+          </a:p>
+          <a:p>
+            <a:endParaRPr lang="tr-TR" sz="1600" dirty="0">
+              <a:latin typeface="Consolas" panose="020B0609020204030204" pitchFamily="49" charset="0"/>
+            </a:endParaRPr>
+          </a:p>
+        </p:txBody>
+      </p:sp>
+      <p:sp>
+        <p:nvSpPr>
+          <p:cNvPr id="4" name="Dikdörtgen 3"/>
+          <p:cNvSpPr/>
+          <p:nvPr/>
+        </p:nvSpPr>
+        <p:spPr>
+          <a:xfrm>
+            <a:off x="6278450" y="1528248"/>
+            <a:ext cx="5676900" cy="4770537"/>
+          </a:xfrm>
+          <a:prstGeom prst="rect">
+            <a:avLst/>
+          </a:prstGeom>
+        </p:spPr>
+        <p:txBody>
+          <a:bodyPr wrap="square">
+            <a:spAutoFit/>
+          </a:bodyPr>
+          <a:lstStyle/>
+          <a:p>
+            <a:r>
+              <a:rPr lang="tr-TR" sz="1600" dirty="0" smtClean="0">
+                <a:latin typeface="Consolas" panose="020B0609020204030204" pitchFamily="49" charset="0"/>
+              </a:rPr>
+              <a:t>/</a:t>
+            </a:r>
+            <a:r>
+              <a:rPr lang="tr-TR" sz="1600" dirty="0" err="1" smtClean="0">
+                <a:latin typeface="Consolas" panose="020B0609020204030204" pitchFamily="49" charset="0"/>
+              </a:rPr>
+              <a:t>user</a:t>
+            </a:r>
+            <a:r>
+              <a:rPr lang="tr-TR" sz="1600" dirty="0" smtClean="0">
+                <a:latin typeface="Consolas" panose="020B0609020204030204" pitchFamily="49" charset="0"/>
+              </a:rPr>
+              <a:t>/</a:t>
+            </a:r>
+            <a:r>
+              <a:rPr lang="tr-TR" sz="1600" dirty="0" err="1" smtClean="0">
+                <a:latin typeface="Consolas" panose="020B0609020204030204" pitchFamily="49" charset="0"/>
+              </a:rPr>
+              <a:t>themes</a:t>
+            </a:r>
+            <a:r>
+              <a:rPr lang="tr-TR" sz="1600" dirty="0" smtClean="0">
+                <a:latin typeface="Consolas" panose="020B0609020204030204" pitchFamily="49" charset="0"/>
+              </a:rPr>
+              <a:t>/</a:t>
+            </a:r>
+            <a:r>
+              <a:rPr lang="tr-TR" sz="1600" dirty="0" err="1" smtClean="0">
+                <a:latin typeface="Consolas" panose="020B0609020204030204" pitchFamily="49" charset="0"/>
+              </a:rPr>
+              <a:t>fakulte</a:t>
+            </a:r>
+            <a:r>
+              <a:rPr lang="tr-TR" sz="1600" dirty="0" smtClean="0">
+                <a:latin typeface="Consolas" panose="020B0609020204030204" pitchFamily="49" charset="0"/>
+              </a:rPr>
+              <a:t>/</a:t>
+            </a:r>
+            <a:r>
+              <a:rPr lang="tr-TR" sz="1600" dirty="0" err="1" smtClean="0">
+                <a:latin typeface="Consolas" panose="020B0609020204030204" pitchFamily="49" charset="0"/>
+              </a:rPr>
+              <a:t>languages.yaml</a:t>
+            </a:r>
+            <a:endParaRPr lang="tr-TR" sz="1600" dirty="0" smtClean="0">
+              <a:latin typeface="Consolas" panose="020B0609020204030204" pitchFamily="49" charset="0"/>
+            </a:endParaRPr>
+          </a:p>
+          <a:p>
+            <a:endParaRPr lang="tr-TR" sz="1600" dirty="0" smtClean="0">
+              <a:latin typeface="Consolas" panose="020B0609020204030204" pitchFamily="49" charset="0"/>
+            </a:endParaRPr>
+          </a:p>
+          <a:p>
+            <a:r>
+              <a:rPr lang="en-US" sz="1600" dirty="0" err="1" smtClean="0">
+                <a:latin typeface="Consolas" panose="020B0609020204030204" pitchFamily="49" charset="0"/>
+              </a:rPr>
+              <a:t>en</a:t>
+            </a:r>
+            <a:r>
+              <a:rPr lang="en-US" sz="1600" dirty="0">
+                <a:latin typeface="Consolas" panose="020B0609020204030204" pitchFamily="49" charset="0"/>
+              </a:rPr>
+              <a:t>:</a:t>
+            </a:r>
+          </a:p>
+          <a:p>
+            <a:r>
+              <a:rPr lang="tr-TR" sz="1600" dirty="0" smtClean="0">
+                <a:latin typeface="Consolas" panose="020B0609020204030204" pitchFamily="49" charset="0"/>
+              </a:rPr>
+              <a:t>  </a:t>
+            </a:r>
+            <a:r>
+              <a:rPr lang="en-US" sz="1600" dirty="0" smtClean="0">
+                <a:latin typeface="Consolas" panose="020B0609020204030204" pitchFamily="49" charset="0"/>
+              </a:rPr>
+              <a:t>EVENT_CALANDER</a:t>
+            </a:r>
+            <a:r>
+              <a:rPr lang="en-US" sz="1600" dirty="0">
+                <a:latin typeface="Consolas" panose="020B0609020204030204" pitchFamily="49" charset="0"/>
+              </a:rPr>
+              <a:t>: Event </a:t>
+            </a:r>
+            <a:r>
+              <a:rPr lang="en-US" sz="1600" dirty="0" err="1">
+                <a:latin typeface="Consolas" panose="020B0609020204030204" pitchFamily="49" charset="0"/>
+              </a:rPr>
+              <a:t>Calender</a:t>
+            </a:r>
+            <a:endParaRPr lang="en-US" sz="1600" dirty="0">
+              <a:latin typeface="Consolas" panose="020B0609020204030204" pitchFamily="49" charset="0"/>
+            </a:endParaRPr>
+          </a:p>
+          <a:p>
+            <a:r>
+              <a:rPr lang="en-US" sz="1600" dirty="0">
+                <a:latin typeface="Consolas" panose="020B0609020204030204" pitchFamily="49" charset="0"/>
+              </a:rPr>
+              <a:t>  VIDEO_GALLERY: Video Gallery</a:t>
+            </a:r>
+          </a:p>
+          <a:p>
+            <a:r>
+              <a:rPr lang="en-US" sz="1600" dirty="0">
+                <a:latin typeface="Consolas" panose="020B0609020204030204" pitchFamily="49" charset="0"/>
+              </a:rPr>
+              <a:t>  LINKS: Links</a:t>
+            </a:r>
+          </a:p>
+          <a:p>
+            <a:r>
+              <a:rPr lang="en-US" sz="1600" dirty="0">
+                <a:latin typeface="Consolas" panose="020B0609020204030204" pitchFamily="49" charset="0"/>
+              </a:rPr>
+              <a:t>  CONTACT: Contact</a:t>
+            </a:r>
+          </a:p>
+          <a:p>
+            <a:r>
+              <a:rPr lang="tr-TR" sz="1600" dirty="0" smtClean="0">
+                <a:latin typeface="Consolas" panose="020B0609020204030204" pitchFamily="49" charset="0"/>
+              </a:rPr>
+              <a:t>tr:</a:t>
+            </a:r>
+            <a:endParaRPr lang="tr-TR" sz="1600" dirty="0">
+              <a:latin typeface="Consolas" panose="020B0609020204030204" pitchFamily="49" charset="0"/>
+            </a:endParaRPr>
+          </a:p>
+          <a:p>
+            <a:r>
+              <a:rPr lang="tr-TR" sz="1600" dirty="0">
+                <a:latin typeface="Consolas" panose="020B0609020204030204" pitchFamily="49" charset="0"/>
+              </a:rPr>
+              <a:t>  EVENT_CALANDER: Etkinlik Takvimi</a:t>
+            </a:r>
+          </a:p>
+          <a:p>
+            <a:r>
+              <a:rPr lang="tr-TR" sz="1600" dirty="0">
+                <a:latin typeface="Consolas" panose="020B0609020204030204" pitchFamily="49" charset="0"/>
+              </a:rPr>
+              <a:t>  VIDEO_GALLERY: Video Galerisi</a:t>
+            </a:r>
+          </a:p>
+          <a:p>
+            <a:r>
+              <a:rPr lang="tr-TR" sz="1600" dirty="0">
+                <a:latin typeface="Consolas" panose="020B0609020204030204" pitchFamily="49" charset="0"/>
+              </a:rPr>
+              <a:t>  LINKS: Bağlantılar</a:t>
+            </a:r>
+          </a:p>
+          <a:p>
+            <a:r>
+              <a:rPr lang="tr-TR" sz="1600" dirty="0">
+                <a:latin typeface="Consolas" panose="020B0609020204030204" pitchFamily="49" charset="0"/>
+              </a:rPr>
+              <a:t>  CONTACT: İletişim</a:t>
+            </a:r>
+          </a:p>
+          <a:p>
+            <a:r>
+              <a:rPr lang="tr-TR" sz="1600" dirty="0" smtClean="0">
+                <a:latin typeface="Consolas" panose="020B0609020204030204" pitchFamily="49" charset="0"/>
+              </a:rPr>
+              <a:t>ar</a:t>
+            </a:r>
+            <a:r>
+              <a:rPr lang="tr-TR" sz="1600" dirty="0">
+                <a:latin typeface="Consolas" panose="020B0609020204030204" pitchFamily="49" charset="0"/>
+              </a:rPr>
+              <a:t>:</a:t>
+            </a:r>
+          </a:p>
+          <a:p>
+            <a:r>
+              <a:rPr lang="tr-TR" sz="1600" dirty="0" smtClean="0">
+                <a:latin typeface="Consolas" panose="020B0609020204030204" pitchFamily="49" charset="0"/>
+              </a:rPr>
+              <a:t>  EVENT_CALANDER</a:t>
+            </a:r>
+            <a:r>
+              <a:rPr lang="tr-TR" sz="1600" dirty="0">
+                <a:latin typeface="Consolas" panose="020B0609020204030204" pitchFamily="49" charset="0"/>
+              </a:rPr>
+              <a:t>: </a:t>
+            </a:r>
+            <a:r>
+              <a:rPr lang="ar-AE" sz="1600" dirty="0">
+                <a:latin typeface="Consolas" panose="020B0609020204030204" pitchFamily="49" charset="0"/>
+              </a:rPr>
+              <a:t>تقويم الأحداث</a:t>
+            </a:r>
+          </a:p>
+          <a:p>
+            <a:r>
+              <a:rPr lang="ar-AE" sz="1600" dirty="0">
+                <a:latin typeface="Consolas" panose="020B0609020204030204" pitchFamily="49" charset="0"/>
+              </a:rPr>
+              <a:t>  </a:t>
+            </a:r>
+            <a:r>
+              <a:rPr lang="tr-TR" sz="1600" dirty="0" smtClean="0">
+                <a:latin typeface="Consolas" panose="020B0609020204030204" pitchFamily="49" charset="0"/>
+              </a:rPr>
+              <a:t> VIDEO_GALLERY</a:t>
+            </a:r>
+            <a:r>
+              <a:rPr lang="tr-TR" sz="1600" dirty="0">
+                <a:latin typeface="Consolas" panose="020B0609020204030204" pitchFamily="49" charset="0"/>
+              </a:rPr>
+              <a:t>: </a:t>
+            </a:r>
+            <a:r>
+              <a:rPr lang="ar-AE" sz="1600" dirty="0">
+                <a:latin typeface="Consolas" panose="020B0609020204030204" pitchFamily="49" charset="0"/>
+              </a:rPr>
+              <a:t>معرض الفيديو</a:t>
+            </a:r>
+          </a:p>
+          <a:p>
+            <a:r>
+              <a:rPr lang="ar-AE" sz="1600" dirty="0">
+                <a:latin typeface="Consolas" panose="020B0609020204030204" pitchFamily="49" charset="0"/>
+              </a:rPr>
+              <a:t>  </a:t>
+            </a:r>
+            <a:r>
+              <a:rPr lang="tr-TR" sz="1600" dirty="0" smtClean="0">
+                <a:latin typeface="Consolas" panose="020B0609020204030204" pitchFamily="49" charset="0"/>
+              </a:rPr>
+              <a:t> LINKS</a:t>
+            </a:r>
+            <a:r>
+              <a:rPr lang="tr-TR" sz="1600" dirty="0">
+                <a:latin typeface="Consolas" panose="020B0609020204030204" pitchFamily="49" charset="0"/>
+              </a:rPr>
+              <a:t>: </a:t>
+            </a:r>
+            <a:r>
+              <a:rPr lang="ar-AE" sz="1600" dirty="0">
+                <a:latin typeface="Consolas" panose="020B0609020204030204" pitchFamily="49" charset="0"/>
+              </a:rPr>
+              <a:t>الروابط</a:t>
+            </a:r>
+          </a:p>
+          <a:p>
+            <a:r>
+              <a:rPr lang="ar-AE" sz="1600" dirty="0">
+                <a:latin typeface="Consolas" panose="020B0609020204030204" pitchFamily="49" charset="0"/>
+              </a:rPr>
+              <a:t>  </a:t>
+            </a:r>
+            <a:r>
+              <a:rPr lang="tr-TR" sz="1600" dirty="0" smtClean="0">
+                <a:latin typeface="Consolas" panose="020B0609020204030204" pitchFamily="49" charset="0"/>
+              </a:rPr>
+              <a:t> CONTACT</a:t>
+            </a:r>
+            <a:r>
+              <a:rPr lang="tr-TR" sz="1600" dirty="0">
+                <a:latin typeface="Consolas" panose="020B0609020204030204" pitchFamily="49" charset="0"/>
+              </a:rPr>
+              <a:t>: </a:t>
+            </a:r>
+            <a:r>
+              <a:rPr lang="ar-AE" sz="1600" dirty="0" smtClean="0">
+                <a:latin typeface="Consolas" panose="020B0609020204030204" pitchFamily="49" charset="0"/>
+              </a:rPr>
+              <a:t>اتصالات</a:t>
+            </a:r>
+            <a:endParaRPr lang="tr-TR" sz="1600" dirty="0" smtClean="0">
+              <a:latin typeface="Consolas" panose="020B0609020204030204" pitchFamily="49" charset="0"/>
+            </a:endParaRPr>
+          </a:p>
+          <a:p>
+            <a:r>
+              <a:rPr lang="tr-TR" sz="1600" dirty="0" smtClean="0">
+                <a:latin typeface="Consolas" panose="020B0609020204030204" pitchFamily="49" charset="0"/>
+              </a:rPr>
+              <a:t> </a:t>
+            </a:r>
+            <a:endParaRPr lang="tr-TR" sz="1600" dirty="0">
+              <a:latin typeface="Consolas" panose="020B0609020204030204" pitchFamily="49" charset="0"/>
+            </a:endParaRPr>
+          </a:p>
+          <a:p>
+            <a:r>
+              <a:rPr lang="tr-TR" sz="1600" dirty="0" err="1" smtClean="0">
+                <a:latin typeface="Consolas" panose="020B0609020204030204" pitchFamily="49" charset="0"/>
+              </a:rPr>
+              <a:t>Twig</a:t>
+            </a:r>
+            <a:r>
+              <a:rPr lang="tr-TR" sz="1600" dirty="0" smtClean="0">
+                <a:latin typeface="Consolas" panose="020B0609020204030204" pitchFamily="49" charset="0"/>
+              </a:rPr>
+              <a:t> </a:t>
+            </a:r>
+            <a:r>
+              <a:rPr lang="tr-TR" sz="1600" dirty="0" err="1" smtClean="0">
+                <a:latin typeface="Consolas" panose="020B0609020204030204" pitchFamily="49" charset="0"/>
+              </a:rPr>
+              <a:t>kulanımı</a:t>
+            </a:r>
+            <a:r>
+              <a:rPr lang="tr-TR" sz="1600" dirty="0" smtClean="0">
+                <a:latin typeface="Consolas" panose="020B0609020204030204" pitchFamily="49" charset="0"/>
+              </a:rPr>
+              <a:t>	{{ </a:t>
+            </a:r>
+            <a:r>
+              <a:rPr lang="tr-TR" sz="1600" dirty="0">
+                <a:latin typeface="Consolas" panose="020B0609020204030204" pitchFamily="49" charset="0"/>
+              </a:rPr>
+              <a:t>t("VIDEO_GALLERY") </a:t>
+            </a:r>
+            <a:r>
+              <a:rPr lang="tr-TR" sz="1600" dirty="0" smtClean="0">
+                <a:latin typeface="Consolas" panose="020B0609020204030204" pitchFamily="49" charset="0"/>
+              </a:rPr>
+              <a:t>}}</a:t>
+            </a:r>
+            <a:endParaRPr lang="tr-TR" sz="1600" dirty="0">
+              <a:latin typeface="Consolas" panose="020B0609020204030204" pitchFamily="49" charset="0"/>
+            </a:endParaRPr>
           </a:p>
         </p:txBody>
       </p:sp>
@@ -16330,7 +16728,7 @@
         <p:spPr>
           <a:xfrm>
             <a:off x="840418" y="1587010"/>
-            <a:ext cx="10931371" cy="4401205"/>
+            <a:ext cx="10931371" cy="3785652"/>
           </a:xfrm>
           <a:prstGeom prst="rect">
             <a:avLst/>
@@ -16434,16 +16832,11 @@
               <a:t>sistemidir</a:t>
             </a:r>
             <a:r>
-              <a:rPr lang="tr-TR" sz="4000" dirty="0">
+              <a:rPr lang="tr-TR" sz="4000" dirty="0" smtClean="0">
                 <a:latin typeface="Consolas" panose="020B0609020204030204" pitchFamily="49" charset="0"/>
               </a:rPr>
               <a:t>.</a:t>
             </a:r>
-          </a:p>
-          <a:p>
-            <a:endParaRPr lang="tr-TR" sz="4000" dirty="0">
-              <a:latin typeface="Consolas" panose="020B0609020204030204" pitchFamily="49" charset="0"/>
-            </a:endParaRPr>
           </a:p>
         </p:txBody>
       </p:sp>
@@ -21056,8 +21449,8 @@
         </p:nvSpPr>
         <p:spPr>
           <a:xfrm>
-            <a:off x="655320" y="1587010"/>
-            <a:ext cx="11308080" cy="4955203"/>
+            <a:off x="781234" y="1587010"/>
+            <a:ext cx="11052699" cy="4893647"/>
           </a:xfrm>
           <a:prstGeom prst="rect">
             <a:avLst/>
@@ -21077,138 +21470,156 @@
             </a:r>
           </a:p>
           <a:p>
-            <a:endParaRPr lang="tr-TR" sz="2400" dirty="0" smtClean="0">
+            <a:endParaRPr lang="tr-TR" sz="2000" dirty="0" smtClean="0">
               <a:latin typeface="Consolas" panose="020B0609020204030204" pitchFamily="49" charset="0"/>
             </a:endParaRPr>
           </a:p>
           <a:p>
             <a:r>
-              <a:rPr lang="tr-TR" sz="2400" dirty="0" smtClean="0">
+              <a:rPr lang="tr-TR" sz="2200" dirty="0" smtClean="0">
                 <a:latin typeface="Consolas" panose="020B0609020204030204" pitchFamily="49" charset="0"/>
               </a:rPr>
               <a:t>Diğer </a:t>
             </a:r>
             <a:r>
-              <a:rPr lang="tr-TR" sz="2400" dirty="0">
-                <a:latin typeface="Consolas" panose="020B0609020204030204" pitchFamily="49" charset="0"/>
-              </a:rPr>
-              <a:t>içerik yönetim sistemleri gibi, içerik yönetimini yazılımcının mantığı ile yapmaz.</a:t>
-            </a:r>
-          </a:p>
-          <a:p>
-            <a:endParaRPr lang="tr-TR" sz="2400" dirty="0">
+              <a:rPr lang="tr-TR" sz="2200" dirty="0">
+                <a:latin typeface="Consolas" panose="020B0609020204030204" pitchFamily="49" charset="0"/>
+              </a:rPr>
+              <a:t>içerik yönetim sistemleri gibi, içerik yönetimini yazılımcının mantığı ile </a:t>
+            </a:r>
+            <a:r>
+              <a:rPr lang="tr-TR" sz="2200" dirty="0" smtClean="0">
+                <a:latin typeface="Consolas" panose="020B0609020204030204" pitchFamily="49" charset="0"/>
+              </a:rPr>
+              <a:t>yapmaz, Mevcut </a:t>
+            </a:r>
+            <a:r>
+              <a:rPr lang="tr-TR" sz="2200" dirty="0">
+                <a:latin typeface="Consolas" panose="020B0609020204030204" pitchFamily="49" charset="0"/>
+              </a:rPr>
+              <a:t>en iyi yazılımları, uygun şekilde konuşturur</a:t>
+            </a:r>
+            <a:r>
+              <a:rPr lang="tr-TR" sz="2200" dirty="0" smtClean="0">
+                <a:latin typeface="Consolas" panose="020B0609020204030204" pitchFamily="49" charset="0"/>
+              </a:rPr>
+              <a:t>.</a:t>
+            </a:r>
+          </a:p>
+          <a:p>
+            <a:r>
+              <a:rPr lang="tr-TR" sz="2200" dirty="0" smtClean="0">
+                <a:latin typeface="Consolas" panose="020B0609020204030204" pitchFamily="49" charset="0"/>
+              </a:rPr>
+              <a:t> </a:t>
+            </a:r>
+          </a:p>
+          <a:p>
+            <a:r>
+              <a:rPr lang="tr-TR" sz="2200" dirty="0">
+                <a:latin typeface="Consolas" panose="020B0609020204030204" pitchFamily="49" charset="0"/>
+              </a:rPr>
+              <a:t>Sayfaların, karmaşık veri tabanı </a:t>
+            </a:r>
+            <a:r>
+              <a:rPr lang="tr-TR" sz="2200" dirty="0" smtClean="0">
+                <a:latin typeface="Consolas" panose="020B0609020204030204" pitchFamily="49" charset="0"/>
+              </a:rPr>
+              <a:t>tablo ilişkileri </a:t>
+            </a:r>
+            <a:r>
+              <a:rPr lang="tr-TR" sz="2200" dirty="0">
+                <a:latin typeface="Consolas" panose="020B0609020204030204" pitchFamily="49" charset="0"/>
+              </a:rPr>
+              <a:t>yerine hiyerarşik bir ağaç yapısında olması, daha anlaşılır hale getirir.</a:t>
+            </a:r>
+          </a:p>
+          <a:p>
+            <a:endParaRPr lang="tr-TR" sz="2200" dirty="0">
               <a:latin typeface="Consolas" panose="020B0609020204030204" pitchFamily="49" charset="0"/>
             </a:endParaRPr>
           </a:p>
           <a:p>
             <a:r>
-              <a:rPr lang="tr-TR" sz="2400" dirty="0">
-                <a:latin typeface="Consolas" panose="020B0609020204030204" pitchFamily="49" charset="0"/>
-              </a:rPr>
-              <a:t>Sadece mevcut en iyi yazılımları, uygun şekilde konuşturur</a:t>
-            </a:r>
-            <a:r>
-              <a:rPr lang="tr-TR" sz="2400" dirty="0" smtClean="0">
-                <a:latin typeface="Consolas" panose="020B0609020204030204" pitchFamily="49" charset="0"/>
-              </a:rPr>
-              <a:t>.</a:t>
-            </a:r>
-          </a:p>
-          <a:p>
-            <a:r>
-              <a:rPr lang="tr-TR" sz="2400" dirty="0" smtClean="0">
+              <a:rPr lang="tr-TR" sz="2200" dirty="0" smtClean="0">
+                <a:latin typeface="Consolas" panose="020B0609020204030204" pitchFamily="49" charset="0"/>
+              </a:rPr>
+              <a:t>Eklentiler, </a:t>
+            </a:r>
+            <a:r>
+              <a:rPr lang="tr-TR" sz="2200" dirty="0" err="1" smtClean="0">
+                <a:latin typeface="Consolas" panose="020B0609020204030204" pitchFamily="49" charset="0"/>
+              </a:rPr>
+              <a:t>veritabanın</a:t>
+            </a:r>
+            <a:r>
+              <a:rPr lang="tr-TR" sz="2200" dirty="0" smtClean="0">
+                <a:latin typeface="Consolas" panose="020B0609020204030204" pitchFamily="49" charset="0"/>
+              </a:rPr>
+              <a:t> da </a:t>
+            </a:r>
+            <a:r>
+              <a:rPr lang="tr-TR" sz="2200" dirty="0">
+                <a:latin typeface="Consolas" panose="020B0609020204030204" pitchFamily="49" charset="0"/>
+              </a:rPr>
+              <a:t>ekstra anlaşılmaz tablolar açmaz, Controller yoksa sadece </a:t>
+            </a:r>
+            <a:r>
+              <a:rPr lang="tr-TR" sz="2200" dirty="0" err="1">
+                <a:latin typeface="Consolas" panose="020B0609020204030204" pitchFamily="49" charset="0"/>
+              </a:rPr>
+              <a:t>template</a:t>
+            </a:r>
+            <a:r>
+              <a:rPr lang="tr-TR" sz="2200" dirty="0">
                 <a:latin typeface="Consolas" panose="020B0609020204030204" pitchFamily="49" charset="0"/>
               </a:rPr>
               <a:t> </a:t>
             </a:r>
-          </a:p>
-          <a:p>
-            <a:r>
-              <a:rPr lang="tr-TR" sz="2400" dirty="0">
-                <a:latin typeface="Consolas" panose="020B0609020204030204" pitchFamily="49" charset="0"/>
-              </a:rPr>
-              <a:t>Sayfaların, karmaşık veri tabanı </a:t>
-            </a:r>
-            <a:r>
-              <a:rPr lang="tr-TR" sz="2400" dirty="0" smtClean="0">
-                <a:latin typeface="Consolas" panose="020B0609020204030204" pitchFamily="49" charset="0"/>
-              </a:rPr>
-              <a:t>tablo ilişkileri </a:t>
-            </a:r>
-            <a:r>
-              <a:rPr lang="tr-TR" sz="2400" dirty="0">
-                <a:latin typeface="Consolas" panose="020B0609020204030204" pitchFamily="49" charset="0"/>
-              </a:rPr>
-              <a:t>yerine hiyerarşik bir ağaç yapısında olması, daha anlaşılır hale getirir.</a:t>
-            </a:r>
-          </a:p>
-          <a:p>
-            <a:endParaRPr lang="tr-TR" sz="2400" dirty="0">
+            <a:r>
+              <a:rPr lang="tr-TR" sz="2200" dirty="0" smtClean="0">
+                <a:latin typeface="Consolas" panose="020B0609020204030204" pitchFamily="49" charset="0"/>
+              </a:rPr>
+              <a:t>klasörüne </a:t>
+            </a:r>
+            <a:r>
+              <a:rPr lang="tr-TR" sz="2200" dirty="0" err="1">
+                <a:latin typeface="Consolas" panose="020B0609020204030204" pitchFamily="49" charset="0"/>
+              </a:rPr>
+              <a:t>twig</a:t>
+            </a:r>
+            <a:r>
+              <a:rPr lang="tr-TR" sz="2200" dirty="0">
+                <a:latin typeface="Consolas" panose="020B0609020204030204" pitchFamily="49" charset="0"/>
+              </a:rPr>
+              <a:t> uzantılı dosya </a:t>
+            </a:r>
+            <a:r>
+              <a:rPr lang="tr-TR" sz="2200" dirty="0" smtClean="0">
+                <a:latin typeface="Consolas" panose="020B0609020204030204" pitchFamily="49" charset="0"/>
+              </a:rPr>
+              <a:t>eklenir.</a:t>
+            </a:r>
+          </a:p>
+          <a:p>
+            <a:endParaRPr lang="tr-TR" sz="2200" dirty="0" smtClean="0">
               <a:latin typeface="Consolas" panose="020B0609020204030204" pitchFamily="49" charset="0"/>
             </a:endParaRPr>
           </a:p>
           <a:p>
             <a:r>
-              <a:rPr lang="tr-TR" sz="2400" dirty="0">
-                <a:latin typeface="Consolas" panose="020B0609020204030204" pitchFamily="49" charset="0"/>
-              </a:rPr>
-              <a:t>E</a:t>
-            </a:r>
-            <a:r>
-              <a:rPr lang="tr-TR" sz="2400" dirty="0" smtClean="0">
-                <a:latin typeface="Consolas" panose="020B0609020204030204" pitchFamily="49" charset="0"/>
-              </a:rPr>
-              <a:t>klentilerde</a:t>
-            </a:r>
-            <a:r>
-              <a:rPr lang="tr-TR" sz="2400" dirty="0">
-                <a:latin typeface="Consolas" panose="020B0609020204030204" pitchFamily="49" charset="0"/>
-              </a:rPr>
-              <a:t>, </a:t>
-            </a:r>
-            <a:r>
-              <a:rPr lang="tr-TR" sz="2400" dirty="0" err="1">
-                <a:latin typeface="Consolas" panose="020B0609020204030204" pitchFamily="49" charset="0"/>
-              </a:rPr>
-              <a:t>veritabanında</a:t>
-            </a:r>
-            <a:r>
-              <a:rPr lang="tr-TR" sz="2400" dirty="0">
-                <a:latin typeface="Consolas" panose="020B0609020204030204" pitchFamily="49" charset="0"/>
-              </a:rPr>
-              <a:t> ekstra anlaşılmaz tablolar açmaz, Controller yoksa sadece </a:t>
-            </a:r>
-            <a:r>
-              <a:rPr lang="tr-TR" sz="2400" dirty="0" err="1">
-                <a:latin typeface="Consolas" panose="020B0609020204030204" pitchFamily="49" charset="0"/>
-              </a:rPr>
-              <a:t>template</a:t>
-            </a:r>
-            <a:r>
-              <a:rPr lang="tr-TR" sz="2400" dirty="0">
-                <a:latin typeface="Consolas" panose="020B0609020204030204" pitchFamily="49" charset="0"/>
-              </a:rPr>
-              <a:t> klasöründe </a:t>
-            </a:r>
-            <a:r>
-              <a:rPr lang="tr-TR" sz="2400" dirty="0" err="1">
-                <a:latin typeface="Consolas" panose="020B0609020204030204" pitchFamily="49" charset="0"/>
-              </a:rPr>
-              <a:t>twig</a:t>
-            </a:r>
-            <a:r>
-              <a:rPr lang="tr-TR" sz="2400" dirty="0">
-                <a:latin typeface="Consolas" panose="020B0609020204030204" pitchFamily="49" charset="0"/>
-              </a:rPr>
-              <a:t> uzantılı dosya ekler</a:t>
-            </a:r>
-            <a:r>
-              <a:rPr lang="tr-TR" sz="2400" dirty="0" smtClean="0">
-                <a:latin typeface="Consolas" panose="020B0609020204030204" pitchFamily="49" charset="0"/>
-              </a:rPr>
-              <a:t>.</a:t>
-            </a:r>
-            <a:endParaRPr lang="tr-TR" sz="2400" dirty="0">
+              <a:rPr lang="tr-TR" sz="2200" dirty="0">
+                <a:latin typeface="Consolas" panose="020B0609020204030204" pitchFamily="49" charset="0"/>
+              </a:rPr>
+              <a:t>Her işi değil, işimize yarayanı </a:t>
+            </a:r>
+            <a:r>
+              <a:rPr lang="tr-TR" sz="2200" dirty="0" smtClean="0">
+                <a:latin typeface="Consolas" panose="020B0609020204030204" pitchFamily="49" charset="0"/>
+              </a:rPr>
+              <a:t>en iyi şekilde yapar.</a:t>
+            </a:r>
+            <a:endParaRPr lang="tr-TR" sz="2200" dirty="0">
               <a:latin typeface="Consolas" panose="020B0609020204030204" pitchFamily="49" charset="0"/>
             </a:endParaRPr>
           </a:p>
@@ -21399,7 +21810,7 @@
         <p:spPr>
           <a:xfrm>
             <a:off x="363984" y="1587010"/>
-            <a:ext cx="11549849" cy="4832092"/>
+            <a:ext cx="11549849" cy="4401205"/>
           </a:xfrm>
           <a:prstGeom prst="rect">
             <a:avLst/>
@@ -21604,13 +22015,13 @@
               <a:rPr lang="tr-TR" sz="2800" dirty="0">
                 <a:latin typeface="Consolas" panose="020B0609020204030204" pitchFamily="49" charset="0"/>
               </a:rPr>
-              <a:t>, içeriğiniz için düz metin dosyaları ile oluşturulmuştur</a:t>
-            </a:r>
-            <a:r>
-              <a:rPr lang="tr-TR" sz="2800" dirty="0" smtClean="0">
-                <a:latin typeface="Consolas" panose="020B0609020204030204" pitchFamily="49" charset="0"/>
-              </a:rPr>
-              <a:t>..</a:t>
+              <a:t>, içeriğiniz için düz metin </a:t>
+            </a:r>
+            <a:r>
+              <a:rPr lang="tr-TR" sz="2800" smtClean="0">
+                <a:latin typeface="Consolas" panose="020B0609020204030204" pitchFamily="49" charset="0"/>
+              </a:rPr>
+              <a:t>dosyalarını kullanır…</a:t>
             </a:r>
             <a:endParaRPr lang="tr-TR" sz="2800" dirty="0">
               <a:latin typeface="Consolas" panose="020B0609020204030204" pitchFamily="49" charset="0"/>
@@ -21671,48 +22082,6 @@
       </p:grpSpPr>
       <p:sp>
         <p:nvSpPr>
-          <p:cNvPr id="5" name="Metin kutusu 4"/>
-          <p:cNvSpPr txBox="1"/>
-          <p:nvPr/>
-        </p:nvSpPr>
-        <p:spPr>
-          <a:xfrm>
-            <a:off x="3982322" y="1323549"/>
-            <a:ext cx="4237150" cy="1107996"/>
-          </a:xfrm>
-          <a:prstGeom prst="rect">
-            <a:avLst/>
-          </a:prstGeom>
-          <a:noFill/>
-        </p:spPr>
-        <p:txBody>
-          <a:bodyPr wrap="square" rtlCol="0">
-            <a:spAutoFit/>
-          </a:bodyPr>
-          <a:lstStyle/>
-          <a:p>
-            <a:r>
-              <a:rPr lang="tr-TR" sz="6600" b="1" dirty="0" smtClean="0">
-                <a:solidFill>
-                  <a:schemeClr val="bg1"/>
-                </a:solidFill>
-                <a:latin typeface="Courier New" panose="02070309020205020404" pitchFamily="49" charset="0"/>
-                <a:cs typeface="Courier New" panose="02070309020205020404" pitchFamily="49" charset="0"/>
-              </a:rPr>
-              <a:t>Sorular? </a:t>
-            </a:r>
-            <a:endParaRPr lang="tr-TR" sz="6600" b="1" dirty="0">
-              <a:solidFill>
-                <a:schemeClr val="bg1"/>
-              </a:solidFill>
-              <a:latin typeface="Courier New" panose="02070309020205020404" pitchFamily="49" charset="0"/>
-              <a:cs typeface="Courier New" panose="02070309020205020404" pitchFamily="49" charset="0"/>
-            </a:endParaRPr>
-          </a:p>
-        </p:txBody>
-      </p:sp>
-      <p:sp>
-        <p:nvSpPr>
           <p:cNvPr id="2" name="Metin kutusu 1"/>
           <p:cNvSpPr txBox="1"/>
           <p:nvPr/>
@@ -21735,24 +22104,14 @@
           <a:p>
             <a:pPr algn="ctr"/>
             <a:r>
-              <a:rPr lang="tr-TR" sz="2400" b="1" dirty="0">
+              <a:rPr lang="tr-TR" sz="2400" b="1" smtClean="0">
                 <a:solidFill>
                   <a:schemeClr val="bg1"/>
                 </a:solidFill>
                 <a:latin typeface="Courier New" panose="02070309020205020404" pitchFamily="49" charset="0"/>
                 <a:cs typeface="Courier New" panose="02070309020205020404" pitchFamily="49" charset="0"/>
               </a:rPr>
-              <a:t>https://</a:t>
-            </a:r>
-            <a:r>
-              <a:rPr lang="tr-TR" sz="2400" b="1" dirty="0" smtClean="0">
-                <a:solidFill>
-                  <a:schemeClr val="bg1"/>
-                </a:solidFill>
-                <a:latin typeface="Courier New" panose="02070309020205020404" pitchFamily="49" charset="0"/>
-                <a:cs typeface="Courier New" panose="02070309020205020404" pitchFamily="49" charset="0"/>
-              </a:rPr>
-              <a:t>github.com/smcn/dns/</a:t>
+              <a:t>https://github.com/smcn/dns/</a:t>
             </a:r>
             <a:endParaRPr lang="tr-TR" sz="2400" b="1" dirty="0">
               <a:solidFill>
@@ -21802,8 +22161,8 @@
         </p:nvSpPr>
         <p:spPr>
           <a:xfrm>
-            <a:off x="845316" y="1480478"/>
-            <a:ext cx="10866268" cy="4955203"/>
+            <a:off x="845315" y="1480478"/>
+            <a:ext cx="5534875" cy="5139869"/>
           </a:xfrm>
           <a:prstGeom prst="rect">
             <a:avLst/>
@@ -21861,13 +22220,13 @@
               <a:rPr lang="tr-TR" sz="2000" dirty="0" smtClean="0">
                 <a:latin typeface="Consolas" panose="020B0609020204030204" pitchFamily="49" charset="0"/>
               </a:rPr>
-              <a:t> </a:t>
+              <a:t> paketini </a:t>
             </a:r>
             <a:r>
               <a:rPr lang="tr-TR" sz="2000" dirty="0">
                 <a:latin typeface="Consolas" panose="020B0609020204030204" pitchFamily="49" charset="0"/>
               </a:rPr>
-              <a:t>paketini indirin. </a:t>
+              <a:t>indirin. </a:t>
             </a:r>
           </a:p>
           <a:p>
@@ -21995,63 +22354,295 @@
           </a:p>
           <a:p>
             <a:r>
-              <a:rPr lang="tr-TR" sz="1600" dirty="0" err="1" smtClean="0">
+              <a:rPr lang="tr-TR" sz="1600" dirty="0">
+                <a:latin typeface="Consolas" panose="020B0609020204030204" pitchFamily="49" charset="0"/>
+              </a:rPr>
+              <a:t> </a:t>
+            </a:r>
+            <a:r>
+              <a:rPr lang="tr-TR" sz="1600" dirty="0" smtClean="0">
+                <a:latin typeface="Consolas" panose="020B0609020204030204" pitchFamily="49" charset="0"/>
+              </a:rPr>
+              <a:t>   </a:t>
+            </a:r>
+            <a:r>
+              <a:rPr lang="tr-TR" sz="2000" dirty="0" err="1">
                 <a:latin typeface="Consolas" panose="020B0609020204030204" pitchFamily="49" charset="0"/>
               </a:rPr>
               <a:t>Grav</a:t>
             </a:r>
             <a:r>
-              <a:rPr lang="tr-TR" sz="1600" dirty="0" smtClean="0">
+              <a:rPr lang="tr-TR" sz="2000" dirty="0">
                 <a:latin typeface="Consolas" panose="020B0609020204030204" pitchFamily="49" charset="0"/>
               </a:rPr>
               <a:t> </a:t>
             </a:r>
             <a:r>
-              <a:rPr lang="tr-TR" sz="1600" dirty="0">
-                <a:latin typeface="Consolas" panose="020B0609020204030204" pitchFamily="49" charset="0"/>
-              </a:rPr>
-              <a:t>indirip, çalıştığını göstermek için yukarıda anlatılan şekilde de kurulabildiğinden bahseder, fakat bu şekilde kurulumda bağımlı olduğu paketleri kurmak daha zahmetli olacaktır</a:t>
-            </a:r>
-            <a:r>
-              <a:rPr lang="tr-TR" sz="1600" dirty="0" smtClean="0">
+              <a:rPr lang="tr-TR" sz="2000" dirty="0">
+                <a:latin typeface="Consolas" panose="020B0609020204030204" pitchFamily="49" charset="0"/>
+              </a:rPr>
+              <a:t>indirip, çalıştığını göstermek </a:t>
+            </a:r>
+            <a:r>
+              <a:rPr lang="tr-TR" sz="2000" dirty="0">
+                <a:latin typeface="Consolas" panose="020B0609020204030204" pitchFamily="49" charset="0"/>
+              </a:rPr>
+              <a:t>     için </a:t>
+            </a:r>
+            <a:r>
+              <a:rPr lang="tr-TR" sz="2000" dirty="0">
+                <a:latin typeface="Consolas" panose="020B0609020204030204" pitchFamily="49" charset="0"/>
+              </a:rPr>
+              <a:t>yukarıda anlatılan şekilde de kurulabildiğinden bahseder, fakat bu şekilde kurulumda bağımlı olduğu paketleri kurmak daha zahmetli olacaktır</a:t>
+            </a:r>
+            <a:r>
+              <a:rPr lang="tr-TR" sz="2000" dirty="0">
                 <a:latin typeface="Consolas" panose="020B0609020204030204" pitchFamily="49" charset="0"/>
               </a:rPr>
               <a:t>. PHP </a:t>
             </a:r>
             <a:r>
-              <a:rPr lang="tr-TR" sz="1600" dirty="0">
+              <a:rPr lang="tr-TR" sz="2000" dirty="0">
                 <a:latin typeface="Consolas" panose="020B0609020204030204" pitchFamily="49" charset="0"/>
               </a:rPr>
               <a:t>uygulamalarında </a:t>
             </a:r>
             <a:r>
-              <a:rPr lang="tr-TR" sz="1600" dirty="0" err="1">
+              <a:rPr lang="tr-TR" sz="2000" dirty="0" err="1">
                 <a:latin typeface="Consolas" panose="020B0609020204030204" pitchFamily="49" charset="0"/>
               </a:rPr>
               <a:t>composer</a:t>
             </a:r>
             <a:r>
-              <a:rPr lang="tr-TR" sz="1600" dirty="0">
+              <a:rPr lang="tr-TR" sz="2000" dirty="0">
                 <a:latin typeface="Consolas" panose="020B0609020204030204" pitchFamily="49" charset="0"/>
               </a:rPr>
               <a:t> tercih edilmesi uygun olacaktır</a:t>
             </a:r>
             <a:r>
-              <a:rPr lang="tr-TR" sz="1600" dirty="0" smtClean="0">
+              <a:rPr lang="tr-TR" sz="2000" dirty="0">
                 <a:latin typeface="Consolas" panose="020B0609020204030204" pitchFamily="49" charset="0"/>
               </a:rPr>
               <a:t>.</a:t>
             </a:r>
           </a:p>
-          <a:p>
-            <a:endParaRPr lang="tr-TR" sz="2000" dirty="0" smtClean="0">
+        </p:txBody>
+      </p:sp>
+      <p:sp>
+        <p:nvSpPr>
+          <p:cNvPr id="4" name="Dikdörtgen 3"/>
+          <p:cNvSpPr/>
+          <p:nvPr/>
+        </p:nvSpPr>
+        <p:spPr>
+          <a:xfrm>
+            <a:off x="6380190" y="2051036"/>
+            <a:ext cx="3674896" cy="1754326"/>
+          </a:xfrm>
+          <a:prstGeom prst="rect">
+            <a:avLst/>
+          </a:prstGeom>
+          <a:ln>
+            <a:solidFill>
+              <a:schemeClr val="accent1"/>
+            </a:solidFill>
+          </a:ln>
+        </p:spPr>
+        <p:txBody>
+          <a:bodyPr wrap="square">
+            <a:spAutoFit/>
+          </a:bodyPr>
+          <a:lstStyle/>
+          <a:p>
+            <a:r>
+              <a:rPr lang="tr-TR" dirty="0" err="1"/>
+              <a:t>user</a:t>
+            </a:r>
+            <a:r>
+              <a:rPr lang="tr-TR" dirty="0"/>
+              <a:t> www;</a:t>
+            </a:r>
+          </a:p>
+          <a:p>
+            <a:r>
+              <a:rPr lang="tr-TR" dirty="0" smtClean="0"/>
+              <a:t>http </a:t>
+            </a:r>
+            <a:r>
+              <a:rPr lang="tr-TR" dirty="0"/>
+              <a:t>{</a:t>
+            </a:r>
+          </a:p>
+          <a:p>
+            <a:r>
+              <a:rPr lang="tr-TR" dirty="0"/>
+              <a:t>    </a:t>
+            </a:r>
+            <a:r>
+              <a:rPr lang="tr-TR" dirty="0" smtClean="0"/>
+              <a:t>…</a:t>
+            </a:r>
+            <a:endParaRPr lang="tr-TR" dirty="0"/>
+          </a:p>
+          <a:p>
+            <a:r>
+              <a:rPr lang="tr-TR" dirty="0"/>
+              <a:t>    server {</a:t>
+            </a:r>
+          </a:p>
+          <a:p>
+            <a:r>
+              <a:rPr lang="tr-TR" dirty="0" smtClean="0"/>
+              <a:t>	</a:t>
+            </a:r>
+            <a:r>
+              <a:rPr lang="tr-TR" dirty="0" err="1" smtClean="0"/>
+              <a:t>root</a:t>
+            </a:r>
+            <a:r>
+              <a:rPr lang="tr-TR" dirty="0" smtClean="0"/>
+              <a:t> </a:t>
+            </a:r>
+            <a:r>
+              <a:rPr lang="tr-TR" dirty="0"/>
+              <a:t>/</a:t>
+            </a:r>
+            <a:r>
+              <a:rPr lang="tr-TR" dirty="0" err="1"/>
+              <a:t>usr</a:t>
+            </a:r>
+            <a:r>
+              <a:rPr lang="tr-TR" dirty="0"/>
+              <a:t>/</a:t>
+            </a:r>
+            <a:r>
+              <a:rPr lang="tr-TR" dirty="0" err="1"/>
+              <a:t>local</a:t>
+            </a:r>
+            <a:r>
+              <a:rPr lang="tr-TR" dirty="0"/>
+              <a:t>/www/</a:t>
+            </a:r>
+            <a:r>
+              <a:rPr lang="tr-TR" dirty="0" err="1"/>
+              <a:t>grav</a:t>
+            </a:r>
+            <a:r>
+              <a:rPr lang="tr-TR" dirty="0" smtClean="0"/>
+              <a:t>;</a:t>
+            </a:r>
+          </a:p>
+          <a:p>
+            <a:r>
+              <a:rPr lang="tr-TR" dirty="0"/>
+              <a:t>	</a:t>
+            </a:r>
+            <a:r>
+              <a:rPr lang="tr-TR" dirty="0" smtClean="0"/>
+              <a:t>…</a:t>
+            </a:r>
+            <a:endParaRPr lang="tr-TR" dirty="0"/>
+          </a:p>
+        </p:txBody>
+      </p:sp>
+      <p:sp>
+        <p:nvSpPr>
+          <p:cNvPr id="6" name="Dikdörtgen 5"/>
+          <p:cNvSpPr/>
+          <p:nvPr/>
+        </p:nvSpPr>
+        <p:spPr>
+          <a:xfrm>
+            <a:off x="6380190" y="1612183"/>
+            <a:ext cx="3113353" cy="369332"/>
+          </a:xfrm>
+          <a:prstGeom prst="rect">
+            <a:avLst/>
+          </a:prstGeom>
+        </p:spPr>
+        <p:txBody>
+          <a:bodyPr wrap="none">
+            <a:spAutoFit/>
+          </a:bodyPr>
+          <a:lstStyle/>
+          <a:p>
+            <a:r>
+              <a:rPr lang="tr-TR" dirty="0"/>
+              <a:t>/</a:t>
+            </a:r>
+            <a:r>
+              <a:rPr lang="tr-TR" dirty="0" err="1"/>
+              <a:t>usr</a:t>
+            </a:r>
+            <a:r>
+              <a:rPr lang="tr-TR" dirty="0"/>
+              <a:t>/</a:t>
+            </a:r>
+            <a:r>
+              <a:rPr lang="tr-TR" dirty="0" err="1"/>
+              <a:t>local</a:t>
+            </a:r>
+            <a:r>
+              <a:rPr lang="tr-TR" dirty="0"/>
+              <a:t>/</a:t>
+            </a:r>
+            <a:r>
+              <a:rPr lang="tr-TR" dirty="0" err="1"/>
+              <a:t>etc</a:t>
+            </a:r>
+            <a:r>
+              <a:rPr lang="tr-TR" dirty="0"/>
+              <a:t>/</a:t>
+            </a:r>
+            <a:r>
+              <a:rPr lang="tr-TR" dirty="0" err="1"/>
+              <a:t>nginx</a:t>
+            </a:r>
+            <a:r>
+              <a:rPr lang="tr-TR" dirty="0"/>
+              <a:t>/</a:t>
+            </a:r>
+            <a:r>
+              <a:rPr lang="tr-TR" dirty="0" err="1"/>
+              <a:t>nginx.conf</a:t>
+            </a:r>
+            <a:endParaRPr lang="tr-TR" dirty="0"/>
+          </a:p>
+        </p:txBody>
+      </p:sp>
+      <p:sp>
+        <p:nvSpPr>
+          <p:cNvPr id="9" name="Dikdörtgen 8"/>
+          <p:cNvSpPr/>
+          <p:nvPr/>
+        </p:nvSpPr>
+        <p:spPr>
+          <a:xfrm>
+            <a:off x="6027938" y="3874884"/>
+            <a:ext cx="6029221" cy="2554545"/>
+          </a:xfrm>
+          <a:prstGeom prst="rect">
+            <a:avLst/>
+          </a:prstGeom>
+        </p:spPr>
+        <p:txBody>
+          <a:bodyPr wrap="square">
+            <a:spAutoFit/>
+          </a:bodyPr>
+          <a:lstStyle/>
+          <a:p>
+            <a:pPr lvl="0"/>
+            <a:endParaRPr lang="tr-TR" sz="2000" dirty="0">
+              <a:solidFill>
+                <a:prstClr val="black"/>
+              </a:solidFill>
               <a:latin typeface="Consolas" panose="020B0609020204030204" pitchFamily="49" charset="0"/>
             </a:endParaRPr>
           </a:p>
           <a:p>
             <a:pPr lvl="1"/>
             <a:r>
-              <a:rPr lang="tr-TR" sz="2000" dirty="0" smtClean="0">
+              <a:rPr lang="tr-TR" sz="2000" dirty="0">
                 <a:solidFill>
                   <a:srgbClr val="000000"/>
                 </a:solidFill>
@@ -22063,7 +22654,7 @@
               <a:t>#</a:t>
             </a:r>
             <a:r>
-              <a:rPr lang="tr-TR" sz="2000" b="1" dirty="0" smtClean="0">
+              <a:rPr lang="tr-TR" sz="2000" b="1" dirty="0">
                 <a:solidFill>
                   <a:srgbClr val="0000FF"/>
                 </a:solidFill>
@@ -22075,7 +22666,7 @@
               <a:t>cd</a:t>
             </a:r>
             <a:r>
-              <a:rPr lang="tr-TR" sz="2000" dirty="0" smtClean="0">
+              <a:rPr lang="tr-TR" sz="2000" dirty="0">
                 <a:solidFill>
                   <a:srgbClr val="000000"/>
                 </a:solidFill>
@@ -22123,7 +22714,7 @@
           <a:p>
             <a:pPr lvl="1"/>
             <a:r>
-              <a:rPr lang="tr-TR" sz="2000" dirty="0" smtClean="0">
+              <a:rPr lang="tr-TR" sz="2000" dirty="0">
                 <a:solidFill>
                   <a:srgbClr val="000000"/>
                 </a:solidFill>
@@ -22135,7 +22726,7 @@
               <a:t>#</a:t>
             </a:r>
             <a:r>
-              <a:rPr lang="en-US" sz="2000" b="1" dirty="0" err="1" smtClean="0">
+              <a:rPr lang="en-US" sz="2000" b="1" dirty="0" err="1">
                 <a:solidFill>
                   <a:srgbClr val="0000FF"/>
                 </a:solidFill>
@@ -22147,18 +22738,6 @@
               <a:t>git</a:t>
             </a:r>
             <a:r>
-              <a:rPr lang="en-US" sz="2000" dirty="0" smtClean="0">
-                <a:solidFill>
-                  <a:srgbClr val="000000"/>
-                </a:solidFill>
-                <a:highlight>
-                  <a:srgbClr val="FFFFFF"/>
-                </a:highlight>
-                <a:latin typeface="Courier New" panose="02070309020205020404" pitchFamily="49" charset="0"/>
-              </a:rPr>
-              <a:t> </a:t>
-            </a:r>
-            <a:r>
               <a:rPr lang="en-US" sz="2000" dirty="0">
                 <a:solidFill>
                   <a:srgbClr val="000000"/>
@@ -22168,7 +22747,7 @@
                 </a:highlight>
                 <a:latin typeface="Courier New" panose="02070309020205020404" pitchFamily="49" charset="0"/>
               </a:rPr>
-              <a:t>clone -b master https</a:t>
+              <a:t> clone -b master https</a:t>
             </a:r>
             <a:r>
               <a:rPr lang="en-US" sz="2000" b="1" dirty="0">
@@ -22183,7 +22762,7 @@
               <a:t>://</a:t>
             </a:r>
             <a:r>
-              <a:rPr lang="en-US" sz="2000" dirty="0" smtClean="0">
+              <a:rPr lang="en-US" sz="2000" dirty="0">
                 <a:solidFill>
                   <a:srgbClr val="000000"/>
                 </a:solidFill>
@@ -22195,7 +22774,7 @@
               <a:t>github.com</a:t>
             </a:r>
             <a:r>
-              <a:rPr lang="en-US" sz="2000" b="1" dirty="0" smtClean="0">
+              <a:rPr lang="en-US" sz="2000" b="1" dirty="0">
                 <a:solidFill>
                   <a:srgbClr val="804000"/>
                 </a:solidFill>
@@ -22207,7 +22786,7 @@
               <a:t>/</a:t>
             </a:r>
             <a:r>
-              <a:rPr lang="en-US" sz="2000" dirty="0" smtClean="0">
+              <a:rPr lang="en-US" sz="2000" dirty="0">
                 <a:solidFill>
                   <a:srgbClr val="000000"/>
                 </a:solidFill>
@@ -22219,7 +22798,7 @@
               <a:t>getgrav</a:t>
             </a:r>
             <a:r>
-              <a:rPr lang="en-US" sz="2000" b="1" dirty="0" smtClean="0">
+              <a:rPr lang="en-US" sz="2000" b="1" dirty="0">
                 <a:solidFill>
                   <a:srgbClr val="804000"/>
                 </a:solidFill>
@@ -22231,7 +22810,7 @@
               <a:t>/</a:t>
             </a:r>
             <a:r>
-              <a:rPr lang="en-US" sz="2000" dirty="0" smtClean="0">
+              <a:rPr lang="en-US" sz="2000" dirty="0">
                 <a:solidFill>
                   <a:srgbClr val="000000"/>
                 </a:solidFill>
@@ -22255,7 +22834,7 @@
           <a:p>
             <a:pPr lvl="1"/>
             <a:r>
-              <a:rPr lang="tr-TR" sz="2000" dirty="0" smtClean="0">
+              <a:rPr lang="tr-TR" sz="2000" dirty="0">
                 <a:solidFill>
                   <a:srgbClr val="000000"/>
                 </a:solidFill>
@@ -22267,7 +22846,7 @@
               <a:t>#</a:t>
             </a:r>
             <a:r>
-              <a:rPr lang="tr-TR" sz="2000" b="1" dirty="0" smtClean="0">
+              <a:rPr lang="tr-TR" sz="2000" b="1" dirty="0">
                 <a:solidFill>
                   <a:srgbClr val="0000FF"/>
                 </a:solidFill>
@@ -22279,7 +22858,7 @@
               <a:t>cd</a:t>
             </a:r>
             <a:r>
-              <a:rPr lang="tr-TR" sz="2000" dirty="0" smtClean="0">
+              <a:rPr lang="tr-TR" sz="2000" dirty="0">
                 <a:solidFill>
                   <a:srgbClr val="000000"/>
                 </a:solidFill>
@@ -22351,7 +22930,7 @@
           <a:p>
             <a:pPr lvl="1"/>
             <a:r>
-              <a:rPr lang="tr-TR" sz="2000" dirty="0" smtClean="0">
+              <a:rPr lang="tr-TR" sz="2000" dirty="0">
                 <a:solidFill>
                   <a:srgbClr val="000000"/>
                 </a:solidFill>
@@ -22363,7 +22942,7 @@
               <a:t>#</a:t>
             </a:r>
             <a:r>
-              <a:rPr lang="tr-TR" sz="2000" dirty="0" err="1" smtClean="0">
+              <a:rPr lang="tr-TR" sz="2000" dirty="0" err="1">
                 <a:solidFill>
                   <a:srgbClr val="000000"/>
                 </a:solidFill>
@@ -22375,7 +22954,7 @@
               <a:t>composer</a:t>
             </a:r>
             <a:r>
-              <a:rPr lang="tr-TR" sz="2000" dirty="0" smtClean="0">
+              <a:rPr lang="tr-TR" sz="2000" dirty="0">
                 <a:solidFill>
                   <a:srgbClr val="000000"/>
                 </a:solidFill>
@@ -22444,19 +23023,94 @@
                 </a:highlight>
                 <a:latin typeface="Courier New" panose="02070309020205020404" pitchFamily="49" charset="0"/>
               </a:rPr>
-              <a:t>-dev -</a:t>
-            </a:r>
-            <a:r>
-              <a:rPr lang="tr-TR" sz="2000" dirty="0" smtClean="0">
-                <a:solidFill>
-                  <a:srgbClr val="000000"/>
-                </a:solidFill>
-                <a:highlight>
-                  <a:srgbClr val="FFFFFF"/>
-                </a:highlight>
-                <a:latin typeface="Courier New" panose="02070309020205020404" pitchFamily="49" charset="0"/>
-              </a:rPr>
-              <a:t>o</a:t>
+              <a:t>-dev -o</a:t>
+            </a:r>
+          </a:p>
+          <a:p>
+            <a:pPr lvl="1"/>
+            <a:r>
+              <a:rPr lang="tr-TR" sz="2000" dirty="0">
+                <a:solidFill>
+                  <a:srgbClr val="000000"/>
+                </a:solidFill>
+                <a:highlight>
+                  <a:srgbClr val="FFFFFF"/>
+                </a:highlight>
+                <a:latin typeface="Courier New" panose="02070309020205020404" pitchFamily="49" charset="0"/>
+              </a:rPr>
+              <a:t>#</a:t>
+            </a:r>
+            <a:r>
+              <a:rPr lang="tr-TR" sz="2000" b="1" dirty="0">
+                <a:solidFill>
+                  <a:srgbClr val="0000FF"/>
+                </a:solidFill>
+                <a:highlight>
+                  <a:srgbClr val="FFFFFF"/>
+                </a:highlight>
+                <a:latin typeface="Courier New" panose="02070309020205020404" pitchFamily="49" charset="0"/>
+              </a:rPr>
+              <a:t>cd</a:t>
+            </a:r>
+            <a:r>
+              <a:rPr lang="tr-TR" sz="2000" dirty="0">
+                <a:solidFill>
+                  <a:srgbClr val="000000"/>
+                </a:solidFill>
+                <a:highlight>
+                  <a:srgbClr val="FFFFFF"/>
+                </a:highlight>
+                <a:latin typeface="Courier New" panose="02070309020205020404" pitchFamily="49" charset="0"/>
+              </a:rPr>
+              <a:t> </a:t>
+            </a:r>
+            <a:r>
+              <a:rPr lang="tr-TR" sz="2000" b="1" dirty="0">
+                <a:solidFill>
+                  <a:srgbClr val="804000"/>
+                </a:solidFill>
+                <a:highlight>
+                  <a:srgbClr val="FFFFFF"/>
+                </a:highlight>
+                <a:latin typeface="Courier New" panose="02070309020205020404" pitchFamily="49" charset="0"/>
+              </a:rPr>
+              <a:t>~/</a:t>
+            </a:r>
+            <a:r>
+              <a:rPr lang="tr-TR" sz="2000" dirty="0" err="1">
+                <a:solidFill>
+                  <a:srgbClr val="000000"/>
+                </a:solidFill>
+                <a:highlight>
+                  <a:srgbClr val="FFFFFF"/>
+                </a:highlight>
+                <a:latin typeface="Courier New" panose="02070309020205020404" pitchFamily="49" charset="0"/>
+              </a:rPr>
+              <a:t>webroot</a:t>
+            </a:r>
+            <a:r>
+              <a:rPr lang="tr-TR" sz="2000" b="1" dirty="0">
+                <a:solidFill>
+                  <a:srgbClr val="804000"/>
+                </a:solidFill>
+                <a:highlight>
+                  <a:srgbClr val="FFFFFF"/>
+                </a:highlight>
+                <a:latin typeface="Courier New" panose="02070309020205020404" pitchFamily="49" charset="0"/>
+              </a:rPr>
+              <a:t>/</a:t>
+            </a:r>
+            <a:r>
+              <a:rPr lang="tr-TR" sz="2000" dirty="0" err="1">
+                <a:solidFill>
+                  <a:srgbClr val="000000"/>
+                </a:solidFill>
+                <a:highlight>
+                  <a:srgbClr val="FFFFFF"/>
+                </a:highlight>
+                <a:latin typeface="Courier New" panose="02070309020205020404" pitchFamily="49" charset="0"/>
+              </a:rPr>
+              <a:t>grav</a:t>
             </a:r>
             <a:endParaRPr lang="tr-TR" sz="2000" dirty="0">
               <a:solidFill>
@@ -22471,31 +23125,43 @@
           <a:p>
             <a:pPr lvl="1"/>
             <a:r>
-              <a:rPr lang="tr-TR" sz="2000" dirty="0" smtClean="0">
-                <a:solidFill>
-                  <a:srgbClr val="000000"/>
-                </a:solidFill>
-                <a:highlight>
-                  <a:srgbClr val="FFFFFF"/>
-                </a:highlight>
-                <a:latin typeface="Courier New" panose="02070309020205020404" pitchFamily="49" charset="0"/>
-              </a:rPr>
-              <a:t>#</a:t>
-            </a:r>
-            <a:r>
-              <a:rPr lang="tr-TR" sz="2000" b="1" dirty="0" smtClean="0">
-                <a:solidFill>
-                  <a:srgbClr val="0000FF"/>
-                </a:solidFill>
-                <a:highlight>
-                  <a:srgbClr val="FFFFFF"/>
-                </a:highlight>
-                <a:latin typeface="Courier New" panose="02070309020205020404" pitchFamily="49" charset="0"/>
-              </a:rPr>
-              <a:t>cd</a:t>
-            </a:r>
-            <a:r>
-              <a:rPr lang="tr-TR" sz="2000" dirty="0" smtClean="0">
+              <a:rPr lang="tr-TR" sz="2000" dirty="0">
+                <a:solidFill>
+                  <a:srgbClr val="000000"/>
+                </a:solidFill>
+                <a:highlight>
+                  <a:srgbClr val="FFFFFF"/>
+                </a:highlight>
+                <a:latin typeface="Courier New" panose="02070309020205020404" pitchFamily="49" charset="0"/>
+              </a:rPr>
+              <a:t>#bin</a:t>
+            </a:r>
+            <a:r>
+              <a:rPr lang="tr-TR" sz="2000" b="1" dirty="0">
+                <a:solidFill>
+                  <a:srgbClr val="804000"/>
+                </a:solidFill>
+                <a:highlight>
+                  <a:srgbClr val="FFFFFF"/>
+                </a:highlight>
+                <a:latin typeface="Courier New" panose="02070309020205020404" pitchFamily="49" charset="0"/>
+              </a:rPr>
+              <a:t>/</a:t>
+            </a:r>
+            <a:r>
+              <a:rPr lang="tr-TR" sz="2000" dirty="0" err="1">
+                <a:solidFill>
+                  <a:srgbClr val="000000"/>
+                </a:solidFill>
+                <a:highlight>
+                  <a:srgbClr val="FFFFFF"/>
+                </a:highlight>
+                <a:latin typeface="Courier New" panose="02070309020205020404" pitchFamily="49" charset="0"/>
+              </a:rPr>
+              <a:t>grav</a:t>
+            </a:r>
+            <a:r>
+              <a:rPr lang="tr-TR" sz="2000" dirty="0">
                 <a:solidFill>
                   <a:srgbClr val="000000"/>
                 </a:solidFill>
@@ -22507,18 +23173,6 @@
               <a:t> </a:t>
             </a:r>
             <a:r>
-              <a:rPr lang="tr-TR" sz="2000" b="1" dirty="0">
-                <a:solidFill>
-                  <a:srgbClr val="804000"/>
-                </a:solidFill>
-                <a:highlight>
-                  <a:srgbClr val="FFFFFF"/>
-                </a:highlight>
-                <a:latin typeface="Courier New" panose="02070309020205020404" pitchFamily="49" charset="0"/>
-              </a:rPr>
-              <a:t>~/</a:t>
-            </a:r>
-            <a:r>
               <a:rPr lang="tr-TR" sz="2000" dirty="0" err="1">
                 <a:solidFill>
                   <a:srgbClr val="000000"/>
@@ -22528,105 +23182,12 @@
                 </a:highlight>
                 <a:latin typeface="Courier New" panose="02070309020205020404" pitchFamily="49" charset="0"/>
               </a:rPr>
-              <a:t>webroot</a:t>
-            </a:r>
-            <a:r>
-              <a:rPr lang="tr-TR" sz="2000" b="1" dirty="0">
-                <a:solidFill>
-                  <a:srgbClr val="804000"/>
-                </a:solidFill>
-                <a:highlight>
-                  <a:srgbClr val="FFFFFF"/>
-                </a:highlight>
-                <a:latin typeface="Courier New" panose="02070309020205020404" pitchFamily="49" charset="0"/>
-              </a:rPr>
-              <a:t>/</a:t>
-            </a:r>
-            <a:r>
-              <a:rPr lang="tr-TR" sz="2000" dirty="0" err="1">
-                <a:solidFill>
-                  <a:srgbClr val="000000"/>
-                </a:solidFill>
-                <a:highlight>
-                  <a:srgbClr val="FFFFFF"/>
-                </a:highlight>
-                <a:latin typeface="Courier New" panose="02070309020205020404" pitchFamily="49" charset="0"/>
-              </a:rPr>
-              <a:t>grav</a:t>
+              <a:t>install</a:t>
             </a:r>
             <a:endParaRPr lang="tr-TR" sz="2000" dirty="0">
               <a:solidFill>
-                <a:srgbClr val="000000"/>
+                <a:prstClr val="black"/>
               </a:solidFill>
-              <a:highlight>
-                <a:srgbClr val="FFFFFF"/>
-              </a:highlight>
-              <a:latin typeface="Courier New" panose="02070309020205020404" pitchFamily="49" charset="0"/>
-            </a:endParaRPr>
-          </a:p>
-          <a:p>
-            <a:pPr lvl="1"/>
-            <a:r>
-              <a:rPr lang="tr-TR" sz="2000" dirty="0" smtClean="0">
-                <a:solidFill>
-                  <a:srgbClr val="000000"/>
-                </a:solidFill>
-                <a:highlight>
-                  <a:srgbClr val="FFFFFF"/>
-                </a:highlight>
-                <a:latin typeface="Courier New" panose="02070309020205020404" pitchFamily="49" charset="0"/>
-              </a:rPr>
-              <a:t>#bin</a:t>
-            </a:r>
-            <a:r>
-              <a:rPr lang="tr-TR" sz="2000" b="1" dirty="0" smtClean="0">
-                <a:solidFill>
-                  <a:srgbClr val="804000"/>
-                </a:solidFill>
-                <a:highlight>
-                  <a:srgbClr val="FFFFFF"/>
-                </a:highlight>
-                <a:latin typeface="Courier New" panose="02070309020205020404" pitchFamily="49" charset="0"/>
-              </a:rPr>
-              <a:t>/</a:t>
-            </a:r>
-            <a:r>
-              <a:rPr lang="tr-TR" sz="2000" dirty="0" err="1" smtClean="0">
-                <a:solidFill>
-                  <a:srgbClr val="000000"/>
-                </a:solidFill>
-                <a:highlight>
-                  <a:srgbClr val="FFFFFF"/>
-                </a:highlight>
-                <a:latin typeface="Courier New" panose="02070309020205020404" pitchFamily="49" charset="0"/>
-              </a:rPr>
-              <a:t>grav</a:t>
-            </a:r>
-            <a:r>
-              <a:rPr lang="tr-TR" sz="2000" dirty="0" smtClean="0">
-                <a:solidFill>
-                  <a:srgbClr val="000000"/>
-                </a:solidFill>
-                <a:highlight>
-                  <a:srgbClr val="FFFFFF"/>
-                </a:highlight>
-                <a:latin typeface="Courier New" panose="02070309020205020404" pitchFamily="49" charset="0"/>
-              </a:rPr>
-              <a:t> </a:t>
-            </a:r>
-            <a:r>
-              <a:rPr lang="tr-TR" sz="2000" dirty="0" err="1" smtClean="0">
-                <a:solidFill>
-                  <a:srgbClr val="000000"/>
-                </a:solidFill>
-                <a:highlight>
-                  <a:srgbClr val="FFFFFF"/>
-                </a:highlight>
-                <a:latin typeface="Courier New" panose="02070309020205020404" pitchFamily="49" charset="0"/>
-              </a:rPr>
-              <a:t>install</a:t>
-            </a:r>
-            <a:endParaRPr lang="tr-TR" sz="2000" dirty="0" smtClean="0">
               <a:latin typeface="Consolas" panose="020B0609020204030204" pitchFamily="49" charset="0"/>
             </a:endParaRPr>
           </a:p>
@@ -22775,7 +23336,7 @@
         <p:spPr>
           <a:xfrm>
             <a:off x="845316" y="1533744"/>
-            <a:ext cx="10866268" cy="3170099"/>
+            <a:ext cx="10866268" cy="5632311"/>
           </a:xfrm>
           <a:prstGeom prst="rect">
             <a:avLst/>
@@ -23089,30 +23650,25 @@
               <a:rPr lang="tr-TR" sz="2000" dirty="0" smtClean="0">
                 <a:latin typeface="Consolas" panose="020B0609020204030204" pitchFamily="49" charset="0"/>
               </a:rPr>
-              <a:t>(.md</a:t>
+              <a:t>(.md), 						resim</a:t>
+            </a:r>
+            <a:r>
+              <a:rPr lang="tr-TR" sz="2000" dirty="0">
+                <a:latin typeface="Consolas" panose="020B0609020204030204" pitchFamily="49" charset="0"/>
+              </a:rPr>
+              <a:t>, video vb</a:t>
             </a:r>
             <a:r>
               <a:rPr lang="tr-TR" sz="2000" dirty="0" smtClean="0">
                 <a:latin typeface="Consolas" panose="020B0609020204030204" pitchFamily="49" charset="0"/>
               </a:rPr>
-              <a:t>), 						resim</a:t>
-            </a:r>
-            <a:r>
-              <a:rPr lang="tr-TR" sz="2000" dirty="0">
-                <a:latin typeface="Consolas" panose="020B0609020204030204" pitchFamily="49" charset="0"/>
-              </a:rPr>
-              <a:t>, video vb.</a:t>
+              <a:t>.</a:t>
             </a:r>
             <a:endParaRPr lang="tr-TR" sz="2000" dirty="0">
               <a:latin typeface="Consolas" panose="020B0609020204030204" pitchFamily="49" charset="0"/>
             </a:endParaRPr>
           </a:p>
           <a:p>
-            <a:endParaRPr lang="tr-TR" sz="2000" dirty="0">
-              <a:latin typeface="Consolas" panose="020B0609020204030204" pitchFamily="49" charset="0"/>
-            </a:endParaRPr>
-          </a:p>
-          <a:p>
             <a:r>
               <a:rPr lang="tr-TR" sz="2000" dirty="0">
                 <a:latin typeface="Consolas" panose="020B0609020204030204" pitchFamily="49" charset="0"/>
@@ -23194,8 +23750,275 @@
               <a:rPr lang="tr-TR" sz="2000" dirty="0" smtClean="0">
                 <a:latin typeface="Consolas" panose="020B0609020204030204" pitchFamily="49" charset="0"/>
               </a:rPr>
-              <a:t>				Temalar.</a:t>
-            </a:r>
+              <a:t>				Temalar</a:t>
+            </a:r>
+            <a:r>
+              <a:rPr lang="tr-TR" sz="2000" dirty="0" smtClean="0">
+                <a:latin typeface="Consolas" panose="020B0609020204030204" pitchFamily="49" charset="0"/>
+              </a:rPr>
+              <a:t>.</a:t>
+            </a:r>
+          </a:p>
+          <a:p>
+            <a:endParaRPr lang="tr-TR" sz="2000" dirty="0" smtClean="0">
+              <a:latin typeface="Consolas" panose="020B0609020204030204" pitchFamily="49" charset="0"/>
+            </a:endParaRPr>
+          </a:p>
+          <a:p>
+            <a:r>
+              <a:rPr lang="tr-TR" sz="2000" dirty="0">
+                <a:latin typeface="Consolas" panose="020B0609020204030204" pitchFamily="49" charset="0"/>
+              </a:rPr>
+              <a:t>Tüm sitelerde hesaplar /</a:t>
+            </a:r>
+            <a:r>
+              <a:rPr lang="tr-TR" sz="2000" dirty="0" err="1">
+                <a:latin typeface="Consolas" panose="020B0609020204030204" pitchFamily="49" charset="0"/>
+              </a:rPr>
+              <a:t>user</a:t>
+            </a:r>
+            <a:r>
+              <a:rPr lang="tr-TR" sz="2000" dirty="0">
+                <a:latin typeface="Consolas" panose="020B0609020204030204" pitchFamily="49" charset="0"/>
+              </a:rPr>
+              <a:t>/</a:t>
+            </a:r>
+            <a:r>
+              <a:rPr lang="tr-TR" sz="2000" dirty="0" err="1">
+                <a:latin typeface="Consolas" panose="020B0609020204030204" pitchFamily="49" charset="0"/>
+              </a:rPr>
+              <a:t>sites</a:t>
+            </a:r>
+            <a:r>
+              <a:rPr lang="tr-TR" sz="2000" dirty="0">
+                <a:latin typeface="Consolas" panose="020B0609020204030204" pitchFamily="49" charset="0"/>
+              </a:rPr>
+              <a:t>/site-adi/</a:t>
+            </a:r>
+            <a:r>
+              <a:rPr lang="tr-TR" sz="2000" dirty="0" err="1">
+                <a:latin typeface="Consolas" panose="020B0609020204030204" pitchFamily="49" charset="0"/>
+              </a:rPr>
+              <a:t>accounts</a:t>
+            </a:r>
+            <a:r>
+              <a:rPr lang="tr-TR" sz="2000" dirty="0">
+                <a:latin typeface="Consolas" panose="020B0609020204030204" pitchFamily="49" charset="0"/>
+              </a:rPr>
+              <a:t> dizininde saklanmakta, tüm sitelerde kullanılacak hesaplar link olarak eklenir ise, tek bir yerden değiştirildiğinde tüm siteler için değişecektir</a:t>
+            </a:r>
+            <a:r>
+              <a:rPr lang="tr-TR" sz="2000" dirty="0" smtClean="0">
+                <a:latin typeface="Consolas" panose="020B0609020204030204" pitchFamily="49" charset="0"/>
+              </a:rPr>
+              <a:t>.</a:t>
+            </a:r>
+          </a:p>
+          <a:p>
+            <a:r>
+              <a:rPr lang="tr-TR" sz="2000" dirty="0" smtClean="0">
+                <a:latin typeface="Consolas" panose="020B0609020204030204" pitchFamily="49" charset="0"/>
+              </a:rPr>
+              <a:t> </a:t>
+            </a:r>
+          </a:p>
+          <a:p>
+            <a:r>
+              <a:rPr lang="tr-TR" sz="2000" dirty="0" smtClean="0">
+                <a:latin typeface="Consolas" panose="020B0609020204030204" pitchFamily="49" charset="0"/>
+              </a:rPr>
+              <a:t>/</a:t>
+            </a:r>
+            <a:r>
+              <a:rPr lang="tr-TR" sz="2000" dirty="0" err="1" smtClean="0">
+                <a:latin typeface="Consolas" panose="020B0609020204030204" pitchFamily="49" charset="0"/>
+              </a:rPr>
+              <a:t>user</a:t>
+            </a:r>
+            <a:r>
+              <a:rPr lang="tr-TR" sz="2000" dirty="0" smtClean="0">
+                <a:latin typeface="Consolas" panose="020B0609020204030204" pitchFamily="49" charset="0"/>
+              </a:rPr>
+              <a:t>/</a:t>
+            </a:r>
+            <a:r>
+              <a:rPr lang="tr-TR" sz="2000" dirty="0" err="1" smtClean="0">
+                <a:latin typeface="Consolas" panose="020B0609020204030204" pitchFamily="49" charset="0"/>
+              </a:rPr>
+              <a:t>sites</a:t>
+            </a:r>
+            <a:r>
+              <a:rPr lang="tr-TR" sz="2000" dirty="0" smtClean="0">
+                <a:latin typeface="Consolas" panose="020B0609020204030204" pitchFamily="49" charset="0"/>
+              </a:rPr>
+              <a:t>/site-adi/</a:t>
+            </a:r>
+            <a:r>
+              <a:rPr lang="tr-TR" sz="2000" dirty="0" err="1" smtClean="0">
+                <a:latin typeface="Consolas" panose="020B0609020204030204" pitchFamily="49" charset="0"/>
+              </a:rPr>
+              <a:t>accounts</a:t>
+            </a:r>
+            <a:r>
+              <a:rPr lang="tr-TR" sz="2000" dirty="0" smtClean="0">
+                <a:latin typeface="Consolas" panose="020B0609020204030204" pitchFamily="49" charset="0"/>
+              </a:rPr>
+              <a:t>/</a:t>
+            </a:r>
+            <a:r>
+              <a:rPr lang="tr-TR" sz="2000" dirty="0" err="1" smtClean="0">
+                <a:latin typeface="Consolas" panose="020B0609020204030204" pitchFamily="49" charset="0"/>
+              </a:rPr>
+              <a:t>admin.yaml</a:t>
+            </a:r>
+            <a:r>
+              <a:rPr lang="tr-TR" sz="2000" dirty="0" smtClean="0">
+                <a:latin typeface="Consolas" panose="020B0609020204030204" pitchFamily="49" charset="0"/>
+              </a:rPr>
+              <a:t> 	/</a:t>
+            </a:r>
+            <a:r>
+              <a:rPr lang="tr-TR" sz="2000" dirty="0" err="1" smtClean="0">
+                <a:latin typeface="Consolas" panose="020B0609020204030204" pitchFamily="49" charset="0"/>
+              </a:rPr>
+              <a:t>user</a:t>
+            </a:r>
+            <a:r>
+              <a:rPr lang="tr-TR" sz="2000" dirty="0" smtClean="0">
+                <a:latin typeface="Consolas" panose="020B0609020204030204" pitchFamily="49" charset="0"/>
+              </a:rPr>
+              <a:t>/</a:t>
+            </a:r>
+            <a:r>
+              <a:rPr lang="tr-TR" sz="2000" dirty="0" err="1" smtClean="0">
+                <a:latin typeface="Consolas" panose="020B0609020204030204" pitchFamily="49" charset="0"/>
+              </a:rPr>
+              <a:t>accounts</a:t>
+            </a:r>
+            <a:r>
+              <a:rPr lang="tr-TR" sz="2000" dirty="0" smtClean="0">
+                <a:latin typeface="Consolas" panose="020B0609020204030204" pitchFamily="49" charset="0"/>
+              </a:rPr>
+              <a:t>/</a:t>
+            </a:r>
+            <a:r>
+              <a:rPr lang="tr-TR" sz="2000" dirty="0" err="1" smtClean="0">
+                <a:latin typeface="Consolas" panose="020B0609020204030204" pitchFamily="49" charset="0"/>
+              </a:rPr>
+              <a:t>admin.yaml</a:t>
+            </a:r>
+            <a:endParaRPr lang="tr-TR" sz="2000" dirty="0" smtClean="0">
+              <a:latin typeface="Consolas" panose="020B0609020204030204" pitchFamily="49" charset="0"/>
+            </a:endParaRPr>
+          </a:p>
+          <a:p>
+            <a:r>
+              <a:rPr lang="tr-TR" sz="2000" dirty="0">
+                <a:latin typeface="Consolas" panose="020B0609020204030204" pitchFamily="49" charset="0"/>
+              </a:rPr>
+              <a:t>/</a:t>
+            </a:r>
+            <a:r>
+              <a:rPr lang="tr-TR" sz="2000" dirty="0" err="1" smtClean="0">
+                <a:latin typeface="Consolas" panose="020B0609020204030204" pitchFamily="49" charset="0"/>
+              </a:rPr>
+              <a:t>user</a:t>
+            </a:r>
+            <a:r>
+              <a:rPr lang="tr-TR" sz="2000" dirty="0" smtClean="0">
+                <a:latin typeface="Consolas" panose="020B0609020204030204" pitchFamily="49" charset="0"/>
+              </a:rPr>
+              <a:t>/</a:t>
+            </a:r>
+            <a:r>
+              <a:rPr lang="tr-TR" sz="2000" dirty="0" err="1" smtClean="0">
+                <a:latin typeface="Consolas" panose="020B0609020204030204" pitchFamily="49" charset="0"/>
+              </a:rPr>
+              <a:t>sites</a:t>
+            </a:r>
+            <a:r>
+              <a:rPr lang="tr-TR" sz="2000" dirty="0" smtClean="0">
+                <a:latin typeface="Consolas" panose="020B0609020204030204" pitchFamily="49" charset="0"/>
+              </a:rPr>
+              <a:t>/site-adi/</a:t>
+            </a:r>
+            <a:r>
+              <a:rPr lang="tr-TR" sz="2000" dirty="0" err="1" smtClean="0">
+                <a:latin typeface="Consolas" panose="020B0609020204030204" pitchFamily="49" charset="0"/>
+              </a:rPr>
+              <a:t>accounts</a:t>
+            </a:r>
+            <a:r>
+              <a:rPr lang="tr-TR" sz="2000" dirty="0" smtClean="0">
+                <a:latin typeface="Consolas" panose="020B0609020204030204" pitchFamily="49" charset="0"/>
+              </a:rPr>
+              <a:t>/</a:t>
+            </a:r>
+            <a:r>
+              <a:rPr lang="tr-TR" sz="2000" dirty="0" err="1" smtClean="0">
+                <a:latin typeface="Consolas" panose="020B0609020204030204" pitchFamily="49" charset="0"/>
+              </a:rPr>
+              <a:t>ceviri.yaml</a:t>
+            </a:r>
+            <a:r>
+              <a:rPr lang="tr-TR" sz="2000" dirty="0" smtClean="0">
+                <a:latin typeface="Consolas" panose="020B0609020204030204" pitchFamily="49" charset="0"/>
+              </a:rPr>
+              <a:t> </a:t>
+            </a:r>
+            <a:r>
+              <a:rPr lang="tr-TR" sz="2000" dirty="0">
+                <a:latin typeface="Consolas" panose="020B0609020204030204" pitchFamily="49" charset="0"/>
+              </a:rPr>
+              <a:t>	/</a:t>
+            </a:r>
+            <a:r>
+              <a:rPr lang="tr-TR" sz="2000" dirty="0" err="1" smtClean="0">
+                <a:latin typeface="Consolas" panose="020B0609020204030204" pitchFamily="49" charset="0"/>
+              </a:rPr>
+              <a:t>user</a:t>
+            </a:r>
+            <a:r>
+              <a:rPr lang="tr-TR" sz="2000" dirty="0" smtClean="0">
+                <a:latin typeface="Consolas" panose="020B0609020204030204" pitchFamily="49" charset="0"/>
+              </a:rPr>
+              <a:t>/</a:t>
+            </a:r>
+            <a:r>
+              <a:rPr lang="tr-TR" sz="2000" dirty="0" err="1" smtClean="0">
+                <a:latin typeface="Consolas" panose="020B0609020204030204" pitchFamily="49" charset="0"/>
+              </a:rPr>
+              <a:t>accounts</a:t>
+            </a:r>
+            <a:r>
+              <a:rPr lang="tr-TR" sz="2000" dirty="0" smtClean="0">
+                <a:latin typeface="Consolas" panose="020B0609020204030204" pitchFamily="49" charset="0"/>
+              </a:rPr>
+              <a:t>/</a:t>
+            </a:r>
+            <a:r>
+              <a:rPr lang="tr-TR" sz="2000" dirty="0" err="1" smtClean="0">
+                <a:latin typeface="Consolas" panose="020B0609020204030204" pitchFamily="49" charset="0"/>
+              </a:rPr>
+              <a:t>ceviri.yaml</a:t>
+            </a:r>
+            <a:r>
+              <a:rPr lang="tr-TR" sz="2000" dirty="0" smtClean="0">
+                <a:latin typeface="Consolas" panose="020B0609020204030204" pitchFamily="49" charset="0"/>
+              </a:rPr>
+              <a:t> </a:t>
+            </a:r>
+            <a:r>
+              <a:rPr lang="tr-TR" sz="2000" dirty="0">
+                <a:latin typeface="Consolas" panose="020B0609020204030204" pitchFamily="49" charset="0"/>
+              </a:rPr>
+              <a:t>	</a:t>
+            </a:r>
+          </a:p>
+          <a:p>
+            <a:endParaRPr lang="tr-TR" sz="2000" dirty="0" smtClean="0">
+              <a:latin typeface="Consolas" panose="020B0609020204030204" pitchFamily="49" charset="0"/>
+            </a:endParaRPr>
           </a:p>
         </p:txBody>
       </p:sp>
@@ -23208,6 +24031,94 @@
         <p:spPr>
           <a:xfrm>
             <a:off x="4882719" y="2876365"/>
+            <a:ext cx="177553" cy="159798"/>
+          </a:xfrm>
+          <a:prstGeom prst="bentArrow">
+            <a:avLst/>
+          </a:prstGeom>
+        </p:spPr>
+        <p:style>
+          <a:lnRef idx="2">
+            <a:schemeClr val="accent1">
+              <a:shade val="50000"/>
+            </a:schemeClr>
+          </a:lnRef>
+          <a:fillRef idx="1">
+            <a:schemeClr val="accent1"/>
+          </a:fillRef>
+          <a:effectRef idx="0">
+            <a:schemeClr val="accent1"/>
+          </a:effectRef>
+          <a:fontRef idx="minor">
+            <a:schemeClr val="lt1"/>
+          </a:fontRef>
+        </p:style>
+        <p:txBody>
+          <a:bodyPr rtlCol="0" anchor="ctr"/>
+          <a:lstStyle/>
+          <a:p>
+            <a:pPr algn="ctr"/>
+            <a:endParaRPr lang="tr-TR">
+              <a:solidFill>
+                <a:schemeClr val="tx1"/>
+              </a:solidFill>
+            </a:endParaRPr>
+          </a:p>
+        </p:txBody>
+      </p:sp>
+      <p:sp>
+        <p:nvSpPr>
+          <p:cNvPr id="8" name="Bükülü Ok 7"/>
+          <p:cNvSpPr/>
+          <p:nvPr/>
+        </p:nvSpPr>
+        <p:spPr>
+          <a:xfrm>
+            <a:off x="6713812" y="5905897"/>
+            <a:ext cx="177553" cy="159798"/>
+          </a:xfrm>
+          <a:prstGeom prst="bentArrow">
+            <a:avLst/>
+          </a:prstGeom>
+        </p:spPr>
+        <p:style>
+          <a:lnRef idx="2">
+            <a:schemeClr val="accent1">
+              <a:shade val="50000"/>
+            </a:schemeClr>
+          </a:lnRef>
+          <a:fillRef idx="1">
+            <a:schemeClr val="accent1"/>
+          </a:fillRef>
+          <a:effectRef idx="0">
+            <a:schemeClr val="accent1"/>
+          </a:effectRef>
+          <a:fontRef idx="minor">
+            <a:schemeClr val="lt1"/>
+          </a:fontRef>
+        </p:style>
+        <p:txBody>
+          <a:bodyPr rtlCol="0" anchor="ctr"/>
+          <a:lstStyle/>
+          <a:p>
+            <a:pPr algn="ctr"/>
+            <a:endParaRPr lang="tr-TR">
+              <a:solidFill>
+                <a:schemeClr val="tx1"/>
+              </a:solidFill>
+            </a:endParaRPr>
+          </a:p>
+        </p:txBody>
+      </p:sp>
+      <p:sp>
+        <p:nvSpPr>
+          <p:cNvPr id="9" name="Bükülü Ok 8"/>
+          <p:cNvSpPr/>
+          <p:nvPr/>
+        </p:nvSpPr>
+        <p:spPr>
+          <a:xfrm>
+            <a:off x="6713812" y="6215673"/>
             <a:ext cx="177553" cy="159798"/>
           </a:xfrm>
           <a:prstGeom prst="bentArrow">
@@ -23386,7 +24297,7 @@
         <p:spPr>
           <a:xfrm>
             <a:off x="845316" y="1533744"/>
-            <a:ext cx="10866268" cy="4401205"/>
+            <a:ext cx="10866268" cy="4708981"/>
           </a:xfrm>
           <a:prstGeom prst="rect">
             <a:avLst/>
@@ -23399,7 +24310,15 @@
           <a:lstStyle/>
           <a:p>
             <a:r>
-              <a:rPr lang="tr-TR" sz="2000" dirty="0">
+              <a:rPr lang="tr-TR" sz="2000" dirty="0" smtClean="0">
+                <a:latin typeface="Consolas" panose="020B0609020204030204" pitchFamily="49" charset="0"/>
+              </a:rPr>
+              <a:t>Web sitesi için içerik sayfaları ağaç yapısı </a:t>
+            </a:r>
+          </a:p>
+          <a:p>
+            <a:r>
+              <a:rPr lang="tr-TR" sz="2000" dirty="0" smtClean="0">
                 <a:latin typeface="Consolas" panose="020B0609020204030204" pitchFamily="49" charset="0"/>
               </a:rPr>
               <a:t>/</a:t>

--- a/Grav.pptx
+++ b/Grav.pptx
@@ -23,10 +23,11 @@
     <p:sldId id="298" r:id="rId17"/>
     <p:sldId id="299" r:id="rId18"/>
     <p:sldId id="300" r:id="rId19"/>
-    <p:sldId id="301" r:id="rId20"/>
-    <p:sldId id="302" r:id="rId21"/>
-    <p:sldId id="304" r:id="rId22"/>
-    <p:sldId id="306" r:id="rId23"/>
+    <p:sldId id="307" r:id="rId20"/>
+    <p:sldId id="301" r:id="rId21"/>
+    <p:sldId id="302" r:id="rId22"/>
+    <p:sldId id="304" r:id="rId23"/>
+    <p:sldId id="306" r:id="rId24"/>
   </p:sldIdLst>
   <p:sldSz cx="12192000" cy="6858000"/>
   <p:notesSz cx="6858000" cy="9144000"/>
@@ -264,7 +265,7 @@
           <a:p>
             <a:fld id="{C0F4B3F7-870B-4BF0-9286-18BFBE390500}" type="datetimeFigureOut">
               <a:rPr lang="tr-TR" smtClean="0"/>
-              <a:t>21.04.2019</a:t>
+              <a:t>26.04.2019</a:t>
             </a:fld>
             <a:endParaRPr lang="tr-TR"/>
           </a:p>
@@ -434,7 +435,7 @@
           <a:p>
             <a:fld id="{C0F4B3F7-870B-4BF0-9286-18BFBE390500}" type="datetimeFigureOut">
               <a:rPr lang="tr-TR" smtClean="0"/>
-              <a:t>21.04.2019</a:t>
+              <a:t>26.04.2019</a:t>
             </a:fld>
             <a:endParaRPr lang="tr-TR"/>
           </a:p>
@@ -614,7 +615,7 @@
           <a:p>
             <a:fld id="{C0F4B3F7-870B-4BF0-9286-18BFBE390500}" type="datetimeFigureOut">
               <a:rPr lang="tr-TR" smtClean="0"/>
-              <a:t>21.04.2019</a:t>
+              <a:t>26.04.2019</a:t>
             </a:fld>
             <a:endParaRPr lang="tr-TR"/>
           </a:p>
@@ -784,7 +785,7 @@
           <a:p>
             <a:fld id="{C0F4B3F7-870B-4BF0-9286-18BFBE390500}" type="datetimeFigureOut">
               <a:rPr lang="tr-TR" smtClean="0"/>
-              <a:t>21.04.2019</a:t>
+              <a:t>26.04.2019</a:t>
             </a:fld>
             <a:endParaRPr lang="tr-TR"/>
           </a:p>
@@ -1030,7 +1031,7 @@
           <a:p>
             <a:fld id="{C0F4B3F7-870B-4BF0-9286-18BFBE390500}" type="datetimeFigureOut">
               <a:rPr lang="tr-TR" smtClean="0"/>
-              <a:t>21.04.2019</a:t>
+              <a:t>26.04.2019</a:t>
             </a:fld>
             <a:endParaRPr lang="tr-TR"/>
           </a:p>
@@ -1262,7 +1263,7 @@
           <a:p>
             <a:fld id="{C0F4B3F7-870B-4BF0-9286-18BFBE390500}" type="datetimeFigureOut">
               <a:rPr lang="tr-TR" smtClean="0"/>
-              <a:t>21.04.2019</a:t>
+              <a:t>26.04.2019</a:t>
             </a:fld>
             <a:endParaRPr lang="tr-TR"/>
           </a:p>
@@ -1629,7 +1630,7 @@
           <a:p>
             <a:fld id="{C0F4B3F7-870B-4BF0-9286-18BFBE390500}" type="datetimeFigureOut">
               <a:rPr lang="tr-TR" smtClean="0"/>
-              <a:t>21.04.2019</a:t>
+              <a:t>26.04.2019</a:t>
             </a:fld>
             <a:endParaRPr lang="tr-TR"/>
           </a:p>
@@ -1747,7 +1748,7 @@
           <a:p>
             <a:fld id="{C0F4B3F7-870B-4BF0-9286-18BFBE390500}" type="datetimeFigureOut">
               <a:rPr lang="tr-TR" smtClean="0"/>
-              <a:t>21.04.2019</a:t>
+              <a:t>26.04.2019</a:t>
             </a:fld>
             <a:endParaRPr lang="tr-TR"/>
           </a:p>
@@ -1842,7 +1843,7 @@
           <a:p>
             <a:fld id="{C0F4B3F7-870B-4BF0-9286-18BFBE390500}" type="datetimeFigureOut">
               <a:rPr lang="tr-TR" smtClean="0"/>
-              <a:t>21.04.2019</a:t>
+              <a:t>26.04.2019</a:t>
             </a:fld>
             <a:endParaRPr lang="tr-TR"/>
           </a:p>
@@ -2119,7 +2120,7 @@
           <a:p>
             <a:fld id="{C0F4B3F7-870B-4BF0-9286-18BFBE390500}" type="datetimeFigureOut">
               <a:rPr lang="tr-TR" smtClean="0"/>
-              <a:t>21.04.2019</a:t>
+              <a:t>26.04.2019</a:t>
             </a:fld>
             <a:endParaRPr lang="tr-TR"/>
           </a:p>
@@ -2372,7 +2373,7 @@
           <a:p>
             <a:fld id="{C0F4B3F7-870B-4BF0-9286-18BFBE390500}" type="datetimeFigureOut">
               <a:rPr lang="tr-TR" smtClean="0"/>
-              <a:t>21.04.2019</a:t>
+              <a:t>26.04.2019</a:t>
             </a:fld>
             <a:endParaRPr lang="tr-TR"/>
           </a:p>
@@ -2585,7 +2586,7 @@
           <a:p>
             <a:fld id="{C0F4B3F7-870B-4BF0-9286-18BFBE390500}" type="datetimeFigureOut">
               <a:rPr lang="tr-TR" smtClean="0"/>
-              <a:t>21.04.2019</a:t>
+              <a:t>26.04.2019</a:t>
             </a:fld>
             <a:endParaRPr lang="tr-TR"/>
           </a:p>
@@ -15962,7 +15963,7 @@
         <p:spPr>
           <a:xfrm>
             <a:off x="762457" y="1506586"/>
-            <a:ext cx="11031985" cy="4401205"/>
+            <a:ext cx="11031985" cy="4985980"/>
           </a:xfrm>
           <a:prstGeom prst="rect">
             <a:avLst/>
@@ -15975,102 +15976,131 @@
           <a:lstStyle/>
           <a:p>
             <a:r>
+              <a:rPr lang="tr-TR" sz="2000" dirty="0" err="1">
+                <a:latin typeface="Consolas" panose="020B0609020204030204" pitchFamily="49" charset="0"/>
+              </a:rPr>
+              <a:t>Admin</a:t>
+            </a:r>
+            <a:r>
               <a:rPr lang="tr-TR" sz="2000" dirty="0">
-                <a:solidFill>
-                  <a:srgbClr val="000000"/>
-                </a:solidFill>
-                <a:highlight>
-                  <a:srgbClr val="FFFFFF"/>
-                </a:highlight>
-                <a:latin typeface="Consolas" panose="020B0609020204030204" pitchFamily="49" charset="0"/>
-              </a:rPr>
-              <a:t>CLI </a:t>
+                <a:latin typeface="Consolas" panose="020B0609020204030204" pitchFamily="49" charset="0"/>
+              </a:rPr>
+              <a:t> </a:t>
+            </a:r>
+            <a:r>
+              <a:rPr lang="tr-TR" sz="2000" dirty="0" err="1" smtClean="0">
+                <a:latin typeface="Consolas" panose="020B0609020204030204" pitchFamily="49" charset="0"/>
+              </a:rPr>
+              <a:t>arayüzüne</a:t>
             </a:r>
             <a:r>
               <a:rPr lang="tr-TR" sz="2000" dirty="0" smtClean="0">
-                <a:solidFill>
-                  <a:srgbClr val="000000"/>
-                </a:solidFill>
-                <a:highlight>
-                  <a:srgbClr val="FFFFFF"/>
-                </a:highlight>
-                <a:latin typeface="Consolas" panose="020B0609020204030204" pitchFamily="49" charset="0"/>
-              </a:rPr>
-              <a:t>Console</a:t>
-            </a:r>
-          </a:p>
-          <a:p>
-            <a:endParaRPr lang="tr-TR" sz="2000" dirty="0" smtClean="0">
-              <a:solidFill>
-                <a:srgbClr val="000000"/>
-              </a:solidFill>
-              <a:highlight>
-                <a:srgbClr val="FFFFFF"/>
-              </a:highlight>
+                <a:latin typeface="Consolas" panose="020B0609020204030204" pitchFamily="49" charset="0"/>
+              </a:rPr>
+              <a:t> hızlı işlemler için </a:t>
+            </a:r>
+            <a:r>
+              <a:rPr lang="tr-TR" sz="2000" dirty="0" err="1" smtClean="0">
+                <a:latin typeface="Consolas" panose="020B0609020204030204" pitchFamily="49" charset="0"/>
+              </a:rPr>
+              <a:t>blueprint</a:t>
+            </a:r>
+            <a:r>
+              <a:rPr lang="tr-TR" sz="2000" dirty="0" smtClean="0">
+                <a:latin typeface="Consolas" panose="020B0609020204030204" pitchFamily="49" charset="0"/>
+              </a:rPr>
+              <a:t> formlar eklenebilir</a:t>
+            </a:r>
+          </a:p>
+          <a:p>
+            <a:endParaRPr lang="tr-TR" sz="2000" dirty="0">
               <a:latin typeface="Consolas" panose="020B0609020204030204" pitchFamily="49" charset="0"/>
             </a:endParaRPr>
           </a:p>
           <a:p>
             <a:r>
+              <a:rPr lang="tr-TR" sz="2000" dirty="0" err="1" smtClean="0">
+                <a:latin typeface="Consolas" panose="020B0609020204030204" pitchFamily="49" charset="0"/>
+              </a:rPr>
+              <a:t>user</a:t>
+            </a:r>
+            <a:r>
               <a:rPr lang="tr-TR" sz="2000" dirty="0" smtClean="0">
-                <a:solidFill>
-                  <a:srgbClr val="000000"/>
-                </a:solidFill>
-                <a:highlight>
-                  <a:srgbClr val="FFFFFF"/>
-                </a:highlight>
-                <a:latin typeface="Consolas" panose="020B0609020204030204" pitchFamily="49" charset="0"/>
-              </a:rPr>
-              <a:t>#cd </a:t>
-            </a:r>
-            <a:r>
-              <a:rPr lang="tr-TR" sz="2000" dirty="0">
-                <a:solidFill>
-                  <a:srgbClr val="000000"/>
-                </a:solidFill>
-                <a:highlight>
-                  <a:srgbClr val="FFFFFF"/>
-                </a:highlight>
-                <a:latin typeface="Consolas" panose="020B0609020204030204" pitchFamily="49" charset="0"/>
-              </a:rPr>
-              <a:t>~/</a:t>
-            </a:r>
-            <a:r>
-              <a:rPr lang="tr-TR" sz="2000" dirty="0" err="1">
-                <a:solidFill>
-                  <a:srgbClr val="000000"/>
-                </a:solidFill>
-                <a:highlight>
-                  <a:srgbClr val="FFFFFF"/>
-                </a:highlight>
-                <a:latin typeface="Consolas" panose="020B0609020204030204" pitchFamily="49" charset="0"/>
-              </a:rPr>
-              <a:t>webroot</a:t>
-            </a:r>
-            <a:r>
-              <a:rPr lang="tr-TR" sz="2000" dirty="0">
-                <a:solidFill>
-                  <a:srgbClr val="000000"/>
-                </a:solidFill>
-                <a:highlight>
-                  <a:srgbClr val="FFFFFF"/>
-                </a:highlight>
                 <a:latin typeface="Consolas" panose="020B0609020204030204" pitchFamily="49" charset="0"/>
               </a:rPr>
               <a:t>/</a:t>
             </a:r>
             <a:r>
-              <a:rPr lang="tr-TR" sz="2000" dirty="0" err="1">
-                <a:solidFill>
-                  <a:srgbClr val="000000"/>
-                </a:solidFill>
-                <a:highlight>
-                  <a:srgbClr val="FFFFFF"/>
-                </a:highlight>
-                <a:latin typeface="Consolas" panose="020B0609020204030204" pitchFamily="49" charset="0"/>
-              </a:rPr>
-              <a:t>grav</a:t>
-            </a:r>
+              <a:rPr lang="tr-TR" sz="2000" dirty="0" err="1" smtClean="0">
+                <a:latin typeface="Consolas" panose="020B0609020204030204" pitchFamily="49" charset="0"/>
+              </a:rPr>
+              <a:t>plugins</a:t>
+            </a:r>
+            <a:r>
+              <a:rPr lang="tr-TR" sz="2000" dirty="0" smtClean="0">
+                <a:latin typeface="Consolas" panose="020B0609020204030204" pitchFamily="49" charset="0"/>
+              </a:rPr>
+              <a:t>/</a:t>
+            </a:r>
+            <a:r>
+              <a:rPr lang="tr-TR" sz="2000" dirty="0" err="1" smtClean="0">
+                <a:latin typeface="Consolas" panose="020B0609020204030204" pitchFamily="49" charset="0"/>
+              </a:rPr>
+              <a:t>admin</a:t>
+            </a:r>
+            <a:r>
+              <a:rPr lang="tr-TR" sz="2000" dirty="0" smtClean="0">
+                <a:latin typeface="Consolas" panose="020B0609020204030204" pitchFamily="49" charset="0"/>
+              </a:rPr>
+              <a:t>/</a:t>
+            </a:r>
+            <a:r>
+              <a:rPr lang="tr-TR" sz="2000" dirty="0" err="1" smtClean="0">
+                <a:latin typeface="Consolas" panose="020B0609020204030204" pitchFamily="49" charset="0"/>
+              </a:rPr>
+              <a:t>blueprints</a:t>
+            </a:r>
+            <a:r>
+              <a:rPr lang="tr-TR" sz="2000" dirty="0" smtClean="0">
+                <a:latin typeface="Consolas" panose="020B0609020204030204" pitchFamily="49" charset="0"/>
+              </a:rPr>
+              <a:t>/</a:t>
+            </a:r>
+            <a:r>
+              <a:rPr lang="tr-TR" sz="2000" dirty="0" err="1" smtClean="0">
+                <a:latin typeface="Consolas" panose="020B0609020204030204" pitchFamily="49" charset="0"/>
+              </a:rPr>
+              <a:t>admin</a:t>
+            </a:r>
+            <a:r>
+              <a:rPr lang="tr-TR" sz="2000" dirty="0" smtClean="0">
+                <a:latin typeface="Consolas" panose="020B0609020204030204" pitchFamily="49" charset="0"/>
+              </a:rPr>
+              <a:t>/</a:t>
+            </a:r>
+            <a:r>
+              <a:rPr lang="tr-TR" sz="2000" dirty="0" err="1" smtClean="0">
+                <a:latin typeface="Consolas" panose="020B0609020204030204" pitchFamily="49" charset="0"/>
+              </a:rPr>
+              <a:t>pages</a:t>
+            </a:r>
+            <a:r>
+              <a:rPr lang="tr-TR" sz="2000" dirty="0" smtClean="0">
+                <a:latin typeface="Consolas" panose="020B0609020204030204" pitchFamily="49" charset="0"/>
+              </a:rPr>
+              <a:t>/</a:t>
+            </a:r>
+            <a:r>
+              <a:rPr lang="tr-TR" sz="2000" dirty="0" err="1" smtClean="0">
+                <a:latin typeface="Consolas" panose="020B0609020204030204" pitchFamily="49" charset="0"/>
+              </a:rPr>
+              <a:t>new_announcement.yaml</a:t>
+            </a:r>
+            <a:endParaRPr lang="tr-TR" sz="2000" dirty="0" smtClean="0">
+              <a:latin typeface="Consolas" panose="020B0609020204030204" pitchFamily="49" charset="0"/>
+            </a:endParaRPr>
+          </a:p>
+          <a:p>
             <a:endParaRPr lang="tr-TR" sz="2000" dirty="0">
               <a:solidFill>
                 <a:srgbClr val="000000"/>
@@ -16083,462 +16113,846 @@
           </a:p>
           <a:p>
             <a:r>
-              <a:rPr lang="tr-TR" sz="2000" dirty="0" smtClean="0">
-                <a:solidFill>
-                  <a:srgbClr val="000000"/>
-                </a:solidFill>
-                <a:highlight>
-                  <a:srgbClr val="FFFFFF"/>
-                </a:highlight>
-                <a:latin typeface="Consolas" panose="020B0609020204030204" pitchFamily="49" charset="0"/>
-              </a:rPr>
-              <a:t>#bin/</a:t>
-            </a:r>
-            <a:r>
-              <a:rPr lang="tr-TR" sz="2000" dirty="0" err="1" smtClean="0">
-                <a:solidFill>
-                  <a:srgbClr val="000000"/>
-                </a:solidFill>
-                <a:highlight>
-                  <a:srgbClr val="FFFFFF"/>
-                </a:highlight>
-                <a:latin typeface="Consolas" panose="020B0609020204030204" pitchFamily="49" charset="0"/>
-              </a:rPr>
-              <a:t>grav</a:t>
-            </a:r>
-            <a:r>
-              <a:rPr lang="tr-TR" sz="2000" dirty="0">
-                <a:solidFill>
-                  <a:srgbClr val="000000"/>
-                </a:solidFill>
-                <a:highlight>
-                  <a:srgbClr val="FFFFFF"/>
-                </a:highlight>
-                <a:latin typeface="Consolas" panose="020B0609020204030204" pitchFamily="49" charset="0"/>
-              </a:rPr>
-              <a:t>		Temel </a:t>
-            </a:r>
-            <a:r>
-              <a:rPr lang="tr-TR" sz="2000" dirty="0" err="1">
-                <a:solidFill>
-                  <a:srgbClr val="000000"/>
-                </a:solidFill>
-                <a:highlight>
-                  <a:srgbClr val="FFFFFF"/>
-                </a:highlight>
-                <a:latin typeface="Consolas" panose="020B0609020204030204" pitchFamily="49" charset="0"/>
-              </a:rPr>
-              <a:t>Grav</a:t>
-            </a:r>
-            <a:r>
-              <a:rPr lang="tr-TR" sz="2000" dirty="0">
-                <a:solidFill>
-                  <a:srgbClr val="000000"/>
-                </a:solidFill>
-                <a:highlight>
-                  <a:srgbClr val="FFFFFF"/>
-                </a:highlight>
-                <a:latin typeface="Consolas" panose="020B0609020204030204" pitchFamily="49" charset="0"/>
-              </a:rPr>
-              <a:t> İşlemleri</a:t>
-            </a:r>
-          </a:p>
-          <a:p>
-            <a:r>
-              <a:rPr lang="tr-TR" sz="2000" dirty="0" smtClean="0">
-                <a:solidFill>
-                  <a:srgbClr val="000000"/>
-                </a:solidFill>
-                <a:highlight>
-                  <a:srgbClr val="FFFFFF"/>
-                </a:highlight>
-                <a:latin typeface="Consolas" panose="020B0609020204030204" pitchFamily="49" charset="0"/>
-              </a:rPr>
-              <a:t>#bin/</a:t>
-            </a:r>
-            <a:r>
-              <a:rPr lang="tr-TR" sz="2000" dirty="0" err="1" smtClean="0">
-                <a:solidFill>
-                  <a:srgbClr val="000000"/>
-                </a:solidFill>
-                <a:highlight>
-                  <a:srgbClr val="FFFFFF"/>
-                </a:highlight>
-                <a:latin typeface="Consolas" panose="020B0609020204030204" pitchFamily="49" charset="0"/>
-              </a:rPr>
-              <a:t>gmp</a:t>
-            </a:r>
-            <a:r>
-              <a:rPr lang="tr-TR" sz="2000" dirty="0">
-                <a:solidFill>
-                  <a:srgbClr val="000000"/>
-                </a:solidFill>
-                <a:highlight>
-                  <a:srgbClr val="FFFFFF"/>
-                </a:highlight>
-                <a:latin typeface="Consolas" panose="020B0609020204030204" pitchFamily="49" charset="0"/>
-              </a:rPr>
-              <a:t>		</a:t>
-            </a:r>
-            <a:r>
-              <a:rPr lang="tr-TR" sz="2000" dirty="0" err="1" smtClean="0">
-                <a:solidFill>
-                  <a:srgbClr val="000000"/>
-                </a:solidFill>
-                <a:highlight>
-                  <a:srgbClr val="FFFFFF"/>
-                </a:highlight>
-                <a:latin typeface="Consolas" panose="020B0609020204030204" pitchFamily="49" charset="0"/>
-              </a:rPr>
-              <a:t>Grav</a:t>
-            </a:r>
-            <a:r>
-              <a:rPr lang="tr-TR" sz="2000" dirty="0" smtClean="0">
-                <a:solidFill>
-                  <a:srgbClr val="000000"/>
-                </a:solidFill>
-                <a:highlight>
-                  <a:srgbClr val="FFFFFF"/>
-                </a:highlight>
-                <a:latin typeface="Consolas" panose="020B0609020204030204" pitchFamily="49" charset="0"/>
-              </a:rPr>
-              <a:t> </a:t>
-            </a:r>
-            <a:r>
-              <a:rPr lang="tr-TR" sz="2000" dirty="0">
-                <a:solidFill>
-                  <a:srgbClr val="000000"/>
-                </a:solidFill>
-                <a:highlight>
-                  <a:srgbClr val="FFFFFF"/>
-                </a:highlight>
-                <a:latin typeface="Consolas" panose="020B0609020204030204" pitchFamily="49" charset="0"/>
-              </a:rPr>
-              <a:t>paket Yönetici işlemleri (</a:t>
-            </a:r>
-            <a:r>
-              <a:rPr lang="tr-TR" sz="2000" dirty="0" err="1">
-                <a:solidFill>
-                  <a:srgbClr val="000000"/>
-                </a:solidFill>
-                <a:highlight>
-                  <a:srgbClr val="FFFFFF"/>
-                </a:highlight>
-                <a:latin typeface="Consolas" panose="020B0609020204030204" pitchFamily="49" charset="0"/>
-              </a:rPr>
-              <a:t>Grav</a:t>
-            </a:r>
-            <a:r>
-              <a:rPr lang="tr-TR" sz="2000" dirty="0">
-                <a:solidFill>
-                  <a:srgbClr val="000000"/>
-                </a:solidFill>
-                <a:highlight>
-                  <a:srgbClr val="FFFFFF"/>
-                </a:highlight>
-                <a:latin typeface="Consolas" panose="020B0609020204030204" pitchFamily="49" charset="0"/>
-              </a:rPr>
-              <a:t> </a:t>
-            </a:r>
-            <a:r>
-              <a:rPr lang="tr-TR" sz="2000" dirty="0" err="1">
-                <a:solidFill>
-                  <a:srgbClr val="000000"/>
-                </a:solidFill>
-                <a:highlight>
-                  <a:srgbClr val="FFFFFF"/>
-                </a:highlight>
-                <a:latin typeface="Consolas" panose="020B0609020204030204" pitchFamily="49" charset="0"/>
-              </a:rPr>
-              <a:t>Package</a:t>
-            </a:r>
-            <a:r>
-              <a:rPr lang="tr-TR" sz="2000" dirty="0">
-                <a:solidFill>
-                  <a:srgbClr val="000000"/>
-                </a:solidFill>
-                <a:highlight>
-                  <a:srgbClr val="FFFFFF"/>
-                </a:highlight>
-                <a:latin typeface="Consolas" panose="020B0609020204030204" pitchFamily="49" charset="0"/>
-              </a:rPr>
-              <a:t> Manager)</a:t>
-            </a:r>
-          </a:p>
-          <a:p>
-            <a:endParaRPr lang="tr-TR" sz="2000" dirty="0">
+              <a:rPr lang="tr-TR" sz="1400" b="1" dirty="0" err="1">
+                <a:solidFill>
+                  <a:srgbClr val="000080"/>
+                </a:solidFill>
+                <a:highlight>
+                  <a:srgbClr val="FFFFFF"/>
+                </a:highlight>
+                <a:latin typeface="Courier New" panose="02070309020205020404" pitchFamily="49" charset="0"/>
+              </a:rPr>
+              <a:t>title</a:t>
+            </a:r>
+            <a:r>
+              <a:rPr lang="tr-TR" sz="1400" dirty="0">
+                <a:solidFill>
+                  <a:srgbClr val="000000"/>
+                </a:solidFill>
+                <a:highlight>
+                  <a:srgbClr val="FFFFFF"/>
+                </a:highlight>
+                <a:latin typeface="Courier New" panose="02070309020205020404" pitchFamily="49" charset="0"/>
+              </a:rPr>
+              <a:t>: </a:t>
+            </a:r>
+            <a:r>
+              <a:rPr lang="tr-TR" sz="1400" dirty="0" err="1" smtClean="0">
+                <a:solidFill>
+                  <a:srgbClr val="000000"/>
+                </a:solidFill>
+                <a:highlight>
+                  <a:srgbClr val="FFFFFF"/>
+                </a:highlight>
+                <a:latin typeface="Courier New" panose="02070309020205020404" pitchFamily="49" charset="0"/>
+              </a:rPr>
+              <a:t>Announcement</a:t>
+            </a:r>
+            <a:endParaRPr lang="tr-TR" sz="1400" dirty="0">
               <a:solidFill>
                 <a:srgbClr val="000000"/>
               </a:solidFill>
               <a:highlight>
                 <a:srgbClr val="FFFFFF"/>
               </a:highlight>
-              <a:latin typeface="Consolas" panose="020B0609020204030204" pitchFamily="49" charset="0"/>
+              <a:latin typeface="Courier New" panose="02070309020205020404" pitchFamily="49" charset="0"/>
             </a:endParaRPr>
           </a:p>
           <a:p>
             <a:r>
-              <a:rPr lang="tr-TR" sz="2000" dirty="0" err="1">
-                <a:solidFill>
-                  <a:srgbClr val="000000"/>
-                </a:solidFill>
-                <a:highlight>
-                  <a:srgbClr val="FFFFFF"/>
-                </a:highlight>
-                <a:latin typeface="Consolas" panose="020B0609020204030204" pitchFamily="49" charset="0"/>
-              </a:rPr>
-              <a:t>Log</a:t>
-            </a:r>
-            <a:r>
-              <a:rPr lang="tr-TR" sz="2000" dirty="0">
-                <a:solidFill>
-                  <a:srgbClr val="000000"/>
-                </a:solidFill>
-                <a:highlight>
-                  <a:srgbClr val="FFFFFF"/>
-                </a:highlight>
-                <a:latin typeface="Consolas" panose="020B0609020204030204" pitchFamily="49" charset="0"/>
-              </a:rPr>
-              <a:t> </a:t>
-            </a:r>
-            <a:r>
-              <a:rPr lang="tr-TR" sz="2000" dirty="0" err="1" smtClean="0">
-                <a:solidFill>
-                  <a:srgbClr val="000000"/>
-                </a:solidFill>
-                <a:highlight>
-                  <a:srgbClr val="FFFFFF"/>
-                </a:highlight>
-                <a:latin typeface="Consolas" panose="020B0609020204030204" pitchFamily="49" charset="0"/>
-              </a:rPr>
-              <a:t>viewer</a:t>
-            </a:r>
-            <a:endParaRPr lang="tr-TR" sz="2000" dirty="0">
+              <a:rPr lang="tr-TR" sz="1400" b="1" dirty="0">
+                <a:solidFill>
+                  <a:srgbClr val="000080"/>
+                </a:solidFill>
+                <a:highlight>
+                  <a:srgbClr val="FFFFFF"/>
+                </a:highlight>
+                <a:latin typeface="Courier New" panose="02070309020205020404" pitchFamily="49" charset="0"/>
+              </a:rPr>
+              <a:t>form</a:t>
+            </a:r>
+            <a:r>
+              <a:rPr lang="tr-TR" sz="1400" dirty="0" smtClean="0">
+                <a:solidFill>
+                  <a:srgbClr val="000000"/>
+                </a:solidFill>
+                <a:highlight>
+                  <a:srgbClr val="FFFFFF"/>
+                </a:highlight>
+                <a:latin typeface="Courier New" panose="02070309020205020404" pitchFamily="49" charset="0"/>
+              </a:rPr>
+              <a:t>: </a:t>
+            </a:r>
+            <a:endParaRPr lang="tr-TR" sz="1400" dirty="0">
               <a:solidFill>
                 <a:srgbClr val="000000"/>
               </a:solidFill>
               <a:highlight>
                 <a:srgbClr val="FFFFFF"/>
               </a:highlight>
-              <a:latin typeface="Consolas" panose="020B0609020204030204" pitchFamily="49" charset="0"/>
+              <a:latin typeface="Courier New" panose="02070309020205020404" pitchFamily="49" charset="0"/>
             </a:endParaRPr>
           </a:p>
           <a:p>
             <a:r>
-              <a:rPr lang="tr-TR" sz="2000" dirty="0" smtClean="0">
-                <a:solidFill>
-                  <a:srgbClr val="000000"/>
-                </a:solidFill>
-                <a:highlight>
-                  <a:srgbClr val="FFFFFF"/>
-                </a:highlight>
-                <a:latin typeface="Consolas" panose="020B0609020204030204" pitchFamily="49" charset="0"/>
-              </a:rPr>
-              <a:t>#bin/</a:t>
-            </a:r>
-            <a:r>
-              <a:rPr lang="tr-TR" sz="2000" dirty="0" err="1" smtClean="0">
-                <a:solidFill>
-                  <a:srgbClr val="000000"/>
-                </a:solidFill>
-                <a:highlight>
-                  <a:srgbClr val="FFFFFF"/>
-                </a:highlight>
-                <a:latin typeface="Consolas" panose="020B0609020204030204" pitchFamily="49" charset="0"/>
-              </a:rPr>
-              <a:t>grav</a:t>
-            </a:r>
-            <a:r>
-              <a:rPr lang="tr-TR" sz="2000" dirty="0" smtClean="0">
-                <a:solidFill>
-                  <a:srgbClr val="000000"/>
-                </a:solidFill>
-                <a:highlight>
-                  <a:srgbClr val="FFFFFF"/>
-                </a:highlight>
-                <a:latin typeface="Consolas" panose="020B0609020204030204" pitchFamily="49" charset="0"/>
-              </a:rPr>
-              <a:t> </a:t>
-            </a:r>
-            <a:r>
-              <a:rPr lang="tr-TR" sz="2000" dirty="0" err="1" smtClean="0">
-                <a:solidFill>
-                  <a:srgbClr val="000000"/>
-                </a:solidFill>
-                <a:highlight>
-                  <a:srgbClr val="FFFFFF"/>
-                </a:highlight>
-                <a:latin typeface="Consolas" panose="020B0609020204030204" pitchFamily="49" charset="0"/>
-              </a:rPr>
-              <a:t>logviewer</a:t>
-            </a:r>
-            <a:endParaRPr lang="tr-TR" sz="2000" dirty="0" smtClean="0">
+              <a:rPr lang="tr-TR" sz="1400" b="1" dirty="0">
+                <a:solidFill>
+                  <a:srgbClr val="000080"/>
+                </a:solidFill>
+                <a:highlight>
+                  <a:srgbClr val="FFFFFF"/>
+                </a:highlight>
+                <a:latin typeface="Courier New" panose="02070309020205020404" pitchFamily="49" charset="0"/>
+              </a:rPr>
+              <a:t>  </a:t>
+            </a:r>
+            <a:r>
+              <a:rPr lang="tr-TR" sz="1400" b="1" dirty="0" err="1">
+                <a:solidFill>
+                  <a:srgbClr val="000080"/>
+                </a:solidFill>
+                <a:highlight>
+                  <a:srgbClr val="FFFFFF"/>
+                </a:highlight>
+                <a:latin typeface="Courier New" panose="02070309020205020404" pitchFamily="49" charset="0"/>
+              </a:rPr>
+              <a:t>fields</a:t>
+            </a:r>
+            <a:r>
+              <a:rPr lang="tr-TR" sz="1400" dirty="0">
+                <a:solidFill>
+                  <a:srgbClr val="000000"/>
+                </a:solidFill>
+                <a:highlight>
+                  <a:srgbClr val="FFFFFF"/>
+                </a:highlight>
+                <a:latin typeface="Courier New" panose="02070309020205020404" pitchFamily="49" charset="0"/>
+              </a:rPr>
+              <a:t>:</a:t>
+            </a:r>
+          </a:p>
+          <a:p>
+            <a:r>
+              <a:rPr lang="tr-TR" sz="1400" b="1" dirty="0">
+                <a:solidFill>
+                  <a:srgbClr val="000080"/>
+                </a:solidFill>
+                <a:highlight>
+                  <a:srgbClr val="FFFFFF"/>
+                </a:highlight>
+                <a:latin typeface="Courier New" panose="02070309020205020404" pitchFamily="49" charset="0"/>
+              </a:rPr>
+              <a:t>    </a:t>
+            </a:r>
+            <a:r>
+              <a:rPr lang="tr-TR" sz="1400" b="1" dirty="0" err="1">
+                <a:solidFill>
+                  <a:srgbClr val="000080"/>
+                </a:solidFill>
+                <a:highlight>
+                  <a:srgbClr val="FFFFFF"/>
+                </a:highlight>
+                <a:latin typeface="Courier New" panose="02070309020205020404" pitchFamily="49" charset="0"/>
+              </a:rPr>
+              <a:t>section</a:t>
+            </a:r>
+            <a:r>
+              <a:rPr lang="tr-TR" sz="1400" dirty="0">
+                <a:solidFill>
+                  <a:srgbClr val="000000"/>
+                </a:solidFill>
+                <a:highlight>
+                  <a:srgbClr val="FFFFFF"/>
+                </a:highlight>
+                <a:latin typeface="Courier New" panose="02070309020205020404" pitchFamily="49" charset="0"/>
+              </a:rPr>
+              <a:t>:</a:t>
+            </a:r>
+          </a:p>
+          <a:p>
+            <a:r>
+              <a:rPr lang="tr-TR" sz="1400" b="1" dirty="0">
+                <a:solidFill>
+                  <a:srgbClr val="000080"/>
+                </a:solidFill>
+                <a:highlight>
+                  <a:srgbClr val="FFFFFF"/>
+                </a:highlight>
+                <a:latin typeface="Courier New" panose="02070309020205020404" pitchFamily="49" charset="0"/>
+              </a:rPr>
+              <a:t>      </a:t>
+            </a:r>
+            <a:r>
+              <a:rPr lang="tr-TR" sz="1400" b="1" dirty="0" err="1">
+                <a:solidFill>
+                  <a:srgbClr val="000080"/>
+                </a:solidFill>
+                <a:highlight>
+                  <a:srgbClr val="FFFFFF"/>
+                </a:highlight>
+                <a:latin typeface="Courier New" panose="02070309020205020404" pitchFamily="49" charset="0"/>
+              </a:rPr>
+              <a:t>type</a:t>
+            </a:r>
+            <a:r>
+              <a:rPr lang="tr-TR" sz="1400" dirty="0">
+                <a:solidFill>
+                  <a:srgbClr val="000000"/>
+                </a:solidFill>
+                <a:highlight>
+                  <a:srgbClr val="FFFFFF"/>
+                </a:highlight>
+                <a:latin typeface="Courier New" panose="02070309020205020404" pitchFamily="49" charset="0"/>
+              </a:rPr>
+              <a:t>: </a:t>
+            </a:r>
+            <a:r>
+              <a:rPr lang="tr-TR" sz="1400" dirty="0" err="1">
+                <a:solidFill>
+                  <a:srgbClr val="000000"/>
+                </a:solidFill>
+                <a:highlight>
+                  <a:srgbClr val="FFFFFF"/>
+                </a:highlight>
+                <a:latin typeface="Courier New" panose="02070309020205020404" pitchFamily="49" charset="0"/>
+              </a:rPr>
+              <a:t>section</a:t>
+            </a:r>
+            <a:endParaRPr lang="tr-TR" sz="1400" dirty="0">
               <a:solidFill>
                 <a:srgbClr val="000000"/>
               </a:solidFill>
               <a:highlight>
                 <a:srgbClr val="FFFFFF"/>
               </a:highlight>
-              <a:latin typeface="Consolas" panose="020B0609020204030204" pitchFamily="49" charset="0"/>
+              <a:latin typeface="Courier New" panose="02070309020205020404" pitchFamily="49" charset="0"/>
             </a:endParaRPr>
           </a:p>
           <a:p>
-            <a:endParaRPr lang="tr-TR" sz="2000" dirty="0" smtClean="0">
+            <a:r>
+              <a:rPr lang="tr-TR" sz="1400" b="1" dirty="0">
+                <a:solidFill>
+                  <a:srgbClr val="000080"/>
+                </a:solidFill>
+                <a:highlight>
+                  <a:srgbClr val="FFFFFF"/>
+                </a:highlight>
+                <a:latin typeface="Courier New" panose="02070309020205020404" pitchFamily="49" charset="0"/>
+              </a:rPr>
+              <a:t>      </a:t>
+            </a:r>
+            <a:r>
+              <a:rPr lang="tr-TR" sz="1400" b="1" dirty="0" err="1">
+                <a:solidFill>
+                  <a:srgbClr val="000080"/>
+                </a:solidFill>
+                <a:highlight>
+                  <a:srgbClr val="FFFFFF"/>
+                </a:highlight>
+                <a:latin typeface="Courier New" panose="02070309020205020404" pitchFamily="49" charset="0"/>
+              </a:rPr>
+              <a:t>title</a:t>
+            </a:r>
+            <a:r>
+              <a:rPr lang="tr-TR" sz="1400" dirty="0">
+                <a:solidFill>
+                  <a:srgbClr val="000000"/>
+                </a:solidFill>
+                <a:highlight>
+                  <a:srgbClr val="FFFFFF"/>
+                </a:highlight>
+                <a:latin typeface="Courier New" panose="02070309020205020404" pitchFamily="49" charset="0"/>
+              </a:rPr>
+              <a:t>: </a:t>
+            </a:r>
+            <a:r>
+              <a:rPr lang="tr-TR" sz="1400" dirty="0" smtClean="0">
+                <a:solidFill>
+                  <a:srgbClr val="000000"/>
+                </a:solidFill>
+                <a:highlight>
+                  <a:srgbClr val="FFFFFF"/>
+                </a:highlight>
+                <a:latin typeface="Courier New" panose="02070309020205020404" pitchFamily="49" charset="0"/>
+              </a:rPr>
+              <a:t>ADD_ANNOUNCEMENT</a:t>
+            </a:r>
+            <a:endParaRPr lang="tr-TR" sz="1400" dirty="0">
               <a:solidFill>
                 <a:srgbClr val="000000"/>
               </a:solidFill>
               <a:highlight>
                 <a:srgbClr val="FFFFFF"/>
               </a:highlight>
-              <a:latin typeface="Consolas" panose="020B0609020204030204" pitchFamily="49" charset="0"/>
+              <a:latin typeface="Courier New" panose="02070309020205020404" pitchFamily="49" charset="0"/>
             </a:endParaRPr>
           </a:p>
           <a:p>
             <a:r>
-              <a:rPr lang="tr-TR" sz="2000" dirty="0" smtClean="0">
-                <a:solidFill>
-                  <a:srgbClr val="000000"/>
-                </a:solidFill>
-                <a:highlight>
-                  <a:srgbClr val="FFFFFF"/>
-                </a:highlight>
-                <a:latin typeface="Consolas" panose="020B0609020204030204" pitchFamily="49" charset="0"/>
-              </a:rPr>
-              <a:t>Eklenti güncelleme</a:t>
-            </a:r>
-          </a:p>
-          <a:p>
-            <a:r>
-              <a:rPr lang="tr-TR" sz="2000" dirty="0" smtClean="0">
-                <a:latin typeface="Consolas" panose="020B0609020204030204" pitchFamily="49" charset="0"/>
-              </a:rPr>
-              <a:t>#bin/</a:t>
-            </a:r>
-            <a:r>
-              <a:rPr lang="tr-TR" sz="2000" dirty="0" err="1" smtClean="0">
-                <a:latin typeface="Consolas" panose="020B0609020204030204" pitchFamily="49" charset="0"/>
-              </a:rPr>
-              <a:t>gpm</a:t>
-            </a:r>
-            <a:r>
-              <a:rPr lang="tr-TR" sz="2000" dirty="0" smtClean="0">
-                <a:latin typeface="Consolas" panose="020B0609020204030204" pitchFamily="49" charset="0"/>
-              </a:rPr>
-              <a:t> </a:t>
-            </a:r>
-            <a:r>
-              <a:rPr lang="tr-TR" sz="2000" dirty="0" err="1" smtClean="0">
-                <a:latin typeface="Consolas" panose="020B0609020204030204" pitchFamily="49" charset="0"/>
-              </a:rPr>
-              <a:t>update</a:t>
-            </a:r>
-            <a:endParaRPr lang="tr-TR" sz="2000" dirty="0">
-              <a:latin typeface="Consolas" panose="020B0609020204030204" pitchFamily="49" charset="0"/>
-            </a:endParaRPr>
-          </a:p>
-          <a:p>
-            <a:endParaRPr lang="tr-TR" sz="2000" dirty="0">
+              <a:rPr lang="tr-TR" sz="1400" b="1" dirty="0">
+                <a:solidFill>
+                  <a:srgbClr val="000080"/>
+                </a:solidFill>
+                <a:highlight>
+                  <a:srgbClr val="FFFFFF"/>
+                </a:highlight>
+                <a:latin typeface="Courier New" panose="02070309020205020404" pitchFamily="49" charset="0"/>
+              </a:rPr>
+              <a:t>    </a:t>
+            </a:r>
+            <a:r>
+              <a:rPr lang="tr-TR" sz="1400" b="1" dirty="0" err="1">
+                <a:solidFill>
+                  <a:srgbClr val="000080"/>
+                </a:solidFill>
+                <a:highlight>
+                  <a:srgbClr val="FFFFFF"/>
+                </a:highlight>
+                <a:latin typeface="Courier New" panose="02070309020205020404" pitchFamily="49" charset="0"/>
+              </a:rPr>
+              <a:t>title</a:t>
+            </a:r>
+            <a:r>
+              <a:rPr lang="tr-TR" sz="1400" dirty="0">
+                <a:solidFill>
+                  <a:srgbClr val="000000"/>
+                </a:solidFill>
+                <a:highlight>
+                  <a:srgbClr val="FFFFFF"/>
+                </a:highlight>
+                <a:latin typeface="Courier New" panose="02070309020205020404" pitchFamily="49" charset="0"/>
+              </a:rPr>
+              <a:t>:</a:t>
+            </a:r>
+          </a:p>
+          <a:p>
+            <a:r>
+              <a:rPr lang="tr-TR" sz="1400" b="1" dirty="0">
+                <a:solidFill>
+                  <a:srgbClr val="000080"/>
+                </a:solidFill>
+                <a:highlight>
+                  <a:srgbClr val="FFFFFF"/>
+                </a:highlight>
+                <a:latin typeface="Courier New" panose="02070309020205020404" pitchFamily="49" charset="0"/>
+              </a:rPr>
+              <a:t>      </a:t>
+            </a:r>
+            <a:r>
+              <a:rPr lang="tr-TR" sz="1400" b="1" dirty="0" err="1">
+                <a:solidFill>
+                  <a:srgbClr val="000080"/>
+                </a:solidFill>
+                <a:highlight>
+                  <a:srgbClr val="FFFFFF"/>
+                </a:highlight>
+                <a:latin typeface="Courier New" panose="02070309020205020404" pitchFamily="49" charset="0"/>
+              </a:rPr>
+              <a:t>type</a:t>
+            </a:r>
+            <a:r>
+              <a:rPr lang="tr-TR" sz="1400" dirty="0">
+                <a:solidFill>
+                  <a:srgbClr val="000000"/>
+                </a:solidFill>
+                <a:highlight>
+                  <a:srgbClr val="FFFFFF"/>
+                </a:highlight>
+                <a:latin typeface="Courier New" panose="02070309020205020404" pitchFamily="49" charset="0"/>
+              </a:rPr>
+              <a:t>: </a:t>
+            </a:r>
+            <a:r>
+              <a:rPr lang="tr-TR" sz="1400" dirty="0" err="1">
+                <a:solidFill>
+                  <a:srgbClr val="000000"/>
+                </a:solidFill>
+                <a:highlight>
+                  <a:srgbClr val="FFFFFF"/>
+                </a:highlight>
+                <a:latin typeface="Courier New" panose="02070309020205020404" pitchFamily="49" charset="0"/>
+              </a:rPr>
+              <a:t>text</a:t>
+            </a:r>
+            <a:endParaRPr lang="tr-TR" sz="1400" dirty="0">
               <a:solidFill>
                 <a:srgbClr val="000000"/>
               </a:solidFill>
               <a:highlight>
                 <a:srgbClr val="FFFFFF"/>
               </a:highlight>
-              <a:latin typeface="Consolas" panose="020B0609020204030204" pitchFamily="49" charset="0"/>
+              <a:latin typeface="Courier New" panose="02070309020205020404" pitchFamily="49" charset="0"/>
             </a:endParaRPr>
           </a:p>
           <a:p>
             <a:r>
-              <a:rPr lang="tr-TR" sz="2000" dirty="0" err="1" smtClean="0">
-                <a:solidFill>
-                  <a:srgbClr val="000000"/>
-                </a:solidFill>
-                <a:highlight>
-                  <a:srgbClr val="FFFFFF"/>
-                </a:highlight>
-                <a:latin typeface="Consolas" panose="020B0609020204030204" pitchFamily="49" charset="0"/>
-              </a:rPr>
-              <a:t>Grav</a:t>
-            </a:r>
-            <a:r>
-              <a:rPr lang="tr-TR" sz="2000" dirty="0" smtClean="0">
-                <a:solidFill>
-                  <a:srgbClr val="000000"/>
-                </a:solidFill>
-                <a:highlight>
-                  <a:srgbClr val="FFFFFF"/>
-                </a:highlight>
-                <a:latin typeface="Consolas" panose="020B0609020204030204" pitchFamily="49" charset="0"/>
-              </a:rPr>
-              <a:t> güncelleme</a:t>
-            </a:r>
-            <a:endParaRPr lang="tr-TR" sz="2000" dirty="0">
+              <a:rPr lang="tr-TR" sz="1400" b="1" dirty="0">
+                <a:solidFill>
+                  <a:srgbClr val="000080"/>
+                </a:solidFill>
+                <a:highlight>
+                  <a:srgbClr val="FFFFFF"/>
+                </a:highlight>
+                <a:latin typeface="Courier New" panose="02070309020205020404" pitchFamily="49" charset="0"/>
+              </a:rPr>
+              <a:t>      </a:t>
+            </a:r>
+            <a:r>
+              <a:rPr lang="tr-TR" sz="1400" b="1" dirty="0" err="1">
+                <a:solidFill>
+                  <a:srgbClr val="000080"/>
+                </a:solidFill>
+                <a:highlight>
+                  <a:srgbClr val="FFFFFF"/>
+                </a:highlight>
+                <a:latin typeface="Courier New" panose="02070309020205020404" pitchFamily="49" charset="0"/>
+              </a:rPr>
+              <a:t>label</a:t>
+            </a:r>
+            <a:r>
+              <a:rPr lang="tr-TR" sz="1400" dirty="0">
+                <a:solidFill>
+                  <a:srgbClr val="000000"/>
+                </a:solidFill>
+                <a:highlight>
+                  <a:srgbClr val="FFFFFF"/>
+                </a:highlight>
+                <a:latin typeface="Courier New" panose="02070309020205020404" pitchFamily="49" charset="0"/>
+              </a:rPr>
+              <a:t>: PLUGIN_ADMIN.PAGE_TITLE</a:t>
+            </a:r>
+          </a:p>
+          <a:p>
+            <a:r>
+              <a:rPr lang="tr-TR" sz="1400" b="1" dirty="0">
+                <a:solidFill>
+                  <a:srgbClr val="000080"/>
+                </a:solidFill>
+                <a:highlight>
+                  <a:srgbClr val="FFFFFF"/>
+                </a:highlight>
+                <a:latin typeface="Courier New" panose="02070309020205020404" pitchFamily="49" charset="0"/>
+              </a:rPr>
+              <a:t>      </a:t>
+            </a:r>
+            <a:r>
+              <a:rPr lang="tr-TR" sz="1400" b="1" dirty="0" err="1">
+                <a:solidFill>
+                  <a:srgbClr val="000080"/>
+                </a:solidFill>
+                <a:highlight>
+                  <a:srgbClr val="FFFFFF"/>
+                </a:highlight>
+                <a:latin typeface="Courier New" panose="02070309020205020404" pitchFamily="49" charset="0"/>
+              </a:rPr>
+              <a:t>validate</a:t>
+            </a:r>
+            <a:r>
+              <a:rPr lang="tr-TR" sz="1400" dirty="0">
+                <a:solidFill>
+                  <a:srgbClr val="000000"/>
+                </a:solidFill>
+                <a:highlight>
+                  <a:srgbClr val="FFFFFF"/>
+                </a:highlight>
+                <a:latin typeface="Courier New" panose="02070309020205020404" pitchFamily="49" charset="0"/>
+              </a:rPr>
+              <a:t>:</a:t>
+            </a:r>
+          </a:p>
+          <a:p>
+            <a:r>
+              <a:rPr lang="tr-TR" sz="1400" b="1" dirty="0">
+                <a:solidFill>
+                  <a:srgbClr val="000080"/>
+                </a:solidFill>
+                <a:highlight>
+                  <a:srgbClr val="FFFFFF"/>
+                </a:highlight>
+                <a:latin typeface="Courier New" panose="02070309020205020404" pitchFamily="49" charset="0"/>
+              </a:rPr>
+              <a:t>       </a:t>
+            </a:r>
+            <a:r>
+              <a:rPr lang="tr-TR" sz="1400" b="1" dirty="0" err="1">
+                <a:solidFill>
+                  <a:srgbClr val="000080"/>
+                </a:solidFill>
+                <a:highlight>
+                  <a:srgbClr val="FFFFFF"/>
+                </a:highlight>
+                <a:latin typeface="Courier New" panose="02070309020205020404" pitchFamily="49" charset="0"/>
+              </a:rPr>
+              <a:t>required</a:t>
+            </a:r>
+            <a:r>
+              <a:rPr lang="tr-TR" sz="1400" dirty="0">
+                <a:solidFill>
+                  <a:srgbClr val="000000"/>
+                </a:solidFill>
+                <a:highlight>
+                  <a:srgbClr val="FFFFFF"/>
+                </a:highlight>
+                <a:latin typeface="Courier New" panose="02070309020205020404" pitchFamily="49" charset="0"/>
+              </a:rPr>
+              <a:t>:</a:t>
+            </a:r>
+            <a:r>
+              <a:rPr lang="tr-TR" sz="1400" b="1" dirty="0">
+                <a:solidFill>
+                  <a:srgbClr val="0000FF"/>
+                </a:solidFill>
+                <a:highlight>
+                  <a:srgbClr val="FFFFFF"/>
+                </a:highlight>
+                <a:latin typeface="Courier New" panose="02070309020205020404" pitchFamily="49" charset="0"/>
+              </a:rPr>
+              <a:t> </a:t>
+            </a:r>
+            <a:r>
+              <a:rPr lang="tr-TR" sz="1400" b="1" dirty="0" err="1" smtClean="0">
+                <a:solidFill>
+                  <a:srgbClr val="0000FF"/>
+                </a:solidFill>
+                <a:highlight>
+                  <a:srgbClr val="FFFFFF"/>
+                </a:highlight>
+                <a:latin typeface="Courier New" panose="02070309020205020404" pitchFamily="49" charset="0"/>
+              </a:rPr>
+              <a:t>true</a:t>
+            </a:r>
+            <a:endParaRPr lang="tr-TR" sz="1400" dirty="0">
               <a:solidFill>
                 <a:srgbClr val="000000"/>
               </a:solidFill>
               <a:highlight>
                 <a:srgbClr val="FFFFFF"/>
               </a:highlight>
-              <a:latin typeface="Consolas" panose="020B0609020204030204" pitchFamily="49" charset="0"/>
+              <a:latin typeface="Courier New" panose="02070309020205020404" pitchFamily="49" charset="0"/>
             </a:endParaRPr>
           </a:p>
           <a:p>
             <a:r>
-              <a:rPr lang="tr-TR" sz="2000" dirty="0">
-                <a:solidFill>
-                  <a:srgbClr val="000000"/>
-                </a:solidFill>
-                <a:highlight>
-                  <a:srgbClr val="FFFFFF"/>
-                </a:highlight>
-                <a:latin typeface="Consolas" panose="020B0609020204030204" pitchFamily="49" charset="0"/>
-              </a:rPr>
-              <a:t>bin/</a:t>
-            </a:r>
-            <a:r>
-              <a:rPr lang="tr-TR" sz="2000" dirty="0" err="1">
-                <a:solidFill>
-                  <a:srgbClr val="000000"/>
-                </a:solidFill>
-                <a:highlight>
-                  <a:srgbClr val="FFFFFF"/>
-                </a:highlight>
-                <a:latin typeface="Consolas" panose="020B0609020204030204" pitchFamily="49" charset="0"/>
-              </a:rPr>
-              <a:t>gpm</a:t>
-            </a:r>
-            <a:r>
-              <a:rPr lang="tr-TR" sz="2000" dirty="0">
-                <a:solidFill>
-                  <a:srgbClr val="000000"/>
-                </a:solidFill>
-                <a:highlight>
-                  <a:srgbClr val="FFFFFF"/>
-                </a:highlight>
-                <a:latin typeface="Consolas" panose="020B0609020204030204" pitchFamily="49" charset="0"/>
-              </a:rPr>
-              <a:t> </a:t>
-            </a:r>
-            <a:r>
-              <a:rPr lang="tr-TR" sz="2000" dirty="0" err="1">
-                <a:solidFill>
-                  <a:srgbClr val="000000"/>
-                </a:solidFill>
-                <a:highlight>
-                  <a:srgbClr val="FFFFFF"/>
-                </a:highlight>
-                <a:latin typeface="Consolas" panose="020B0609020204030204" pitchFamily="49" charset="0"/>
-              </a:rPr>
-              <a:t>selfupgrade</a:t>
-            </a:r>
-            <a:endParaRPr lang="tr-TR" sz="2000" dirty="0">
+              <a:rPr lang="tr-TR" sz="1400" b="1" dirty="0">
+                <a:solidFill>
+                  <a:srgbClr val="000080"/>
+                </a:solidFill>
+                <a:highlight>
+                  <a:srgbClr val="FFFFFF"/>
+                </a:highlight>
+                <a:latin typeface="Courier New" panose="02070309020205020404" pitchFamily="49" charset="0"/>
+              </a:rPr>
+              <a:t>    </a:t>
+            </a:r>
+            <a:r>
+              <a:rPr lang="tr-TR" sz="1400" b="1" dirty="0" err="1">
+                <a:solidFill>
+                  <a:srgbClr val="000080"/>
+                </a:solidFill>
+                <a:highlight>
+                  <a:srgbClr val="FFFFFF"/>
+                </a:highlight>
+                <a:latin typeface="Courier New" panose="02070309020205020404" pitchFamily="49" charset="0"/>
+              </a:rPr>
+              <a:t>folder</a:t>
+            </a:r>
+            <a:r>
+              <a:rPr lang="tr-TR" sz="1400" dirty="0">
+                <a:solidFill>
+                  <a:srgbClr val="000000"/>
+                </a:solidFill>
+                <a:highlight>
+                  <a:srgbClr val="FFFFFF"/>
+                </a:highlight>
+                <a:latin typeface="Courier New" panose="02070309020205020404" pitchFamily="49" charset="0"/>
+              </a:rPr>
+              <a:t>:</a:t>
+            </a:r>
+          </a:p>
+          <a:p>
+            <a:r>
+              <a:rPr lang="tr-TR" sz="1400" b="1" dirty="0">
+                <a:solidFill>
+                  <a:srgbClr val="000080"/>
+                </a:solidFill>
+                <a:highlight>
+                  <a:srgbClr val="FFFFFF"/>
+                </a:highlight>
+                <a:latin typeface="Courier New" panose="02070309020205020404" pitchFamily="49" charset="0"/>
+              </a:rPr>
+              <a:t>      </a:t>
+            </a:r>
+            <a:r>
+              <a:rPr lang="tr-TR" sz="1400" b="1" dirty="0" err="1">
+                <a:solidFill>
+                  <a:srgbClr val="000080"/>
+                </a:solidFill>
+                <a:highlight>
+                  <a:srgbClr val="FFFFFF"/>
+                </a:highlight>
+                <a:latin typeface="Courier New" panose="02070309020205020404" pitchFamily="49" charset="0"/>
+              </a:rPr>
+              <a:t>type</a:t>
+            </a:r>
+            <a:r>
+              <a:rPr lang="tr-TR" sz="1400" dirty="0">
+                <a:solidFill>
+                  <a:srgbClr val="000000"/>
+                </a:solidFill>
+                <a:highlight>
+                  <a:srgbClr val="FFFFFF"/>
+                </a:highlight>
+                <a:latin typeface="Courier New" panose="02070309020205020404" pitchFamily="49" charset="0"/>
+              </a:rPr>
+              <a:t>: </a:t>
+            </a:r>
+            <a:r>
+              <a:rPr lang="tr-TR" sz="1400" dirty="0" err="1">
+                <a:solidFill>
+                  <a:srgbClr val="000000"/>
+                </a:solidFill>
+                <a:highlight>
+                  <a:srgbClr val="FFFFFF"/>
+                </a:highlight>
+                <a:latin typeface="Courier New" panose="02070309020205020404" pitchFamily="49" charset="0"/>
+              </a:rPr>
+              <a:t>hidden</a:t>
+            </a:r>
+            <a:endParaRPr lang="tr-TR" sz="1400" dirty="0">
               <a:solidFill>
                 <a:srgbClr val="000000"/>
               </a:solidFill>
               <a:highlight>
                 <a:srgbClr val="FFFFFF"/>
               </a:highlight>
-              <a:latin typeface="Consolas" panose="020B0609020204030204" pitchFamily="49" charset="0"/>
+              <a:latin typeface="Courier New" panose="02070309020205020404" pitchFamily="49" charset="0"/>
+            </a:endParaRPr>
+          </a:p>
+          <a:p>
+            <a:r>
+              <a:rPr lang="tr-TR" sz="1400" b="1" dirty="0">
+                <a:solidFill>
+                  <a:srgbClr val="000080"/>
+                </a:solidFill>
+                <a:highlight>
+                  <a:srgbClr val="FFFFFF"/>
+                </a:highlight>
+                <a:latin typeface="Courier New" panose="02070309020205020404" pitchFamily="49" charset="0"/>
+              </a:rPr>
+              <a:t>      </a:t>
+            </a:r>
+            <a:r>
+              <a:rPr lang="tr-TR" sz="1400" b="1" dirty="0" err="1">
+                <a:solidFill>
+                  <a:srgbClr val="000080"/>
+                </a:solidFill>
+                <a:highlight>
+                  <a:srgbClr val="FFFFFF"/>
+                </a:highlight>
+                <a:latin typeface="Courier New" panose="02070309020205020404" pitchFamily="49" charset="0"/>
+              </a:rPr>
+              <a:t>default</a:t>
+            </a:r>
+            <a:r>
+              <a:rPr lang="tr-TR" sz="1400" dirty="0">
+                <a:solidFill>
+                  <a:srgbClr val="000000"/>
+                </a:solidFill>
+                <a:highlight>
+                  <a:srgbClr val="FFFFFF"/>
+                </a:highlight>
+                <a:latin typeface="Courier New" panose="02070309020205020404" pitchFamily="49" charset="0"/>
+              </a:rPr>
+              <a:t>: '@</a:t>
+            </a:r>
+            <a:r>
+              <a:rPr lang="tr-TR" sz="1400" dirty="0" err="1">
+                <a:solidFill>
+                  <a:srgbClr val="000000"/>
+                </a:solidFill>
+                <a:highlight>
+                  <a:srgbClr val="FFFFFF"/>
+                </a:highlight>
+                <a:latin typeface="Courier New" panose="02070309020205020404" pitchFamily="49" charset="0"/>
+              </a:rPr>
+              <a:t>slugify-title</a:t>
+            </a:r>
+            <a:r>
+              <a:rPr lang="tr-TR" sz="1400" dirty="0" smtClean="0">
+                <a:solidFill>
+                  <a:srgbClr val="000000"/>
+                </a:solidFill>
+                <a:highlight>
+                  <a:srgbClr val="FFFFFF"/>
+                </a:highlight>
+                <a:latin typeface="Courier New" panose="02070309020205020404" pitchFamily="49" charset="0"/>
+              </a:rPr>
+              <a:t>'  </a:t>
+            </a:r>
+            <a:endParaRPr lang="tr-TR" sz="1400" dirty="0">
+              <a:solidFill>
+                <a:srgbClr val="000000"/>
+              </a:solidFill>
+              <a:highlight>
+                <a:srgbClr val="FFFFFF"/>
+              </a:highlight>
+              <a:latin typeface="Courier New" panose="02070309020205020404" pitchFamily="49" charset="0"/>
+            </a:endParaRPr>
+          </a:p>
+          <a:p>
+            <a:r>
+              <a:rPr lang="tr-TR" sz="1400" b="1" dirty="0">
+                <a:solidFill>
+                  <a:srgbClr val="000080"/>
+                </a:solidFill>
+                <a:highlight>
+                  <a:srgbClr val="FFFFFF"/>
+                </a:highlight>
+                <a:latin typeface="Courier New" panose="02070309020205020404" pitchFamily="49" charset="0"/>
+              </a:rPr>
+              <a:t>    </a:t>
+            </a:r>
+            <a:r>
+              <a:rPr lang="tr-TR" sz="1400" b="1" dirty="0" err="1">
+                <a:solidFill>
+                  <a:srgbClr val="000080"/>
+                </a:solidFill>
+                <a:highlight>
+                  <a:srgbClr val="FFFFFF"/>
+                </a:highlight>
+                <a:latin typeface="Courier New" panose="02070309020205020404" pitchFamily="49" charset="0"/>
+              </a:rPr>
+              <a:t>route</a:t>
+            </a:r>
+            <a:r>
+              <a:rPr lang="tr-TR" sz="1400" dirty="0">
+                <a:solidFill>
+                  <a:srgbClr val="000000"/>
+                </a:solidFill>
+                <a:highlight>
+                  <a:srgbClr val="FFFFFF"/>
+                </a:highlight>
+                <a:latin typeface="Courier New" panose="02070309020205020404" pitchFamily="49" charset="0"/>
+              </a:rPr>
+              <a:t>:</a:t>
+            </a:r>
+          </a:p>
+          <a:p>
+            <a:r>
+              <a:rPr lang="tr-TR" sz="1400" b="1" dirty="0">
+                <a:solidFill>
+                  <a:srgbClr val="000080"/>
+                </a:solidFill>
+                <a:highlight>
+                  <a:srgbClr val="FFFFFF"/>
+                </a:highlight>
+                <a:latin typeface="Courier New" panose="02070309020205020404" pitchFamily="49" charset="0"/>
+              </a:rPr>
+              <a:t>     </a:t>
+            </a:r>
+            <a:r>
+              <a:rPr lang="tr-TR" sz="1400" b="1" dirty="0" err="1">
+                <a:solidFill>
+                  <a:srgbClr val="000080"/>
+                </a:solidFill>
+                <a:highlight>
+                  <a:srgbClr val="FFFFFF"/>
+                </a:highlight>
+                <a:latin typeface="Courier New" panose="02070309020205020404" pitchFamily="49" charset="0"/>
+              </a:rPr>
+              <a:t>type</a:t>
+            </a:r>
+            <a:r>
+              <a:rPr lang="tr-TR" sz="1400" dirty="0">
+                <a:solidFill>
+                  <a:srgbClr val="000000"/>
+                </a:solidFill>
+                <a:highlight>
+                  <a:srgbClr val="FFFFFF"/>
+                </a:highlight>
+                <a:latin typeface="Courier New" panose="02070309020205020404" pitchFamily="49" charset="0"/>
+              </a:rPr>
+              <a:t>: </a:t>
+            </a:r>
+            <a:r>
+              <a:rPr lang="tr-TR" sz="1400" dirty="0" err="1">
+                <a:solidFill>
+                  <a:srgbClr val="000000"/>
+                </a:solidFill>
+                <a:highlight>
+                  <a:srgbClr val="FFFFFF"/>
+                </a:highlight>
+                <a:latin typeface="Courier New" panose="02070309020205020404" pitchFamily="49" charset="0"/>
+              </a:rPr>
+              <a:t>hidden</a:t>
+            </a:r>
+            <a:endParaRPr lang="tr-TR" sz="1400" dirty="0">
+              <a:solidFill>
+                <a:srgbClr val="000000"/>
+              </a:solidFill>
+              <a:highlight>
+                <a:srgbClr val="FFFFFF"/>
+              </a:highlight>
+              <a:latin typeface="Courier New" panose="02070309020205020404" pitchFamily="49" charset="0"/>
+            </a:endParaRPr>
+          </a:p>
+          <a:p>
+            <a:r>
+              <a:rPr lang="tr-TR" sz="1400" b="1" dirty="0">
+                <a:solidFill>
+                  <a:srgbClr val="000080"/>
+                </a:solidFill>
+                <a:highlight>
+                  <a:srgbClr val="FFFFFF"/>
+                </a:highlight>
+                <a:latin typeface="Courier New" panose="02070309020205020404" pitchFamily="49" charset="0"/>
+              </a:rPr>
+              <a:t>     </a:t>
+            </a:r>
+            <a:r>
+              <a:rPr lang="tr-TR" sz="1400" b="1" dirty="0" err="1">
+                <a:solidFill>
+                  <a:srgbClr val="000080"/>
+                </a:solidFill>
+                <a:highlight>
+                  <a:srgbClr val="FFFFFF"/>
+                </a:highlight>
+                <a:latin typeface="Courier New" panose="02070309020205020404" pitchFamily="49" charset="0"/>
+              </a:rPr>
+              <a:t>default</a:t>
+            </a:r>
+            <a:r>
+              <a:rPr lang="tr-TR" sz="1400" dirty="0">
+                <a:solidFill>
+                  <a:srgbClr val="000000"/>
+                </a:solidFill>
+                <a:highlight>
+                  <a:srgbClr val="FFFFFF"/>
+                </a:highlight>
+                <a:latin typeface="Courier New" panose="02070309020205020404" pitchFamily="49" charset="0"/>
+              </a:rPr>
+              <a:t>: '/haberler</a:t>
+            </a:r>
+            <a:r>
+              <a:rPr lang="tr-TR" sz="1400" dirty="0" smtClean="0">
+                <a:solidFill>
+                  <a:srgbClr val="000000"/>
+                </a:solidFill>
+                <a:highlight>
+                  <a:srgbClr val="FFFFFF"/>
+                </a:highlight>
+                <a:latin typeface="Courier New" panose="02070309020205020404" pitchFamily="49" charset="0"/>
+              </a:rPr>
+              <a:t>'</a:t>
+            </a:r>
+            <a:endParaRPr lang="tr-TR" sz="1400" dirty="0">
+              <a:solidFill>
+                <a:srgbClr val="000000"/>
+              </a:solidFill>
+              <a:highlight>
+                <a:srgbClr val="FFFFFF"/>
+              </a:highlight>
+              <a:latin typeface="Courier New" panose="02070309020205020404" pitchFamily="49" charset="0"/>
             </a:endParaRPr>
           </a:p>
         </p:txBody>
@@ -16546,7 +16960,7 @@
     </p:spTree>
     <p:extLst>
       <p:ext uri="{BB962C8B-B14F-4D97-AF65-F5344CB8AC3E}">
-        <p14:creationId xmlns:p14="http://schemas.microsoft.com/office/powerpoint/2010/main" val="142502280"/>
+        <p14:creationId xmlns:p14="http://schemas.microsoft.com/office/powerpoint/2010/main" val="604107218"/>
       </p:ext>
     </p:extLst>
   </p:cSld>
@@ -16728,7 +17142,7 @@
         <p:spPr>
           <a:xfrm>
             <a:off x="840418" y="1587010"/>
-            <a:ext cx="10931371" cy="3785652"/>
+            <a:ext cx="10931371" cy="2246769"/>
           </a:xfrm>
           <a:prstGeom prst="rect">
             <a:avLst/>
@@ -16745,37 +17159,37 @@
               <a:buChar char="q"/>
             </a:pPr>
             <a:r>
-              <a:rPr lang="tr-TR" sz="4000" dirty="0" err="1" smtClean="0">
+              <a:rPr lang="tr-TR" sz="2800" dirty="0" err="1" smtClean="0">
                 <a:latin typeface="Consolas" panose="020B0609020204030204" pitchFamily="49" charset="0"/>
               </a:rPr>
               <a:t>Grav</a:t>
             </a:r>
             <a:r>
-              <a:rPr lang="tr-TR" sz="4000" dirty="0" smtClean="0">
+              <a:rPr lang="tr-TR" sz="2800" dirty="0" smtClean="0">
                 <a:latin typeface="Consolas" panose="020B0609020204030204" pitchFamily="49" charset="0"/>
               </a:rPr>
               <a:t> </a:t>
             </a:r>
             <a:r>
-              <a:rPr lang="tr-TR" sz="4000" dirty="0">
+              <a:rPr lang="tr-TR" sz="2800" dirty="0">
                 <a:latin typeface="Consolas" panose="020B0609020204030204" pitchFamily="49" charset="0"/>
               </a:rPr>
               <a:t>ismi </a:t>
             </a:r>
             <a:r>
-              <a:rPr lang="tr-TR" sz="4000" dirty="0" err="1">
+              <a:rPr lang="tr-TR" sz="2800" dirty="0" err="1">
                 <a:latin typeface="Consolas" panose="020B0609020204030204" pitchFamily="49" charset="0"/>
               </a:rPr>
               <a:t>Gravity</a:t>
             </a:r>
             <a:r>
-              <a:rPr lang="tr-TR" sz="4000" dirty="0">
+              <a:rPr lang="tr-TR" sz="2800" dirty="0">
                 <a:latin typeface="Consolas" panose="020B0609020204030204" pitchFamily="49" charset="0"/>
               </a:rPr>
               <a:t> kelimesinin sadece kısaltılmış bir versiyonudur</a:t>
             </a:r>
             <a:r>
-              <a:rPr lang="tr-TR" sz="4000" dirty="0" smtClean="0">
+              <a:rPr lang="tr-TR" sz="2800" dirty="0" smtClean="0">
                 <a:latin typeface="Consolas" panose="020B0609020204030204" pitchFamily="49" charset="0"/>
               </a:rPr>
               <a:t>.</a:t>
@@ -16786,7 +17200,7 @@
               <a:buFont typeface="Wingdings" panose="05000000000000000000" pitchFamily="2" charset="2"/>
               <a:buChar char="q"/>
             </a:pPr>
-            <a:endParaRPr lang="tr-TR" sz="4000" dirty="0" smtClean="0">
+            <a:endParaRPr lang="tr-TR" sz="2800" dirty="0" smtClean="0">
               <a:latin typeface="Consolas" panose="020B0609020204030204" pitchFamily="49" charset="0"/>
             </a:endParaRPr>
           </a:p>
@@ -16796,46 +17210,40 @@
               <a:buChar char="q"/>
             </a:pPr>
             <a:r>
-              <a:rPr lang="tr-TR" sz="4000" dirty="0" err="1" smtClean="0">
+              <a:rPr lang="tr-TR" sz="2800" dirty="0" err="1" smtClean="0">
                 <a:latin typeface="Consolas" panose="020B0609020204030204" pitchFamily="49" charset="0"/>
               </a:rPr>
               <a:t>Grav</a:t>
             </a:r>
             <a:r>
-              <a:rPr lang="tr-TR" sz="4000" dirty="0" smtClean="0">
+              <a:rPr lang="tr-TR" sz="2800" dirty="0" smtClean="0">
                 <a:latin typeface="Consolas" panose="020B0609020204030204" pitchFamily="49" charset="0"/>
               </a:rPr>
               <a:t>, modern</a:t>
             </a:r>
             <a:r>
-              <a:rPr lang="tr-TR" sz="4000" dirty="0">
+              <a:rPr lang="tr-TR" sz="2800" dirty="0">
                 <a:latin typeface="Consolas" panose="020B0609020204030204" pitchFamily="49" charset="0"/>
               </a:rPr>
               <a:t>, hızlı, basit, esnek, açık kaynak ve </a:t>
             </a:r>
             <a:r>
-              <a:rPr lang="tr-TR" sz="4000" dirty="0" smtClean="0">
+              <a:rPr lang="tr-TR" sz="2800" dirty="0" smtClean="0">
                 <a:latin typeface="Consolas" panose="020B0609020204030204" pitchFamily="49" charset="0"/>
               </a:rPr>
               <a:t>dosya </a:t>
             </a:r>
             <a:r>
-              <a:rPr lang="tr-TR" sz="4000" dirty="0">
+              <a:rPr lang="tr-TR" sz="2800" dirty="0">
                 <a:latin typeface="Consolas" panose="020B0609020204030204" pitchFamily="49" charset="0"/>
               </a:rPr>
               <a:t>tabanlı içerik yönetim </a:t>
             </a:r>
             <a:r>
-              <a:rPr lang="tr-TR" sz="4000" dirty="0" smtClean="0">
-                <a:latin typeface="Consolas" panose="020B0609020204030204" pitchFamily="49" charset="0"/>
-              </a:rPr>
-              <a:t>sistemidir</a:t>
-            </a:r>
-            <a:r>
-              <a:rPr lang="tr-TR" sz="4000" dirty="0" smtClean="0">
-                <a:latin typeface="Consolas" panose="020B0609020204030204" pitchFamily="49" charset="0"/>
-              </a:rPr>
-              <a:t>.</a:t>
+              <a:rPr lang="tr-TR" sz="2800" dirty="0" smtClean="0">
+                <a:latin typeface="Consolas" panose="020B0609020204030204" pitchFamily="49" charset="0"/>
+              </a:rPr>
+              <a:t>sistemidir.</a:t>
             </a:r>
           </a:p>
         </p:txBody>
@@ -16983,7 +17391,7 @@
         <p:spPr>
           <a:xfrm>
             <a:off x="762457" y="1506586"/>
-            <a:ext cx="11031985" cy="4647426"/>
+            <a:ext cx="11031985" cy="4401205"/>
           </a:xfrm>
           <a:prstGeom prst="rect">
             <a:avLst/>
@@ -16996,6 +17404,18 @@
           <a:lstStyle/>
           <a:p>
             <a:r>
+              <a:rPr lang="tr-TR" sz="2000" dirty="0">
+                <a:solidFill>
+                  <a:srgbClr val="000000"/>
+                </a:solidFill>
+                <a:highlight>
+                  <a:srgbClr val="FFFFFF"/>
+                </a:highlight>
+                <a:latin typeface="Consolas" panose="020B0609020204030204" pitchFamily="49" charset="0"/>
+              </a:rPr>
+              <a:t>CLI </a:t>
+            </a:r>
+            <a:r>
               <a:rPr lang="tr-TR" sz="2000" dirty="0" smtClean="0">
                 <a:solidFill>
                   <a:srgbClr val="000000"/>
@@ -17005,7 +17425,7 @@
                 </a:highlight>
                 <a:latin typeface="Consolas" panose="020B0609020204030204" pitchFamily="49" charset="0"/>
               </a:rPr>
-              <a:t>Göç İşlemleri</a:t>
+              <a:t>Console</a:t>
             </a:r>
           </a:p>
           <a:p>
@@ -17021,6 +17441,18 @@
           </a:p>
           <a:p>
             <a:r>
+              <a:rPr lang="tr-TR" sz="2000" dirty="0" smtClean="0">
+                <a:solidFill>
+                  <a:srgbClr val="000000"/>
+                </a:solidFill>
+                <a:highlight>
+                  <a:srgbClr val="FFFFFF"/>
+                </a:highlight>
+                <a:latin typeface="Consolas" panose="020B0609020204030204" pitchFamily="49" charset="0"/>
+              </a:rPr>
+              <a:t>#cd </a:t>
+            </a:r>
+            <a:r>
               <a:rPr lang="tr-TR" sz="2000" dirty="0">
                 <a:solidFill>
                   <a:srgbClr val="000000"/>
@@ -17030,7 +17462,7 @@
                 </a:highlight>
                 <a:latin typeface="Consolas" panose="020B0609020204030204" pitchFamily="49" charset="0"/>
               </a:rPr>
-              <a:t>#</a:t>
+              <a:t>~/</a:t>
             </a:r>
             <a:r>
               <a:rPr lang="tr-TR" sz="2000" dirty="0" err="1">
@@ -17042,7 +17474,7 @@
                 </a:highlight>
                 <a:latin typeface="Consolas" panose="020B0609020204030204" pitchFamily="49" charset="0"/>
               </a:rPr>
-              <a:t>composer</a:t>
+              <a:t>webroot</a:t>
             </a:r>
             <a:r>
               <a:rPr lang="tr-TR" sz="2000" dirty="0">
@@ -17054,9 +17486,166 @@
                 </a:highlight>
                 <a:latin typeface="Consolas" panose="020B0609020204030204" pitchFamily="49" charset="0"/>
               </a:rPr>
+              <a:t>/</a:t>
+            </a:r>
+            <a:r>
+              <a:rPr lang="tr-TR" sz="2000" dirty="0" err="1">
+                <a:solidFill>
+                  <a:srgbClr val="000000"/>
+                </a:solidFill>
+                <a:highlight>
+                  <a:srgbClr val="FFFFFF"/>
+                </a:highlight>
+                <a:latin typeface="Consolas" panose="020B0609020204030204" pitchFamily="49" charset="0"/>
+              </a:rPr>
+              <a:t>grav</a:t>
+            </a:r>
+            <a:endParaRPr lang="tr-TR" sz="2000" dirty="0">
+              <a:solidFill>
+                <a:srgbClr val="000000"/>
+              </a:solidFill>
+              <a:highlight>
+                <a:srgbClr val="FFFFFF"/>
+              </a:highlight>
+              <a:latin typeface="Consolas" panose="020B0609020204030204" pitchFamily="49" charset="0"/>
+            </a:endParaRPr>
+          </a:p>
+          <a:p>
+            <a:r>
+              <a:rPr lang="tr-TR" sz="2000" dirty="0" smtClean="0">
+                <a:solidFill>
+                  <a:srgbClr val="000000"/>
+                </a:solidFill>
+                <a:highlight>
+                  <a:srgbClr val="FFFFFF"/>
+                </a:highlight>
+                <a:latin typeface="Consolas" panose="020B0609020204030204" pitchFamily="49" charset="0"/>
+              </a:rPr>
+              <a:t>#bin/</a:t>
+            </a:r>
+            <a:r>
+              <a:rPr lang="tr-TR" sz="2000" dirty="0" err="1" smtClean="0">
+                <a:solidFill>
+                  <a:srgbClr val="000000"/>
+                </a:solidFill>
+                <a:highlight>
+                  <a:srgbClr val="FFFFFF"/>
+                </a:highlight>
+                <a:latin typeface="Consolas" panose="020B0609020204030204" pitchFamily="49" charset="0"/>
+              </a:rPr>
+              <a:t>grav</a:t>
+            </a:r>
+            <a:r>
+              <a:rPr lang="tr-TR" sz="2000" dirty="0">
+                <a:solidFill>
+                  <a:srgbClr val="000000"/>
+                </a:solidFill>
+                <a:highlight>
+                  <a:srgbClr val="FFFFFF"/>
+                </a:highlight>
+                <a:latin typeface="Consolas" panose="020B0609020204030204" pitchFamily="49" charset="0"/>
+              </a:rPr>
+              <a:t>		Temel </a:t>
+            </a:r>
+            <a:r>
+              <a:rPr lang="tr-TR" sz="2000" dirty="0" err="1">
+                <a:solidFill>
+                  <a:srgbClr val="000000"/>
+                </a:solidFill>
+                <a:highlight>
+                  <a:srgbClr val="FFFFFF"/>
+                </a:highlight>
+                <a:latin typeface="Consolas" panose="020B0609020204030204" pitchFamily="49" charset="0"/>
+              </a:rPr>
+              <a:t>Grav</a:t>
+            </a:r>
+            <a:r>
+              <a:rPr lang="tr-TR" sz="2000" dirty="0">
+                <a:solidFill>
+                  <a:srgbClr val="000000"/>
+                </a:solidFill>
+                <a:highlight>
+                  <a:srgbClr val="FFFFFF"/>
+                </a:highlight>
+                <a:latin typeface="Consolas" panose="020B0609020204030204" pitchFamily="49" charset="0"/>
+              </a:rPr>
+              <a:t> İşlemleri</a:t>
+            </a:r>
+          </a:p>
+          <a:p>
+            <a:r>
+              <a:rPr lang="tr-TR" sz="2000" dirty="0" smtClean="0">
+                <a:solidFill>
+                  <a:srgbClr val="000000"/>
+                </a:solidFill>
+                <a:highlight>
+                  <a:srgbClr val="FFFFFF"/>
+                </a:highlight>
+                <a:latin typeface="Consolas" panose="020B0609020204030204" pitchFamily="49" charset="0"/>
+              </a:rPr>
+              <a:t>#bin/</a:t>
+            </a:r>
+            <a:r>
+              <a:rPr lang="tr-TR" sz="2000" dirty="0" err="1" smtClean="0">
+                <a:solidFill>
+                  <a:srgbClr val="000000"/>
+                </a:solidFill>
+                <a:highlight>
+                  <a:srgbClr val="FFFFFF"/>
+                </a:highlight>
+                <a:latin typeface="Consolas" panose="020B0609020204030204" pitchFamily="49" charset="0"/>
+              </a:rPr>
+              <a:t>gmp</a:t>
+            </a:r>
+            <a:r>
+              <a:rPr lang="tr-TR" sz="2000" dirty="0">
+                <a:solidFill>
+                  <a:srgbClr val="000000"/>
+                </a:solidFill>
+                <a:highlight>
+                  <a:srgbClr val="FFFFFF"/>
+                </a:highlight>
+                <a:latin typeface="Consolas" panose="020B0609020204030204" pitchFamily="49" charset="0"/>
+              </a:rPr>
+              <a:t>		</a:t>
+            </a:r>
+            <a:r>
+              <a:rPr lang="tr-TR" sz="2000" dirty="0" err="1" smtClean="0">
+                <a:solidFill>
+                  <a:srgbClr val="000000"/>
+                </a:solidFill>
+                <a:highlight>
+                  <a:srgbClr val="FFFFFF"/>
+                </a:highlight>
+                <a:latin typeface="Consolas" panose="020B0609020204030204" pitchFamily="49" charset="0"/>
+              </a:rPr>
+              <a:t>Grav</a:t>
+            </a:r>
+            <a:r>
+              <a:rPr lang="tr-TR" sz="2000" dirty="0" smtClean="0">
+                <a:solidFill>
+                  <a:srgbClr val="000000"/>
+                </a:solidFill>
+                <a:highlight>
+                  <a:srgbClr val="FFFFFF"/>
+                </a:highlight>
+                <a:latin typeface="Consolas" panose="020B0609020204030204" pitchFamily="49" charset="0"/>
+              </a:rPr>
               <a:t> </a:t>
             </a:r>
             <a:r>
+              <a:rPr lang="tr-TR" sz="2000" dirty="0">
+                <a:solidFill>
+                  <a:srgbClr val="000000"/>
+                </a:solidFill>
+                <a:highlight>
+                  <a:srgbClr val="FFFFFF"/>
+                </a:highlight>
+                <a:latin typeface="Consolas" panose="020B0609020204030204" pitchFamily="49" charset="0"/>
+              </a:rPr>
+              <a:t>paket Yönetici işlemleri (</a:t>
+            </a:r>
+            <a:r>
               <a:rPr lang="tr-TR" sz="2000" dirty="0" err="1">
                 <a:solidFill>
                   <a:srgbClr val="000000"/>
@@ -17066,7 +17655,7 @@
                 </a:highlight>
                 <a:latin typeface="Consolas" panose="020B0609020204030204" pitchFamily="49" charset="0"/>
               </a:rPr>
-              <a:t>require</a:t>
+              <a:t>Grav</a:t>
             </a:r>
             <a:r>
               <a:rPr lang="tr-TR" sz="2000" dirty="0">
@@ -17081,6 +17670,67 @@
               <a:t> </a:t>
             </a:r>
             <a:r>
+              <a:rPr lang="tr-TR" sz="2000" dirty="0" err="1">
+                <a:solidFill>
+                  <a:srgbClr val="000000"/>
+                </a:solidFill>
+                <a:highlight>
+                  <a:srgbClr val="FFFFFF"/>
+                </a:highlight>
+                <a:latin typeface="Consolas" panose="020B0609020204030204" pitchFamily="49" charset="0"/>
+              </a:rPr>
+              <a:t>Package</a:t>
+            </a:r>
+            <a:r>
+              <a:rPr lang="tr-TR" sz="2000" dirty="0">
+                <a:solidFill>
+                  <a:srgbClr val="000000"/>
+                </a:solidFill>
+                <a:highlight>
+                  <a:srgbClr val="FFFFFF"/>
+                </a:highlight>
+                <a:latin typeface="Consolas" panose="020B0609020204030204" pitchFamily="49" charset="0"/>
+              </a:rPr>
+              <a:t> Manager)</a:t>
+            </a:r>
+          </a:p>
+          <a:p>
+            <a:endParaRPr lang="tr-TR" sz="2000" dirty="0">
+              <a:solidFill>
+                <a:srgbClr val="000000"/>
+              </a:solidFill>
+              <a:highlight>
+                <a:srgbClr val="FFFFFF"/>
+              </a:highlight>
+              <a:latin typeface="Consolas" panose="020B0609020204030204" pitchFamily="49" charset="0"/>
+            </a:endParaRPr>
+          </a:p>
+          <a:p>
+            <a:r>
+              <a:rPr lang="tr-TR" sz="2000" dirty="0" err="1">
+                <a:solidFill>
+                  <a:srgbClr val="000000"/>
+                </a:solidFill>
+                <a:highlight>
+                  <a:srgbClr val="FFFFFF"/>
+                </a:highlight>
+                <a:latin typeface="Consolas" panose="020B0609020204030204" pitchFamily="49" charset="0"/>
+              </a:rPr>
+              <a:t>Log</a:t>
+            </a:r>
+            <a:r>
+              <a:rPr lang="tr-TR" sz="2000" dirty="0">
+                <a:solidFill>
+                  <a:srgbClr val="000000"/>
+                </a:solidFill>
+                <a:highlight>
+                  <a:srgbClr val="FFFFFF"/>
+                </a:highlight>
+                <a:latin typeface="Consolas" panose="020B0609020204030204" pitchFamily="49" charset="0"/>
+              </a:rPr>
+              <a:t> </a:t>
+            </a:r>
+            <a:r>
               <a:rPr lang="tr-TR" sz="2000" dirty="0" err="1" smtClean="0">
                 <a:solidFill>
                   <a:srgbClr val="000000"/>
@@ -17090,8 +17740,19 @@
                 </a:highlight>
                 <a:latin typeface="Consolas" panose="020B0609020204030204" pitchFamily="49" charset="0"/>
               </a:rPr>
-              <a:t>chrisullyott</a:t>
-            </a:r>
+              <a:t>viewer</a:t>
+            </a:r>
+            <a:endParaRPr lang="tr-TR" sz="2000" dirty="0">
+              <a:solidFill>
+                <a:srgbClr val="000000"/>
+              </a:solidFill>
+              <a:highlight>
+                <a:srgbClr val="FFFFFF"/>
+              </a:highlight>
+              <a:latin typeface="Consolas" panose="020B0609020204030204" pitchFamily="49" charset="0"/>
+            </a:endParaRPr>
+          </a:p>
+          <a:p>
             <a:r>
               <a:rPr lang="tr-TR" sz="2000" dirty="0" smtClean="0">
                 <a:solidFill>
@@ -17102,7 +17763,7 @@
                 </a:highlight>
                 <a:latin typeface="Consolas" panose="020B0609020204030204" pitchFamily="49" charset="0"/>
               </a:rPr>
-              <a:t>/</a:t>
+              <a:t>#bin/</a:t>
             </a:r>
             <a:r>
               <a:rPr lang="tr-TR" sz="2000" dirty="0" err="1" smtClean="0">
@@ -17114,7 +17775,31 @@
                 </a:highlight>
                 <a:latin typeface="Consolas" panose="020B0609020204030204" pitchFamily="49" charset="0"/>
               </a:rPr>
-              <a:t>csv-to-grav</a:t>
+              <a:t>grav</a:t>
+            </a:r>
+            <a:r>
+              <a:rPr lang="tr-TR" sz="2000" dirty="0" smtClean="0">
+                <a:solidFill>
+                  <a:srgbClr val="000000"/>
+                </a:solidFill>
+                <a:highlight>
+                  <a:srgbClr val="FFFFFF"/>
+                </a:highlight>
+                <a:latin typeface="Consolas" panose="020B0609020204030204" pitchFamily="49" charset="0"/>
+              </a:rPr>
+              <a:t> </a:t>
+            </a:r>
+            <a:r>
+              <a:rPr lang="tr-TR" sz="2000" dirty="0" err="1" smtClean="0">
+                <a:solidFill>
+                  <a:srgbClr val="000000"/>
+                </a:solidFill>
+                <a:highlight>
+                  <a:srgbClr val="FFFFFF"/>
+                </a:highlight>
+                <a:latin typeface="Consolas" panose="020B0609020204030204" pitchFamily="49" charset="0"/>
+              </a:rPr>
+              <a:t>logviewer</a:t>
             </a:r>
             <a:endParaRPr lang="tr-TR" sz="2000" dirty="0" smtClean="0">
               <a:solidFill>
@@ -17127,6 +17812,60 @@
             </a:endParaRPr>
           </a:p>
           <a:p>
+            <a:endParaRPr lang="tr-TR" sz="2000" dirty="0" smtClean="0">
+              <a:solidFill>
+                <a:srgbClr val="000000"/>
+              </a:solidFill>
+              <a:highlight>
+                <a:srgbClr val="FFFFFF"/>
+              </a:highlight>
+              <a:latin typeface="Consolas" panose="020B0609020204030204" pitchFamily="49" charset="0"/>
+            </a:endParaRPr>
+          </a:p>
+          <a:p>
+            <a:r>
+              <a:rPr lang="tr-TR" sz="2000" dirty="0" smtClean="0">
+                <a:solidFill>
+                  <a:srgbClr val="000000"/>
+                </a:solidFill>
+                <a:highlight>
+                  <a:srgbClr val="FFFFFF"/>
+                </a:highlight>
+                <a:latin typeface="Consolas" panose="020B0609020204030204" pitchFamily="49" charset="0"/>
+              </a:rPr>
+              <a:t>Eklenti güncelleme</a:t>
+            </a:r>
+          </a:p>
+          <a:p>
+            <a:r>
+              <a:rPr lang="tr-TR" sz="2000" dirty="0" smtClean="0">
+                <a:latin typeface="Consolas" panose="020B0609020204030204" pitchFamily="49" charset="0"/>
+              </a:rPr>
+              <a:t>#bin/</a:t>
+            </a:r>
+            <a:r>
+              <a:rPr lang="tr-TR" sz="2000" dirty="0" err="1" smtClean="0">
+                <a:latin typeface="Consolas" panose="020B0609020204030204" pitchFamily="49" charset="0"/>
+              </a:rPr>
+              <a:t>gpm</a:t>
+            </a:r>
+            <a:r>
+              <a:rPr lang="tr-TR" sz="2000" dirty="0" smtClean="0">
+                <a:latin typeface="Consolas" panose="020B0609020204030204" pitchFamily="49" charset="0"/>
+              </a:rPr>
+              <a:t> </a:t>
+            </a:r>
+            <a:r>
+              <a:rPr lang="tr-TR" sz="2000" dirty="0" err="1" smtClean="0">
+                <a:latin typeface="Consolas" panose="020B0609020204030204" pitchFamily="49" charset="0"/>
+              </a:rPr>
+              <a:t>update</a:t>
+            </a:r>
+            <a:endParaRPr lang="tr-TR" sz="2000" dirty="0">
+              <a:latin typeface="Consolas" panose="020B0609020204030204" pitchFamily="49" charset="0"/>
+            </a:endParaRPr>
+          </a:p>
+          <a:p>
             <a:endParaRPr lang="tr-TR" sz="2000" dirty="0">
               <a:solidFill>
                 <a:srgbClr val="000000"/>
@@ -17139,184 +17878,16 @@
           </a:p>
           <a:p>
             <a:r>
-              <a:rPr lang="tr-TR" sz="2000" dirty="0" err="1">
-                <a:solidFill>
-                  <a:srgbClr val="000000"/>
-                </a:solidFill>
-                <a:highlight>
-                  <a:srgbClr val="FFFFFF"/>
-                </a:highlight>
-                <a:latin typeface="Consolas" panose="020B0609020204030204" pitchFamily="49" charset="0"/>
-              </a:rPr>
-              <a:t>cp</a:t>
-            </a:r>
-            <a:r>
-              <a:rPr lang="tr-TR" sz="2000" dirty="0">
-                <a:solidFill>
-                  <a:srgbClr val="000000"/>
-                </a:solidFill>
-                <a:highlight>
-                  <a:srgbClr val="FFFFFF"/>
-                </a:highlight>
-                <a:latin typeface="Consolas" panose="020B0609020204030204" pitchFamily="49" charset="0"/>
-              </a:rPr>
-              <a:t> -R /</a:t>
-            </a:r>
-            <a:r>
-              <a:rPr lang="tr-TR" sz="2000" dirty="0" err="1">
-                <a:solidFill>
-                  <a:srgbClr val="000000"/>
-                </a:solidFill>
-                <a:highlight>
-                  <a:srgbClr val="FFFFFF"/>
-                </a:highlight>
-                <a:latin typeface="Consolas" panose="020B0609020204030204" pitchFamily="49" charset="0"/>
-              </a:rPr>
-              <a:t>usr</a:t>
-            </a:r>
-            <a:r>
-              <a:rPr lang="tr-TR" sz="2000" dirty="0">
-                <a:solidFill>
-                  <a:srgbClr val="000000"/>
-                </a:solidFill>
-                <a:highlight>
-                  <a:srgbClr val="FFFFFF"/>
-                </a:highlight>
-                <a:latin typeface="Consolas" panose="020B0609020204030204" pitchFamily="49" charset="0"/>
-              </a:rPr>
-              <a:t>/</a:t>
-            </a:r>
-            <a:r>
-              <a:rPr lang="tr-TR" sz="2000" dirty="0" err="1">
-                <a:solidFill>
-                  <a:srgbClr val="000000"/>
-                </a:solidFill>
-                <a:highlight>
-                  <a:srgbClr val="FFFFFF"/>
-                </a:highlight>
-                <a:latin typeface="Consolas" panose="020B0609020204030204" pitchFamily="49" charset="0"/>
-              </a:rPr>
-              <a:t>local</a:t>
-            </a:r>
-            <a:r>
-              <a:rPr lang="tr-TR" sz="2000" dirty="0">
-                <a:solidFill>
-                  <a:srgbClr val="000000"/>
-                </a:solidFill>
-                <a:highlight>
-                  <a:srgbClr val="FFFFFF"/>
-                </a:highlight>
-                <a:latin typeface="Consolas" panose="020B0609020204030204" pitchFamily="49" charset="0"/>
-              </a:rPr>
-              <a:t>/www/</a:t>
-            </a:r>
-            <a:r>
-              <a:rPr lang="tr-TR" sz="2000" dirty="0" err="1">
-                <a:solidFill>
-                  <a:srgbClr val="000000"/>
-                </a:solidFill>
-                <a:highlight>
-                  <a:srgbClr val="FFFFFF"/>
-                </a:highlight>
-                <a:latin typeface="Consolas" panose="020B0609020204030204" pitchFamily="49" charset="0"/>
-              </a:rPr>
-              <a:t>grav</a:t>
-            </a:r>
-            <a:r>
-              <a:rPr lang="tr-TR" sz="2000" dirty="0">
-                <a:solidFill>
-                  <a:srgbClr val="000000"/>
-                </a:solidFill>
-                <a:highlight>
-                  <a:srgbClr val="FFFFFF"/>
-                </a:highlight>
-                <a:latin typeface="Consolas" panose="020B0609020204030204" pitchFamily="49" charset="0"/>
-              </a:rPr>
-              <a:t>/</a:t>
-            </a:r>
-            <a:r>
-              <a:rPr lang="tr-TR" sz="2000" dirty="0" err="1">
-                <a:solidFill>
-                  <a:srgbClr val="000000"/>
-                </a:solidFill>
-                <a:highlight>
-                  <a:srgbClr val="FFFFFF"/>
-                </a:highlight>
-                <a:latin typeface="Consolas" panose="020B0609020204030204" pitchFamily="49" charset="0"/>
-              </a:rPr>
-              <a:t>user</a:t>
-            </a:r>
-            <a:r>
-              <a:rPr lang="tr-TR" sz="2000" dirty="0">
-                <a:solidFill>
-                  <a:srgbClr val="000000"/>
-                </a:solidFill>
-                <a:highlight>
-                  <a:srgbClr val="FFFFFF"/>
-                </a:highlight>
-                <a:latin typeface="Consolas" panose="020B0609020204030204" pitchFamily="49" charset="0"/>
-              </a:rPr>
-              <a:t>/</a:t>
-            </a:r>
-            <a:r>
-              <a:rPr lang="tr-TR" sz="2000" dirty="0" err="1">
-                <a:solidFill>
-                  <a:srgbClr val="000000"/>
-                </a:solidFill>
-                <a:highlight>
-                  <a:srgbClr val="FFFFFF"/>
-                </a:highlight>
-                <a:latin typeface="Consolas" panose="020B0609020204030204" pitchFamily="49" charset="0"/>
-              </a:rPr>
-              <a:t>sites</a:t>
-            </a:r>
-            <a:r>
-              <a:rPr lang="tr-TR" sz="2000" dirty="0">
-                <a:solidFill>
-                  <a:srgbClr val="000000"/>
-                </a:solidFill>
-                <a:highlight>
-                  <a:srgbClr val="FFFFFF"/>
-                </a:highlight>
-                <a:latin typeface="Consolas" panose="020B0609020204030204" pitchFamily="49" charset="0"/>
-              </a:rPr>
-              <a:t>/sablon.omu.edu.tr/</a:t>
-            </a:r>
-            <a:r>
-              <a:rPr lang="tr-TR" sz="2000" dirty="0" err="1">
-                <a:solidFill>
-                  <a:srgbClr val="000000"/>
-                </a:solidFill>
-                <a:highlight>
-                  <a:srgbClr val="FFFFFF"/>
-                </a:highlight>
-                <a:latin typeface="Consolas" panose="020B0609020204030204" pitchFamily="49" charset="0"/>
-              </a:rPr>
-              <a:t>pages</a:t>
-            </a:r>
-            <a:r>
-              <a:rPr lang="tr-TR" sz="2000" dirty="0">
-                <a:solidFill>
-                  <a:srgbClr val="000000"/>
-                </a:solidFill>
-                <a:highlight>
-                  <a:srgbClr val="FFFFFF"/>
-                </a:highlight>
-                <a:latin typeface="Consolas" panose="020B0609020204030204" pitchFamily="49" charset="0"/>
-              </a:rPr>
-              <a:t>/* ${dizin}</a:t>
-            </a:r>
-            <a:r>
-              <a:rPr lang="tr-TR" sz="2000" dirty="0" err="1">
-                <a:solidFill>
-                  <a:srgbClr val="000000"/>
-                </a:solidFill>
-                <a:highlight>
-                  <a:srgbClr val="FFFFFF"/>
-                </a:highlight>
-                <a:latin typeface="Consolas" panose="020B0609020204030204" pitchFamily="49" charset="0"/>
-              </a:rPr>
-              <a:t>pages</a:t>
+              <a:rPr lang="tr-TR" sz="2000" dirty="0" err="1" smtClean="0">
+                <a:solidFill>
+                  <a:srgbClr val="000000"/>
+                </a:solidFill>
+                <a:highlight>
+                  <a:srgbClr val="FFFFFF"/>
+                </a:highlight>
+                <a:latin typeface="Consolas" panose="020B0609020204030204" pitchFamily="49" charset="0"/>
+              </a:rPr>
+              <a:t>Grav</a:t>
             </a:r>
             <a:r>
               <a:rPr lang="tr-TR" sz="2000" dirty="0" smtClean="0">
@@ -17328,1694 +17899,7 @@
                 </a:highlight>
                 <a:latin typeface="Consolas" panose="020B0609020204030204" pitchFamily="49" charset="0"/>
               </a:rPr>
-              <a:t>/</a:t>
-            </a:r>
-          </a:p>
-          <a:p>
-            <a:endParaRPr lang="tr-TR" sz="2000" dirty="0" smtClean="0">
-              <a:solidFill>
-                <a:srgbClr val="000000"/>
-              </a:solidFill>
-              <a:highlight>
-                <a:srgbClr val="FFFFFF"/>
-              </a:highlight>
-              <a:latin typeface="Consolas" panose="020B0609020204030204" pitchFamily="49" charset="0"/>
-            </a:endParaRPr>
-          </a:p>
-          <a:p>
-            <a:r>
-              <a:rPr lang="tr-TR" sz="1600" dirty="0" smtClean="0">
-                <a:solidFill>
-                  <a:srgbClr val="FF0000"/>
-                </a:solidFill>
-                <a:highlight>
-                  <a:srgbClr val="FDF8E3"/>
-                </a:highlight>
-                <a:latin typeface="Courier New" panose="02070309020205020404" pitchFamily="49" charset="0"/>
-              </a:rPr>
-              <a:t>&lt;?</a:t>
-            </a:r>
-            <a:endParaRPr lang="tr-TR" sz="1600" dirty="0">
-              <a:solidFill>
-                <a:srgbClr val="000000"/>
-              </a:solidFill>
-              <a:highlight>
-                <a:srgbClr val="FEFCF5"/>
-              </a:highlight>
-              <a:latin typeface="Courier New" panose="02070309020205020404" pitchFamily="49" charset="0"/>
-            </a:endParaRPr>
-          </a:p>
-          <a:p>
-            <a:r>
-              <a:rPr lang="tr-TR" sz="1600" b="1" dirty="0" err="1">
-                <a:solidFill>
-                  <a:srgbClr val="0000FF"/>
-                </a:solidFill>
-                <a:highlight>
-                  <a:srgbClr val="FEFCF5"/>
-                </a:highlight>
-                <a:latin typeface="Courier New" panose="02070309020205020404" pitchFamily="49" charset="0"/>
-              </a:rPr>
-              <a:t>fwrite</a:t>
-            </a:r>
-            <a:r>
-              <a:rPr lang="tr-TR" sz="1600" dirty="0">
-                <a:solidFill>
-                  <a:srgbClr val="8000FF"/>
-                </a:solidFill>
-                <a:highlight>
-                  <a:srgbClr val="FEFCF5"/>
-                </a:highlight>
-                <a:latin typeface="Courier New" panose="02070309020205020404" pitchFamily="49" charset="0"/>
-              </a:rPr>
-              <a:t>(</a:t>
-            </a:r>
-            <a:r>
-              <a:rPr lang="tr-TR" sz="1600" dirty="0">
-                <a:solidFill>
-                  <a:srgbClr val="000080"/>
-                </a:solidFill>
-                <a:highlight>
-                  <a:srgbClr val="FEFCF5"/>
-                </a:highlight>
-                <a:latin typeface="Courier New" panose="02070309020205020404" pitchFamily="49" charset="0"/>
-              </a:rPr>
-              <a:t>$</a:t>
-            </a:r>
-            <a:r>
-              <a:rPr lang="tr-TR" sz="1600" dirty="0" err="1">
-                <a:solidFill>
-                  <a:srgbClr val="000080"/>
-                </a:solidFill>
-                <a:highlight>
-                  <a:srgbClr val="FEFCF5"/>
-                </a:highlight>
-                <a:latin typeface="Courier New" panose="02070309020205020404" pitchFamily="49" charset="0"/>
-              </a:rPr>
-              <a:t>myfile</a:t>
-            </a:r>
-            <a:r>
-              <a:rPr lang="tr-TR" sz="1600" dirty="0">
-                <a:solidFill>
-                  <a:srgbClr val="8000FF"/>
-                </a:solidFill>
-                <a:highlight>
-                  <a:srgbClr val="FEFCF5"/>
-                </a:highlight>
-                <a:latin typeface="Courier New" panose="02070309020205020404" pitchFamily="49" charset="0"/>
-              </a:rPr>
-              <a:t>,</a:t>
-            </a:r>
-            <a:r>
-              <a:rPr lang="tr-TR" sz="1600" dirty="0">
-                <a:solidFill>
-                  <a:srgbClr val="000000"/>
-                </a:solidFill>
-                <a:highlight>
-                  <a:srgbClr val="FEFCF5"/>
-                </a:highlight>
-                <a:latin typeface="Courier New" panose="02070309020205020404" pitchFamily="49" charset="0"/>
-              </a:rPr>
-              <a:t> </a:t>
-            </a:r>
-            <a:r>
-              <a:rPr lang="tr-TR" sz="1600" dirty="0">
-                <a:solidFill>
-                  <a:srgbClr val="808080"/>
-                </a:solidFill>
-                <a:highlight>
-                  <a:srgbClr val="FEFCF5"/>
-                </a:highlight>
-                <a:latin typeface="Courier New" panose="02070309020205020404" pitchFamily="49" charset="0"/>
-              </a:rPr>
-              <a:t>"title_field,date_field,html_field,author_field,dizin,icerikdizin,sablon\n"</a:t>
-            </a:r>
-            <a:r>
-              <a:rPr lang="tr-TR" sz="1600" dirty="0">
-                <a:solidFill>
-                  <a:srgbClr val="8000FF"/>
-                </a:solidFill>
-                <a:highlight>
-                  <a:srgbClr val="FEFCF5"/>
-                </a:highlight>
-                <a:latin typeface="Courier New" panose="02070309020205020404" pitchFamily="49" charset="0"/>
-              </a:rPr>
-              <a:t>);</a:t>
-            </a:r>
-            <a:endParaRPr lang="tr-TR" sz="1600" dirty="0">
-              <a:solidFill>
-                <a:srgbClr val="000000"/>
-              </a:solidFill>
-              <a:highlight>
-                <a:srgbClr val="FEFCF5"/>
-              </a:highlight>
-              <a:latin typeface="Courier New" panose="02070309020205020404" pitchFamily="49" charset="0"/>
-            </a:endParaRPr>
-          </a:p>
-          <a:p>
-            <a:r>
-              <a:rPr lang="en-US" sz="1600" b="1" dirty="0" err="1">
-                <a:solidFill>
-                  <a:srgbClr val="0000FF"/>
-                </a:solidFill>
-                <a:highlight>
-                  <a:srgbClr val="FEFCF5"/>
-                </a:highlight>
-                <a:latin typeface="Courier New" panose="02070309020205020404" pitchFamily="49" charset="0"/>
-              </a:rPr>
-              <a:t>foreach</a:t>
-            </a:r>
-            <a:r>
-              <a:rPr lang="en-US" sz="1600" dirty="0">
-                <a:solidFill>
-                  <a:srgbClr val="8000FF"/>
-                </a:solidFill>
-                <a:highlight>
-                  <a:srgbClr val="FEFCF5"/>
-                </a:highlight>
-                <a:latin typeface="Courier New" panose="02070309020205020404" pitchFamily="49" charset="0"/>
-              </a:rPr>
-              <a:t>(</a:t>
-            </a:r>
-            <a:r>
-              <a:rPr lang="en-US" sz="1600" dirty="0">
-                <a:solidFill>
-                  <a:srgbClr val="000000"/>
-                </a:solidFill>
-                <a:highlight>
-                  <a:srgbClr val="FEFCF5"/>
-                </a:highlight>
-                <a:latin typeface="Courier New" panose="02070309020205020404" pitchFamily="49" charset="0"/>
-              </a:rPr>
-              <a:t> </a:t>
-            </a:r>
-            <a:r>
-              <a:rPr lang="en-US" sz="1600" dirty="0">
-                <a:solidFill>
-                  <a:srgbClr val="000080"/>
-                </a:solidFill>
-                <a:highlight>
-                  <a:srgbClr val="FEFCF5"/>
-                </a:highlight>
-                <a:latin typeface="Courier New" panose="02070309020205020404" pitchFamily="49" charset="0"/>
-              </a:rPr>
-              <a:t>$</a:t>
-            </a:r>
-            <a:r>
-              <a:rPr lang="en-US" sz="1600" dirty="0" err="1">
-                <a:solidFill>
-                  <a:srgbClr val="000080"/>
-                </a:solidFill>
-                <a:highlight>
-                  <a:srgbClr val="FEFCF5"/>
-                </a:highlight>
-                <a:latin typeface="Courier New" panose="02070309020205020404" pitchFamily="49" charset="0"/>
-              </a:rPr>
-              <a:t>json</a:t>
-            </a:r>
-            <a:r>
-              <a:rPr lang="en-US" sz="1600" dirty="0">
-                <a:solidFill>
-                  <a:srgbClr val="8000FF"/>
-                </a:solidFill>
-                <a:highlight>
-                  <a:srgbClr val="FEFCF5"/>
-                </a:highlight>
-                <a:latin typeface="Courier New" panose="02070309020205020404" pitchFamily="49" charset="0"/>
-              </a:rPr>
-              <a:t>-&gt;</a:t>
-            </a:r>
-            <a:r>
-              <a:rPr lang="en-US" sz="1600" dirty="0">
-                <a:solidFill>
-                  <a:srgbClr val="000000"/>
-                </a:solidFill>
-                <a:highlight>
-                  <a:srgbClr val="FEFCF5"/>
-                </a:highlight>
-                <a:latin typeface="Courier New" panose="02070309020205020404" pitchFamily="49" charset="0"/>
-              </a:rPr>
-              <a:t>d </a:t>
-            </a:r>
-            <a:r>
-              <a:rPr lang="en-US" sz="1600" b="1" dirty="0">
-                <a:solidFill>
-                  <a:srgbClr val="0000FF"/>
-                </a:solidFill>
-                <a:highlight>
-                  <a:srgbClr val="FEFCF5"/>
-                </a:highlight>
-                <a:latin typeface="Courier New" panose="02070309020205020404" pitchFamily="49" charset="0"/>
-              </a:rPr>
-              <a:t>as</a:t>
-            </a:r>
-            <a:r>
-              <a:rPr lang="en-US" sz="1600" dirty="0">
-                <a:solidFill>
-                  <a:srgbClr val="000000"/>
-                </a:solidFill>
-                <a:highlight>
-                  <a:srgbClr val="FEFCF5"/>
-                </a:highlight>
-                <a:latin typeface="Courier New" panose="02070309020205020404" pitchFamily="49" charset="0"/>
-              </a:rPr>
-              <a:t> </a:t>
-            </a:r>
-            <a:r>
-              <a:rPr lang="en-US" sz="1600" dirty="0">
-                <a:solidFill>
-                  <a:srgbClr val="000080"/>
-                </a:solidFill>
-                <a:highlight>
-                  <a:srgbClr val="FEFCF5"/>
-                </a:highlight>
-                <a:latin typeface="Courier New" panose="02070309020205020404" pitchFamily="49" charset="0"/>
-              </a:rPr>
-              <a:t>$</a:t>
-            </a:r>
-            <a:r>
-              <a:rPr lang="en-US" sz="1600" dirty="0" err="1">
-                <a:solidFill>
-                  <a:srgbClr val="000080"/>
-                </a:solidFill>
-                <a:highlight>
-                  <a:srgbClr val="FEFCF5"/>
-                </a:highlight>
-                <a:latin typeface="Courier New" panose="02070309020205020404" pitchFamily="49" charset="0"/>
-              </a:rPr>
-              <a:t>haber</a:t>
-            </a:r>
-            <a:r>
-              <a:rPr lang="en-US" sz="1600" dirty="0">
-                <a:solidFill>
-                  <a:srgbClr val="8000FF"/>
-                </a:solidFill>
-                <a:highlight>
-                  <a:srgbClr val="FEFCF5"/>
-                </a:highlight>
-                <a:latin typeface="Courier New" panose="02070309020205020404" pitchFamily="49" charset="0"/>
-              </a:rPr>
-              <a:t>)</a:t>
-            </a:r>
-            <a:r>
-              <a:rPr lang="en-US" sz="1600" dirty="0">
-                <a:solidFill>
-                  <a:srgbClr val="000000"/>
-                </a:solidFill>
-                <a:highlight>
-                  <a:srgbClr val="FEFCF5"/>
-                </a:highlight>
-                <a:latin typeface="Courier New" panose="02070309020205020404" pitchFamily="49" charset="0"/>
-              </a:rPr>
-              <a:t> </a:t>
-            </a:r>
-            <a:r>
-              <a:rPr lang="en-US" sz="1600" dirty="0">
-                <a:solidFill>
-                  <a:srgbClr val="8000FF"/>
-                </a:solidFill>
-                <a:highlight>
-                  <a:srgbClr val="FEFCF5"/>
-                </a:highlight>
-                <a:latin typeface="Courier New" panose="02070309020205020404" pitchFamily="49" charset="0"/>
-              </a:rPr>
-              <a:t>{</a:t>
-            </a:r>
-            <a:endParaRPr lang="en-US" sz="1600" dirty="0">
-              <a:solidFill>
-                <a:srgbClr val="000000"/>
-              </a:solidFill>
-              <a:highlight>
-                <a:srgbClr val="FEFCF5"/>
-              </a:highlight>
-              <a:latin typeface="Courier New" panose="02070309020205020404" pitchFamily="49" charset="0"/>
-            </a:endParaRPr>
-          </a:p>
-          <a:p>
-            <a:r>
-              <a:rPr lang="tr-TR" sz="1600" dirty="0">
-                <a:solidFill>
-                  <a:srgbClr val="000000"/>
-                </a:solidFill>
-                <a:highlight>
-                  <a:srgbClr val="FEFCF5"/>
-                </a:highlight>
-                <a:latin typeface="Courier New" panose="02070309020205020404" pitchFamily="49" charset="0"/>
-              </a:rPr>
-              <a:t>        </a:t>
-            </a:r>
-            <a:r>
-              <a:rPr lang="tr-TR" sz="1600" dirty="0">
-                <a:solidFill>
-                  <a:srgbClr val="000080"/>
-                </a:solidFill>
-                <a:highlight>
-                  <a:srgbClr val="FEFCF5"/>
-                </a:highlight>
-                <a:latin typeface="Courier New" panose="02070309020205020404" pitchFamily="49" charset="0"/>
-              </a:rPr>
-              <a:t>$</a:t>
-            </a:r>
-            <a:r>
-              <a:rPr lang="tr-TR" sz="1600" dirty="0" err="1">
-                <a:solidFill>
-                  <a:srgbClr val="000080"/>
-                </a:solidFill>
-                <a:highlight>
-                  <a:srgbClr val="FEFCF5"/>
-                </a:highlight>
-                <a:latin typeface="Courier New" panose="02070309020205020404" pitchFamily="49" charset="0"/>
-              </a:rPr>
-              <a:t>txt</a:t>
-            </a:r>
-            <a:r>
-              <a:rPr lang="tr-TR" sz="1600" dirty="0">
-                <a:solidFill>
-                  <a:srgbClr val="000000"/>
-                </a:solidFill>
-                <a:highlight>
-                  <a:srgbClr val="FEFCF5"/>
-                </a:highlight>
-                <a:latin typeface="Courier New" panose="02070309020205020404" pitchFamily="49" charset="0"/>
-              </a:rPr>
-              <a:t> </a:t>
-            </a:r>
-            <a:r>
-              <a:rPr lang="tr-TR" sz="1600" dirty="0">
-                <a:solidFill>
-                  <a:srgbClr val="8000FF"/>
-                </a:solidFill>
-                <a:highlight>
-                  <a:srgbClr val="FEFCF5"/>
-                </a:highlight>
-                <a:latin typeface="Courier New" panose="02070309020205020404" pitchFamily="49" charset="0"/>
-              </a:rPr>
-              <a:t>=</a:t>
-            </a:r>
-            <a:r>
-              <a:rPr lang="tr-TR" sz="1600" dirty="0">
-                <a:solidFill>
-                  <a:srgbClr val="000000"/>
-                </a:solidFill>
-                <a:highlight>
-                  <a:srgbClr val="FEFCF5"/>
-                </a:highlight>
-                <a:latin typeface="Courier New" panose="02070309020205020404" pitchFamily="49" charset="0"/>
-              </a:rPr>
-              <a:t> </a:t>
-            </a:r>
-            <a:r>
-              <a:rPr lang="tr-TR" sz="1600" b="1" dirty="0" err="1">
-                <a:solidFill>
-                  <a:srgbClr val="0000FF"/>
-                </a:solidFill>
-                <a:highlight>
-                  <a:srgbClr val="FEFCF5"/>
-                </a:highlight>
-                <a:latin typeface="Courier New" panose="02070309020205020404" pitchFamily="49" charset="0"/>
-              </a:rPr>
-              <a:t>trim</a:t>
-            </a:r>
-            <a:r>
-              <a:rPr lang="tr-TR" sz="1600" dirty="0">
-                <a:solidFill>
-                  <a:srgbClr val="8000FF"/>
-                </a:solidFill>
-                <a:highlight>
-                  <a:srgbClr val="FEFCF5"/>
-                </a:highlight>
-                <a:latin typeface="Courier New" panose="02070309020205020404" pitchFamily="49" charset="0"/>
-              </a:rPr>
-              <a:t>(</a:t>
-            </a:r>
-            <a:r>
-              <a:rPr lang="tr-TR" sz="1600" b="1" dirty="0" err="1">
-                <a:solidFill>
-                  <a:srgbClr val="0000FF"/>
-                </a:solidFill>
-                <a:highlight>
-                  <a:srgbClr val="FEFCF5"/>
-                </a:highlight>
-                <a:latin typeface="Courier New" panose="02070309020205020404" pitchFamily="49" charset="0"/>
-              </a:rPr>
-              <a:t>str_replace</a:t>
-            </a:r>
-            <a:r>
-              <a:rPr lang="tr-TR" sz="1600" dirty="0">
-                <a:solidFill>
-                  <a:srgbClr val="8000FF"/>
-                </a:solidFill>
-                <a:highlight>
-                  <a:srgbClr val="FEFCF5"/>
-                </a:highlight>
-                <a:latin typeface="Courier New" panose="02070309020205020404" pitchFamily="49" charset="0"/>
-              </a:rPr>
-              <a:t>(</a:t>
-            </a:r>
-            <a:r>
-              <a:rPr lang="tr-TR" sz="1600" dirty="0">
-                <a:solidFill>
-                  <a:srgbClr val="808080"/>
-                </a:solidFill>
-                <a:highlight>
-                  <a:srgbClr val="FEFCF5"/>
-                </a:highlight>
-                <a:latin typeface="Courier New" panose="02070309020205020404" pitchFamily="49" charset="0"/>
-              </a:rPr>
-              <a:t>","</a:t>
-            </a:r>
-            <a:r>
-              <a:rPr lang="tr-TR" sz="1600" dirty="0">
-                <a:solidFill>
-                  <a:srgbClr val="8000FF"/>
-                </a:solidFill>
-                <a:highlight>
-                  <a:srgbClr val="FEFCF5"/>
-                </a:highlight>
-                <a:latin typeface="Courier New" panose="02070309020205020404" pitchFamily="49" charset="0"/>
-              </a:rPr>
-              <a:t>,</a:t>
-            </a:r>
-            <a:r>
-              <a:rPr lang="tr-TR" sz="1600" dirty="0">
-                <a:solidFill>
-                  <a:srgbClr val="000000"/>
-                </a:solidFill>
-                <a:highlight>
-                  <a:srgbClr val="FEFCF5"/>
-                </a:highlight>
-                <a:latin typeface="Courier New" panose="02070309020205020404" pitchFamily="49" charset="0"/>
-              </a:rPr>
-              <a:t> </a:t>
-            </a:r>
-            <a:r>
-              <a:rPr lang="tr-TR" sz="1600" dirty="0">
-                <a:solidFill>
-                  <a:srgbClr val="808080"/>
-                </a:solidFill>
-                <a:highlight>
-                  <a:srgbClr val="FEFCF5"/>
-                </a:highlight>
-                <a:latin typeface="Courier New" panose="02070309020205020404" pitchFamily="49" charset="0"/>
-              </a:rPr>
-              <a:t>" "</a:t>
-            </a:r>
-            <a:r>
-              <a:rPr lang="tr-TR" sz="1600" dirty="0">
-                <a:solidFill>
-                  <a:srgbClr val="8000FF"/>
-                </a:solidFill>
-                <a:highlight>
-                  <a:srgbClr val="FEFCF5"/>
-                </a:highlight>
-                <a:latin typeface="Courier New" panose="02070309020205020404" pitchFamily="49" charset="0"/>
-              </a:rPr>
-              <a:t>,</a:t>
-            </a:r>
-            <a:r>
-              <a:rPr lang="tr-TR" sz="1600" dirty="0">
-                <a:solidFill>
-                  <a:srgbClr val="000000"/>
-                </a:solidFill>
-                <a:highlight>
-                  <a:srgbClr val="FEFCF5"/>
-                </a:highlight>
-                <a:latin typeface="Courier New" panose="02070309020205020404" pitchFamily="49" charset="0"/>
-              </a:rPr>
-              <a:t> </a:t>
-            </a:r>
-            <a:r>
-              <a:rPr lang="tr-TR" sz="1600" dirty="0">
-                <a:solidFill>
-                  <a:srgbClr val="000080"/>
-                </a:solidFill>
-                <a:highlight>
-                  <a:srgbClr val="FEFCF5"/>
-                </a:highlight>
-                <a:latin typeface="Courier New" panose="02070309020205020404" pitchFamily="49" charset="0"/>
-              </a:rPr>
-              <a:t>$haber</a:t>
-            </a:r>
-            <a:r>
-              <a:rPr lang="tr-TR" sz="1600" dirty="0">
-                <a:solidFill>
-                  <a:srgbClr val="8000FF"/>
-                </a:solidFill>
-                <a:highlight>
-                  <a:srgbClr val="FEFCF5"/>
-                </a:highlight>
-                <a:latin typeface="Courier New" panose="02070309020205020404" pitchFamily="49" charset="0"/>
-              </a:rPr>
-              <a:t>-&gt;</a:t>
-            </a:r>
-            <a:r>
-              <a:rPr lang="tr-TR" sz="1600" dirty="0" err="1">
-                <a:solidFill>
-                  <a:srgbClr val="000000"/>
-                </a:solidFill>
-                <a:highlight>
-                  <a:srgbClr val="FEFCF5"/>
-                </a:highlight>
-                <a:latin typeface="Courier New" panose="02070309020205020404" pitchFamily="49" charset="0"/>
-              </a:rPr>
-              <a:t>annoTitle</a:t>
-            </a:r>
-            <a:r>
-              <a:rPr lang="tr-TR" sz="1600" dirty="0">
-                <a:solidFill>
-                  <a:srgbClr val="8000FF"/>
-                </a:solidFill>
-                <a:highlight>
-                  <a:srgbClr val="FEFCF5"/>
-                </a:highlight>
-                <a:latin typeface="Courier New" panose="02070309020205020404" pitchFamily="49" charset="0"/>
-              </a:rPr>
-              <a:t>))</a:t>
-            </a:r>
-            <a:r>
-              <a:rPr lang="tr-TR" sz="1600" dirty="0">
-                <a:solidFill>
-                  <a:srgbClr val="000000"/>
-                </a:solidFill>
-                <a:highlight>
-                  <a:srgbClr val="FEFCF5"/>
-                </a:highlight>
-                <a:latin typeface="Courier New" panose="02070309020205020404" pitchFamily="49" charset="0"/>
-              </a:rPr>
-              <a:t> </a:t>
-            </a:r>
-            <a:r>
-              <a:rPr lang="tr-TR" sz="1600" dirty="0">
-                <a:solidFill>
-                  <a:srgbClr val="8000FF"/>
-                </a:solidFill>
-                <a:highlight>
-                  <a:srgbClr val="FEFCF5"/>
-                </a:highlight>
-                <a:latin typeface="Courier New" panose="02070309020205020404" pitchFamily="49" charset="0"/>
-              </a:rPr>
-              <a:t>.</a:t>
-            </a:r>
-            <a:r>
-              <a:rPr lang="tr-TR" sz="1600" dirty="0">
-                <a:solidFill>
-                  <a:srgbClr val="808080"/>
-                </a:solidFill>
-                <a:highlight>
-                  <a:srgbClr val="FEFCF5"/>
-                </a:highlight>
-                <a:latin typeface="Courier New" panose="02070309020205020404" pitchFamily="49" charset="0"/>
-              </a:rPr>
-              <a:t>',"'</a:t>
-            </a:r>
-            <a:r>
-              <a:rPr lang="tr-TR" sz="1600" dirty="0">
-                <a:solidFill>
-                  <a:srgbClr val="8000FF"/>
-                </a:solidFill>
-                <a:highlight>
-                  <a:srgbClr val="FEFCF5"/>
-                </a:highlight>
-                <a:latin typeface="Courier New" panose="02070309020205020404" pitchFamily="49" charset="0"/>
-              </a:rPr>
-              <a:t>.</a:t>
-            </a:r>
-            <a:r>
-              <a:rPr lang="tr-TR" sz="1600" dirty="0">
-                <a:solidFill>
-                  <a:srgbClr val="000000"/>
-                </a:solidFill>
-                <a:highlight>
-                  <a:srgbClr val="FEFCF5"/>
-                </a:highlight>
-                <a:latin typeface="Courier New" panose="02070309020205020404" pitchFamily="49" charset="0"/>
-              </a:rPr>
-              <a:t> </a:t>
-            </a:r>
-            <a:r>
-              <a:rPr lang="tr-TR" sz="1600" b="1" dirty="0" err="1">
-                <a:solidFill>
-                  <a:srgbClr val="0000FF"/>
-                </a:solidFill>
-                <a:highlight>
-                  <a:srgbClr val="FEFCF5"/>
-                </a:highlight>
-                <a:latin typeface="Courier New" panose="02070309020205020404" pitchFamily="49" charset="0"/>
-              </a:rPr>
-              <a:t>trim</a:t>
-            </a:r>
-            <a:r>
-              <a:rPr lang="tr-TR" sz="1600" dirty="0">
-                <a:solidFill>
-                  <a:srgbClr val="8000FF"/>
-                </a:solidFill>
-                <a:highlight>
-                  <a:srgbClr val="FEFCF5"/>
-                </a:highlight>
-                <a:latin typeface="Courier New" panose="02070309020205020404" pitchFamily="49" charset="0"/>
-              </a:rPr>
-              <a:t>(</a:t>
-            </a:r>
-            <a:r>
-              <a:rPr lang="tr-TR" sz="1600" b="1" dirty="0" err="1">
-                <a:solidFill>
-                  <a:srgbClr val="0000FF"/>
-                </a:solidFill>
-                <a:highlight>
-                  <a:srgbClr val="FEFCF5"/>
-                </a:highlight>
-                <a:latin typeface="Courier New" panose="02070309020205020404" pitchFamily="49" charset="0"/>
-              </a:rPr>
-              <a:t>str_replace</a:t>
-            </a:r>
-            <a:r>
-              <a:rPr lang="tr-TR" sz="1600" dirty="0">
-                <a:solidFill>
-                  <a:srgbClr val="8000FF"/>
-                </a:solidFill>
-                <a:highlight>
-                  <a:srgbClr val="FEFCF5"/>
-                </a:highlight>
-                <a:latin typeface="Courier New" panose="02070309020205020404" pitchFamily="49" charset="0"/>
-              </a:rPr>
-              <a:t>(</a:t>
-            </a:r>
-            <a:r>
-              <a:rPr lang="tr-TR" sz="1600" dirty="0">
-                <a:solidFill>
-                  <a:srgbClr val="808080"/>
-                </a:solidFill>
-                <a:highlight>
-                  <a:srgbClr val="FEFCF5"/>
-                </a:highlight>
-                <a:latin typeface="Courier New" panose="02070309020205020404" pitchFamily="49" charset="0"/>
-              </a:rPr>
-              <a:t>","</a:t>
-            </a:r>
-            <a:r>
-              <a:rPr lang="tr-TR" sz="1600" dirty="0">
-                <a:solidFill>
-                  <a:srgbClr val="8000FF"/>
-                </a:solidFill>
-                <a:highlight>
-                  <a:srgbClr val="FEFCF5"/>
-                </a:highlight>
-                <a:latin typeface="Courier New" panose="02070309020205020404" pitchFamily="49" charset="0"/>
-              </a:rPr>
-              <a:t>,</a:t>
-            </a:r>
-            <a:r>
-              <a:rPr lang="tr-TR" sz="1600" dirty="0">
-                <a:solidFill>
-                  <a:srgbClr val="000000"/>
-                </a:solidFill>
-                <a:highlight>
-                  <a:srgbClr val="FEFCF5"/>
-                </a:highlight>
-                <a:latin typeface="Courier New" panose="02070309020205020404" pitchFamily="49" charset="0"/>
-              </a:rPr>
-              <a:t> </a:t>
-            </a:r>
-            <a:r>
-              <a:rPr lang="tr-TR" sz="1600" dirty="0">
-                <a:solidFill>
-                  <a:srgbClr val="808080"/>
-                </a:solidFill>
-                <a:highlight>
-                  <a:srgbClr val="FEFCF5"/>
-                </a:highlight>
-                <a:latin typeface="Courier New" panose="02070309020205020404" pitchFamily="49" charset="0"/>
-              </a:rPr>
-              <a:t>" "</a:t>
-            </a:r>
-            <a:r>
-              <a:rPr lang="tr-TR" sz="1600" dirty="0">
-                <a:solidFill>
-                  <a:srgbClr val="8000FF"/>
-                </a:solidFill>
-                <a:highlight>
-                  <a:srgbClr val="FEFCF5"/>
-                </a:highlight>
-                <a:latin typeface="Courier New" panose="02070309020205020404" pitchFamily="49" charset="0"/>
-              </a:rPr>
-              <a:t>,</a:t>
-            </a:r>
-            <a:r>
-              <a:rPr lang="tr-TR" sz="1600" dirty="0">
-                <a:solidFill>
-                  <a:srgbClr val="000000"/>
-                </a:solidFill>
-                <a:highlight>
-                  <a:srgbClr val="FEFCF5"/>
-                </a:highlight>
-                <a:latin typeface="Courier New" panose="02070309020205020404" pitchFamily="49" charset="0"/>
-              </a:rPr>
-              <a:t> </a:t>
-            </a:r>
-            <a:r>
-              <a:rPr lang="tr-TR" sz="1600" dirty="0">
-                <a:solidFill>
-                  <a:srgbClr val="000080"/>
-                </a:solidFill>
-                <a:highlight>
-                  <a:srgbClr val="FEFCF5"/>
-                </a:highlight>
-                <a:latin typeface="Courier New" panose="02070309020205020404" pitchFamily="49" charset="0"/>
-              </a:rPr>
-              <a:t>$haber</a:t>
-            </a:r>
-            <a:r>
-              <a:rPr lang="tr-TR" sz="1600" dirty="0">
-                <a:solidFill>
-                  <a:srgbClr val="8000FF"/>
-                </a:solidFill>
-                <a:highlight>
-                  <a:srgbClr val="FEFCF5"/>
-                </a:highlight>
-                <a:latin typeface="Courier New" panose="02070309020205020404" pitchFamily="49" charset="0"/>
-              </a:rPr>
-              <a:t>-&gt;</a:t>
-            </a:r>
-            <a:r>
-              <a:rPr lang="tr-TR" sz="1600" dirty="0" err="1">
-                <a:solidFill>
-                  <a:srgbClr val="000000"/>
-                </a:solidFill>
-                <a:highlight>
-                  <a:srgbClr val="FEFCF5"/>
-                </a:highlight>
-                <a:latin typeface="Courier New" panose="02070309020205020404" pitchFamily="49" charset="0"/>
-              </a:rPr>
-              <a:t>annoDate</a:t>
-            </a:r>
-            <a:r>
-              <a:rPr lang="tr-TR" sz="1600" dirty="0">
-                <a:solidFill>
-                  <a:srgbClr val="8000FF"/>
-                </a:solidFill>
-                <a:highlight>
-                  <a:srgbClr val="FEFCF5"/>
-                </a:highlight>
-                <a:latin typeface="Courier New" panose="02070309020205020404" pitchFamily="49" charset="0"/>
-              </a:rPr>
-              <a:t>))</a:t>
-            </a:r>
-            <a:r>
-              <a:rPr lang="tr-TR" sz="1600" dirty="0">
-                <a:solidFill>
-                  <a:srgbClr val="000000"/>
-                </a:solidFill>
-                <a:highlight>
-                  <a:srgbClr val="FEFCF5"/>
-                </a:highlight>
-                <a:latin typeface="Courier New" panose="02070309020205020404" pitchFamily="49" charset="0"/>
-              </a:rPr>
-              <a:t> </a:t>
-            </a:r>
-            <a:r>
-              <a:rPr lang="tr-TR" sz="1600" dirty="0">
-                <a:solidFill>
-                  <a:srgbClr val="8000FF"/>
-                </a:solidFill>
-                <a:highlight>
-                  <a:srgbClr val="FEFCF5"/>
-                </a:highlight>
-                <a:latin typeface="Courier New" panose="02070309020205020404" pitchFamily="49" charset="0"/>
-              </a:rPr>
-              <a:t>.</a:t>
-            </a:r>
-            <a:r>
-              <a:rPr lang="tr-TR" sz="1600" dirty="0">
-                <a:solidFill>
-                  <a:srgbClr val="808080"/>
-                </a:solidFill>
-                <a:highlight>
-                  <a:srgbClr val="FEFCF5"/>
-                </a:highlight>
-                <a:latin typeface="Courier New" panose="02070309020205020404" pitchFamily="49" charset="0"/>
-              </a:rPr>
-              <a:t>'",'</a:t>
-            </a:r>
-            <a:r>
-              <a:rPr lang="tr-TR" sz="1600" dirty="0">
-                <a:solidFill>
-                  <a:srgbClr val="8000FF"/>
-                </a:solidFill>
-                <a:highlight>
-                  <a:srgbClr val="FEFCF5"/>
-                </a:highlight>
-                <a:latin typeface="Courier New" panose="02070309020205020404" pitchFamily="49" charset="0"/>
-              </a:rPr>
-              <a:t>.</a:t>
-            </a:r>
-            <a:r>
-              <a:rPr lang="tr-TR" sz="1600" dirty="0">
-                <a:solidFill>
-                  <a:srgbClr val="000000"/>
-                </a:solidFill>
-                <a:highlight>
-                  <a:srgbClr val="FEFCF5"/>
-                </a:highlight>
-                <a:latin typeface="Courier New" panose="02070309020205020404" pitchFamily="49" charset="0"/>
-              </a:rPr>
-              <a:t> </a:t>
-            </a:r>
-            <a:r>
-              <a:rPr lang="tr-TR" sz="1600" dirty="0">
-                <a:solidFill>
-                  <a:srgbClr val="000080"/>
-                </a:solidFill>
-                <a:highlight>
-                  <a:srgbClr val="FEFCF5"/>
-                </a:highlight>
-                <a:latin typeface="Courier New" panose="02070309020205020404" pitchFamily="49" charset="0"/>
-              </a:rPr>
-              <a:t>$</a:t>
-            </a:r>
-            <a:r>
-              <a:rPr lang="tr-TR" sz="1600" dirty="0" err="1">
-                <a:solidFill>
-                  <a:srgbClr val="000080"/>
-                </a:solidFill>
-                <a:highlight>
-                  <a:srgbClr val="FEFCF5"/>
-                </a:highlight>
-                <a:latin typeface="Courier New" panose="02070309020205020404" pitchFamily="49" charset="0"/>
-              </a:rPr>
-              <a:t>string</a:t>
-            </a:r>
-            <a:r>
-              <a:rPr lang="tr-TR" sz="1600" dirty="0">
-                <a:solidFill>
-                  <a:srgbClr val="000000"/>
-                </a:solidFill>
-                <a:highlight>
-                  <a:srgbClr val="FEFCF5"/>
-                </a:highlight>
-                <a:latin typeface="Courier New" panose="02070309020205020404" pitchFamily="49" charset="0"/>
-              </a:rPr>
-              <a:t> </a:t>
-            </a:r>
-            <a:r>
-              <a:rPr lang="tr-TR" sz="1600" dirty="0">
-                <a:solidFill>
-                  <a:srgbClr val="8000FF"/>
-                </a:solidFill>
-                <a:highlight>
-                  <a:srgbClr val="FEFCF5"/>
-                </a:highlight>
-                <a:latin typeface="Courier New" panose="02070309020205020404" pitchFamily="49" charset="0"/>
-              </a:rPr>
-              <a:t>=</a:t>
-            </a:r>
-            <a:r>
-              <a:rPr lang="tr-TR" sz="1600" dirty="0">
-                <a:solidFill>
-                  <a:srgbClr val="000000"/>
-                </a:solidFill>
-                <a:highlight>
-                  <a:srgbClr val="FEFCF5"/>
-                </a:highlight>
-                <a:latin typeface="Courier New" panose="02070309020205020404" pitchFamily="49" charset="0"/>
-              </a:rPr>
-              <a:t> </a:t>
-            </a:r>
-            <a:r>
-              <a:rPr lang="tr-TR" sz="1600" b="1" dirty="0" err="1">
-                <a:solidFill>
-                  <a:srgbClr val="0000FF"/>
-                </a:solidFill>
-                <a:highlight>
-                  <a:srgbClr val="FEFCF5"/>
-                </a:highlight>
-                <a:latin typeface="Courier New" panose="02070309020205020404" pitchFamily="49" charset="0"/>
-              </a:rPr>
-              <a:t>trim</a:t>
-            </a:r>
-            <a:r>
-              <a:rPr lang="tr-TR" sz="1600" dirty="0">
-                <a:solidFill>
-                  <a:srgbClr val="8000FF"/>
-                </a:solidFill>
-                <a:highlight>
-                  <a:srgbClr val="FEFCF5"/>
-                </a:highlight>
-                <a:latin typeface="Courier New" panose="02070309020205020404" pitchFamily="49" charset="0"/>
-              </a:rPr>
-              <a:t>(</a:t>
-            </a:r>
-            <a:r>
-              <a:rPr lang="tr-TR" sz="1600" b="1" dirty="0" err="1">
-                <a:solidFill>
-                  <a:srgbClr val="0000FF"/>
-                </a:solidFill>
-                <a:highlight>
-                  <a:srgbClr val="FEFCF5"/>
-                </a:highlight>
-                <a:latin typeface="Courier New" panose="02070309020205020404" pitchFamily="49" charset="0"/>
-              </a:rPr>
-              <a:t>str_replace</a:t>
-            </a:r>
-            <a:r>
-              <a:rPr lang="tr-TR" sz="1600" dirty="0">
-                <a:solidFill>
-                  <a:srgbClr val="8000FF"/>
-                </a:solidFill>
-                <a:highlight>
-                  <a:srgbClr val="FEFCF5"/>
-                </a:highlight>
-                <a:latin typeface="Courier New" panose="02070309020205020404" pitchFamily="49" charset="0"/>
-              </a:rPr>
-              <a:t>(</a:t>
-            </a:r>
-            <a:r>
-              <a:rPr lang="tr-TR" sz="1600" dirty="0">
-                <a:solidFill>
-                  <a:srgbClr val="808080"/>
-                </a:solidFill>
-                <a:highlight>
-                  <a:srgbClr val="FEFCF5"/>
-                </a:highlight>
-                <a:latin typeface="Courier New" panose="02070309020205020404" pitchFamily="49" charset="0"/>
-              </a:rPr>
-              <a:t>","</a:t>
-            </a:r>
-            <a:r>
-              <a:rPr lang="tr-TR" sz="1600" dirty="0">
-                <a:solidFill>
-                  <a:srgbClr val="8000FF"/>
-                </a:solidFill>
-                <a:highlight>
-                  <a:srgbClr val="FEFCF5"/>
-                </a:highlight>
-                <a:latin typeface="Courier New" panose="02070309020205020404" pitchFamily="49" charset="0"/>
-              </a:rPr>
-              <a:t>,</a:t>
-            </a:r>
-            <a:r>
-              <a:rPr lang="tr-TR" sz="1600" dirty="0">
-                <a:solidFill>
-                  <a:srgbClr val="000000"/>
-                </a:solidFill>
-                <a:highlight>
-                  <a:srgbClr val="FEFCF5"/>
-                </a:highlight>
-                <a:latin typeface="Courier New" panose="02070309020205020404" pitchFamily="49" charset="0"/>
-              </a:rPr>
-              <a:t> </a:t>
-            </a:r>
-            <a:r>
-              <a:rPr lang="tr-TR" sz="1600" dirty="0">
-                <a:solidFill>
-                  <a:srgbClr val="808080"/>
-                </a:solidFill>
-                <a:highlight>
-                  <a:srgbClr val="FEFCF5"/>
-                </a:highlight>
-                <a:latin typeface="Courier New" panose="02070309020205020404" pitchFamily="49" charset="0"/>
-              </a:rPr>
-              <a:t>" "</a:t>
-            </a:r>
-            <a:r>
-              <a:rPr lang="tr-TR" sz="1600" dirty="0">
-                <a:solidFill>
-                  <a:srgbClr val="8000FF"/>
-                </a:solidFill>
-                <a:highlight>
-                  <a:srgbClr val="FEFCF5"/>
-                </a:highlight>
-                <a:latin typeface="Courier New" panose="02070309020205020404" pitchFamily="49" charset="0"/>
-              </a:rPr>
-              <a:t>,</a:t>
-            </a:r>
-            <a:r>
-              <a:rPr lang="tr-TR" sz="1600" dirty="0">
-                <a:solidFill>
-                  <a:srgbClr val="000000"/>
-                </a:solidFill>
-                <a:highlight>
-                  <a:srgbClr val="FEFCF5"/>
-                </a:highlight>
-                <a:latin typeface="Courier New" panose="02070309020205020404" pitchFamily="49" charset="0"/>
-              </a:rPr>
-              <a:t> </a:t>
-            </a:r>
-            <a:r>
-              <a:rPr lang="tr-TR" sz="1600" b="1" dirty="0" err="1">
-                <a:solidFill>
-                  <a:srgbClr val="0000FF"/>
-                </a:solidFill>
-                <a:highlight>
-                  <a:srgbClr val="FEFCF5"/>
-                </a:highlight>
-                <a:latin typeface="Courier New" panose="02070309020205020404" pitchFamily="49" charset="0"/>
-              </a:rPr>
-              <a:t>preg_replace</a:t>
-            </a:r>
-            <a:r>
-              <a:rPr lang="tr-TR" sz="1600" dirty="0">
-                <a:solidFill>
-                  <a:srgbClr val="8000FF"/>
-                </a:solidFill>
-                <a:highlight>
-                  <a:srgbClr val="FEFCF5"/>
-                </a:highlight>
-                <a:latin typeface="Courier New" panose="02070309020205020404" pitchFamily="49" charset="0"/>
-              </a:rPr>
-              <a:t>(</a:t>
-            </a:r>
-            <a:r>
-              <a:rPr lang="tr-TR" sz="1600" dirty="0">
-                <a:solidFill>
-                  <a:srgbClr val="808080"/>
-                </a:solidFill>
-                <a:highlight>
-                  <a:srgbClr val="FEFCF5"/>
-                </a:highlight>
-                <a:latin typeface="Courier New" panose="02070309020205020404" pitchFamily="49" charset="0"/>
-              </a:rPr>
-              <a:t>'/\s+/'</a:t>
-            </a:r>
-            <a:r>
-              <a:rPr lang="tr-TR" sz="1600" dirty="0">
-                <a:solidFill>
-                  <a:srgbClr val="8000FF"/>
-                </a:solidFill>
-                <a:highlight>
-                  <a:srgbClr val="FEFCF5"/>
-                </a:highlight>
-                <a:latin typeface="Courier New" panose="02070309020205020404" pitchFamily="49" charset="0"/>
-              </a:rPr>
-              <a:t>,</a:t>
-            </a:r>
-            <a:r>
-              <a:rPr lang="tr-TR" sz="1600" dirty="0">
-                <a:solidFill>
-                  <a:srgbClr val="000000"/>
-                </a:solidFill>
-                <a:highlight>
-                  <a:srgbClr val="FEFCF5"/>
-                </a:highlight>
-                <a:latin typeface="Courier New" panose="02070309020205020404" pitchFamily="49" charset="0"/>
-              </a:rPr>
-              <a:t> </a:t>
-            </a:r>
-            <a:r>
-              <a:rPr lang="tr-TR" sz="1600" dirty="0">
-                <a:solidFill>
-                  <a:srgbClr val="808080"/>
-                </a:solidFill>
-                <a:highlight>
-                  <a:srgbClr val="FEFCF5"/>
-                </a:highlight>
-                <a:latin typeface="Courier New" panose="02070309020205020404" pitchFamily="49" charset="0"/>
-              </a:rPr>
-              <a:t>' '</a:t>
-            </a:r>
-            <a:r>
-              <a:rPr lang="tr-TR" sz="1600" dirty="0">
-                <a:solidFill>
-                  <a:srgbClr val="8000FF"/>
-                </a:solidFill>
-                <a:highlight>
-                  <a:srgbClr val="FEFCF5"/>
-                </a:highlight>
-                <a:latin typeface="Courier New" panose="02070309020205020404" pitchFamily="49" charset="0"/>
-              </a:rPr>
-              <a:t>,</a:t>
-            </a:r>
-            <a:r>
-              <a:rPr lang="tr-TR" sz="1600" dirty="0">
-                <a:solidFill>
-                  <a:srgbClr val="000000"/>
-                </a:solidFill>
-                <a:highlight>
-                  <a:srgbClr val="FEFCF5"/>
-                </a:highlight>
-                <a:latin typeface="Courier New" panose="02070309020205020404" pitchFamily="49" charset="0"/>
-              </a:rPr>
-              <a:t> </a:t>
-            </a:r>
-            <a:r>
-              <a:rPr lang="tr-TR" sz="1600" dirty="0">
-                <a:solidFill>
-                  <a:srgbClr val="000080"/>
-                </a:solidFill>
-                <a:highlight>
-                  <a:srgbClr val="FEFCF5"/>
-                </a:highlight>
-                <a:latin typeface="Courier New" panose="02070309020205020404" pitchFamily="49" charset="0"/>
-              </a:rPr>
-              <a:t>$haber</a:t>
-            </a:r>
-            <a:r>
-              <a:rPr lang="tr-TR" sz="1600" dirty="0">
-                <a:solidFill>
-                  <a:srgbClr val="8000FF"/>
-                </a:solidFill>
-                <a:highlight>
-                  <a:srgbClr val="FEFCF5"/>
-                </a:highlight>
-                <a:latin typeface="Courier New" panose="02070309020205020404" pitchFamily="49" charset="0"/>
-              </a:rPr>
-              <a:t>-&gt;</a:t>
-            </a:r>
-            <a:r>
-              <a:rPr lang="tr-TR" sz="1600" dirty="0" err="1">
-                <a:solidFill>
-                  <a:srgbClr val="000000"/>
-                </a:solidFill>
-                <a:highlight>
-                  <a:srgbClr val="FEFCF5"/>
-                </a:highlight>
-                <a:latin typeface="Courier New" panose="02070309020205020404" pitchFamily="49" charset="0"/>
-              </a:rPr>
-              <a:t>AnnoContent</a:t>
-            </a:r>
-            <a:r>
-              <a:rPr lang="tr-TR" sz="1600" dirty="0">
-                <a:solidFill>
-                  <a:srgbClr val="8000FF"/>
-                </a:solidFill>
-                <a:highlight>
-                  <a:srgbClr val="FEFCF5"/>
-                </a:highlight>
-                <a:latin typeface="Courier New" panose="02070309020205020404" pitchFamily="49" charset="0"/>
-              </a:rPr>
-              <a:t>)))</a:t>
-            </a:r>
-            <a:endParaRPr lang="tr-TR" sz="1600" dirty="0">
-              <a:solidFill>
-                <a:srgbClr val="000000"/>
-              </a:solidFill>
-              <a:highlight>
-                <a:srgbClr val="FEFCF5"/>
-              </a:highlight>
-              <a:latin typeface="Courier New" panose="02070309020205020404" pitchFamily="49" charset="0"/>
-            </a:endParaRPr>
-          </a:p>
-          <a:p>
-            <a:r>
-              <a:rPr lang="tr-TR" sz="1600" dirty="0">
-                <a:solidFill>
-                  <a:srgbClr val="000000"/>
-                </a:solidFill>
-                <a:highlight>
-                  <a:srgbClr val="FEFCF5"/>
-                </a:highlight>
-                <a:latin typeface="Courier New" panose="02070309020205020404" pitchFamily="49" charset="0"/>
-              </a:rPr>
-              <a:t>                </a:t>
-            </a:r>
-            <a:r>
-              <a:rPr lang="tr-TR" sz="1600" dirty="0">
-                <a:solidFill>
-                  <a:srgbClr val="8000FF"/>
-                </a:solidFill>
-                <a:highlight>
-                  <a:srgbClr val="FEFCF5"/>
-                </a:highlight>
-                <a:latin typeface="Courier New" panose="02070309020205020404" pitchFamily="49" charset="0"/>
-              </a:rPr>
-              <a:t>.</a:t>
-            </a:r>
-            <a:r>
-              <a:rPr lang="tr-TR" sz="1600" dirty="0">
-                <a:solidFill>
-                  <a:srgbClr val="808080"/>
-                </a:solidFill>
-                <a:highlight>
-                  <a:srgbClr val="FEFCF5"/>
-                </a:highlight>
-                <a:latin typeface="Courier New" panose="02070309020205020404" pitchFamily="49" charset="0"/>
-              </a:rPr>
-              <a:t>",</a:t>
-            </a:r>
-            <a:r>
-              <a:rPr lang="tr-TR" sz="1600" dirty="0" err="1">
-                <a:solidFill>
-                  <a:srgbClr val="808080"/>
-                </a:solidFill>
-                <a:highlight>
-                  <a:srgbClr val="FEFCF5"/>
-                </a:highlight>
-                <a:latin typeface="Courier New" panose="02070309020205020404" pitchFamily="49" charset="0"/>
-              </a:rPr>
-              <a:t>root</a:t>
-            </a:r>
-            <a:r>
-              <a:rPr lang="tr-TR" sz="1600" dirty="0">
-                <a:solidFill>
-                  <a:srgbClr val="808080"/>
-                </a:solidFill>
-                <a:highlight>
-                  <a:srgbClr val="FEFCF5"/>
-                </a:highlight>
-                <a:latin typeface="Courier New" panose="02070309020205020404" pitchFamily="49" charset="0"/>
-              </a:rPr>
-              <a:t>,"</a:t>
-            </a:r>
-            <a:r>
-              <a:rPr lang="tr-TR" sz="1600" dirty="0">
-                <a:solidFill>
-                  <a:srgbClr val="000000"/>
-                </a:solidFill>
-                <a:highlight>
-                  <a:srgbClr val="FEFCF5"/>
-                </a:highlight>
-                <a:latin typeface="Courier New" panose="02070309020205020404" pitchFamily="49" charset="0"/>
-              </a:rPr>
-              <a:t> </a:t>
-            </a:r>
-            <a:r>
-              <a:rPr lang="tr-TR" sz="1600" dirty="0">
-                <a:solidFill>
-                  <a:srgbClr val="8000FF"/>
-                </a:solidFill>
-                <a:highlight>
-                  <a:srgbClr val="FEFCF5"/>
-                </a:highlight>
-                <a:latin typeface="Courier New" panose="02070309020205020404" pitchFamily="49" charset="0"/>
-              </a:rPr>
-              <a:t>.</a:t>
-            </a:r>
-            <a:r>
-              <a:rPr lang="tr-TR" sz="1600" dirty="0">
-                <a:solidFill>
-                  <a:srgbClr val="000080"/>
-                </a:solidFill>
-                <a:highlight>
-                  <a:srgbClr val="FEFCF5"/>
-                </a:highlight>
-                <a:latin typeface="Courier New" panose="02070309020205020404" pitchFamily="49" charset="0"/>
-              </a:rPr>
-              <a:t>$</a:t>
-            </a:r>
-            <a:r>
-              <a:rPr lang="tr-TR" sz="1600" dirty="0" err="1">
-                <a:solidFill>
-                  <a:srgbClr val="000080"/>
-                </a:solidFill>
-                <a:highlight>
-                  <a:srgbClr val="FEFCF5"/>
-                </a:highlight>
-                <a:latin typeface="Courier New" panose="02070309020205020404" pitchFamily="49" charset="0"/>
-              </a:rPr>
-              <a:t>fakulte</a:t>
-            </a:r>
-            <a:r>
-              <a:rPr lang="tr-TR" sz="1600" dirty="0">
-                <a:solidFill>
-                  <a:srgbClr val="8000FF"/>
-                </a:solidFill>
-                <a:highlight>
-                  <a:srgbClr val="FEFCF5"/>
-                </a:highlight>
-                <a:latin typeface="Courier New" panose="02070309020205020404" pitchFamily="49" charset="0"/>
-              </a:rPr>
-              <a:t>.</a:t>
-            </a:r>
-            <a:r>
-              <a:rPr lang="tr-TR" sz="1600" dirty="0">
-                <a:solidFill>
-                  <a:srgbClr val="000000"/>
-                </a:solidFill>
-                <a:highlight>
-                  <a:srgbClr val="FEFCF5"/>
-                </a:highlight>
-                <a:latin typeface="Courier New" panose="02070309020205020404" pitchFamily="49" charset="0"/>
-              </a:rPr>
-              <a:t> </a:t>
-            </a:r>
-            <a:r>
-              <a:rPr lang="tr-TR" sz="1600" dirty="0">
-                <a:solidFill>
-                  <a:srgbClr val="808080"/>
-                </a:solidFill>
-                <a:highlight>
-                  <a:srgbClr val="FEFCF5"/>
-                </a:highlight>
-                <a:latin typeface="Courier New" panose="02070309020205020404" pitchFamily="49" charset="0"/>
-              </a:rPr>
-              <a:t>"2.omu.edu.tr/,haberler/"</a:t>
-            </a:r>
-            <a:r>
-              <a:rPr lang="tr-TR" sz="1600" dirty="0">
-                <a:solidFill>
-                  <a:srgbClr val="000000"/>
-                </a:solidFill>
-                <a:highlight>
-                  <a:srgbClr val="FEFCF5"/>
-                </a:highlight>
-                <a:latin typeface="Courier New" panose="02070309020205020404" pitchFamily="49" charset="0"/>
-              </a:rPr>
-              <a:t> </a:t>
-            </a:r>
-            <a:r>
-              <a:rPr lang="tr-TR" sz="1600" dirty="0">
-                <a:solidFill>
-                  <a:srgbClr val="8000FF"/>
-                </a:solidFill>
-                <a:highlight>
-                  <a:srgbClr val="FEFCF5"/>
-                </a:highlight>
-                <a:latin typeface="Courier New" panose="02070309020205020404" pitchFamily="49" charset="0"/>
-              </a:rPr>
-              <a:t>.</a:t>
-            </a:r>
-            <a:r>
-              <a:rPr lang="tr-TR" sz="1600" b="1" dirty="0" err="1">
-                <a:solidFill>
-                  <a:srgbClr val="0000FF"/>
-                </a:solidFill>
-                <a:highlight>
-                  <a:srgbClr val="FEFCF5"/>
-                </a:highlight>
-                <a:latin typeface="Courier New" panose="02070309020205020404" pitchFamily="49" charset="0"/>
-              </a:rPr>
-              <a:t>sprintf</a:t>
-            </a:r>
-            <a:r>
-              <a:rPr lang="tr-TR" sz="1600" dirty="0">
-                <a:solidFill>
-                  <a:srgbClr val="8000FF"/>
-                </a:solidFill>
-                <a:highlight>
-                  <a:srgbClr val="FEFCF5"/>
-                </a:highlight>
-                <a:latin typeface="Courier New" panose="02070309020205020404" pitchFamily="49" charset="0"/>
-              </a:rPr>
-              <a:t>(</a:t>
-            </a:r>
-            <a:r>
-              <a:rPr lang="tr-TR" sz="1600" dirty="0">
-                <a:solidFill>
-                  <a:srgbClr val="808080"/>
-                </a:solidFill>
-                <a:highlight>
-                  <a:srgbClr val="FEFCF5"/>
-                </a:highlight>
-                <a:latin typeface="Courier New" panose="02070309020205020404" pitchFamily="49" charset="0"/>
-              </a:rPr>
-              <a:t>'%02d.'</a:t>
-            </a:r>
-            <a:r>
-              <a:rPr lang="tr-TR" sz="1600" dirty="0">
-                <a:solidFill>
-                  <a:srgbClr val="8000FF"/>
-                </a:solidFill>
-                <a:highlight>
-                  <a:srgbClr val="FEFCF5"/>
-                </a:highlight>
-                <a:latin typeface="Courier New" panose="02070309020205020404" pitchFamily="49" charset="0"/>
-              </a:rPr>
-              <a:t>,</a:t>
-            </a:r>
-            <a:r>
-              <a:rPr lang="tr-TR" sz="1600" dirty="0">
-                <a:solidFill>
-                  <a:srgbClr val="000000"/>
-                </a:solidFill>
-                <a:highlight>
-                  <a:srgbClr val="FEFCF5"/>
-                </a:highlight>
-                <a:latin typeface="Courier New" panose="02070309020205020404" pitchFamily="49" charset="0"/>
-              </a:rPr>
-              <a:t> </a:t>
-            </a:r>
-            <a:r>
-              <a:rPr lang="tr-TR" sz="1600" dirty="0">
-                <a:solidFill>
-                  <a:srgbClr val="8000FF"/>
-                </a:solidFill>
-                <a:highlight>
-                  <a:srgbClr val="FEFCF5"/>
-                </a:highlight>
-                <a:latin typeface="Courier New" panose="02070309020205020404" pitchFamily="49" charset="0"/>
-              </a:rPr>
-              <a:t>++</a:t>
-            </a:r>
-            <a:r>
-              <a:rPr lang="tr-TR" sz="1600" dirty="0">
-                <a:solidFill>
-                  <a:srgbClr val="000080"/>
-                </a:solidFill>
-                <a:highlight>
-                  <a:srgbClr val="FEFCF5"/>
-                </a:highlight>
-                <a:latin typeface="Courier New" panose="02070309020205020404" pitchFamily="49" charset="0"/>
-              </a:rPr>
-              <a:t>$i</a:t>
-            </a:r>
-            <a:r>
-              <a:rPr lang="tr-TR" sz="1600" dirty="0">
-                <a:solidFill>
-                  <a:srgbClr val="8000FF"/>
-                </a:solidFill>
-                <a:highlight>
-                  <a:srgbClr val="FEFCF5"/>
-                </a:highlight>
-                <a:latin typeface="Courier New" panose="02070309020205020404" pitchFamily="49" charset="0"/>
-              </a:rPr>
-              <a:t>).</a:t>
-            </a:r>
-            <a:r>
-              <a:rPr lang="tr-TR" sz="1600" dirty="0">
-                <a:solidFill>
-                  <a:srgbClr val="000080"/>
-                </a:solidFill>
-                <a:highlight>
-                  <a:srgbClr val="FEFCF5"/>
-                </a:highlight>
-                <a:latin typeface="Courier New" panose="02070309020205020404" pitchFamily="49" charset="0"/>
-              </a:rPr>
-              <a:t>$haber</a:t>
-            </a:r>
-            <a:r>
-              <a:rPr lang="tr-TR" sz="1600" dirty="0">
-                <a:solidFill>
-                  <a:srgbClr val="8000FF"/>
-                </a:solidFill>
-                <a:highlight>
-                  <a:srgbClr val="FEFCF5"/>
-                </a:highlight>
-                <a:latin typeface="Courier New" panose="02070309020205020404" pitchFamily="49" charset="0"/>
-              </a:rPr>
-              <a:t>-&gt;</a:t>
-            </a:r>
-            <a:r>
-              <a:rPr lang="tr-TR" sz="1600" dirty="0" err="1">
-                <a:solidFill>
-                  <a:srgbClr val="000000"/>
-                </a:solidFill>
-                <a:highlight>
-                  <a:srgbClr val="FEFCF5"/>
-                </a:highlight>
-                <a:latin typeface="Courier New" panose="02070309020205020404" pitchFamily="49" charset="0"/>
-              </a:rPr>
-              <a:t>annoSeolink</a:t>
-            </a:r>
-            <a:r>
-              <a:rPr lang="tr-TR" sz="1600" dirty="0">
-                <a:solidFill>
-                  <a:srgbClr val="000000"/>
-                </a:solidFill>
-                <a:highlight>
-                  <a:srgbClr val="FEFCF5"/>
-                </a:highlight>
-                <a:latin typeface="Courier New" panose="02070309020205020404" pitchFamily="49" charset="0"/>
-              </a:rPr>
-              <a:t>. </a:t>
-            </a:r>
-            <a:r>
-              <a:rPr lang="tr-TR" sz="1600" dirty="0">
-                <a:solidFill>
-                  <a:srgbClr val="808080"/>
-                </a:solidFill>
-                <a:highlight>
-                  <a:srgbClr val="FEFCF5"/>
-                </a:highlight>
-                <a:latin typeface="Courier New" panose="02070309020205020404" pitchFamily="49" charset="0"/>
-              </a:rPr>
-              <a:t>",announcement.tr\n"</a:t>
-            </a:r>
-            <a:r>
-              <a:rPr lang="tr-TR" sz="1600" dirty="0">
-                <a:solidFill>
-                  <a:srgbClr val="000000"/>
-                </a:solidFill>
-                <a:highlight>
-                  <a:srgbClr val="FEFCF5"/>
-                </a:highlight>
-                <a:latin typeface="Courier New" panose="02070309020205020404" pitchFamily="49" charset="0"/>
-              </a:rPr>
-              <a:t> </a:t>
-            </a:r>
-            <a:r>
-              <a:rPr lang="tr-TR" sz="1600" dirty="0">
-                <a:solidFill>
-                  <a:srgbClr val="8000FF"/>
-                </a:solidFill>
-                <a:highlight>
-                  <a:srgbClr val="FEFCF5"/>
-                </a:highlight>
-                <a:latin typeface="Courier New" panose="02070309020205020404" pitchFamily="49" charset="0"/>
-              </a:rPr>
-              <a:t>;</a:t>
-            </a:r>
-            <a:endParaRPr lang="tr-TR" sz="1600" dirty="0">
-              <a:solidFill>
-                <a:srgbClr val="000000"/>
-              </a:solidFill>
-              <a:highlight>
-                <a:srgbClr val="FEFCF5"/>
-              </a:highlight>
-              <a:latin typeface="Courier New" panose="02070309020205020404" pitchFamily="49" charset="0"/>
-            </a:endParaRPr>
-          </a:p>
-          <a:p>
-            <a:r>
-              <a:rPr lang="tr-TR" sz="1600" dirty="0">
-                <a:solidFill>
-                  <a:srgbClr val="000000"/>
-                </a:solidFill>
-                <a:highlight>
-                  <a:srgbClr val="FEFCF5"/>
-                </a:highlight>
-                <a:latin typeface="Courier New" panose="02070309020205020404" pitchFamily="49" charset="0"/>
-              </a:rPr>
-              <a:t>        </a:t>
-            </a:r>
-            <a:r>
-              <a:rPr lang="tr-TR" sz="1600" b="1" dirty="0" err="1">
-                <a:solidFill>
-                  <a:srgbClr val="0000FF"/>
-                </a:solidFill>
-                <a:highlight>
-                  <a:srgbClr val="FEFCF5"/>
-                </a:highlight>
-                <a:latin typeface="Courier New" panose="02070309020205020404" pitchFamily="49" charset="0"/>
-              </a:rPr>
-              <a:t>fwrite</a:t>
-            </a:r>
-            <a:r>
-              <a:rPr lang="tr-TR" sz="1600" dirty="0">
-                <a:solidFill>
-                  <a:srgbClr val="8000FF"/>
-                </a:solidFill>
-                <a:highlight>
-                  <a:srgbClr val="FEFCF5"/>
-                </a:highlight>
-                <a:latin typeface="Courier New" panose="02070309020205020404" pitchFamily="49" charset="0"/>
-              </a:rPr>
-              <a:t>(</a:t>
-            </a:r>
-            <a:r>
-              <a:rPr lang="tr-TR" sz="1600" dirty="0">
-                <a:solidFill>
-                  <a:srgbClr val="000080"/>
-                </a:solidFill>
-                <a:highlight>
-                  <a:srgbClr val="FEFCF5"/>
-                </a:highlight>
-                <a:latin typeface="Courier New" panose="02070309020205020404" pitchFamily="49" charset="0"/>
-              </a:rPr>
-              <a:t>$</a:t>
-            </a:r>
-            <a:r>
-              <a:rPr lang="tr-TR" sz="1600" dirty="0" err="1">
-                <a:solidFill>
-                  <a:srgbClr val="000080"/>
-                </a:solidFill>
-                <a:highlight>
-                  <a:srgbClr val="FEFCF5"/>
-                </a:highlight>
-                <a:latin typeface="Courier New" panose="02070309020205020404" pitchFamily="49" charset="0"/>
-              </a:rPr>
-              <a:t>myfile</a:t>
-            </a:r>
-            <a:r>
-              <a:rPr lang="tr-TR" sz="1600" dirty="0">
-                <a:solidFill>
-                  <a:srgbClr val="8000FF"/>
-                </a:solidFill>
-                <a:highlight>
-                  <a:srgbClr val="FEFCF5"/>
-                </a:highlight>
-                <a:latin typeface="Courier New" panose="02070309020205020404" pitchFamily="49" charset="0"/>
-              </a:rPr>
-              <a:t>,</a:t>
-            </a:r>
-            <a:r>
-              <a:rPr lang="tr-TR" sz="1600" dirty="0">
-                <a:solidFill>
-                  <a:srgbClr val="000000"/>
-                </a:solidFill>
-                <a:highlight>
-                  <a:srgbClr val="FEFCF5"/>
-                </a:highlight>
-                <a:latin typeface="Courier New" panose="02070309020205020404" pitchFamily="49" charset="0"/>
-              </a:rPr>
-              <a:t> </a:t>
-            </a:r>
-            <a:r>
-              <a:rPr lang="tr-TR" sz="1600" dirty="0">
-                <a:solidFill>
-                  <a:srgbClr val="000080"/>
-                </a:solidFill>
-                <a:highlight>
-                  <a:srgbClr val="FEFCF5"/>
-                </a:highlight>
-                <a:latin typeface="Courier New" panose="02070309020205020404" pitchFamily="49" charset="0"/>
-              </a:rPr>
-              <a:t>$</a:t>
-            </a:r>
-            <a:r>
-              <a:rPr lang="tr-TR" sz="1600" dirty="0" err="1">
-                <a:solidFill>
-                  <a:srgbClr val="000080"/>
-                </a:solidFill>
-                <a:highlight>
-                  <a:srgbClr val="FEFCF5"/>
-                </a:highlight>
-                <a:latin typeface="Courier New" panose="02070309020205020404" pitchFamily="49" charset="0"/>
-              </a:rPr>
-              <a:t>txt</a:t>
-            </a:r>
-            <a:r>
-              <a:rPr lang="tr-TR" sz="1600" dirty="0">
-                <a:solidFill>
-                  <a:srgbClr val="8000FF"/>
-                </a:solidFill>
-                <a:highlight>
-                  <a:srgbClr val="FEFCF5"/>
-                </a:highlight>
-                <a:latin typeface="Courier New" panose="02070309020205020404" pitchFamily="49" charset="0"/>
-              </a:rPr>
-              <a:t>);</a:t>
-            </a:r>
-            <a:endParaRPr lang="tr-TR" sz="1600" dirty="0">
-              <a:solidFill>
-                <a:srgbClr val="000000"/>
-              </a:solidFill>
-              <a:highlight>
-                <a:srgbClr val="FEFCF5"/>
-              </a:highlight>
-              <a:latin typeface="Courier New" panose="02070309020205020404" pitchFamily="49" charset="0"/>
-            </a:endParaRPr>
-          </a:p>
-          <a:p>
-            <a:r>
-              <a:rPr lang="tr-TR" sz="1600" dirty="0" smtClean="0">
-                <a:solidFill>
-                  <a:srgbClr val="8000FF"/>
-                </a:solidFill>
-                <a:highlight>
-                  <a:srgbClr val="FEFCF5"/>
-                </a:highlight>
-                <a:latin typeface="Courier New" panose="02070309020205020404" pitchFamily="49" charset="0"/>
-              </a:rPr>
-              <a:t>}</a:t>
+              <a:t> güncelleme</a:t>
             </a:r>
             <a:endParaRPr lang="tr-TR" sz="2000" dirty="0">
               <a:solidFill>
@@ -19027,12 +17911,71 @@
               <a:latin typeface="Consolas" panose="020B0609020204030204" pitchFamily="49" charset="0"/>
             </a:endParaRPr>
           </a:p>
+          <a:p>
+            <a:r>
+              <a:rPr lang="tr-TR" sz="2000" dirty="0">
+                <a:solidFill>
+                  <a:srgbClr val="000000"/>
+                </a:solidFill>
+                <a:highlight>
+                  <a:srgbClr val="FFFFFF"/>
+                </a:highlight>
+                <a:latin typeface="Consolas" panose="020B0609020204030204" pitchFamily="49" charset="0"/>
+              </a:rPr>
+              <a:t>bin/</a:t>
+            </a:r>
+            <a:r>
+              <a:rPr lang="tr-TR" sz="2000" dirty="0" err="1">
+                <a:solidFill>
+                  <a:srgbClr val="000000"/>
+                </a:solidFill>
+                <a:highlight>
+                  <a:srgbClr val="FFFFFF"/>
+                </a:highlight>
+                <a:latin typeface="Consolas" panose="020B0609020204030204" pitchFamily="49" charset="0"/>
+              </a:rPr>
+              <a:t>gpm</a:t>
+            </a:r>
+            <a:r>
+              <a:rPr lang="tr-TR" sz="2000" dirty="0">
+                <a:solidFill>
+                  <a:srgbClr val="000000"/>
+                </a:solidFill>
+                <a:highlight>
+                  <a:srgbClr val="FFFFFF"/>
+                </a:highlight>
+                <a:latin typeface="Consolas" panose="020B0609020204030204" pitchFamily="49" charset="0"/>
+              </a:rPr>
+              <a:t> </a:t>
+            </a:r>
+            <a:r>
+              <a:rPr lang="tr-TR" sz="2000" dirty="0" err="1">
+                <a:solidFill>
+                  <a:srgbClr val="000000"/>
+                </a:solidFill>
+                <a:highlight>
+                  <a:srgbClr val="FFFFFF"/>
+                </a:highlight>
+                <a:latin typeface="Consolas" panose="020B0609020204030204" pitchFamily="49" charset="0"/>
+              </a:rPr>
+              <a:t>selfupgrade</a:t>
+            </a:r>
+            <a:endParaRPr lang="tr-TR" sz="2000" dirty="0">
+              <a:solidFill>
+                <a:srgbClr val="000000"/>
+              </a:solidFill>
+              <a:highlight>
+                <a:srgbClr val="FFFFFF"/>
+              </a:highlight>
+              <a:latin typeface="Consolas" panose="020B0609020204030204" pitchFamily="49" charset="0"/>
+            </a:endParaRPr>
+          </a:p>
         </p:txBody>
       </p:sp>
     </p:spTree>
     <p:extLst>
       <p:ext uri="{BB962C8B-B14F-4D97-AF65-F5344CB8AC3E}">
-        <p14:creationId xmlns:p14="http://schemas.microsoft.com/office/powerpoint/2010/main" val="550395678"/>
+        <p14:creationId xmlns:p14="http://schemas.microsoft.com/office/powerpoint/2010/main" val="142502280"/>
       </p:ext>
     </p:extLst>
   </p:cSld>
@@ -19172,7 +18115,7 @@
         <p:spPr>
           <a:xfrm>
             <a:off x="762457" y="1506586"/>
-            <a:ext cx="11031985" cy="5016758"/>
+            <a:ext cx="11031985" cy="4647426"/>
           </a:xfrm>
           <a:prstGeom prst="rect">
             <a:avLst/>
@@ -19210,28 +18153,101 @@
           </a:p>
           <a:p>
             <a:r>
+              <a:rPr lang="tr-TR" sz="2000" dirty="0">
+                <a:solidFill>
+                  <a:srgbClr val="000000"/>
+                </a:solidFill>
+                <a:highlight>
+                  <a:srgbClr val="FFFFFF"/>
+                </a:highlight>
+                <a:latin typeface="Consolas" panose="020B0609020204030204" pitchFamily="49" charset="0"/>
+              </a:rPr>
+              <a:t>#</a:t>
+            </a:r>
+            <a:r>
               <a:rPr lang="tr-TR" sz="2000" dirty="0" err="1">
                 <a:solidFill>
                   <a:srgbClr val="000000"/>
                 </a:solidFill>
                 <a:highlight>
-                  <a:srgbClr val="FEFCF5"/>
-                </a:highlight>
-                <a:latin typeface="Courier New" panose="02070309020205020404" pitchFamily="49" charset="0"/>
-              </a:rPr>
-              <a:t>covert.php</a:t>
-            </a:r>
-            <a:endParaRPr lang="tr-TR" sz="2000" dirty="0">
-              <a:solidFill>
-                <a:srgbClr val="000000"/>
-              </a:solidFill>
-              <a:highlight>
-                <a:srgbClr val="FEFCF5"/>
-              </a:highlight>
-              <a:latin typeface="Courier New" panose="02070309020205020404" pitchFamily="49" charset="0"/>
-            </a:endParaRPr>
-          </a:p>
-          <a:p>
+                  <a:srgbClr val="FFFFFF"/>
+                </a:highlight>
+                <a:latin typeface="Consolas" panose="020B0609020204030204" pitchFamily="49" charset="0"/>
+              </a:rPr>
+              <a:t>composer</a:t>
+            </a:r>
+            <a:r>
+              <a:rPr lang="tr-TR" sz="2000" dirty="0">
+                <a:solidFill>
+                  <a:srgbClr val="000000"/>
+                </a:solidFill>
+                <a:highlight>
+                  <a:srgbClr val="FFFFFF"/>
+                </a:highlight>
+                <a:latin typeface="Consolas" panose="020B0609020204030204" pitchFamily="49" charset="0"/>
+              </a:rPr>
+              <a:t> </a:t>
+            </a:r>
+            <a:r>
+              <a:rPr lang="tr-TR" sz="2000" dirty="0" err="1">
+                <a:solidFill>
+                  <a:srgbClr val="000000"/>
+                </a:solidFill>
+                <a:highlight>
+                  <a:srgbClr val="FFFFFF"/>
+                </a:highlight>
+                <a:latin typeface="Consolas" panose="020B0609020204030204" pitchFamily="49" charset="0"/>
+              </a:rPr>
+              <a:t>require</a:t>
+            </a:r>
+            <a:r>
+              <a:rPr lang="tr-TR" sz="2000" dirty="0">
+                <a:solidFill>
+                  <a:srgbClr val="000000"/>
+                </a:solidFill>
+                <a:highlight>
+                  <a:srgbClr val="FFFFFF"/>
+                </a:highlight>
+                <a:latin typeface="Consolas" panose="020B0609020204030204" pitchFamily="49" charset="0"/>
+              </a:rPr>
+              <a:t> </a:t>
+            </a:r>
+            <a:r>
+              <a:rPr lang="tr-TR" sz="2000" dirty="0" err="1" smtClean="0">
+                <a:solidFill>
+                  <a:srgbClr val="000000"/>
+                </a:solidFill>
+                <a:highlight>
+                  <a:srgbClr val="FFFFFF"/>
+                </a:highlight>
+                <a:latin typeface="Consolas" panose="020B0609020204030204" pitchFamily="49" charset="0"/>
+              </a:rPr>
+              <a:t>chrisullyott</a:t>
+            </a:r>
+            <a:r>
+              <a:rPr lang="tr-TR" sz="2000" dirty="0" smtClean="0">
+                <a:solidFill>
+                  <a:srgbClr val="000000"/>
+                </a:solidFill>
+                <a:highlight>
+                  <a:srgbClr val="FFFFFF"/>
+                </a:highlight>
+                <a:latin typeface="Consolas" panose="020B0609020204030204" pitchFamily="49" charset="0"/>
+              </a:rPr>
+              <a:t>/</a:t>
+            </a:r>
+            <a:r>
+              <a:rPr lang="tr-TR" sz="2000" dirty="0" err="1" smtClean="0">
+                <a:solidFill>
+                  <a:srgbClr val="000000"/>
+                </a:solidFill>
+                <a:highlight>
+                  <a:srgbClr val="FFFFFF"/>
+                </a:highlight>
+                <a:latin typeface="Consolas" panose="020B0609020204030204" pitchFamily="49" charset="0"/>
+              </a:rPr>
+              <a:t>csv-to-grav</a:t>
+            </a:r>
             <a:endParaRPr lang="tr-TR" sz="2000" dirty="0" smtClean="0">
               <a:solidFill>
                 <a:srgbClr val="000000"/>
@@ -19243,1171 +18259,6 @@
             </a:endParaRPr>
           </a:p>
           <a:p>
-            <a:r>
-              <a:rPr lang="tr-TR" sz="2000" dirty="0">
-                <a:solidFill>
-                  <a:srgbClr val="FF0000"/>
-                </a:solidFill>
-                <a:highlight>
-                  <a:srgbClr val="FDF8E3"/>
-                </a:highlight>
-                <a:latin typeface="Courier New" panose="02070309020205020404" pitchFamily="49" charset="0"/>
-              </a:rPr>
-              <a:t>&lt;?</a:t>
-            </a:r>
-            <a:endParaRPr lang="tr-TR" sz="2000" dirty="0">
-              <a:solidFill>
-                <a:srgbClr val="000000"/>
-              </a:solidFill>
-              <a:highlight>
-                <a:srgbClr val="FEFCF5"/>
-              </a:highlight>
-              <a:latin typeface="Courier New" panose="02070309020205020404" pitchFamily="49" charset="0"/>
-            </a:endParaRPr>
-          </a:p>
-          <a:p>
-            <a:r>
-              <a:rPr lang="tr-TR" sz="2000" dirty="0" smtClean="0">
-                <a:solidFill>
-                  <a:srgbClr val="000080"/>
-                </a:solidFill>
-                <a:highlight>
-                  <a:srgbClr val="FEFCF5"/>
-                </a:highlight>
-                <a:latin typeface="Courier New" panose="02070309020205020404" pitchFamily="49" charset="0"/>
-              </a:rPr>
-              <a:t>$</a:t>
-            </a:r>
-            <a:r>
-              <a:rPr lang="tr-TR" sz="2000" dirty="0" err="1">
-                <a:solidFill>
-                  <a:srgbClr val="000080"/>
-                </a:solidFill>
-                <a:highlight>
-                  <a:srgbClr val="FEFCF5"/>
-                </a:highlight>
-                <a:latin typeface="Courier New" panose="02070309020205020404" pitchFamily="49" charset="0"/>
-              </a:rPr>
-              <a:t>conversion</a:t>
-            </a:r>
-            <a:r>
-              <a:rPr lang="tr-TR" sz="2000" dirty="0">
-                <a:solidFill>
-                  <a:srgbClr val="8000FF"/>
-                </a:solidFill>
-                <a:highlight>
-                  <a:srgbClr val="FEFCF5"/>
-                </a:highlight>
-                <a:latin typeface="Courier New" panose="02070309020205020404" pitchFamily="49" charset="0"/>
-              </a:rPr>
-              <a:t>-&gt;</a:t>
-            </a:r>
-            <a:r>
-              <a:rPr lang="tr-TR" sz="2000" dirty="0" err="1">
-                <a:solidFill>
-                  <a:srgbClr val="000000"/>
-                </a:solidFill>
-                <a:highlight>
-                  <a:srgbClr val="FEFCF5"/>
-                </a:highlight>
-                <a:latin typeface="Courier New" panose="02070309020205020404" pitchFamily="49" charset="0"/>
-              </a:rPr>
-              <a:t>setColumnMap</a:t>
-            </a:r>
-            <a:r>
-              <a:rPr lang="tr-TR" sz="2000" dirty="0">
-                <a:solidFill>
-                  <a:srgbClr val="8000FF"/>
-                </a:solidFill>
-                <a:highlight>
-                  <a:srgbClr val="FEFCF5"/>
-                </a:highlight>
-                <a:latin typeface="Courier New" panose="02070309020205020404" pitchFamily="49" charset="0"/>
-              </a:rPr>
-              <a:t>(</a:t>
-            </a:r>
-            <a:r>
-              <a:rPr lang="tr-TR" sz="2000" b="1" dirty="0" err="1">
-                <a:solidFill>
-                  <a:srgbClr val="0000FF"/>
-                </a:solidFill>
-                <a:highlight>
-                  <a:srgbClr val="FEFCF5"/>
-                </a:highlight>
-                <a:latin typeface="Courier New" panose="02070309020205020404" pitchFamily="49" charset="0"/>
-              </a:rPr>
-              <a:t>array</a:t>
-            </a:r>
-            <a:r>
-              <a:rPr lang="tr-TR" sz="2000" dirty="0">
-                <a:solidFill>
-                  <a:srgbClr val="8000FF"/>
-                </a:solidFill>
-                <a:highlight>
-                  <a:srgbClr val="FEFCF5"/>
-                </a:highlight>
-                <a:latin typeface="Courier New" panose="02070309020205020404" pitchFamily="49" charset="0"/>
-              </a:rPr>
-              <a:t>(</a:t>
-            </a:r>
-            <a:endParaRPr lang="tr-TR" sz="2000" dirty="0">
-              <a:solidFill>
-                <a:srgbClr val="000000"/>
-              </a:solidFill>
-              <a:highlight>
-                <a:srgbClr val="FEFCF5"/>
-              </a:highlight>
-              <a:latin typeface="Courier New" panose="02070309020205020404" pitchFamily="49" charset="0"/>
-            </a:endParaRPr>
-          </a:p>
-          <a:p>
-            <a:r>
-              <a:rPr lang="tr-TR" sz="2000" dirty="0">
-                <a:solidFill>
-                  <a:srgbClr val="000000"/>
-                </a:solidFill>
-                <a:highlight>
-                  <a:srgbClr val="FEFCF5"/>
-                </a:highlight>
-                <a:latin typeface="Courier New" panose="02070309020205020404" pitchFamily="49" charset="0"/>
-              </a:rPr>
-              <a:t>    </a:t>
-            </a:r>
-            <a:r>
-              <a:rPr lang="tr-TR" sz="2000" dirty="0">
-                <a:solidFill>
-                  <a:srgbClr val="808080"/>
-                </a:solidFill>
-                <a:highlight>
-                  <a:srgbClr val="FEFCF5"/>
-                </a:highlight>
-                <a:latin typeface="Courier New" panose="02070309020205020404" pitchFamily="49" charset="0"/>
-              </a:rPr>
-              <a:t>'</a:t>
-            </a:r>
-            <a:r>
-              <a:rPr lang="tr-TR" sz="2000" dirty="0" err="1">
-                <a:solidFill>
-                  <a:srgbClr val="808080"/>
-                </a:solidFill>
-                <a:highlight>
-                  <a:srgbClr val="FEFCF5"/>
-                </a:highlight>
-                <a:latin typeface="Courier New" panose="02070309020205020404" pitchFamily="49" charset="0"/>
-              </a:rPr>
-              <a:t>title</a:t>
-            </a:r>
-            <a:r>
-              <a:rPr lang="tr-TR" sz="2000" dirty="0">
-                <a:solidFill>
-                  <a:srgbClr val="808080"/>
-                </a:solidFill>
-                <a:highlight>
-                  <a:srgbClr val="FEFCF5"/>
-                </a:highlight>
-                <a:latin typeface="Courier New" panose="02070309020205020404" pitchFamily="49" charset="0"/>
-              </a:rPr>
-              <a:t>'</a:t>
-            </a:r>
-            <a:r>
-              <a:rPr lang="tr-TR" sz="2000" dirty="0">
-                <a:solidFill>
-                  <a:srgbClr val="000000"/>
-                </a:solidFill>
-                <a:highlight>
-                  <a:srgbClr val="FEFCF5"/>
-                </a:highlight>
-                <a:latin typeface="Courier New" panose="02070309020205020404" pitchFamily="49" charset="0"/>
-              </a:rPr>
-              <a:t>    </a:t>
-            </a:r>
-            <a:r>
-              <a:rPr lang="tr-TR" sz="2000" dirty="0">
-                <a:solidFill>
-                  <a:srgbClr val="8000FF"/>
-                </a:solidFill>
-                <a:highlight>
-                  <a:srgbClr val="FEFCF5"/>
-                </a:highlight>
-                <a:latin typeface="Courier New" panose="02070309020205020404" pitchFamily="49" charset="0"/>
-              </a:rPr>
-              <a:t>=&gt;</a:t>
-            </a:r>
-            <a:r>
-              <a:rPr lang="tr-TR" sz="2000" dirty="0">
-                <a:solidFill>
-                  <a:srgbClr val="000000"/>
-                </a:solidFill>
-                <a:highlight>
-                  <a:srgbClr val="FEFCF5"/>
-                </a:highlight>
-                <a:latin typeface="Courier New" panose="02070309020205020404" pitchFamily="49" charset="0"/>
-              </a:rPr>
-              <a:t> </a:t>
-            </a:r>
-            <a:r>
-              <a:rPr lang="tr-TR" sz="2000" dirty="0">
-                <a:solidFill>
-                  <a:srgbClr val="808080"/>
-                </a:solidFill>
-                <a:highlight>
-                  <a:srgbClr val="FEFCF5"/>
-                </a:highlight>
-                <a:latin typeface="Courier New" panose="02070309020205020404" pitchFamily="49" charset="0"/>
-              </a:rPr>
-              <a:t>'</a:t>
-            </a:r>
-            <a:r>
-              <a:rPr lang="tr-TR" sz="2000" dirty="0" err="1">
-                <a:solidFill>
-                  <a:srgbClr val="808080"/>
-                </a:solidFill>
-                <a:highlight>
-                  <a:srgbClr val="FEFCF5"/>
-                </a:highlight>
-                <a:latin typeface="Courier New" panose="02070309020205020404" pitchFamily="49" charset="0"/>
-              </a:rPr>
-              <a:t>title_field</a:t>
-            </a:r>
-            <a:r>
-              <a:rPr lang="tr-TR" sz="2000" dirty="0">
-                <a:solidFill>
-                  <a:srgbClr val="808080"/>
-                </a:solidFill>
-                <a:highlight>
-                  <a:srgbClr val="FEFCF5"/>
-                </a:highlight>
-                <a:latin typeface="Courier New" panose="02070309020205020404" pitchFamily="49" charset="0"/>
-              </a:rPr>
-              <a:t>'</a:t>
-            </a:r>
-            <a:r>
-              <a:rPr lang="tr-TR" sz="2000" dirty="0">
-                <a:solidFill>
-                  <a:srgbClr val="8000FF"/>
-                </a:solidFill>
-                <a:highlight>
-                  <a:srgbClr val="FEFCF5"/>
-                </a:highlight>
-                <a:latin typeface="Courier New" panose="02070309020205020404" pitchFamily="49" charset="0"/>
-              </a:rPr>
-              <a:t>,</a:t>
-            </a:r>
-            <a:r>
-              <a:rPr lang="tr-TR" sz="2000" dirty="0">
-                <a:solidFill>
-                  <a:srgbClr val="000000"/>
-                </a:solidFill>
-                <a:highlight>
-                  <a:srgbClr val="FEFCF5"/>
-                </a:highlight>
-                <a:latin typeface="Courier New" panose="02070309020205020404" pitchFamily="49" charset="0"/>
-              </a:rPr>
-              <a:t>   </a:t>
-            </a:r>
-          </a:p>
-          <a:p>
-            <a:r>
-              <a:rPr lang="tr-TR" sz="2000" dirty="0">
-                <a:solidFill>
-                  <a:srgbClr val="000000"/>
-                </a:solidFill>
-                <a:highlight>
-                  <a:srgbClr val="FEFCF5"/>
-                </a:highlight>
-                <a:latin typeface="Courier New" panose="02070309020205020404" pitchFamily="49" charset="0"/>
-              </a:rPr>
-              <a:t>    </a:t>
-            </a:r>
-            <a:r>
-              <a:rPr lang="tr-TR" sz="2000" dirty="0">
-                <a:solidFill>
-                  <a:srgbClr val="808080"/>
-                </a:solidFill>
-                <a:highlight>
-                  <a:srgbClr val="FEFCF5"/>
-                </a:highlight>
-                <a:latin typeface="Courier New" panose="02070309020205020404" pitchFamily="49" charset="0"/>
-              </a:rPr>
-              <a:t>'</a:t>
-            </a:r>
-            <a:r>
-              <a:rPr lang="tr-TR" sz="2000" dirty="0" err="1">
-                <a:solidFill>
-                  <a:srgbClr val="808080"/>
-                </a:solidFill>
-                <a:highlight>
-                  <a:srgbClr val="FEFCF5"/>
-                </a:highlight>
-                <a:latin typeface="Courier New" panose="02070309020205020404" pitchFamily="49" charset="0"/>
-              </a:rPr>
-              <a:t>date</a:t>
-            </a:r>
-            <a:r>
-              <a:rPr lang="tr-TR" sz="2000" dirty="0">
-                <a:solidFill>
-                  <a:srgbClr val="808080"/>
-                </a:solidFill>
-                <a:highlight>
-                  <a:srgbClr val="FEFCF5"/>
-                </a:highlight>
-                <a:latin typeface="Courier New" panose="02070309020205020404" pitchFamily="49" charset="0"/>
-              </a:rPr>
-              <a:t>'</a:t>
-            </a:r>
-            <a:r>
-              <a:rPr lang="tr-TR" sz="2000" dirty="0">
-                <a:solidFill>
-                  <a:srgbClr val="000000"/>
-                </a:solidFill>
-                <a:highlight>
-                  <a:srgbClr val="FEFCF5"/>
-                </a:highlight>
-                <a:latin typeface="Courier New" panose="02070309020205020404" pitchFamily="49" charset="0"/>
-              </a:rPr>
-              <a:t>     </a:t>
-            </a:r>
-            <a:r>
-              <a:rPr lang="tr-TR" sz="2000" dirty="0">
-                <a:solidFill>
-                  <a:srgbClr val="8000FF"/>
-                </a:solidFill>
-                <a:highlight>
-                  <a:srgbClr val="FEFCF5"/>
-                </a:highlight>
-                <a:latin typeface="Courier New" panose="02070309020205020404" pitchFamily="49" charset="0"/>
-              </a:rPr>
-              <a:t>=&gt;</a:t>
-            </a:r>
-            <a:r>
-              <a:rPr lang="tr-TR" sz="2000" dirty="0">
-                <a:solidFill>
-                  <a:srgbClr val="000000"/>
-                </a:solidFill>
-                <a:highlight>
-                  <a:srgbClr val="FEFCF5"/>
-                </a:highlight>
-                <a:latin typeface="Courier New" panose="02070309020205020404" pitchFamily="49" charset="0"/>
-              </a:rPr>
-              <a:t> </a:t>
-            </a:r>
-            <a:r>
-              <a:rPr lang="tr-TR" sz="2000" dirty="0">
-                <a:solidFill>
-                  <a:srgbClr val="808080"/>
-                </a:solidFill>
-                <a:highlight>
-                  <a:srgbClr val="FEFCF5"/>
-                </a:highlight>
-                <a:latin typeface="Courier New" panose="02070309020205020404" pitchFamily="49" charset="0"/>
-              </a:rPr>
-              <a:t>'</a:t>
-            </a:r>
-            <a:r>
-              <a:rPr lang="tr-TR" sz="2000" dirty="0" err="1">
-                <a:solidFill>
-                  <a:srgbClr val="808080"/>
-                </a:solidFill>
-                <a:highlight>
-                  <a:srgbClr val="FEFCF5"/>
-                </a:highlight>
-                <a:latin typeface="Courier New" panose="02070309020205020404" pitchFamily="49" charset="0"/>
-              </a:rPr>
-              <a:t>date_field</a:t>
-            </a:r>
-            <a:r>
-              <a:rPr lang="tr-TR" sz="2000" dirty="0">
-                <a:solidFill>
-                  <a:srgbClr val="808080"/>
-                </a:solidFill>
-                <a:highlight>
-                  <a:srgbClr val="FEFCF5"/>
-                </a:highlight>
-                <a:latin typeface="Courier New" panose="02070309020205020404" pitchFamily="49" charset="0"/>
-              </a:rPr>
-              <a:t>'</a:t>
-            </a:r>
-            <a:r>
-              <a:rPr lang="tr-TR" sz="2000" dirty="0">
-                <a:solidFill>
-                  <a:srgbClr val="8000FF"/>
-                </a:solidFill>
-                <a:highlight>
-                  <a:srgbClr val="FEFCF5"/>
-                </a:highlight>
-                <a:latin typeface="Courier New" panose="02070309020205020404" pitchFamily="49" charset="0"/>
-              </a:rPr>
-              <a:t>,</a:t>
-            </a:r>
-            <a:r>
-              <a:rPr lang="tr-TR" sz="2000" dirty="0">
-                <a:solidFill>
-                  <a:srgbClr val="000000"/>
-                </a:solidFill>
-                <a:highlight>
-                  <a:srgbClr val="FEFCF5"/>
-                </a:highlight>
-                <a:latin typeface="Courier New" panose="02070309020205020404" pitchFamily="49" charset="0"/>
-              </a:rPr>
-              <a:t>     </a:t>
-            </a:r>
-          </a:p>
-          <a:p>
-            <a:r>
-              <a:rPr lang="tr-TR" sz="2000" dirty="0">
-                <a:solidFill>
-                  <a:srgbClr val="000000"/>
-                </a:solidFill>
-                <a:highlight>
-                  <a:srgbClr val="FEFCF5"/>
-                </a:highlight>
-                <a:latin typeface="Courier New" panose="02070309020205020404" pitchFamily="49" charset="0"/>
-              </a:rPr>
-              <a:t>    </a:t>
-            </a:r>
-            <a:r>
-              <a:rPr lang="tr-TR" sz="2000" dirty="0">
-                <a:solidFill>
-                  <a:srgbClr val="808080"/>
-                </a:solidFill>
-                <a:highlight>
-                  <a:srgbClr val="FEFCF5"/>
-                </a:highlight>
-                <a:latin typeface="Courier New" panose="02070309020205020404" pitchFamily="49" charset="0"/>
-              </a:rPr>
-              <a:t>'html'</a:t>
-            </a:r>
-            <a:r>
-              <a:rPr lang="tr-TR" sz="2000" dirty="0">
-                <a:solidFill>
-                  <a:srgbClr val="000000"/>
-                </a:solidFill>
-                <a:highlight>
-                  <a:srgbClr val="FEFCF5"/>
-                </a:highlight>
-                <a:latin typeface="Courier New" panose="02070309020205020404" pitchFamily="49" charset="0"/>
-              </a:rPr>
-              <a:t>     </a:t>
-            </a:r>
-            <a:r>
-              <a:rPr lang="tr-TR" sz="2000" dirty="0">
-                <a:solidFill>
-                  <a:srgbClr val="8000FF"/>
-                </a:solidFill>
-                <a:highlight>
-                  <a:srgbClr val="FEFCF5"/>
-                </a:highlight>
-                <a:latin typeface="Courier New" panose="02070309020205020404" pitchFamily="49" charset="0"/>
-              </a:rPr>
-              <a:t>=&gt;</a:t>
-            </a:r>
-            <a:r>
-              <a:rPr lang="tr-TR" sz="2000" dirty="0">
-                <a:solidFill>
-                  <a:srgbClr val="000000"/>
-                </a:solidFill>
-                <a:highlight>
-                  <a:srgbClr val="FEFCF5"/>
-                </a:highlight>
-                <a:latin typeface="Courier New" panose="02070309020205020404" pitchFamily="49" charset="0"/>
-              </a:rPr>
-              <a:t> </a:t>
-            </a:r>
-            <a:r>
-              <a:rPr lang="tr-TR" sz="2000" dirty="0">
-                <a:solidFill>
-                  <a:srgbClr val="808080"/>
-                </a:solidFill>
-                <a:highlight>
-                  <a:srgbClr val="FEFCF5"/>
-                </a:highlight>
-                <a:latin typeface="Courier New" panose="02070309020205020404" pitchFamily="49" charset="0"/>
-              </a:rPr>
-              <a:t>'</a:t>
-            </a:r>
-            <a:r>
-              <a:rPr lang="tr-TR" sz="2000" dirty="0" err="1">
-                <a:solidFill>
-                  <a:srgbClr val="808080"/>
-                </a:solidFill>
-                <a:highlight>
-                  <a:srgbClr val="FEFCF5"/>
-                </a:highlight>
-                <a:latin typeface="Courier New" panose="02070309020205020404" pitchFamily="49" charset="0"/>
-              </a:rPr>
-              <a:t>html_field</a:t>
-            </a:r>
-            <a:r>
-              <a:rPr lang="tr-TR" sz="2000" dirty="0">
-                <a:solidFill>
-                  <a:srgbClr val="808080"/>
-                </a:solidFill>
-                <a:highlight>
-                  <a:srgbClr val="FEFCF5"/>
-                </a:highlight>
-                <a:latin typeface="Courier New" panose="02070309020205020404" pitchFamily="49" charset="0"/>
-              </a:rPr>
-              <a:t>'</a:t>
-            </a:r>
-            <a:r>
-              <a:rPr lang="tr-TR" sz="2000" dirty="0">
-                <a:solidFill>
-                  <a:srgbClr val="8000FF"/>
-                </a:solidFill>
-                <a:highlight>
-                  <a:srgbClr val="FEFCF5"/>
-                </a:highlight>
-                <a:latin typeface="Courier New" panose="02070309020205020404" pitchFamily="49" charset="0"/>
-              </a:rPr>
-              <a:t>,</a:t>
-            </a:r>
-            <a:r>
-              <a:rPr lang="tr-TR" sz="2000" dirty="0">
-                <a:solidFill>
-                  <a:srgbClr val="000000"/>
-                </a:solidFill>
-                <a:highlight>
-                  <a:srgbClr val="FEFCF5"/>
-                </a:highlight>
-                <a:latin typeface="Courier New" panose="02070309020205020404" pitchFamily="49" charset="0"/>
-              </a:rPr>
-              <a:t>    </a:t>
-            </a:r>
-          </a:p>
-          <a:p>
-            <a:r>
-              <a:rPr lang="tr-TR" sz="2000" dirty="0">
-                <a:solidFill>
-                  <a:srgbClr val="000000"/>
-                </a:solidFill>
-                <a:highlight>
-                  <a:srgbClr val="FEFCF5"/>
-                </a:highlight>
-                <a:latin typeface="Courier New" panose="02070309020205020404" pitchFamily="49" charset="0"/>
-              </a:rPr>
-              <a:t>    </a:t>
-            </a:r>
-            <a:r>
-              <a:rPr lang="tr-TR" sz="2000" dirty="0">
-                <a:solidFill>
-                  <a:srgbClr val="808080"/>
-                </a:solidFill>
-                <a:highlight>
-                  <a:srgbClr val="FEFCF5"/>
-                </a:highlight>
-                <a:latin typeface="Courier New" panose="02070309020205020404" pitchFamily="49" charset="0"/>
-              </a:rPr>
-              <a:t>'</a:t>
-            </a:r>
-            <a:r>
-              <a:rPr lang="tr-TR" sz="2000" dirty="0" err="1">
-                <a:solidFill>
-                  <a:srgbClr val="808080"/>
-                </a:solidFill>
-                <a:highlight>
-                  <a:srgbClr val="FEFCF5"/>
-                </a:highlight>
-                <a:latin typeface="Courier New" panose="02070309020205020404" pitchFamily="49" charset="0"/>
-              </a:rPr>
-              <a:t>author</a:t>
-            </a:r>
-            <a:r>
-              <a:rPr lang="tr-TR" sz="2000" dirty="0">
-                <a:solidFill>
-                  <a:srgbClr val="808080"/>
-                </a:solidFill>
-                <a:highlight>
-                  <a:srgbClr val="FEFCF5"/>
-                </a:highlight>
-                <a:latin typeface="Courier New" panose="02070309020205020404" pitchFamily="49" charset="0"/>
-              </a:rPr>
-              <a:t>'</a:t>
-            </a:r>
-            <a:r>
-              <a:rPr lang="tr-TR" sz="2000" dirty="0">
-                <a:solidFill>
-                  <a:srgbClr val="000000"/>
-                </a:solidFill>
-                <a:highlight>
-                  <a:srgbClr val="FEFCF5"/>
-                </a:highlight>
-                <a:latin typeface="Courier New" panose="02070309020205020404" pitchFamily="49" charset="0"/>
-              </a:rPr>
-              <a:t>   </a:t>
-            </a:r>
-            <a:r>
-              <a:rPr lang="tr-TR" sz="2000" dirty="0">
-                <a:solidFill>
-                  <a:srgbClr val="8000FF"/>
-                </a:solidFill>
-                <a:highlight>
-                  <a:srgbClr val="FEFCF5"/>
-                </a:highlight>
-                <a:latin typeface="Courier New" panose="02070309020205020404" pitchFamily="49" charset="0"/>
-              </a:rPr>
-              <a:t>=&gt;</a:t>
-            </a:r>
-            <a:r>
-              <a:rPr lang="tr-TR" sz="2000" dirty="0">
-                <a:solidFill>
-                  <a:srgbClr val="000000"/>
-                </a:solidFill>
-                <a:highlight>
-                  <a:srgbClr val="FEFCF5"/>
-                </a:highlight>
-                <a:latin typeface="Courier New" panose="02070309020205020404" pitchFamily="49" charset="0"/>
-              </a:rPr>
-              <a:t> </a:t>
-            </a:r>
-            <a:r>
-              <a:rPr lang="tr-TR" sz="2000" dirty="0">
-                <a:solidFill>
-                  <a:srgbClr val="808080"/>
-                </a:solidFill>
-                <a:highlight>
-                  <a:srgbClr val="FEFCF5"/>
-                </a:highlight>
-                <a:latin typeface="Courier New" panose="02070309020205020404" pitchFamily="49" charset="0"/>
-              </a:rPr>
-              <a:t>'</a:t>
-            </a:r>
-            <a:r>
-              <a:rPr lang="tr-TR" sz="2000" dirty="0" err="1">
-                <a:solidFill>
-                  <a:srgbClr val="808080"/>
-                </a:solidFill>
-                <a:highlight>
-                  <a:srgbClr val="FEFCF5"/>
-                </a:highlight>
-                <a:latin typeface="Courier New" panose="02070309020205020404" pitchFamily="49" charset="0"/>
-              </a:rPr>
-              <a:t>author_field</a:t>
-            </a:r>
-            <a:r>
-              <a:rPr lang="tr-TR" sz="2000" dirty="0">
-                <a:solidFill>
-                  <a:srgbClr val="808080"/>
-                </a:solidFill>
-                <a:highlight>
-                  <a:srgbClr val="FEFCF5"/>
-                </a:highlight>
-                <a:latin typeface="Courier New" panose="02070309020205020404" pitchFamily="49" charset="0"/>
-              </a:rPr>
-              <a:t>'</a:t>
-            </a:r>
-            <a:r>
-              <a:rPr lang="tr-TR" sz="2000" dirty="0">
-                <a:solidFill>
-                  <a:srgbClr val="8000FF"/>
-                </a:solidFill>
-                <a:highlight>
-                  <a:srgbClr val="FEFCF5"/>
-                </a:highlight>
-                <a:latin typeface="Courier New" panose="02070309020205020404" pitchFamily="49" charset="0"/>
-              </a:rPr>
-              <a:t>,</a:t>
-            </a:r>
-            <a:r>
-              <a:rPr lang="tr-TR" sz="2000" dirty="0">
-                <a:solidFill>
-                  <a:srgbClr val="000000"/>
-                </a:solidFill>
-                <a:highlight>
-                  <a:srgbClr val="FEFCF5"/>
-                </a:highlight>
-                <a:latin typeface="Courier New" panose="02070309020205020404" pitchFamily="49" charset="0"/>
-              </a:rPr>
-              <a:t>  </a:t>
-            </a:r>
-          </a:p>
-          <a:p>
-            <a:r>
-              <a:rPr lang="tr-TR" sz="2000" dirty="0">
-                <a:solidFill>
-                  <a:srgbClr val="000000"/>
-                </a:solidFill>
-                <a:highlight>
-                  <a:srgbClr val="FEFCF5"/>
-                </a:highlight>
-                <a:latin typeface="Courier New" panose="02070309020205020404" pitchFamily="49" charset="0"/>
-              </a:rPr>
-              <a:t>    </a:t>
-            </a:r>
-            <a:r>
-              <a:rPr lang="tr-TR" sz="2000" dirty="0" smtClean="0">
-                <a:solidFill>
-                  <a:srgbClr val="808080"/>
-                </a:solidFill>
-                <a:highlight>
-                  <a:srgbClr val="FEFCF5"/>
-                </a:highlight>
-                <a:latin typeface="Courier New" panose="02070309020205020404" pitchFamily="49" charset="0"/>
-              </a:rPr>
-              <a:t>'dizin‘    </a:t>
-            </a:r>
-            <a:r>
-              <a:rPr lang="tr-TR" sz="2000" dirty="0" smtClean="0">
-                <a:solidFill>
-                  <a:srgbClr val="8000FF"/>
-                </a:solidFill>
-                <a:highlight>
-                  <a:srgbClr val="FEFCF5"/>
-                </a:highlight>
-                <a:latin typeface="Courier New" panose="02070309020205020404" pitchFamily="49" charset="0"/>
-              </a:rPr>
-              <a:t>=&gt;</a:t>
-            </a:r>
-            <a:r>
-              <a:rPr lang="tr-TR" sz="2000" dirty="0" smtClean="0">
-                <a:solidFill>
-                  <a:srgbClr val="000000"/>
-                </a:solidFill>
-                <a:highlight>
-                  <a:srgbClr val="FEFCF5"/>
-                </a:highlight>
-                <a:latin typeface="Courier New" panose="02070309020205020404" pitchFamily="49" charset="0"/>
-              </a:rPr>
-              <a:t> </a:t>
-            </a:r>
-            <a:r>
-              <a:rPr lang="tr-TR" sz="2000" dirty="0">
-                <a:solidFill>
-                  <a:srgbClr val="808080"/>
-                </a:solidFill>
-                <a:highlight>
-                  <a:srgbClr val="FEFCF5"/>
-                </a:highlight>
-                <a:latin typeface="Courier New" panose="02070309020205020404" pitchFamily="49" charset="0"/>
-              </a:rPr>
-              <a:t>'dizin'</a:t>
-            </a:r>
-            <a:r>
-              <a:rPr lang="tr-TR" sz="2000" dirty="0">
-                <a:solidFill>
-                  <a:srgbClr val="8000FF"/>
-                </a:solidFill>
-                <a:highlight>
-                  <a:srgbClr val="FEFCF5"/>
-                </a:highlight>
-                <a:latin typeface="Courier New" panose="02070309020205020404" pitchFamily="49" charset="0"/>
-              </a:rPr>
-              <a:t>,</a:t>
-            </a:r>
-            <a:r>
-              <a:rPr lang="tr-TR" sz="2000" dirty="0">
-                <a:solidFill>
-                  <a:srgbClr val="000000"/>
-                </a:solidFill>
-                <a:highlight>
-                  <a:srgbClr val="FEFCF5"/>
-                </a:highlight>
-                <a:latin typeface="Courier New" panose="02070309020205020404" pitchFamily="49" charset="0"/>
-              </a:rPr>
-              <a:t>       </a:t>
-            </a:r>
-          </a:p>
-          <a:p>
-            <a:r>
-              <a:rPr lang="tr-TR" sz="2000" dirty="0">
-                <a:solidFill>
-                  <a:srgbClr val="000000"/>
-                </a:solidFill>
-                <a:highlight>
-                  <a:srgbClr val="FEFCF5"/>
-                </a:highlight>
-                <a:latin typeface="Courier New" panose="02070309020205020404" pitchFamily="49" charset="0"/>
-              </a:rPr>
-              <a:t>    </a:t>
-            </a:r>
-            <a:r>
-              <a:rPr lang="tr-TR" sz="2000" dirty="0">
-                <a:solidFill>
-                  <a:srgbClr val="808080"/>
-                </a:solidFill>
-                <a:highlight>
-                  <a:srgbClr val="FEFCF5"/>
-                </a:highlight>
-                <a:latin typeface="Courier New" panose="02070309020205020404" pitchFamily="49" charset="0"/>
-              </a:rPr>
-              <a:t>'</a:t>
-            </a:r>
-            <a:r>
-              <a:rPr lang="tr-TR" sz="2000" dirty="0" err="1">
-                <a:solidFill>
-                  <a:srgbClr val="808080"/>
-                </a:solidFill>
-                <a:highlight>
-                  <a:srgbClr val="FEFCF5"/>
-                </a:highlight>
-                <a:latin typeface="Courier New" panose="02070309020205020404" pitchFamily="49" charset="0"/>
-              </a:rPr>
-              <a:t>icerikdizin</a:t>
-            </a:r>
-            <a:r>
-              <a:rPr lang="tr-TR" sz="2000" dirty="0">
-                <a:solidFill>
-                  <a:srgbClr val="808080"/>
-                </a:solidFill>
-                <a:highlight>
-                  <a:srgbClr val="FEFCF5"/>
-                </a:highlight>
-                <a:latin typeface="Courier New" panose="02070309020205020404" pitchFamily="49" charset="0"/>
-              </a:rPr>
-              <a:t>'</a:t>
-            </a:r>
-            <a:r>
-              <a:rPr lang="tr-TR" sz="2000" dirty="0">
-                <a:solidFill>
-                  <a:srgbClr val="8000FF"/>
-                </a:solidFill>
-                <a:highlight>
-                  <a:srgbClr val="FEFCF5"/>
-                </a:highlight>
-                <a:latin typeface="Courier New" panose="02070309020205020404" pitchFamily="49" charset="0"/>
-              </a:rPr>
-              <a:t>=&gt;</a:t>
-            </a:r>
-            <a:r>
-              <a:rPr lang="tr-TR" sz="2000" dirty="0">
-                <a:solidFill>
-                  <a:srgbClr val="000000"/>
-                </a:solidFill>
-                <a:highlight>
-                  <a:srgbClr val="FEFCF5"/>
-                </a:highlight>
-                <a:latin typeface="Courier New" panose="02070309020205020404" pitchFamily="49" charset="0"/>
-              </a:rPr>
-              <a:t> </a:t>
-            </a:r>
-            <a:r>
-              <a:rPr lang="tr-TR" sz="2000" dirty="0">
-                <a:solidFill>
-                  <a:srgbClr val="808080"/>
-                </a:solidFill>
-                <a:highlight>
-                  <a:srgbClr val="FEFCF5"/>
-                </a:highlight>
-                <a:latin typeface="Courier New" panose="02070309020205020404" pitchFamily="49" charset="0"/>
-              </a:rPr>
-              <a:t>'</a:t>
-            </a:r>
-            <a:r>
-              <a:rPr lang="tr-TR" sz="2000" dirty="0" err="1">
-                <a:solidFill>
-                  <a:srgbClr val="808080"/>
-                </a:solidFill>
-                <a:highlight>
-                  <a:srgbClr val="FEFCF5"/>
-                </a:highlight>
-                <a:latin typeface="Courier New" panose="02070309020205020404" pitchFamily="49" charset="0"/>
-              </a:rPr>
-              <a:t>icerikdizin</a:t>
-            </a:r>
-            <a:r>
-              <a:rPr lang="tr-TR" sz="2000" dirty="0">
-                <a:solidFill>
-                  <a:srgbClr val="808080"/>
-                </a:solidFill>
-                <a:highlight>
-                  <a:srgbClr val="FEFCF5"/>
-                </a:highlight>
-                <a:latin typeface="Courier New" panose="02070309020205020404" pitchFamily="49" charset="0"/>
-              </a:rPr>
-              <a:t>'</a:t>
-            </a:r>
-            <a:r>
-              <a:rPr lang="tr-TR" sz="2000" dirty="0">
-                <a:solidFill>
-                  <a:srgbClr val="8000FF"/>
-                </a:solidFill>
-                <a:highlight>
-                  <a:srgbClr val="FEFCF5"/>
-                </a:highlight>
-                <a:latin typeface="Courier New" panose="02070309020205020404" pitchFamily="49" charset="0"/>
-              </a:rPr>
-              <a:t>,</a:t>
-            </a:r>
-            <a:r>
-              <a:rPr lang="tr-TR" sz="2000" dirty="0">
-                <a:solidFill>
-                  <a:srgbClr val="000000"/>
-                </a:solidFill>
-                <a:highlight>
-                  <a:srgbClr val="FEFCF5"/>
-                </a:highlight>
-                <a:latin typeface="Courier New" panose="02070309020205020404" pitchFamily="49" charset="0"/>
-              </a:rPr>
-              <a:t>       </a:t>
-            </a:r>
-          </a:p>
-          <a:p>
-            <a:r>
-              <a:rPr lang="tr-TR" sz="2000" dirty="0">
-                <a:solidFill>
-                  <a:srgbClr val="000000"/>
-                </a:solidFill>
-                <a:highlight>
-                  <a:srgbClr val="FEFCF5"/>
-                </a:highlight>
-                <a:latin typeface="Courier New" panose="02070309020205020404" pitchFamily="49" charset="0"/>
-              </a:rPr>
-              <a:t>    </a:t>
-            </a:r>
-            <a:r>
-              <a:rPr lang="tr-TR" sz="2000" dirty="0" smtClean="0">
-                <a:solidFill>
-                  <a:srgbClr val="808080"/>
-                </a:solidFill>
-                <a:highlight>
-                  <a:srgbClr val="FEFCF5"/>
-                </a:highlight>
-                <a:latin typeface="Courier New" panose="02070309020205020404" pitchFamily="49" charset="0"/>
-              </a:rPr>
-              <a:t>'</a:t>
-            </a:r>
-            <a:r>
-              <a:rPr lang="tr-TR" sz="2000" dirty="0" err="1" smtClean="0">
-                <a:solidFill>
-                  <a:srgbClr val="808080"/>
-                </a:solidFill>
-                <a:highlight>
-                  <a:srgbClr val="FEFCF5"/>
-                </a:highlight>
-                <a:latin typeface="Courier New" panose="02070309020205020404" pitchFamily="49" charset="0"/>
-              </a:rPr>
-              <a:t>sablon</a:t>
-            </a:r>
-            <a:r>
-              <a:rPr lang="tr-TR" sz="2000" dirty="0" smtClean="0">
-                <a:solidFill>
-                  <a:srgbClr val="808080"/>
-                </a:solidFill>
-                <a:highlight>
-                  <a:srgbClr val="FEFCF5"/>
-                </a:highlight>
-                <a:latin typeface="Courier New" panose="02070309020205020404" pitchFamily="49" charset="0"/>
-              </a:rPr>
-              <a:t>‘   </a:t>
-            </a:r>
-            <a:r>
-              <a:rPr lang="tr-TR" sz="2000" dirty="0" smtClean="0">
-                <a:solidFill>
-                  <a:srgbClr val="8000FF"/>
-                </a:solidFill>
-                <a:highlight>
-                  <a:srgbClr val="FEFCF5"/>
-                </a:highlight>
-                <a:latin typeface="Courier New" panose="02070309020205020404" pitchFamily="49" charset="0"/>
-              </a:rPr>
-              <a:t>=&gt;</a:t>
-            </a:r>
-            <a:r>
-              <a:rPr lang="tr-TR" sz="2000" dirty="0" smtClean="0">
-                <a:solidFill>
-                  <a:srgbClr val="000000"/>
-                </a:solidFill>
-                <a:highlight>
-                  <a:srgbClr val="FEFCF5"/>
-                </a:highlight>
-                <a:latin typeface="Courier New" panose="02070309020205020404" pitchFamily="49" charset="0"/>
-              </a:rPr>
-              <a:t> </a:t>
-            </a:r>
-            <a:r>
-              <a:rPr lang="tr-TR" sz="2000" dirty="0">
-                <a:solidFill>
-                  <a:srgbClr val="808080"/>
-                </a:solidFill>
-                <a:highlight>
-                  <a:srgbClr val="FEFCF5"/>
-                </a:highlight>
-                <a:latin typeface="Courier New" panose="02070309020205020404" pitchFamily="49" charset="0"/>
-              </a:rPr>
-              <a:t>'</a:t>
-            </a:r>
-            <a:r>
-              <a:rPr lang="tr-TR" sz="2000" dirty="0" err="1">
-                <a:solidFill>
-                  <a:srgbClr val="808080"/>
-                </a:solidFill>
-                <a:highlight>
-                  <a:srgbClr val="FEFCF5"/>
-                </a:highlight>
-                <a:latin typeface="Courier New" panose="02070309020205020404" pitchFamily="49" charset="0"/>
-              </a:rPr>
-              <a:t>sablon</a:t>
-            </a:r>
-            <a:r>
-              <a:rPr lang="tr-TR" sz="2000" dirty="0">
-                <a:solidFill>
-                  <a:srgbClr val="808080"/>
-                </a:solidFill>
-                <a:highlight>
-                  <a:srgbClr val="FEFCF5"/>
-                </a:highlight>
-                <a:latin typeface="Courier New" panose="02070309020205020404" pitchFamily="49" charset="0"/>
-              </a:rPr>
-              <a:t>'</a:t>
-            </a:r>
-            <a:r>
-              <a:rPr lang="tr-TR" sz="2000" dirty="0">
-                <a:solidFill>
-                  <a:srgbClr val="000000"/>
-                </a:solidFill>
-                <a:highlight>
-                  <a:srgbClr val="FEFCF5"/>
-                </a:highlight>
-                <a:latin typeface="Courier New" panose="02070309020205020404" pitchFamily="49" charset="0"/>
-              </a:rPr>
-              <a:t>      </a:t>
-            </a:r>
-          </a:p>
-          <a:p>
-            <a:r>
-              <a:rPr lang="tr-TR" sz="2000" dirty="0" smtClean="0">
-                <a:solidFill>
-                  <a:srgbClr val="8000FF"/>
-                </a:solidFill>
-                <a:highlight>
-                  <a:srgbClr val="FEFCF5"/>
-                </a:highlight>
-                <a:latin typeface="Courier New" panose="02070309020205020404" pitchFamily="49" charset="0"/>
-              </a:rPr>
-              <a:t>));</a:t>
-            </a:r>
-          </a:p>
-          <a:p>
-            <a:endParaRPr lang="tr-TR" sz="2000" dirty="0">
-              <a:solidFill>
-                <a:srgbClr val="000000"/>
-              </a:solidFill>
-              <a:highlight>
-                <a:srgbClr val="FEFCF5"/>
-              </a:highlight>
-              <a:latin typeface="Courier New" panose="02070309020205020404" pitchFamily="49" charset="0"/>
-            </a:endParaRPr>
-          </a:p>
-          <a:p>
-            <a:r>
-              <a:rPr lang="tr-TR" sz="2000" dirty="0">
-                <a:solidFill>
-                  <a:srgbClr val="000080"/>
-                </a:solidFill>
-                <a:highlight>
-                  <a:srgbClr val="FEFCF5"/>
-                </a:highlight>
-                <a:latin typeface="Courier New" panose="02070309020205020404" pitchFamily="49" charset="0"/>
-              </a:rPr>
-              <a:t>$</a:t>
-            </a:r>
-            <a:r>
-              <a:rPr lang="tr-TR" sz="2000" dirty="0" err="1">
-                <a:solidFill>
-                  <a:srgbClr val="000080"/>
-                </a:solidFill>
-                <a:highlight>
-                  <a:srgbClr val="FEFCF5"/>
-                </a:highlight>
-                <a:latin typeface="Courier New" panose="02070309020205020404" pitchFamily="49" charset="0"/>
-              </a:rPr>
-              <a:t>count</a:t>
-            </a:r>
-            <a:r>
-              <a:rPr lang="tr-TR" sz="2000" dirty="0">
-                <a:solidFill>
-                  <a:srgbClr val="000000"/>
-                </a:solidFill>
-                <a:highlight>
-                  <a:srgbClr val="FEFCF5"/>
-                </a:highlight>
-                <a:latin typeface="Courier New" panose="02070309020205020404" pitchFamily="49" charset="0"/>
-              </a:rPr>
-              <a:t> </a:t>
-            </a:r>
-            <a:r>
-              <a:rPr lang="tr-TR" sz="2000" dirty="0">
-                <a:solidFill>
-                  <a:srgbClr val="8000FF"/>
-                </a:solidFill>
-                <a:highlight>
-                  <a:srgbClr val="FEFCF5"/>
-                </a:highlight>
-                <a:latin typeface="Courier New" panose="02070309020205020404" pitchFamily="49" charset="0"/>
-              </a:rPr>
-              <a:t>=</a:t>
-            </a:r>
-            <a:r>
-              <a:rPr lang="tr-TR" sz="2000" dirty="0">
-                <a:solidFill>
-                  <a:srgbClr val="000000"/>
-                </a:solidFill>
-                <a:highlight>
-                  <a:srgbClr val="FEFCF5"/>
-                </a:highlight>
-                <a:latin typeface="Courier New" panose="02070309020205020404" pitchFamily="49" charset="0"/>
-              </a:rPr>
-              <a:t> </a:t>
-            </a:r>
-            <a:r>
-              <a:rPr lang="tr-TR" sz="2000" dirty="0">
-                <a:solidFill>
-                  <a:srgbClr val="000080"/>
-                </a:solidFill>
-                <a:highlight>
-                  <a:srgbClr val="FEFCF5"/>
-                </a:highlight>
-                <a:latin typeface="Courier New" panose="02070309020205020404" pitchFamily="49" charset="0"/>
-              </a:rPr>
-              <a:t>$</a:t>
-            </a:r>
-            <a:r>
-              <a:rPr lang="tr-TR" sz="2000" dirty="0" err="1">
-                <a:solidFill>
-                  <a:srgbClr val="000080"/>
-                </a:solidFill>
-                <a:highlight>
-                  <a:srgbClr val="FEFCF5"/>
-                </a:highlight>
-                <a:latin typeface="Courier New" panose="02070309020205020404" pitchFamily="49" charset="0"/>
-              </a:rPr>
-              <a:t>conversion</a:t>
-            </a:r>
-            <a:r>
-              <a:rPr lang="tr-TR" sz="2000" dirty="0">
-                <a:solidFill>
-                  <a:srgbClr val="8000FF"/>
-                </a:solidFill>
-                <a:highlight>
-                  <a:srgbClr val="FEFCF5"/>
-                </a:highlight>
-                <a:latin typeface="Courier New" panose="02070309020205020404" pitchFamily="49" charset="0"/>
-              </a:rPr>
-              <a:t>-&gt;</a:t>
-            </a:r>
-            <a:r>
-              <a:rPr lang="tr-TR" sz="2000" dirty="0" err="1">
-                <a:solidFill>
-                  <a:srgbClr val="000000"/>
-                </a:solidFill>
-                <a:highlight>
-                  <a:srgbClr val="FEFCF5"/>
-                </a:highlight>
-                <a:latin typeface="Courier New" panose="02070309020205020404" pitchFamily="49" charset="0"/>
-              </a:rPr>
-              <a:t>build</a:t>
-            </a:r>
-            <a:r>
-              <a:rPr lang="tr-TR" sz="2000" dirty="0">
-                <a:solidFill>
-                  <a:srgbClr val="8000FF"/>
-                </a:solidFill>
-                <a:highlight>
-                  <a:srgbClr val="FEFCF5"/>
-                </a:highlight>
-                <a:latin typeface="Courier New" panose="02070309020205020404" pitchFamily="49" charset="0"/>
-              </a:rPr>
-              <a:t>();</a:t>
-            </a:r>
             <a:endParaRPr lang="tr-TR" sz="2000" dirty="0">
               <a:solidFill>
                 <a:srgbClr val="000000"/>
@@ -20418,12 +18269,1902 @@
               <a:latin typeface="Consolas" panose="020B0609020204030204" pitchFamily="49" charset="0"/>
             </a:endParaRPr>
           </a:p>
+          <a:p>
+            <a:r>
+              <a:rPr lang="tr-TR" sz="2000" dirty="0" err="1">
+                <a:solidFill>
+                  <a:srgbClr val="000000"/>
+                </a:solidFill>
+                <a:highlight>
+                  <a:srgbClr val="FFFFFF"/>
+                </a:highlight>
+                <a:latin typeface="Consolas" panose="020B0609020204030204" pitchFamily="49" charset="0"/>
+              </a:rPr>
+              <a:t>cp</a:t>
+            </a:r>
+            <a:r>
+              <a:rPr lang="tr-TR" sz="2000" dirty="0">
+                <a:solidFill>
+                  <a:srgbClr val="000000"/>
+                </a:solidFill>
+                <a:highlight>
+                  <a:srgbClr val="FFFFFF"/>
+                </a:highlight>
+                <a:latin typeface="Consolas" panose="020B0609020204030204" pitchFamily="49" charset="0"/>
+              </a:rPr>
+              <a:t> -R /</a:t>
+            </a:r>
+            <a:r>
+              <a:rPr lang="tr-TR" sz="2000" dirty="0" err="1">
+                <a:solidFill>
+                  <a:srgbClr val="000000"/>
+                </a:solidFill>
+                <a:highlight>
+                  <a:srgbClr val="FFFFFF"/>
+                </a:highlight>
+                <a:latin typeface="Consolas" panose="020B0609020204030204" pitchFamily="49" charset="0"/>
+              </a:rPr>
+              <a:t>usr</a:t>
+            </a:r>
+            <a:r>
+              <a:rPr lang="tr-TR" sz="2000" dirty="0">
+                <a:solidFill>
+                  <a:srgbClr val="000000"/>
+                </a:solidFill>
+                <a:highlight>
+                  <a:srgbClr val="FFFFFF"/>
+                </a:highlight>
+                <a:latin typeface="Consolas" panose="020B0609020204030204" pitchFamily="49" charset="0"/>
+              </a:rPr>
+              <a:t>/</a:t>
+            </a:r>
+            <a:r>
+              <a:rPr lang="tr-TR" sz="2000" dirty="0" err="1">
+                <a:solidFill>
+                  <a:srgbClr val="000000"/>
+                </a:solidFill>
+                <a:highlight>
+                  <a:srgbClr val="FFFFFF"/>
+                </a:highlight>
+                <a:latin typeface="Consolas" panose="020B0609020204030204" pitchFamily="49" charset="0"/>
+              </a:rPr>
+              <a:t>local</a:t>
+            </a:r>
+            <a:r>
+              <a:rPr lang="tr-TR" sz="2000" dirty="0">
+                <a:solidFill>
+                  <a:srgbClr val="000000"/>
+                </a:solidFill>
+                <a:highlight>
+                  <a:srgbClr val="FFFFFF"/>
+                </a:highlight>
+                <a:latin typeface="Consolas" panose="020B0609020204030204" pitchFamily="49" charset="0"/>
+              </a:rPr>
+              <a:t>/www/</a:t>
+            </a:r>
+            <a:r>
+              <a:rPr lang="tr-TR" sz="2000" dirty="0" err="1">
+                <a:solidFill>
+                  <a:srgbClr val="000000"/>
+                </a:solidFill>
+                <a:highlight>
+                  <a:srgbClr val="FFFFFF"/>
+                </a:highlight>
+                <a:latin typeface="Consolas" panose="020B0609020204030204" pitchFamily="49" charset="0"/>
+              </a:rPr>
+              <a:t>grav</a:t>
+            </a:r>
+            <a:r>
+              <a:rPr lang="tr-TR" sz="2000" dirty="0">
+                <a:solidFill>
+                  <a:srgbClr val="000000"/>
+                </a:solidFill>
+                <a:highlight>
+                  <a:srgbClr val="FFFFFF"/>
+                </a:highlight>
+                <a:latin typeface="Consolas" panose="020B0609020204030204" pitchFamily="49" charset="0"/>
+              </a:rPr>
+              <a:t>/</a:t>
+            </a:r>
+            <a:r>
+              <a:rPr lang="tr-TR" sz="2000" dirty="0" err="1">
+                <a:solidFill>
+                  <a:srgbClr val="000000"/>
+                </a:solidFill>
+                <a:highlight>
+                  <a:srgbClr val="FFFFFF"/>
+                </a:highlight>
+                <a:latin typeface="Consolas" panose="020B0609020204030204" pitchFamily="49" charset="0"/>
+              </a:rPr>
+              <a:t>user</a:t>
+            </a:r>
+            <a:r>
+              <a:rPr lang="tr-TR" sz="2000" dirty="0">
+                <a:solidFill>
+                  <a:srgbClr val="000000"/>
+                </a:solidFill>
+                <a:highlight>
+                  <a:srgbClr val="FFFFFF"/>
+                </a:highlight>
+                <a:latin typeface="Consolas" panose="020B0609020204030204" pitchFamily="49" charset="0"/>
+              </a:rPr>
+              <a:t>/</a:t>
+            </a:r>
+            <a:r>
+              <a:rPr lang="tr-TR" sz="2000" dirty="0" err="1">
+                <a:solidFill>
+                  <a:srgbClr val="000000"/>
+                </a:solidFill>
+                <a:highlight>
+                  <a:srgbClr val="FFFFFF"/>
+                </a:highlight>
+                <a:latin typeface="Consolas" panose="020B0609020204030204" pitchFamily="49" charset="0"/>
+              </a:rPr>
+              <a:t>sites</a:t>
+            </a:r>
+            <a:r>
+              <a:rPr lang="tr-TR" sz="2000" dirty="0">
+                <a:solidFill>
+                  <a:srgbClr val="000000"/>
+                </a:solidFill>
+                <a:highlight>
+                  <a:srgbClr val="FFFFFF"/>
+                </a:highlight>
+                <a:latin typeface="Consolas" panose="020B0609020204030204" pitchFamily="49" charset="0"/>
+              </a:rPr>
+              <a:t>/sablon.omu.edu.tr/</a:t>
+            </a:r>
+            <a:r>
+              <a:rPr lang="tr-TR" sz="2000" dirty="0" err="1">
+                <a:solidFill>
+                  <a:srgbClr val="000000"/>
+                </a:solidFill>
+                <a:highlight>
+                  <a:srgbClr val="FFFFFF"/>
+                </a:highlight>
+                <a:latin typeface="Consolas" panose="020B0609020204030204" pitchFamily="49" charset="0"/>
+              </a:rPr>
+              <a:t>pages</a:t>
+            </a:r>
+            <a:r>
+              <a:rPr lang="tr-TR" sz="2000" dirty="0">
+                <a:solidFill>
+                  <a:srgbClr val="000000"/>
+                </a:solidFill>
+                <a:highlight>
+                  <a:srgbClr val="FFFFFF"/>
+                </a:highlight>
+                <a:latin typeface="Consolas" panose="020B0609020204030204" pitchFamily="49" charset="0"/>
+              </a:rPr>
+              <a:t>/* ${dizin}</a:t>
+            </a:r>
+            <a:r>
+              <a:rPr lang="tr-TR" sz="2000" dirty="0" err="1">
+                <a:solidFill>
+                  <a:srgbClr val="000000"/>
+                </a:solidFill>
+                <a:highlight>
+                  <a:srgbClr val="FFFFFF"/>
+                </a:highlight>
+                <a:latin typeface="Consolas" panose="020B0609020204030204" pitchFamily="49" charset="0"/>
+              </a:rPr>
+              <a:t>pages</a:t>
+            </a:r>
+            <a:r>
+              <a:rPr lang="tr-TR" sz="2000" dirty="0" smtClean="0">
+                <a:solidFill>
+                  <a:srgbClr val="000000"/>
+                </a:solidFill>
+                <a:highlight>
+                  <a:srgbClr val="FFFFFF"/>
+                </a:highlight>
+                <a:latin typeface="Consolas" panose="020B0609020204030204" pitchFamily="49" charset="0"/>
+              </a:rPr>
+              <a:t>/</a:t>
+            </a:r>
+          </a:p>
+          <a:p>
+            <a:endParaRPr lang="tr-TR" sz="2000" dirty="0" smtClean="0">
+              <a:solidFill>
+                <a:srgbClr val="000000"/>
+              </a:solidFill>
+              <a:highlight>
+                <a:srgbClr val="FFFFFF"/>
+              </a:highlight>
+              <a:latin typeface="Consolas" panose="020B0609020204030204" pitchFamily="49" charset="0"/>
+            </a:endParaRPr>
+          </a:p>
+          <a:p>
+            <a:r>
+              <a:rPr lang="tr-TR" sz="1600" dirty="0" smtClean="0">
+                <a:solidFill>
+                  <a:srgbClr val="FF0000"/>
+                </a:solidFill>
+                <a:highlight>
+                  <a:srgbClr val="FDF8E3"/>
+                </a:highlight>
+                <a:latin typeface="Courier New" panose="02070309020205020404" pitchFamily="49" charset="0"/>
+              </a:rPr>
+              <a:t>&lt;?</a:t>
+            </a:r>
+            <a:endParaRPr lang="tr-TR" sz="1600" dirty="0">
+              <a:solidFill>
+                <a:srgbClr val="000000"/>
+              </a:solidFill>
+              <a:highlight>
+                <a:srgbClr val="FEFCF5"/>
+              </a:highlight>
+              <a:latin typeface="Courier New" panose="02070309020205020404" pitchFamily="49" charset="0"/>
+            </a:endParaRPr>
+          </a:p>
+          <a:p>
+            <a:r>
+              <a:rPr lang="tr-TR" sz="1600" b="1" dirty="0" err="1">
+                <a:solidFill>
+                  <a:srgbClr val="0000FF"/>
+                </a:solidFill>
+                <a:highlight>
+                  <a:srgbClr val="FEFCF5"/>
+                </a:highlight>
+                <a:latin typeface="Courier New" panose="02070309020205020404" pitchFamily="49" charset="0"/>
+              </a:rPr>
+              <a:t>fwrite</a:t>
+            </a:r>
+            <a:r>
+              <a:rPr lang="tr-TR" sz="1600" dirty="0">
+                <a:solidFill>
+                  <a:srgbClr val="8000FF"/>
+                </a:solidFill>
+                <a:highlight>
+                  <a:srgbClr val="FEFCF5"/>
+                </a:highlight>
+                <a:latin typeface="Courier New" panose="02070309020205020404" pitchFamily="49" charset="0"/>
+              </a:rPr>
+              <a:t>(</a:t>
+            </a:r>
+            <a:r>
+              <a:rPr lang="tr-TR" sz="1600" dirty="0">
+                <a:solidFill>
+                  <a:srgbClr val="000080"/>
+                </a:solidFill>
+                <a:highlight>
+                  <a:srgbClr val="FEFCF5"/>
+                </a:highlight>
+                <a:latin typeface="Courier New" panose="02070309020205020404" pitchFamily="49" charset="0"/>
+              </a:rPr>
+              <a:t>$</a:t>
+            </a:r>
+            <a:r>
+              <a:rPr lang="tr-TR" sz="1600" dirty="0" err="1">
+                <a:solidFill>
+                  <a:srgbClr val="000080"/>
+                </a:solidFill>
+                <a:highlight>
+                  <a:srgbClr val="FEFCF5"/>
+                </a:highlight>
+                <a:latin typeface="Courier New" panose="02070309020205020404" pitchFamily="49" charset="0"/>
+              </a:rPr>
+              <a:t>myfile</a:t>
+            </a:r>
+            <a:r>
+              <a:rPr lang="tr-TR" sz="1600" dirty="0">
+                <a:solidFill>
+                  <a:srgbClr val="8000FF"/>
+                </a:solidFill>
+                <a:highlight>
+                  <a:srgbClr val="FEFCF5"/>
+                </a:highlight>
+                <a:latin typeface="Courier New" panose="02070309020205020404" pitchFamily="49" charset="0"/>
+              </a:rPr>
+              <a:t>,</a:t>
+            </a:r>
+            <a:r>
+              <a:rPr lang="tr-TR" sz="1600" dirty="0">
+                <a:solidFill>
+                  <a:srgbClr val="000000"/>
+                </a:solidFill>
+                <a:highlight>
+                  <a:srgbClr val="FEFCF5"/>
+                </a:highlight>
+                <a:latin typeface="Courier New" panose="02070309020205020404" pitchFamily="49" charset="0"/>
+              </a:rPr>
+              <a:t> </a:t>
+            </a:r>
+            <a:r>
+              <a:rPr lang="tr-TR" sz="1600" dirty="0">
+                <a:solidFill>
+                  <a:srgbClr val="808080"/>
+                </a:solidFill>
+                <a:highlight>
+                  <a:srgbClr val="FEFCF5"/>
+                </a:highlight>
+                <a:latin typeface="Courier New" panose="02070309020205020404" pitchFamily="49" charset="0"/>
+              </a:rPr>
+              <a:t>"title_field,date_field,html_field,author_field,dizin,icerikdizin,sablon\n"</a:t>
+            </a:r>
+            <a:r>
+              <a:rPr lang="tr-TR" sz="1600" dirty="0">
+                <a:solidFill>
+                  <a:srgbClr val="8000FF"/>
+                </a:solidFill>
+                <a:highlight>
+                  <a:srgbClr val="FEFCF5"/>
+                </a:highlight>
+                <a:latin typeface="Courier New" panose="02070309020205020404" pitchFamily="49" charset="0"/>
+              </a:rPr>
+              <a:t>);</a:t>
+            </a:r>
+            <a:endParaRPr lang="tr-TR" sz="1600" dirty="0">
+              <a:solidFill>
+                <a:srgbClr val="000000"/>
+              </a:solidFill>
+              <a:highlight>
+                <a:srgbClr val="FEFCF5"/>
+              </a:highlight>
+              <a:latin typeface="Courier New" panose="02070309020205020404" pitchFamily="49" charset="0"/>
+            </a:endParaRPr>
+          </a:p>
+          <a:p>
+            <a:r>
+              <a:rPr lang="en-US" sz="1600" b="1" dirty="0" err="1">
+                <a:solidFill>
+                  <a:srgbClr val="0000FF"/>
+                </a:solidFill>
+                <a:highlight>
+                  <a:srgbClr val="FEFCF5"/>
+                </a:highlight>
+                <a:latin typeface="Courier New" panose="02070309020205020404" pitchFamily="49" charset="0"/>
+              </a:rPr>
+              <a:t>foreach</a:t>
+            </a:r>
+            <a:r>
+              <a:rPr lang="en-US" sz="1600" dirty="0">
+                <a:solidFill>
+                  <a:srgbClr val="8000FF"/>
+                </a:solidFill>
+                <a:highlight>
+                  <a:srgbClr val="FEFCF5"/>
+                </a:highlight>
+                <a:latin typeface="Courier New" panose="02070309020205020404" pitchFamily="49" charset="0"/>
+              </a:rPr>
+              <a:t>(</a:t>
+            </a:r>
+            <a:r>
+              <a:rPr lang="en-US" sz="1600" dirty="0">
+                <a:solidFill>
+                  <a:srgbClr val="000000"/>
+                </a:solidFill>
+                <a:highlight>
+                  <a:srgbClr val="FEFCF5"/>
+                </a:highlight>
+                <a:latin typeface="Courier New" panose="02070309020205020404" pitchFamily="49" charset="0"/>
+              </a:rPr>
+              <a:t> </a:t>
+            </a:r>
+            <a:r>
+              <a:rPr lang="en-US" sz="1600" dirty="0">
+                <a:solidFill>
+                  <a:srgbClr val="000080"/>
+                </a:solidFill>
+                <a:highlight>
+                  <a:srgbClr val="FEFCF5"/>
+                </a:highlight>
+                <a:latin typeface="Courier New" panose="02070309020205020404" pitchFamily="49" charset="0"/>
+              </a:rPr>
+              <a:t>$</a:t>
+            </a:r>
+            <a:r>
+              <a:rPr lang="en-US" sz="1600" dirty="0" err="1">
+                <a:solidFill>
+                  <a:srgbClr val="000080"/>
+                </a:solidFill>
+                <a:highlight>
+                  <a:srgbClr val="FEFCF5"/>
+                </a:highlight>
+                <a:latin typeface="Courier New" panose="02070309020205020404" pitchFamily="49" charset="0"/>
+              </a:rPr>
+              <a:t>json</a:t>
+            </a:r>
+            <a:r>
+              <a:rPr lang="en-US" sz="1600" dirty="0">
+                <a:solidFill>
+                  <a:srgbClr val="8000FF"/>
+                </a:solidFill>
+                <a:highlight>
+                  <a:srgbClr val="FEFCF5"/>
+                </a:highlight>
+                <a:latin typeface="Courier New" panose="02070309020205020404" pitchFamily="49" charset="0"/>
+              </a:rPr>
+              <a:t>-&gt;</a:t>
+            </a:r>
+            <a:r>
+              <a:rPr lang="en-US" sz="1600" dirty="0">
+                <a:solidFill>
+                  <a:srgbClr val="000000"/>
+                </a:solidFill>
+                <a:highlight>
+                  <a:srgbClr val="FEFCF5"/>
+                </a:highlight>
+                <a:latin typeface="Courier New" panose="02070309020205020404" pitchFamily="49" charset="0"/>
+              </a:rPr>
+              <a:t>d </a:t>
+            </a:r>
+            <a:r>
+              <a:rPr lang="en-US" sz="1600" b="1" dirty="0">
+                <a:solidFill>
+                  <a:srgbClr val="0000FF"/>
+                </a:solidFill>
+                <a:highlight>
+                  <a:srgbClr val="FEFCF5"/>
+                </a:highlight>
+                <a:latin typeface="Courier New" panose="02070309020205020404" pitchFamily="49" charset="0"/>
+              </a:rPr>
+              <a:t>as</a:t>
+            </a:r>
+            <a:r>
+              <a:rPr lang="en-US" sz="1600" dirty="0">
+                <a:solidFill>
+                  <a:srgbClr val="000000"/>
+                </a:solidFill>
+                <a:highlight>
+                  <a:srgbClr val="FEFCF5"/>
+                </a:highlight>
+                <a:latin typeface="Courier New" panose="02070309020205020404" pitchFamily="49" charset="0"/>
+              </a:rPr>
+              <a:t> </a:t>
+            </a:r>
+            <a:r>
+              <a:rPr lang="en-US" sz="1600" dirty="0">
+                <a:solidFill>
+                  <a:srgbClr val="000080"/>
+                </a:solidFill>
+                <a:highlight>
+                  <a:srgbClr val="FEFCF5"/>
+                </a:highlight>
+                <a:latin typeface="Courier New" panose="02070309020205020404" pitchFamily="49" charset="0"/>
+              </a:rPr>
+              <a:t>$</a:t>
+            </a:r>
+            <a:r>
+              <a:rPr lang="en-US" sz="1600" dirty="0" err="1">
+                <a:solidFill>
+                  <a:srgbClr val="000080"/>
+                </a:solidFill>
+                <a:highlight>
+                  <a:srgbClr val="FEFCF5"/>
+                </a:highlight>
+                <a:latin typeface="Courier New" panose="02070309020205020404" pitchFamily="49" charset="0"/>
+              </a:rPr>
+              <a:t>haber</a:t>
+            </a:r>
+            <a:r>
+              <a:rPr lang="en-US" sz="1600" dirty="0">
+                <a:solidFill>
+                  <a:srgbClr val="8000FF"/>
+                </a:solidFill>
+                <a:highlight>
+                  <a:srgbClr val="FEFCF5"/>
+                </a:highlight>
+                <a:latin typeface="Courier New" panose="02070309020205020404" pitchFamily="49" charset="0"/>
+              </a:rPr>
+              <a:t>)</a:t>
+            </a:r>
+            <a:r>
+              <a:rPr lang="en-US" sz="1600" dirty="0">
+                <a:solidFill>
+                  <a:srgbClr val="000000"/>
+                </a:solidFill>
+                <a:highlight>
+                  <a:srgbClr val="FEFCF5"/>
+                </a:highlight>
+                <a:latin typeface="Courier New" panose="02070309020205020404" pitchFamily="49" charset="0"/>
+              </a:rPr>
+              <a:t> </a:t>
+            </a:r>
+            <a:r>
+              <a:rPr lang="en-US" sz="1600" dirty="0">
+                <a:solidFill>
+                  <a:srgbClr val="8000FF"/>
+                </a:solidFill>
+                <a:highlight>
+                  <a:srgbClr val="FEFCF5"/>
+                </a:highlight>
+                <a:latin typeface="Courier New" panose="02070309020205020404" pitchFamily="49" charset="0"/>
+              </a:rPr>
+              <a:t>{</a:t>
+            </a:r>
+            <a:endParaRPr lang="en-US" sz="1600" dirty="0">
+              <a:solidFill>
+                <a:srgbClr val="000000"/>
+              </a:solidFill>
+              <a:highlight>
+                <a:srgbClr val="FEFCF5"/>
+              </a:highlight>
+              <a:latin typeface="Courier New" panose="02070309020205020404" pitchFamily="49" charset="0"/>
+            </a:endParaRPr>
+          </a:p>
+          <a:p>
+            <a:r>
+              <a:rPr lang="tr-TR" sz="1600" dirty="0">
+                <a:solidFill>
+                  <a:srgbClr val="000000"/>
+                </a:solidFill>
+                <a:highlight>
+                  <a:srgbClr val="FEFCF5"/>
+                </a:highlight>
+                <a:latin typeface="Courier New" panose="02070309020205020404" pitchFamily="49" charset="0"/>
+              </a:rPr>
+              <a:t>        </a:t>
+            </a:r>
+            <a:r>
+              <a:rPr lang="tr-TR" sz="1600" dirty="0">
+                <a:solidFill>
+                  <a:srgbClr val="000080"/>
+                </a:solidFill>
+                <a:highlight>
+                  <a:srgbClr val="FEFCF5"/>
+                </a:highlight>
+                <a:latin typeface="Courier New" panose="02070309020205020404" pitchFamily="49" charset="0"/>
+              </a:rPr>
+              <a:t>$</a:t>
+            </a:r>
+            <a:r>
+              <a:rPr lang="tr-TR" sz="1600" dirty="0" err="1">
+                <a:solidFill>
+                  <a:srgbClr val="000080"/>
+                </a:solidFill>
+                <a:highlight>
+                  <a:srgbClr val="FEFCF5"/>
+                </a:highlight>
+                <a:latin typeface="Courier New" panose="02070309020205020404" pitchFamily="49" charset="0"/>
+              </a:rPr>
+              <a:t>txt</a:t>
+            </a:r>
+            <a:r>
+              <a:rPr lang="tr-TR" sz="1600" dirty="0">
+                <a:solidFill>
+                  <a:srgbClr val="000000"/>
+                </a:solidFill>
+                <a:highlight>
+                  <a:srgbClr val="FEFCF5"/>
+                </a:highlight>
+                <a:latin typeface="Courier New" panose="02070309020205020404" pitchFamily="49" charset="0"/>
+              </a:rPr>
+              <a:t> </a:t>
+            </a:r>
+            <a:r>
+              <a:rPr lang="tr-TR" sz="1600" dirty="0">
+                <a:solidFill>
+                  <a:srgbClr val="8000FF"/>
+                </a:solidFill>
+                <a:highlight>
+                  <a:srgbClr val="FEFCF5"/>
+                </a:highlight>
+                <a:latin typeface="Courier New" panose="02070309020205020404" pitchFamily="49" charset="0"/>
+              </a:rPr>
+              <a:t>=</a:t>
+            </a:r>
+            <a:r>
+              <a:rPr lang="tr-TR" sz="1600" dirty="0">
+                <a:solidFill>
+                  <a:srgbClr val="000000"/>
+                </a:solidFill>
+                <a:highlight>
+                  <a:srgbClr val="FEFCF5"/>
+                </a:highlight>
+                <a:latin typeface="Courier New" panose="02070309020205020404" pitchFamily="49" charset="0"/>
+              </a:rPr>
+              <a:t> </a:t>
+            </a:r>
+            <a:r>
+              <a:rPr lang="tr-TR" sz="1600" b="1" dirty="0" err="1">
+                <a:solidFill>
+                  <a:srgbClr val="0000FF"/>
+                </a:solidFill>
+                <a:highlight>
+                  <a:srgbClr val="FEFCF5"/>
+                </a:highlight>
+                <a:latin typeface="Courier New" panose="02070309020205020404" pitchFamily="49" charset="0"/>
+              </a:rPr>
+              <a:t>trim</a:t>
+            </a:r>
+            <a:r>
+              <a:rPr lang="tr-TR" sz="1600" dirty="0">
+                <a:solidFill>
+                  <a:srgbClr val="8000FF"/>
+                </a:solidFill>
+                <a:highlight>
+                  <a:srgbClr val="FEFCF5"/>
+                </a:highlight>
+                <a:latin typeface="Courier New" panose="02070309020205020404" pitchFamily="49" charset="0"/>
+              </a:rPr>
+              <a:t>(</a:t>
+            </a:r>
+            <a:r>
+              <a:rPr lang="tr-TR" sz="1600" b="1" dirty="0" err="1">
+                <a:solidFill>
+                  <a:srgbClr val="0000FF"/>
+                </a:solidFill>
+                <a:highlight>
+                  <a:srgbClr val="FEFCF5"/>
+                </a:highlight>
+                <a:latin typeface="Courier New" panose="02070309020205020404" pitchFamily="49" charset="0"/>
+              </a:rPr>
+              <a:t>str_replace</a:t>
+            </a:r>
+            <a:r>
+              <a:rPr lang="tr-TR" sz="1600" dirty="0">
+                <a:solidFill>
+                  <a:srgbClr val="8000FF"/>
+                </a:solidFill>
+                <a:highlight>
+                  <a:srgbClr val="FEFCF5"/>
+                </a:highlight>
+                <a:latin typeface="Courier New" panose="02070309020205020404" pitchFamily="49" charset="0"/>
+              </a:rPr>
+              <a:t>(</a:t>
+            </a:r>
+            <a:r>
+              <a:rPr lang="tr-TR" sz="1600" dirty="0">
+                <a:solidFill>
+                  <a:srgbClr val="808080"/>
+                </a:solidFill>
+                <a:highlight>
+                  <a:srgbClr val="FEFCF5"/>
+                </a:highlight>
+                <a:latin typeface="Courier New" panose="02070309020205020404" pitchFamily="49" charset="0"/>
+              </a:rPr>
+              <a:t>","</a:t>
+            </a:r>
+            <a:r>
+              <a:rPr lang="tr-TR" sz="1600" dirty="0">
+                <a:solidFill>
+                  <a:srgbClr val="8000FF"/>
+                </a:solidFill>
+                <a:highlight>
+                  <a:srgbClr val="FEFCF5"/>
+                </a:highlight>
+                <a:latin typeface="Courier New" panose="02070309020205020404" pitchFamily="49" charset="0"/>
+              </a:rPr>
+              <a:t>,</a:t>
+            </a:r>
+            <a:r>
+              <a:rPr lang="tr-TR" sz="1600" dirty="0">
+                <a:solidFill>
+                  <a:srgbClr val="000000"/>
+                </a:solidFill>
+                <a:highlight>
+                  <a:srgbClr val="FEFCF5"/>
+                </a:highlight>
+                <a:latin typeface="Courier New" panose="02070309020205020404" pitchFamily="49" charset="0"/>
+              </a:rPr>
+              <a:t> </a:t>
+            </a:r>
+            <a:r>
+              <a:rPr lang="tr-TR" sz="1600" dirty="0">
+                <a:solidFill>
+                  <a:srgbClr val="808080"/>
+                </a:solidFill>
+                <a:highlight>
+                  <a:srgbClr val="FEFCF5"/>
+                </a:highlight>
+                <a:latin typeface="Courier New" panose="02070309020205020404" pitchFamily="49" charset="0"/>
+              </a:rPr>
+              <a:t>" "</a:t>
+            </a:r>
+            <a:r>
+              <a:rPr lang="tr-TR" sz="1600" dirty="0">
+                <a:solidFill>
+                  <a:srgbClr val="8000FF"/>
+                </a:solidFill>
+                <a:highlight>
+                  <a:srgbClr val="FEFCF5"/>
+                </a:highlight>
+                <a:latin typeface="Courier New" panose="02070309020205020404" pitchFamily="49" charset="0"/>
+              </a:rPr>
+              <a:t>,</a:t>
+            </a:r>
+            <a:r>
+              <a:rPr lang="tr-TR" sz="1600" dirty="0">
+                <a:solidFill>
+                  <a:srgbClr val="000000"/>
+                </a:solidFill>
+                <a:highlight>
+                  <a:srgbClr val="FEFCF5"/>
+                </a:highlight>
+                <a:latin typeface="Courier New" panose="02070309020205020404" pitchFamily="49" charset="0"/>
+              </a:rPr>
+              <a:t> </a:t>
+            </a:r>
+            <a:r>
+              <a:rPr lang="tr-TR" sz="1600" dirty="0">
+                <a:solidFill>
+                  <a:srgbClr val="000080"/>
+                </a:solidFill>
+                <a:highlight>
+                  <a:srgbClr val="FEFCF5"/>
+                </a:highlight>
+                <a:latin typeface="Courier New" panose="02070309020205020404" pitchFamily="49" charset="0"/>
+              </a:rPr>
+              <a:t>$haber</a:t>
+            </a:r>
+            <a:r>
+              <a:rPr lang="tr-TR" sz="1600" dirty="0">
+                <a:solidFill>
+                  <a:srgbClr val="8000FF"/>
+                </a:solidFill>
+                <a:highlight>
+                  <a:srgbClr val="FEFCF5"/>
+                </a:highlight>
+                <a:latin typeface="Courier New" panose="02070309020205020404" pitchFamily="49" charset="0"/>
+              </a:rPr>
+              <a:t>-&gt;</a:t>
+            </a:r>
+            <a:r>
+              <a:rPr lang="tr-TR" sz="1600" dirty="0" err="1">
+                <a:solidFill>
+                  <a:srgbClr val="000000"/>
+                </a:solidFill>
+                <a:highlight>
+                  <a:srgbClr val="FEFCF5"/>
+                </a:highlight>
+                <a:latin typeface="Courier New" panose="02070309020205020404" pitchFamily="49" charset="0"/>
+              </a:rPr>
+              <a:t>annoTitle</a:t>
+            </a:r>
+            <a:r>
+              <a:rPr lang="tr-TR" sz="1600" dirty="0">
+                <a:solidFill>
+                  <a:srgbClr val="8000FF"/>
+                </a:solidFill>
+                <a:highlight>
+                  <a:srgbClr val="FEFCF5"/>
+                </a:highlight>
+                <a:latin typeface="Courier New" panose="02070309020205020404" pitchFamily="49" charset="0"/>
+              </a:rPr>
+              <a:t>))</a:t>
+            </a:r>
+            <a:r>
+              <a:rPr lang="tr-TR" sz="1600" dirty="0">
+                <a:solidFill>
+                  <a:srgbClr val="000000"/>
+                </a:solidFill>
+                <a:highlight>
+                  <a:srgbClr val="FEFCF5"/>
+                </a:highlight>
+                <a:latin typeface="Courier New" panose="02070309020205020404" pitchFamily="49" charset="0"/>
+              </a:rPr>
+              <a:t> </a:t>
+            </a:r>
+            <a:r>
+              <a:rPr lang="tr-TR" sz="1600" dirty="0">
+                <a:solidFill>
+                  <a:srgbClr val="8000FF"/>
+                </a:solidFill>
+                <a:highlight>
+                  <a:srgbClr val="FEFCF5"/>
+                </a:highlight>
+                <a:latin typeface="Courier New" panose="02070309020205020404" pitchFamily="49" charset="0"/>
+              </a:rPr>
+              <a:t>.</a:t>
+            </a:r>
+            <a:r>
+              <a:rPr lang="tr-TR" sz="1600" dirty="0">
+                <a:solidFill>
+                  <a:srgbClr val="808080"/>
+                </a:solidFill>
+                <a:highlight>
+                  <a:srgbClr val="FEFCF5"/>
+                </a:highlight>
+                <a:latin typeface="Courier New" panose="02070309020205020404" pitchFamily="49" charset="0"/>
+              </a:rPr>
+              <a:t>',"'</a:t>
+            </a:r>
+            <a:r>
+              <a:rPr lang="tr-TR" sz="1600" dirty="0">
+                <a:solidFill>
+                  <a:srgbClr val="8000FF"/>
+                </a:solidFill>
+                <a:highlight>
+                  <a:srgbClr val="FEFCF5"/>
+                </a:highlight>
+                <a:latin typeface="Courier New" panose="02070309020205020404" pitchFamily="49" charset="0"/>
+              </a:rPr>
+              <a:t>.</a:t>
+            </a:r>
+            <a:r>
+              <a:rPr lang="tr-TR" sz="1600" dirty="0">
+                <a:solidFill>
+                  <a:srgbClr val="000000"/>
+                </a:solidFill>
+                <a:highlight>
+                  <a:srgbClr val="FEFCF5"/>
+                </a:highlight>
+                <a:latin typeface="Courier New" panose="02070309020205020404" pitchFamily="49" charset="0"/>
+              </a:rPr>
+              <a:t> </a:t>
+            </a:r>
+            <a:r>
+              <a:rPr lang="tr-TR" sz="1600" b="1" dirty="0" err="1">
+                <a:solidFill>
+                  <a:srgbClr val="0000FF"/>
+                </a:solidFill>
+                <a:highlight>
+                  <a:srgbClr val="FEFCF5"/>
+                </a:highlight>
+                <a:latin typeface="Courier New" panose="02070309020205020404" pitchFamily="49" charset="0"/>
+              </a:rPr>
+              <a:t>trim</a:t>
+            </a:r>
+            <a:r>
+              <a:rPr lang="tr-TR" sz="1600" dirty="0">
+                <a:solidFill>
+                  <a:srgbClr val="8000FF"/>
+                </a:solidFill>
+                <a:highlight>
+                  <a:srgbClr val="FEFCF5"/>
+                </a:highlight>
+                <a:latin typeface="Courier New" panose="02070309020205020404" pitchFamily="49" charset="0"/>
+              </a:rPr>
+              <a:t>(</a:t>
+            </a:r>
+            <a:r>
+              <a:rPr lang="tr-TR" sz="1600" b="1" dirty="0" err="1">
+                <a:solidFill>
+                  <a:srgbClr val="0000FF"/>
+                </a:solidFill>
+                <a:highlight>
+                  <a:srgbClr val="FEFCF5"/>
+                </a:highlight>
+                <a:latin typeface="Courier New" panose="02070309020205020404" pitchFamily="49" charset="0"/>
+              </a:rPr>
+              <a:t>str_replace</a:t>
+            </a:r>
+            <a:r>
+              <a:rPr lang="tr-TR" sz="1600" dirty="0">
+                <a:solidFill>
+                  <a:srgbClr val="8000FF"/>
+                </a:solidFill>
+                <a:highlight>
+                  <a:srgbClr val="FEFCF5"/>
+                </a:highlight>
+                <a:latin typeface="Courier New" panose="02070309020205020404" pitchFamily="49" charset="0"/>
+              </a:rPr>
+              <a:t>(</a:t>
+            </a:r>
+            <a:r>
+              <a:rPr lang="tr-TR" sz="1600" dirty="0">
+                <a:solidFill>
+                  <a:srgbClr val="808080"/>
+                </a:solidFill>
+                <a:highlight>
+                  <a:srgbClr val="FEFCF5"/>
+                </a:highlight>
+                <a:latin typeface="Courier New" panose="02070309020205020404" pitchFamily="49" charset="0"/>
+              </a:rPr>
+              <a:t>","</a:t>
+            </a:r>
+            <a:r>
+              <a:rPr lang="tr-TR" sz="1600" dirty="0">
+                <a:solidFill>
+                  <a:srgbClr val="8000FF"/>
+                </a:solidFill>
+                <a:highlight>
+                  <a:srgbClr val="FEFCF5"/>
+                </a:highlight>
+                <a:latin typeface="Courier New" panose="02070309020205020404" pitchFamily="49" charset="0"/>
+              </a:rPr>
+              <a:t>,</a:t>
+            </a:r>
+            <a:r>
+              <a:rPr lang="tr-TR" sz="1600" dirty="0">
+                <a:solidFill>
+                  <a:srgbClr val="000000"/>
+                </a:solidFill>
+                <a:highlight>
+                  <a:srgbClr val="FEFCF5"/>
+                </a:highlight>
+                <a:latin typeface="Courier New" panose="02070309020205020404" pitchFamily="49" charset="0"/>
+              </a:rPr>
+              <a:t> </a:t>
+            </a:r>
+            <a:r>
+              <a:rPr lang="tr-TR" sz="1600" dirty="0">
+                <a:solidFill>
+                  <a:srgbClr val="808080"/>
+                </a:solidFill>
+                <a:highlight>
+                  <a:srgbClr val="FEFCF5"/>
+                </a:highlight>
+                <a:latin typeface="Courier New" panose="02070309020205020404" pitchFamily="49" charset="0"/>
+              </a:rPr>
+              <a:t>" "</a:t>
+            </a:r>
+            <a:r>
+              <a:rPr lang="tr-TR" sz="1600" dirty="0">
+                <a:solidFill>
+                  <a:srgbClr val="8000FF"/>
+                </a:solidFill>
+                <a:highlight>
+                  <a:srgbClr val="FEFCF5"/>
+                </a:highlight>
+                <a:latin typeface="Courier New" panose="02070309020205020404" pitchFamily="49" charset="0"/>
+              </a:rPr>
+              <a:t>,</a:t>
+            </a:r>
+            <a:r>
+              <a:rPr lang="tr-TR" sz="1600" dirty="0">
+                <a:solidFill>
+                  <a:srgbClr val="000000"/>
+                </a:solidFill>
+                <a:highlight>
+                  <a:srgbClr val="FEFCF5"/>
+                </a:highlight>
+                <a:latin typeface="Courier New" panose="02070309020205020404" pitchFamily="49" charset="0"/>
+              </a:rPr>
+              <a:t> </a:t>
+            </a:r>
+            <a:r>
+              <a:rPr lang="tr-TR" sz="1600" dirty="0">
+                <a:solidFill>
+                  <a:srgbClr val="000080"/>
+                </a:solidFill>
+                <a:highlight>
+                  <a:srgbClr val="FEFCF5"/>
+                </a:highlight>
+                <a:latin typeface="Courier New" panose="02070309020205020404" pitchFamily="49" charset="0"/>
+              </a:rPr>
+              <a:t>$haber</a:t>
+            </a:r>
+            <a:r>
+              <a:rPr lang="tr-TR" sz="1600" dirty="0">
+                <a:solidFill>
+                  <a:srgbClr val="8000FF"/>
+                </a:solidFill>
+                <a:highlight>
+                  <a:srgbClr val="FEFCF5"/>
+                </a:highlight>
+                <a:latin typeface="Courier New" panose="02070309020205020404" pitchFamily="49" charset="0"/>
+              </a:rPr>
+              <a:t>-&gt;</a:t>
+            </a:r>
+            <a:r>
+              <a:rPr lang="tr-TR" sz="1600" dirty="0" err="1">
+                <a:solidFill>
+                  <a:srgbClr val="000000"/>
+                </a:solidFill>
+                <a:highlight>
+                  <a:srgbClr val="FEFCF5"/>
+                </a:highlight>
+                <a:latin typeface="Courier New" panose="02070309020205020404" pitchFamily="49" charset="0"/>
+              </a:rPr>
+              <a:t>annoDate</a:t>
+            </a:r>
+            <a:r>
+              <a:rPr lang="tr-TR" sz="1600" dirty="0">
+                <a:solidFill>
+                  <a:srgbClr val="8000FF"/>
+                </a:solidFill>
+                <a:highlight>
+                  <a:srgbClr val="FEFCF5"/>
+                </a:highlight>
+                <a:latin typeface="Courier New" panose="02070309020205020404" pitchFamily="49" charset="0"/>
+              </a:rPr>
+              <a:t>))</a:t>
+            </a:r>
+            <a:r>
+              <a:rPr lang="tr-TR" sz="1600" dirty="0">
+                <a:solidFill>
+                  <a:srgbClr val="000000"/>
+                </a:solidFill>
+                <a:highlight>
+                  <a:srgbClr val="FEFCF5"/>
+                </a:highlight>
+                <a:latin typeface="Courier New" panose="02070309020205020404" pitchFamily="49" charset="0"/>
+              </a:rPr>
+              <a:t> </a:t>
+            </a:r>
+            <a:r>
+              <a:rPr lang="tr-TR" sz="1600" dirty="0">
+                <a:solidFill>
+                  <a:srgbClr val="8000FF"/>
+                </a:solidFill>
+                <a:highlight>
+                  <a:srgbClr val="FEFCF5"/>
+                </a:highlight>
+                <a:latin typeface="Courier New" panose="02070309020205020404" pitchFamily="49" charset="0"/>
+              </a:rPr>
+              <a:t>.</a:t>
+            </a:r>
+            <a:r>
+              <a:rPr lang="tr-TR" sz="1600" dirty="0">
+                <a:solidFill>
+                  <a:srgbClr val="808080"/>
+                </a:solidFill>
+                <a:highlight>
+                  <a:srgbClr val="FEFCF5"/>
+                </a:highlight>
+                <a:latin typeface="Courier New" panose="02070309020205020404" pitchFamily="49" charset="0"/>
+              </a:rPr>
+              <a:t>'",'</a:t>
+            </a:r>
+            <a:r>
+              <a:rPr lang="tr-TR" sz="1600" dirty="0">
+                <a:solidFill>
+                  <a:srgbClr val="8000FF"/>
+                </a:solidFill>
+                <a:highlight>
+                  <a:srgbClr val="FEFCF5"/>
+                </a:highlight>
+                <a:latin typeface="Courier New" panose="02070309020205020404" pitchFamily="49" charset="0"/>
+              </a:rPr>
+              <a:t>.</a:t>
+            </a:r>
+            <a:r>
+              <a:rPr lang="tr-TR" sz="1600" dirty="0">
+                <a:solidFill>
+                  <a:srgbClr val="000000"/>
+                </a:solidFill>
+                <a:highlight>
+                  <a:srgbClr val="FEFCF5"/>
+                </a:highlight>
+                <a:latin typeface="Courier New" panose="02070309020205020404" pitchFamily="49" charset="0"/>
+              </a:rPr>
+              <a:t> </a:t>
+            </a:r>
+            <a:r>
+              <a:rPr lang="tr-TR" sz="1600" dirty="0">
+                <a:solidFill>
+                  <a:srgbClr val="000080"/>
+                </a:solidFill>
+                <a:highlight>
+                  <a:srgbClr val="FEFCF5"/>
+                </a:highlight>
+                <a:latin typeface="Courier New" panose="02070309020205020404" pitchFamily="49" charset="0"/>
+              </a:rPr>
+              <a:t>$</a:t>
+            </a:r>
+            <a:r>
+              <a:rPr lang="tr-TR" sz="1600" dirty="0" err="1">
+                <a:solidFill>
+                  <a:srgbClr val="000080"/>
+                </a:solidFill>
+                <a:highlight>
+                  <a:srgbClr val="FEFCF5"/>
+                </a:highlight>
+                <a:latin typeface="Courier New" panose="02070309020205020404" pitchFamily="49" charset="0"/>
+              </a:rPr>
+              <a:t>string</a:t>
+            </a:r>
+            <a:r>
+              <a:rPr lang="tr-TR" sz="1600" dirty="0">
+                <a:solidFill>
+                  <a:srgbClr val="000000"/>
+                </a:solidFill>
+                <a:highlight>
+                  <a:srgbClr val="FEFCF5"/>
+                </a:highlight>
+                <a:latin typeface="Courier New" panose="02070309020205020404" pitchFamily="49" charset="0"/>
+              </a:rPr>
+              <a:t> </a:t>
+            </a:r>
+            <a:r>
+              <a:rPr lang="tr-TR" sz="1600" dirty="0">
+                <a:solidFill>
+                  <a:srgbClr val="8000FF"/>
+                </a:solidFill>
+                <a:highlight>
+                  <a:srgbClr val="FEFCF5"/>
+                </a:highlight>
+                <a:latin typeface="Courier New" panose="02070309020205020404" pitchFamily="49" charset="0"/>
+              </a:rPr>
+              <a:t>=</a:t>
+            </a:r>
+            <a:r>
+              <a:rPr lang="tr-TR" sz="1600" dirty="0">
+                <a:solidFill>
+                  <a:srgbClr val="000000"/>
+                </a:solidFill>
+                <a:highlight>
+                  <a:srgbClr val="FEFCF5"/>
+                </a:highlight>
+                <a:latin typeface="Courier New" panose="02070309020205020404" pitchFamily="49" charset="0"/>
+              </a:rPr>
+              <a:t> </a:t>
+            </a:r>
+            <a:r>
+              <a:rPr lang="tr-TR" sz="1600" b="1" dirty="0" err="1">
+                <a:solidFill>
+                  <a:srgbClr val="0000FF"/>
+                </a:solidFill>
+                <a:highlight>
+                  <a:srgbClr val="FEFCF5"/>
+                </a:highlight>
+                <a:latin typeface="Courier New" panose="02070309020205020404" pitchFamily="49" charset="0"/>
+              </a:rPr>
+              <a:t>trim</a:t>
+            </a:r>
+            <a:r>
+              <a:rPr lang="tr-TR" sz="1600" dirty="0">
+                <a:solidFill>
+                  <a:srgbClr val="8000FF"/>
+                </a:solidFill>
+                <a:highlight>
+                  <a:srgbClr val="FEFCF5"/>
+                </a:highlight>
+                <a:latin typeface="Courier New" panose="02070309020205020404" pitchFamily="49" charset="0"/>
+              </a:rPr>
+              <a:t>(</a:t>
+            </a:r>
+            <a:r>
+              <a:rPr lang="tr-TR" sz="1600" b="1" dirty="0" err="1">
+                <a:solidFill>
+                  <a:srgbClr val="0000FF"/>
+                </a:solidFill>
+                <a:highlight>
+                  <a:srgbClr val="FEFCF5"/>
+                </a:highlight>
+                <a:latin typeface="Courier New" panose="02070309020205020404" pitchFamily="49" charset="0"/>
+              </a:rPr>
+              <a:t>str_replace</a:t>
+            </a:r>
+            <a:r>
+              <a:rPr lang="tr-TR" sz="1600" dirty="0">
+                <a:solidFill>
+                  <a:srgbClr val="8000FF"/>
+                </a:solidFill>
+                <a:highlight>
+                  <a:srgbClr val="FEFCF5"/>
+                </a:highlight>
+                <a:latin typeface="Courier New" panose="02070309020205020404" pitchFamily="49" charset="0"/>
+              </a:rPr>
+              <a:t>(</a:t>
+            </a:r>
+            <a:r>
+              <a:rPr lang="tr-TR" sz="1600" dirty="0">
+                <a:solidFill>
+                  <a:srgbClr val="808080"/>
+                </a:solidFill>
+                <a:highlight>
+                  <a:srgbClr val="FEFCF5"/>
+                </a:highlight>
+                <a:latin typeface="Courier New" panose="02070309020205020404" pitchFamily="49" charset="0"/>
+              </a:rPr>
+              <a:t>","</a:t>
+            </a:r>
+            <a:r>
+              <a:rPr lang="tr-TR" sz="1600" dirty="0">
+                <a:solidFill>
+                  <a:srgbClr val="8000FF"/>
+                </a:solidFill>
+                <a:highlight>
+                  <a:srgbClr val="FEFCF5"/>
+                </a:highlight>
+                <a:latin typeface="Courier New" panose="02070309020205020404" pitchFamily="49" charset="0"/>
+              </a:rPr>
+              <a:t>,</a:t>
+            </a:r>
+            <a:r>
+              <a:rPr lang="tr-TR" sz="1600" dirty="0">
+                <a:solidFill>
+                  <a:srgbClr val="000000"/>
+                </a:solidFill>
+                <a:highlight>
+                  <a:srgbClr val="FEFCF5"/>
+                </a:highlight>
+                <a:latin typeface="Courier New" panose="02070309020205020404" pitchFamily="49" charset="0"/>
+              </a:rPr>
+              <a:t> </a:t>
+            </a:r>
+            <a:r>
+              <a:rPr lang="tr-TR" sz="1600" dirty="0">
+                <a:solidFill>
+                  <a:srgbClr val="808080"/>
+                </a:solidFill>
+                <a:highlight>
+                  <a:srgbClr val="FEFCF5"/>
+                </a:highlight>
+                <a:latin typeface="Courier New" panose="02070309020205020404" pitchFamily="49" charset="0"/>
+              </a:rPr>
+              <a:t>" "</a:t>
+            </a:r>
+            <a:r>
+              <a:rPr lang="tr-TR" sz="1600" dirty="0">
+                <a:solidFill>
+                  <a:srgbClr val="8000FF"/>
+                </a:solidFill>
+                <a:highlight>
+                  <a:srgbClr val="FEFCF5"/>
+                </a:highlight>
+                <a:latin typeface="Courier New" panose="02070309020205020404" pitchFamily="49" charset="0"/>
+              </a:rPr>
+              <a:t>,</a:t>
+            </a:r>
+            <a:r>
+              <a:rPr lang="tr-TR" sz="1600" dirty="0">
+                <a:solidFill>
+                  <a:srgbClr val="000000"/>
+                </a:solidFill>
+                <a:highlight>
+                  <a:srgbClr val="FEFCF5"/>
+                </a:highlight>
+                <a:latin typeface="Courier New" panose="02070309020205020404" pitchFamily="49" charset="0"/>
+              </a:rPr>
+              <a:t> </a:t>
+            </a:r>
+            <a:r>
+              <a:rPr lang="tr-TR" sz="1600" b="1" dirty="0" err="1">
+                <a:solidFill>
+                  <a:srgbClr val="0000FF"/>
+                </a:solidFill>
+                <a:highlight>
+                  <a:srgbClr val="FEFCF5"/>
+                </a:highlight>
+                <a:latin typeface="Courier New" panose="02070309020205020404" pitchFamily="49" charset="0"/>
+              </a:rPr>
+              <a:t>preg_replace</a:t>
+            </a:r>
+            <a:r>
+              <a:rPr lang="tr-TR" sz="1600" dirty="0">
+                <a:solidFill>
+                  <a:srgbClr val="8000FF"/>
+                </a:solidFill>
+                <a:highlight>
+                  <a:srgbClr val="FEFCF5"/>
+                </a:highlight>
+                <a:latin typeface="Courier New" panose="02070309020205020404" pitchFamily="49" charset="0"/>
+              </a:rPr>
+              <a:t>(</a:t>
+            </a:r>
+            <a:r>
+              <a:rPr lang="tr-TR" sz="1600" dirty="0">
+                <a:solidFill>
+                  <a:srgbClr val="808080"/>
+                </a:solidFill>
+                <a:highlight>
+                  <a:srgbClr val="FEFCF5"/>
+                </a:highlight>
+                <a:latin typeface="Courier New" panose="02070309020205020404" pitchFamily="49" charset="0"/>
+              </a:rPr>
+              <a:t>'/\s+/'</a:t>
+            </a:r>
+            <a:r>
+              <a:rPr lang="tr-TR" sz="1600" dirty="0">
+                <a:solidFill>
+                  <a:srgbClr val="8000FF"/>
+                </a:solidFill>
+                <a:highlight>
+                  <a:srgbClr val="FEFCF5"/>
+                </a:highlight>
+                <a:latin typeface="Courier New" panose="02070309020205020404" pitchFamily="49" charset="0"/>
+              </a:rPr>
+              <a:t>,</a:t>
+            </a:r>
+            <a:r>
+              <a:rPr lang="tr-TR" sz="1600" dirty="0">
+                <a:solidFill>
+                  <a:srgbClr val="000000"/>
+                </a:solidFill>
+                <a:highlight>
+                  <a:srgbClr val="FEFCF5"/>
+                </a:highlight>
+                <a:latin typeface="Courier New" panose="02070309020205020404" pitchFamily="49" charset="0"/>
+              </a:rPr>
+              <a:t> </a:t>
+            </a:r>
+            <a:r>
+              <a:rPr lang="tr-TR" sz="1600" dirty="0">
+                <a:solidFill>
+                  <a:srgbClr val="808080"/>
+                </a:solidFill>
+                <a:highlight>
+                  <a:srgbClr val="FEFCF5"/>
+                </a:highlight>
+                <a:latin typeface="Courier New" panose="02070309020205020404" pitchFamily="49" charset="0"/>
+              </a:rPr>
+              <a:t>' '</a:t>
+            </a:r>
+            <a:r>
+              <a:rPr lang="tr-TR" sz="1600" dirty="0">
+                <a:solidFill>
+                  <a:srgbClr val="8000FF"/>
+                </a:solidFill>
+                <a:highlight>
+                  <a:srgbClr val="FEFCF5"/>
+                </a:highlight>
+                <a:latin typeface="Courier New" panose="02070309020205020404" pitchFamily="49" charset="0"/>
+              </a:rPr>
+              <a:t>,</a:t>
+            </a:r>
+            <a:r>
+              <a:rPr lang="tr-TR" sz="1600" dirty="0">
+                <a:solidFill>
+                  <a:srgbClr val="000000"/>
+                </a:solidFill>
+                <a:highlight>
+                  <a:srgbClr val="FEFCF5"/>
+                </a:highlight>
+                <a:latin typeface="Courier New" panose="02070309020205020404" pitchFamily="49" charset="0"/>
+              </a:rPr>
+              <a:t> </a:t>
+            </a:r>
+            <a:r>
+              <a:rPr lang="tr-TR" sz="1600" dirty="0">
+                <a:solidFill>
+                  <a:srgbClr val="000080"/>
+                </a:solidFill>
+                <a:highlight>
+                  <a:srgbClr val="FEFCF5"/>
+                </a:highlight>
+                <a:latin typeface="Courier New" panose="02070309020205020404" pitchFamily="49" charset="0"/>
+              </a:rPr>
+              <a:t>$haber</a:t>
+            </a:r>
+            <a:r>
+              <a:rPr lang="tr-TR" sz="1600" dirty="0">
+                <a:solidFill>
+                  <a:srgbClr val="8000FF"/>
+                </a:solidFill>
+                <a:highlight>
+                  <a:srgbClr val="FEFCF5"/>
+                </a:highlight>
+                <a:latin typeface="Courier New" panose="02070309020205020404" pitchFamily="49" charset="0"/>
+              </a:rPr>
+              <a:t>-&gt;</a:t>
+            </a:r>
+            <a:r>
+              <a:rPr lang="tr-TR" sz="1600" dirty="0" err="1">
+                <a:solidFill>
+                  <a:srgbClr val="000000"/>
+                </a:solidFill>
+                <a:highlight>
+                  <a:srgbClr val="FEFCF5"/>
+                </a:highlight>
+                <a:latin typeface="Courier New" panose="02070309020205020404" pitchFamily="49" charset="0"/>
+              </a:rPr>
+              <a:t>AnnoContent</a:t>
+            </a:r>
+            <a:r>
+              <a:rPr lang="tr-TR" sz="1600" dirty="0">
+                <a:solidFill>
+                  <a:srgbClr val="8000FF"/>
+                </a:solidFill>
+                <a:highlight>
+                  <a:srgbClr val="FEFCF5"/>
+                </a:highlight>
+                <a:latin typeface="Courier New" panose="02070309020205020404" pitchFamily="49" charset="0"/>
+              </a:rPr>
+              <a:t>)))</a:t>
+            </a:r>
+            <a:endParaRPr lang="tr-TR" sz="1600" dirty="0">
+              <a:solidFill>
+                <a:srgbClr val="000000"/>
+              </a:solidFill>
+              <a:highlight>
+                <a:srgbClr val="FEFCF5"/>
+              </a:highlight>
+              <a:latin typeface="Courier New" panose="02070309020205020404" pitchFamily="49" charset="0"/>
+            </a:endParaRPr>
+          </a:p>
+          <a:p>
+            <a:r>
+              <a:rPr lang="tr-TR" sz="1600" dirty="0">
+                <a:solidFill>
+                  <a:srgbClr val="000000"/>
+                </a:solidFill>
+                <a:highlight>
+                  <a:srgbClr val="FEFCF5"/>
+                </a:highlight>
+                <a:latin typeface="Courier New" panose="02070309020205020404" pitchFamily="49" charset="0"/>
+              </a:rPr>
+              <a:t>                </a:t>
+            </a:r>
+            <a:r>
+              <a:rPr lang="tr-TR" sz="1600" dirty="0">
+                <a:solidFill>
+                  <a:srgbClr val="8000FF"/>
+                </a:solidFill>
+                <a:highlight>
+                  <a:srgbClr val="FEFCF5"/>
+                </a:highlight>
+                <a:latin typeface="Courier New" panose="02070309020205020404" pitchFamily="49" charset="0"/>
+              </a:rPr>
+              <a:t>.</a:t>
+            </a:r>
+            <a:r>
+              <a:rPr lang="tr-TR" sz="1600" dirty="0">
+                <a:solidFill>
+                  <a:srgbClr val="808080"/>
+                </a:solidFill>
+                <a:highlight>
+                  <a:srgbClr val="FEFCF5"/>
+                </a:highlight>
+                <a:latin typeface="Courier New" panose="02070309020205020404" pitchFamily="49" charset="0"/>
+              </a:rPr>
+              <a:t>",</a:t>
+            </a:r>
+            <a:r>
+              <a:rPr lang="tr-TR" sz="1600" dirty="0" err="1">
+                <a:solidFill>
+                  <a:srgbClr val="808080"/>
+                </a:solidFill>
+                <a:highlight>
+                  <a:srgbClr val="FEFCF5"/>
+                </a:highlight>
+                <a:latin typeface="Courier New" panose="02070309020205020404" pitchFamily="49" charset="0"/>
+              </a:rPr>
+              <a:t>root</a:t>
+            </a:r>
+            <a:r>
+              <a:rPr lang="tr-TR" sz="1600" dirty="0">
+                <a:solidFill>
+                  <a:srgbClr val="808080"/>
+                </a:solidFill>
+                <a:highlight>
+                  <a:srgbClr val="FEFCF5"/>
+                </a:highlight>
+                <a:latin typeface="Courier New" panose="02070309020205020404" pitchFamily="49" charset="0"/>
+              </a:rPr>
+              <a:t>,"</a:t>
+            </a:r>
+            <a:r>
+              <a:rPr lang="tr-TR" sz="1600" dirty="0">
+                <a:solidFill>
+                  <a:srgbClr val="000000"/>
+                </a:solidFill>
+                <a:highlight>
+                  <a:srgbClr val="FEFCF5"/>
+                </a:highlight>
+                <a:latin typeface="Courier New" panose="02070309020205020404" pitchFamily="49" charset="0"/>
+              </a:rPr>
+              <a:t> </a:t>
+            </a:r>
+            <a:r>
+              <a:rPr lang="tr-TR" sz="1600" dirty="0">
+                <a:solidFill>
+                  <a:srgbClr val="8000FF"/>
+                </a:solidFill>
+                <a:highlight>
+                  <a:srgbClr val="FEFCF5"/>
+                </a:highlight>
+                <a:latin typeface="Courier New" panose="02070309020205020404" pitchFamily="49" charset="0"/>
+              </a:rPr>
+              <a:t>.</a:t>
+            </a:r>
+            <a:r>
+              <a:rPr lang="tr-TR" sz="1600" dirty="0">
+                <a:solidFill>
+                  <a:srgbClr val="000080"/>
+                </a:solidFill>
+                <a:highlight>
+                  <a:srgbClr val="FEFCF5"/>
+                </a:highlight>
+                <a:latin typeface="Courier New" panose="02070309020205020404" pitchFamily="49" charset="0"/>
+              </a:rPr>
+              <a:t>$</a:t>
+            </a:r>
+            <a:r>
+              <a:rPr lang="tr-TR" sz="1600" dirty="0" err="1">
+                <a:solidFill>
+                  <a:srgbClr val="000080"/>
+                </a:solidFill>
+                <a:highlight>
+                  <a:srgbClr val="FEFCF5"/>
+                </a:highlight>
+                <a:latin typeface="Courier New" panose="02070309020205020404" pitchFamily="49" charset="0"/>
+              </a:rPr>
+              <a:t>fakulte</a:t>
+            </a:r>
+            <a:r>
+              <a:rPr lang="tr-TR" sz="1600" dirty="0">
+                <a:solidFill>
+                  <a:srgbClr val="8000FF"/>
+                </a:solidFill>
+                <a:highlight>
+                  <a:srgbClr val="FEFCF5"/>
+                </a:highlight>
+                <a:latin typeface="Courier New" panose="02070309020205020404" pitchFamily="49" charset="0"/>
+              </a:rPr>
+              <a:t>.</a:t>
+            </a:r>
+            <a:r>
+              <a:rPr lang="tr-TR" sz="1600" dirty="0">
+                <a:solidFill>
+                  <a:srgbClr val="000000"/>
+                </a:solidFill>
+                <a:highlight>
+                  <a:srgbClr val="FEFCF5"/>
+                </a:highlight>
+                <a:latin typeface="Courier New" panose="02070309020205020404" pitchFamily="49" charset="0"/>
+              </a:rPr>
+              <a:t> </a:t>
+            </a:r>
+            <a:r>
+              <a:rPr lang="tr-TR" sz="1600" dirty="0">
+                <a:solidFill>
+                  <a:srgbClr val="808080"/>
+                </a:solidFill>
+                <a:highlight>
+                  <a:srgbClr val="FEFCF5"/>
+                </a:highlight>
+                <a:latin typeface="Courier New" panose="02070309020205020404" pitchFamily="49" charset="0"/>
+              </a:rPr>
+              <a:t>"2.omu.edu.tr/,haberler/"</a:t>
+            </a:r>
+            <a:r>
+              <a:rPr lang="tr-TR" sz="1600" dirty="0">
+                <a:solidFill>
+                  <a:srgbClr val="000000"/>
+                </a:solidFill>
+                <a:highlight>
+                  <a:srgbClr val="FEFCF5"/>
+                </a:highlight>
+                <a:latin typeface="Courier New" panose="02070309020205020404" pitchFamily="49" charset="0"/>
+              </a:rPr>
+              <a:t> </a:t>
+            </a:r>
+            <a:r>
+              <a:rPr lang="tr-TR" sz="1600" dirty="0">
+                <a:solidFill>
+                  <a:srgbClr val="8000FF"/>
+                </a:solidFill>
+                <a:highlight>
+                  <a:srgbClr val="FEFCF5"/>
+                </a:highlight>
+                <a:latin typeface="Courier New" panose="02070309020205020404" pitchFamily="49" charset="0"/>
+              </a:rPr>
+              <a:t>.</a:t>
+            </a:r>
+            <a:r>
+              <a:rPr lang="tr-TR" sz="1600" b="1" dirty="0" err="1">
+                <a:solidFill>
+                  <a:srgbClr val="0000FF"/>
+                </a:solidFill>
+                <a:highlight>
+                  <a:srgbClr val="FEFCF5"/>
+                </a:highlight>
+                <a:latin typeface="Courier New" panose="02070309020205020404" pitchFamily="49" charset="0"/>
+              </a:rPr>
+              <a:t>sprintf</a:t>
+            </a:r>
+            <a:r>
+              <a:rPr lang="tr-TR" sz="1600" dirty="0">
+                <a:solidFill>
+                  <a:srgbClr val="8000FF"/>
+                </a:solidFill>
+                <a:highlight>
+                  <a:srgbClr val="FEFCF5"/>
+                </a:highlight>
+                <a:latin typeface="Courier New" panose="02070309020205020404" pitchFamily="49" charset="0"/>
+              </a:rPr>
+              <a:t>(</a:t>
+            </a:r>
+            <a:r>
+              <a:rPr lang="tr-TR" sz="1600" dirty="0">
+                <a:solidFill>
+                  <a:srgbClr val="808080"/>
+                </a:solidFill>
+                <a:highlight>
+                  <a:srgbClr val="FEFCF5"/>
+                </a:highlight>
+                <a:latin typeface="Courier New" panose="02070309020205020404" pitchFamily="49" charset="0"/>
+              </a:rPr>
+              <a:t>'%02d.'</a:t>
+            </a:r>
+            <a:r>
+              <a:rPr lang="tr-TR" sz="1600" dirty="0">
+                <a:solidFill>
+                  <a:srgbClr val="8000FF"/>
+                </a:solidFill>
+                <a:highlight>
+                  <a:srgbClr val="FEFCF5"/>
+                </a:highlight>
+                <a:latin typeface="Courier New" panose="02070309020205020404" pitchFamily="49" charset="0"/>
+              </a:rPr>
+              <a:t>,</a:t>
+            </a:r>
+            <a:r>
+              <a:rPr lang="tr-TR" sz="1600" dirty="0">
+                <a:solidFill>
+                  <a:srgbClr val="000000"/>
+                </a:solidFill>
+                <a:highlight>
+                  <a:srgbClr val="FEFCF5"/>
+                </a:highlight>
+                <a:latin typeface="Courier New" panose="02070309020205020404" pitchFamily="49" charset="0"/>
+              </a:rPr>
+              <a:t> </a:t>
+            </a:r>
+            <a:r>
+              <a:rPr lang="tr-TR" sz="1600" dirty="0">
+                <a:solidFill>
+                  <a:srgbClr val="8000FF"/>
+                </a:solidFill>
+                <a:highlight>
+                  <a:srgbClr val="FEFCF5"/>
+                </a:highlight>
+                <a:latin typeface="Courier New" panose="02070309020205020404" pitchFamily="49" charset="0"/>
+              </a:rPr>
+              <a:t>++</a:t>
+            </a:r>
+            <a:r>
+              <a:rPr lang="tr-TR" sz="1600" dirty="0">
+                <a:solidFill>
+                  <a:srgbClr val="000080"/>
+                </a:solidFill>
+                <a:highlight>
+                  <a:srgbClr val="FEFCF5"/>
+                </a:highlight>
+                <a:latin typeface="Courier New" panose="02070309020205020404" pitchFamily="49" charset="0"/>
+              </a:rPr>
+              <a:t>$i</a:t>
+            </a:r>
+            <a:r>
+              <a:rPr lang="tr-TR" sz="1600" dirty="0">
+                <a:solidFill>
+                  <a:srgbClr val="8000FF"/>
+                </a:solidFill>
+                <a:highlight>
+                  <a:srgbClr val="FEFCF5"/>
+                </a:highlight>
+                <a:latin typeface="Courier New" panose="02070309020205020404" pitchFamily="49" charset="0"/>
+              </a:rPr>
+              <a:t>).</a:t>
+            </a:r>
+            <a:r>
+              <a:rPr lang="tr-TR" sz="1600" dirty="0">
+                <a:solidFill>
+                  <a:srgbClr val="000080"/>
+                </a:solidFill>
+                <a:highlight>
+                  <a:srgbClr val="FEFCF5"/>
+                </a:highlight>
+                <a:latin typeface="Courier New" panose="02070309020205020404" pitchFamily="49" charset="0"/>
+              </a:rPr>
+              <a:t>$haber</a:t>
+            </a:r>
+            <a:r>
+              <a:rPr lang="tr-TR" sz="1600" dirty="0">
+                <a:solidFill>
+                  <a:srgbClr val="8000FF"/>
+                </a:solidFill>
+                <a:highlight>
+                  <a:srgbClr val="FEFCF5"/>
+                </a:highlight>
+                <a:latin typeface="Courier New" panose="02070309020205020404" pitchFamily="49" charset="0"/>
+              </a:rPr>
+              <a:t>-&gt;</a:t>
+            </a:r>
+            <a:r>
+              <a:rPr lang="tr-TR" sz="1600" dirty="0" err="1">
+                <a:solidFill>
+                  <a:srgbClr val="000000"/>
+                </a:solidFill>
+                <a:highlight>
+                  <a:srgbClr val="FEFCF5"/>
+                </a:highlight>
+                <a:latin typeface="Courier New" panose="02070309020205020404" pitchFamily="49" charset="0"/>
+              </a:rPr>
+              <a:t>annoSeolink</a:t>
+            </a:r>
+            <a:r>
+              <a:rPr lang="tr-TR" sz="1600" dirty="0">
+                <a:solidFill>
+                  <a:srgbClr val="000000"/>
+                </a:solidFill>
+                <a:highlight>
+                  <a:srgbClr val="FEFCF5"/>
+                </a:highlight>
+                <a:latin typeface="Courier New" panose="02070309020205020404" pitchFamily="49" charset="0"/>
+              </a:rPr>
+              <a:t>. </a:t>
+            </a:r>
+            <a:r>
+              <a:rPr lang="tr-TR" sz="1600" dirty="0">
+                <a:solidFill>
+                  <a:srgbClr val="808080"/>
+                </a:solidFill>
+                <a:highlight>
+                  <a:srgbClr val="FEFCF5"/>
+                </a:highlight>
+                <a:latin typeface="Courier New" panose="02070309020205020404" pitchFamily="49" charset="0"/>
+              </a:rPr>
+              <a:t>",announcement.tr\n"</a:t>
+            </a:r>
+            <a:r>
+              <a:rPr lang="tr-TR" sz="1600" dirty="0">
+                <a:solidFill>
+                  <a:srgbClr val="000000"/>
+                </a:solidFill>
+                <a:highlight>
+                  <a:srgbClr val="FEFCF5"/>
+                </a:highlight>
+                <a:latin typeface="Courier New" panose="02070309020205020404" pitchFamily="49" charset="0"/>
+              </a:rPr>
+              <a:t> </a:t>
+            </a:r>
+            <a:r>
+              <a:rPr lang="tr-TR" sz="1600" dirty="0">
+                <a:solidFill>
+                  <a:srgbClr val="8000FF"/>
+                </a:solidFill>
+                <a:highlight>
+                  <a:srgbClr val="FEFCF5"/>
+                </a:highlight>
+                <a:latin typeface="Courier New" panose="02070309020205020404" pitchFamily="49" charset="0"/>
+              </a:rPr>
+              <a:t>;</a:t>
+            </a:r>
+            <a:endParaRPr lang="tr-TR" sz="1600" dirty="0">
+              <a:solidFill>
+                <a:srgbClr val="000000"/>
+              </a:solidFill>
+              <a:highlight>
+                <a:srgbClr val="FEFCF5"/>
+              </a:highlight>
+              <a:latin typeface="Courier New" panose="02070309020205020404" pitchFamily="49" charset="0"/>
+            </a:endParaRPr>
+          </a:p>
+          <a:p>
+            <a:r>
+              <a:rPr lang="tr-TR" sz="1600" dirty="0">
+                <a:solidFill>
+                  <a:srgbClr val="000000"/>
+                </a:solidFill>
+                <a:highlight>
+                  <a:srgbClr val="FEFCF5"/>
+                </a:highlight>
+                <a:latin typeface="Courier New" panose="02070309020205020404" pitchFamily="49" charset="0"/>
+              </a:rPr>
+              <a:t>        </a:t>
+            </a:r>
+            <a:r>
+              <a:rPr lang="tr-TR" sz="1600" b="1" dirty="0" err="1">
+                <a:solidFill>
+                  <a:srgbClr val="0000FF"/>
+                </a:solidFill>
+                <a:highlight>
+                  <a:srgbClr val="FEFCF5"/>
+                </a:highlight>
+                <a:latin typeface="Courier New" panose="02070309020205020404" pitchFamily="49" charset="0"/>
+              </a:rPr>
+              <a:t>fwrite</a:t>
+            </a:r>
+            <a:r>
+              <a:rPr lang="tr-TR" sz="1600" dirty="0">
+                <a:solidFill>
+                  <a:srgbClr val="8000FF"/>
+                </a:solidFill>
+                <a:highlight>
+                  <a:srgbClr val="FEFCF5"/>
+                </a:highlight>
+                <a:latin typeface="Courier New" panose="02070309020205020404" pitchFamily="49" charset="0"/>
+              </a:rPr>
+              <a:t>(</a:t>
+            </a:r>
+            <a:r>
+              <a:rPr lang="tr-TR" sz="1600" dirty="0">
+                <a:solidFill>
+                  <a:srgbClr val="000080"/>
+                </a:solidFill>
+                <a:highlight>
+                  <a:srgbClr val="FEFCF5"/>
+                </a:highlight>
+                <a:latin typeface="Courier New" panose="02070309020205020404" pitchFamily="49" charset="0"/>
+              </a:rPr>
+              <a:t>$</a:t>
+            </a:r>
+            <a:r>
+              <a:rPr lang="tr-TR" sz="1600" dirty="0" err="1">
+                <a:solidFill>
+                  <a:srgbClr val="000080"/>
+                </a:solidFill>
+                <a:highlight>
+                  <a:srgbClr val="FEFCF5"/>
+                </a:highlight>
+                <a:latin typeface="Courier New" panose="02070309020205020404" pitchFamily="49" charset="0"/>
+              </a:rPr>
+              <a:t>myfile</a:t>
+            </a:r>
+            <a:r>
+              <a:rPr lang="tr-TR" sz="1600" dirty="0">
+                <a:solidFill>
+                  <a:srgbClr val="8000FF"/>
+                </a:solidFill>
+                <a:highlight>
+                  <a:srgbClr val="FEFCF5"/>
+                </a:highlight>
+                <a:latin typeface="Courier New" panose="02070309020205020404" pitchFamily="49" charset="0"/>
+              </a:rPr>
+              <a:t>,</a:t>
+            </a:r>
+            <a:r>
+              <a:rPr lang="tr-TR" sz="1600" dirty="0">
+                <a:solidFill>
+                  <a:srgbClr val="000000"/>
+                </a:solidFill>
+                <a:highlight>
+                  <a:srgbClr val="FEFCF5"/>
+                </a:highlight>
+                <a:latin typeface="Courier New" panose="02070309020205020404" pitchFamily="49" charset="0"/>
+              </a:rPr>
+              <a:t> </a:t>
+            </a:r>
+            <a:r>
+              <a:rPr lang="tr-TR" sz="1600" dirty="0">
+                <a:solidFill>
+                  <a:srgbClr val="000080"/>
+                </a:solidFill>
+                <a:highlight>
+                  <a:srgbClr val="FEFCF5"/>
+                </a:highlight>
+                <a:latin typeface="Courier New" panose="02070309020205020404" pitchFamily="49" charset="0"/>
+              </a:rPr>
+              <a:t>$</a:t>
+            </a:r>
+            <a:r>
+              <a:rPr lang="tr-TR" sz="1600" dirty="0" err="1">
+                <a:solidFill>
+                  <a:srgbClr val="000080"/>
+                </a:solidFill>
+                <a:highlight>
+                  <a:srgbClr val="FEFCF5"/>
+                </a:highlight>
+                <a:latin typeface="Courier New" panose="02070309020205020404" pitchFamily="49" charset="0"/>
+              </a:rPr>
+              <a:t>txt</a:t>
+            </a:r>
+            <a:r>
+              <a:rPr lang="tr-TR" sz="1600" dirty="0">
+                <a:solidFill>
+                  <a:srgbClr val="8000FF"/>
+                </a:solidFill>
+                <a:highlight>
+                  <a:srgbClr val="FEFCF5"/>
+                </a:highlight>
+                <a:latin typeface="Courier New" panose="02070309020205020404" pitchFamily="49" charset="0"/>
+              </a:rPr>
+              <a:t>);</a:t>
+            </a:r>
+            <a:endParaRPr lang="tr-TR" sz="1600" dirty="0">
+              <a:solidFill>
+                <a:srgbClr val="000000"/>
+              </a:solidFill>
+              <a:highlight>
+                <a:srgbClr val="FEFCF5"/>
+              </a:highlight>
+              <a:latin typeface="Courier New" panose="02070309020205020404" pitchFamily="49" charset="0"/>
+            </a:endParaRPr>
+          </a:p>
+          <a:p>
+            <a:r>
+              <a:rPr lang="tr-TR" sz="1600" dirty="0" smtClean="0">
+                <a:solidFill>
+                  <a:srgbClr val="8000FF"/>
+                </a:solidFill>
+                <a:highlight>
+                  <a:srgbClr val="FEFCF5"/>
+                </a:highlight>
+                <a:latin typeface="Courier New" panose="02070309020205020404" pitchFamily="49" charset="0"/>
+              </a:rPr>
+              <a:t>}</a:t>
+            </a:r>
+            <a:endParaRPr lang="tr-TR" sz="2000" dirty="0">
+              <a:solidFill>
+                <a:srgbClr val="000000"/>
+              </a:solidFill>
+              <a:highlight>
+                <a:srgbClr val="FFFFFF"/>
+              </a:highlight>
+              <a:latin typeface="Consolas" panose="020B0609020204030204" pitchFamily="49" charset="0"/>
+            </a:endParaRPr>
+          </a:p>
         </p:txBody>
       </p:sp>
     </p:spTree>
     <p:extLst>
       <p:ext uri="{BB962C8B-B14F-4D97-AF65-F5344CB8AC3E}">
-        <p14:creationId xmlns:p14="http://schemas.microsoft.com/office/powerpoint/2010/main" val="3654598423"/>
+        <p14:creationId xmlns:p14="http://schemas.microsoft.com/office/powerpoint/2010/main" val="550395678"/>
       </p:ext>
     </p:extLst>
   </p:cSld>
@@ -20556,6 +20297,1397 @@
       </p:pic>
       <p:sp>
         <p:nvSpPr>
+          <p:cNvPr id="5" name="Dikdörtgen 4"/>
+          <p:cNvSpPr/>
+          <p:nvPr/>
+        </p:nvSpPr>
+        <p:spPr>
+          <a:xfrm>
+            <a:off x="762457" y="1506586"/>
+            <a:ext cx="11031985" cy="5016758"/>
+          </a:xfrm>
+          <a:prstGeom prst="rect">
+            <a:avLst/>
+          </a:prstGeom>
+        </p:spPr>
+        <p:txBody>
+          <a:bodyPr wrap="square">
+            <a:spAutoFit/>
+          </a:bodyPr>
+          <a:lstStyle/>
+          <a:p>
+            <a:r>
+              <a:rPr lang="tr-TR" sz="2000" dirty="0" smtClean="0">
+                <a:solidFill>
+                  <a:srgbClr val="000000"/>
+                </a:solidFill>
+                <a:highlight>
+                  <a:srgbClr val="FFFFFF"/>
+                </a:highlight>
+                <a:latin typeface="Consolas" panose="020B0609020204030204" pitchFamily="49" charset="0"/>
+              </a:rPr>
+              <a:t>Göç İşlemleri</a:t>
+            </a:r>
+          </a:p>
+          <a:p>
+            <a:endParaRPr lang="tr-TR" sz="2000" dirty="0" smtClean="0">
+              <a:solidFill>
+                <a:srgbClr val="000000"/>
+              </a:solidFill>
+              <a:highlight>
+                <a:srgbClr val="FFFFFF"/>
+              </a:highlight>
+              <a:latin typeface="Consolas" panose="020B0609020204030204" pitchFamily="49" charset="0"/>
+            </a:endParaRPr>
+          </a:p>
+          <a:p>
+            <a:r>
+              <a:rPr lang="tr-TR" sz="2000" dirty="0" err="1">
+                <a:solidFill>
+                  <a:srgbClr val="000000"/>
+                </a:solidFill>
+                <a:highlight>
+                  <a:srgbClr val="FEFCF5"/>
+                </a:highlight>
+                <a:latin typeface="Courier New" panose="02070309020205020404" pitchFamily="49" charset="0"/>
+              </a:rPr>
+              <a:t>covert.php</a:t>
+            </a:r>
+            <a:endParaRPr lang="tr-TR" sz="2000" dirty="0">
+              <a:solidFill>
+                <a:srgbClr val="000000"/>
+              </a:solidFill>
+              <a:highlight>
+                <a:srgbClr val="FEFCF5"/>
+              </a:highlight>
+              <a:latin typeface="Courier New" panose="02070309020205020404" pitchFamily="49" charset="0"/>
+            </a:endParaRPr>
+          </a:p>
+          <a:p>
+            <a:endParaRPr lang="tr-TR" sz="2000" dirty="0" smtClean="0">
+              <a:solidFill>
+                <a:srgbClr val="000000"/>
+              </a:solidFill>
+              <a:highlight>
+                <a:srgbClr val="FFFFFF"/>
+              </a:highlight>
+              <a:latin typeface="Consolas" panose="020B0609020204030204" pitchFamily="49" charset="0"/>
+            </a:endParaRPr>
+          </a:p>
+          <a:p>
+            <a:r>
+              <a:rPr lang="tr-TR" sz="2000" dirty="0">
+                <a:solidFill>
+                  <a:srgbClr val="FF0000"/>
+                </a:solidFill>
+                <a:highlight>
+                  <a:srgbClr val="FDF8E3"/>
+                </a:highlight>
+                <a:latin typeface="Courier New" panose="02070309020205020404" pitchFamily="49" charset="0"/>
+              </a:rPr>
+              <a:t>&lt;?</a:t>
+            </a:r>
+            <a:endParaRPr lang="tr-TR" sz="2000" dirty="0">
+              <a:solidFill>
+                <a:srgbClr val="000000"/>
+              </a:solidFill>
+              <a:highlight>
+                <a:srgbClr val="FEFCF5"/>
+              </a:highlight>
+              <a:latin typeface="Courier New" panose="02070309020205020404" pitchFamily="49" charset="0"/>
+            </a:endParaRPr>
+          </a:p>
+          <a:p>
+            <a:r>
+              <a:rPr lang="tr-TR" sz="2000" dirty="0" smtClean="0">
+                <a:solidFill>
+                  <a:srgbClr val="000080"/>
+                </a:solidFill>
+                <a:highlight>
+                  <a:srgbClr val="FEFCF5"/>
+                </a:highlight>
+                <a:latin typeface="Courier New" panose="02070309020205020404" pitchFamily="49" charset="0"/>
+              </a:rPr>
+              <a:t>$</a:t>
+            </a:r>
+            <a:r>
+              <a:rPr lang="tr-TR" sz="2000" dirty="0" err="1">
+                <a:solidFill>
+                  <a:srgbClr val="000080"/>
+                </a:solidFill>
+                <a:highlight>
+                  <a:srgbClr val="FEFCF5"/>
+                </a:highlight>
+                <a:latin typeface="Courier New" panose="02070309020205020404" pitchFamily="49" charset="0"/>
+              </a:rPr>
+              <a:t>conversion</a:t>
+            </a:r>
+            <a:r>
+              <a:rPr lang="tr-TR" sz="2000" dirty="0">
+                <a:solidFill>
+                  <a:srgbClr val="8000FF"/>
+                </a:solidFill>
+                <a:highlight>
+                  <a:srgbClr val="FEFCF5"/>
+                </a:highlight>
+                <a:latin typeface="Courier New" panose="02070309020205020404" pitchFamily="49" charset="0"/>
+              </a:rPr>
+              <a:t>-&gt;</a:t>
+            </a:r>
+            <a:r>
+              <a:rPr lang="tr-TR" sz="2000" dirty="0" err="1">
+                <a:solidFill>
+                  <a:srgbClr val="000000"/>
+                </a:solidFill>
+                <a:highlight>
+                  <a:srgbClr val="FEFCF5"/>
+                </a:highlight>
+                <a:latin typeface="Courier New" panose="02070309020205020404" pitchFamily="49" charset="0"/>
+              </a:rPr>
+              <a:t>setColumnMap</a:t>
+            </a:r>
+            <a:r>
+              <a:rPr lang="tr-TR" sz="2000" dirty="0">
+                <a:solidFill>
+                  <a:srgbClr val="8000FF"/>
+                </a:solidFill>
+                <a:highlight>
+                  <a:srgbClr val="FEFCF5"/>
+                </a:highlight>
+                <a:latin typeface="Courier New" panose="02070309020205020404" pitchFamily="49" charset="0"/>
+              </a:rPr>
+              <a:t>(</a:t>
+            </a:r>
+            <a:r>
+              <a:rPr lang="tr-TR" sz="2000" b="1" dirty="0" err="1">
+                <a:solidFill>
+                  <a:srgbClr val="0000FF"/>
+                </a:solidFill>
+                <a:highlight>
+                  <a:srgbClr val="FEFCF5"/>
+                </a:highlight>
+                <a:latin typeface="Courier New" panose="02070309020205020404" pitchFamily="49" charset="0"/>
+              </a:rPr>
+              <a:t>array</a:t>
+            </a:r>
+            <a:r>
+              <a:rPr lang="tr-TR" sz="2000" dirty="0">
+                <a:solidFill>
+                  <a:srgbClr val="8000FF"/>
+                </a:solidFill>
+                <a:highlight>
+                  <a:srgbClr val="FEFCF5"/>
+                </a:highlight>
+                <a:latin typeface="Courier New" panose="02070309020205020404" pitchFamily="49" charset="0"/>
+              </a:rPr>
+              <a:t>(</a:t>
+            </a:r>
+            <a:endParaRPr lang="tr-TR" sz="2000" dirty="0">
+              <a:solidFill>
+                <a:srgbClr val="000000"/>
+              </a:solidFill>
+              <a:highlight>
+                <a:srgbClr val="FEFCF5"/>
+              </a:highlight>
+              <a:latin typeface="Courier New" panose="02070309020205020404" pitchFamily="49" charset="0"/>
+            </a:endParaRPr>
+          </a:p>
+          <a:p>
+            <a:r>
+              <a:rPr lang="tr-TR" sz="2000" dirty="0">
+                <a:solidFill>
+                  <a:srgbClr val="000000"/>
+                </a:solidFill>
+                <a:highlight>
+                  <a:srgbClr val="FEFCF5"/>
+                </a:highlight>
+                <a:latin typeface="Courier New" panose="02070309020205020404" pitchFamily="49" charset="0"/>
+              </a:rPr>
+              <a:t>    </a:t>
+            </a:r>
+            <a:r>
+              <a:rPr lang="tr-TR" sz="2000" dirty="0">
+                <a:solidFill>
+                  <a:srgbClr val="808080"/>
+                </a:solidFill>
+                <a:highlight>
+                  <a:srgbClr val="FEFCF5"/>
+                </a:highlight>
+                <a:latin typeface="Courier New" panose="02070309020205020404" pitchFamily="49" charset="0"/>
+              </a:rPr>
+              <a:t>'</a:t>
+            </a:r>
+            <a:r>
+              <a:rPr lang="tr-TR" sz="2000" dirty="0" err="1">
+                <a:solidFill>
+                  <a:srgbClr val="808080"/>
+                </a:solidFill>
+                <a:highlight>
+                  <a:srgbClr val="FEFCF5"/>
+                </a:highlight>
+                <a:latin typeface="Courier New" panose="02070309020205020404" pitchFamily="49" charset="0"/>
+              </a:rPr>
+              <a:t>title</a:t>
+            </a:r>
+            <a:r>
+              <a:rPr lang="tr-TR" sz="2000" dirty="0">
+                <a:solidFill>
+                  <a:srgbClr val="808080"/>
+                </a:solidFill>
+                <a:highlight>
+                  <a:srgbClr val="FEFCF5"/>
+                </a:highlight>
+                <a:latin typeface="Courier New" panose="02070309020205020404" pitchFamily="49" charset="0"/>
+              </a:rPr>
+              <a:t>'</a:t>
+            </a:r>
+            <a:r>
+              <a:rPr lang="tr-TR" sz="2000" dirty="0">
+                <a:solidFill>
+                  <a:srgbClr val="000000"/>
+                </a:solidFill>
+                <a:highlight>
+                  <a:srgbClr val="FEFCF5"/>
+                </a:highlight>
+                <a:latin typeface="Courier New" panose="02070309020205020404" pitchFamily="49" charset="0"/>
+              </a:rPr>
+              <a:t>    </a:t>
+            </a:r>
+            <a:r>
+              <a:rPr lang="tr-TR" sz="2000" dirty="0">
+                <a:solidFill>
+                  <a:srgbClr val="8000FF"/>
+                </a:solidFill>
+                <a:highlight>
+                  <a:srgbClr val="FEFCF5"/>
+                </a:highlight>
+                <a:latin typeface="Courier New" panose="02070309020205020404" pitchFamily="49" charset="0"/>
+              </a:rPr>
+              <a:t>=&gt;</a:t>
+            </a:r>
+            <a:r>
+              <a:rPr lang="tr-TR" sz="2000" dirty="0">
+                <a:solidFill>
+                  <a:srgbClr val="000000"/>
+                </a:solidFill>
+                <a:highlight>
+                  <a:srgbClr val="FEFCF5"/>
+                </a:highlight>
+                <a:latin typeface="Courier New" panose="02070309020205020404" pitchFamily="49" charset="0"/>
+              </a:rPr>
+              <a:t> </a:t>
+            </a:r>
+            <a:r>
+              <a:rPr lang="tr-TR" sz="2000" dirty="0">
+                <a:solidFill>
+                  <a:srgbClr val="808080"/>
+                </a:solidFill>
+                <a:highlight>
+                  <a:srgbClr val="FEFCF5"/>
+                </a:highlight>
+                <a:latin typeface="Courier New" panose="02070309020205020404" pitchFamily="49" charset="0"/>
+              </a:rPr>
+              <a:t>'</a:t>
+            </a:r>
+            <a:r>
+              <a:rPr lang="tr-TR" sz="2000" dirty="0" err="1">
+                <a:solidFill>
+                  <a:srgbClr val="808080"/>
+                </a:solidFill>
+                <a:highlight>
+                  <a:srgbClr val="FEFCF5"/>
+                </a:highlight>
+                <a:latin typeface="Courier New" panose="02070309020205020404" pitchFamily="49" charset="0"/>
+              </a:rPr>
+              <a:t>title_field</a:t>
+            </a:r>
+            <a:r>
+              <a:rPr lang="tr-TR" sz="2000" dirty="0">
+                <a:solidFill>
+                  <a:srgbClr val="808080"/>
+                </a:solidFill>
+                <a:highlight>
+                  <a:srgbClr val="FEFCF5"/>
+                </a:highlight>
+                <a:latin typeface="Courier New" panose="02070309020205020404" pitchFamily="49" charset="0"/>
+              </a:rPr>
+              <a:t>'</a:t>
+            </a:r>
+            <a:r>
+              <a:rPr lang="tr-TR" sz="2000" dirty="0">
+                <a:solidFill>
+                  <a:srgbClr val="8000FF"/>
+                </a:solidFill>
+                <a:highlight>
+                  <a:srgbClr val="FEFCF5"/>
+                </a:highlight>
+                <a:latin typeface="Courier New" panose="02070309020205020404" pitchFamily="49" charset="0"/>
+              </a:rPr>
+              <a:t>,</a:t>
+            </a:r>
+            <a:r>
+              <a:rPr lang="tr-TR" sz="2000" dirty="0">
+                <a:solidFill>
+                  <a:srgbClr val="000000"/>
+                </a:solidFill>
+                <a:highlight>
+                  <a:srgbClr val="FEFCF5"/>
+                </a:highlight>
+                <a:latin typeface="Courier New" panose="02070309020205020404" pitchFamily="49" charset="0"/>
+              </a:rPr>
+              <a:t>   </a:t>
+            </a:r>
+          </a:p>
+          <a:p>
+            <a:r>
+              <a:rPr lang="tr-TR" sz="2000" dirty="0">
+                <a:solidFill>
+                  <a:srgbClr val="000000"/>
+                </a:solidFill>
+                <a:highlight>
+                  <a:srgbClr val="FEFCF5"/>
+                </a:highlight>
+                <a:latin typeface="Courier New" panose="02070309020205020404" pitchFamily="49" charset="0"/>
+              </a:rPr>
+              <a:t>    </a:t>
+            </a:r>
+            <a:r>
+              <a:rPr lang="tr-TR" sz="2000" dirty="0">
+                <a:solidFill>
+                  <a:srgbClr val="808080"/>
+                </a:solidFill>
+                <a:highlight>
+                  <a:srgbClr val="FEFCF5"/>
+                </a:highlight>
+                <a:latin typeface="Courier New" panose="02070309020205020404" pitchFamily="49" charset="0"/>
+              </a:rPr>
+              <a:t>'</a:t>
+            </a:r>
+            <a:r>
+              <a:rPr lang="tr-TR" sz="2000" dirty="0" err="1">
+                <a:solidFill>
+                  <a:srgbClr val="808080"/>
+                </a:solidFill>
+                <a:highlight>
+                  <a:srgbClr val="FEFCF5"/>
+                </a:highlight>
+                <a:latin typeface="Courier New" panose="02070309020205020404" pitchFamily="49" charset="0"/>
+              </a:rPr>
+              <a:t>date</a:t>
+            </a:r>
+            <a:r>
+              <a:rPr lang="tr-TR" sz="2000" dirty="0">
+                <a:solidFill>
+                  <a:srgbClr val="808080"/>
+                </a:solidFill>
+                <a:highlight>
+                  <a:srgbClr val="FEFCF5"/>
+                </a:highlight>
+                <a:latin typeface="Courier New" panose="02070309020205020404" pitchFamily="49" charset="0"/>
+              </a:rPr>
+              <a:t>'</a:t>
+            </a:r>
+            <a:r>
+              <a:rPr lang="tr-TR" sz="2000" dirty="0">
+                <a:solidFill>
+                  <a:srgbClr val="000000"/>
+                </a:solidFill>
+                <a:highlight>
+                  <a:srgbClr val="FEFCF5"/>
+                </a:highlight>
+                <a:latin typeface="Courier New" panose="02070309020205020404" pitchFamily="49" charset="0"/>
+              </a:rPr>
+              <a:t>     </a:t>
+            </a:r>
+            <a:r>
+              <a:rPr lang="tr-TR" sz="2000" dirty="0">
+                <a:solidFill>
+                  <a:srgbClr val="8000FF"/>
+                </a:solidFill>
+                <a:highlight>
+                  <a:srgbClr val="FEFCF5"/>
+                </a:highlight>
+                <a:latin typeface="Courier New" panose="02070309020205020404" pitchFamily="49" charset="0"/>
+              </a:rPr>
+              <a:t>=&gt;</a:t>
+            </a:r>
+            <a:r>
+              <a:rPr lang="tr-TR" sz="2000" dirty="0">
+                <a:solidFill>
+                  <a:srgbClr val="000000"/>
+                </a:solidFill>
+                <a:highlight>
+                  <a:srgbClr val="FEFCF5"/>
+                </a:highlight>
+                <a:latin typeface="Courier New" panose="02070309020205020404" pitchFamily="49" charset="0"/>
+              </a:rPr>
+              <a:t> </a:t>
+            </a:r>
+            <a:r>
+              <a:rPr lang="tr-TR" sz="2000" dirty="0">
+                <a:solidFill>
+                  <a:srgbClr val="808080"/>
+                </a:solidFill>
+                <a:highlight>
+                  <a:srgbClr val="FEFCF5"/>
+                </a:highlight>
+                <a:latin typeface="Courier New" panose="02070309020205020404" pitchFamily="49" charset="0"/>
+              </a:rPr>
+              <a:t>'</a:t>
+            </a:r>
+            <a:r>
+              <a:rPr lang="tr-TR" sz="2000" dirty="0" err="1">
+                <a:solidFill>
+                  <a:srgbClr val="808080"/>
+                </a:solidFill>
+                <a:highlight>
+                  <a:srgbClr val="FEFCF5"/>
+                </a:highlight>
+                <a:latin typeface="Courier New" panose="02070309020205020404" pitchFamily="49" charset="0"/>
+              </a:rPr>
+              <a:t>date_field</a:t>
+            </a:r>
+            <a:r>
+              <a:rPr lang="tr-TR" sz="2000" dirty="0">
+                <a:solidFill>
+                  <a:srgbClr val="808080"/>
+                </a:solidFill>
+                <a:highlight>
+                  <a:srgbClr val="FEFCF5"/>
+                </a:highlight>
+                <a:latin typeface="Courier New" panose="02070309020205020404" pitchFamily="49" charset="0"/>
+              </a:rPr>
+              <a:t>'</a:t>
+            </a:r>
+            <a:r>
+              <a:rPr lang="tr-TR" sz="2000" dirty="0">
+                <a:solidFill>
+                  <a:srgbClr val="8000FF"/>
+                </a:solidFill>
+                <a:highlight>
+                  <a:srgbClr val="FEFCF5"/>
+                </a:highlight>
+                <a:latin typeface="Courier New" panose="02070309020205020404" pitchFamily="49" charset="0"/>
+              </a:rPr>
+              <a:t>,</a:t>
+            </a:r>
+            <a:r>
+              <a:rPr lang="tr-TR" sz="2000" dirty="0">
+                <a:solidFill>
+                  <a:srgbClr val="000000"/>
+                </a:solidFill>
+                <a:highlight>
+                  <a:srgbClr val="FEFCF5"/>
+                </a:highlight>
+                <a:latin typeface="Courier New" panose="02070309020205020404" pitchFamily="49" charset="0"/>
+              </a:rPr>
+              <a:t>     </a:t>
+            </a:r>
+          </a:p>
+          <a:p>
+            <a:r>
+              <a:rPr lang="tr-TR" sz="2000" dirty="0">
+                <a:solidFill>
+                  <a:srgbClr val="000000"/>
+                </a:solidFill>
+                <a:highlight>
+                  <a:srgbClr val="FEFCF5"/>
+                </a:highlight>
+                <a:latin typeface="Courier New" panose="02070309020205020404" pitchFamily="49" charset="0"/>
+              </a:rPr>
+              <a:t>    </a:t>
+            </a:r>
+            <a:r>
+              <a:rPr lang="tr-TR" sz="2000" dirty="0">
+                <a:solidFill>
+                  <a:srgbClr val="808080"/>
+                </a:solidFill>
+                <a:highlight>
+                  <a:srgbClr val="FEFCF5"/>
+                </a:highlight>
+                <a:latin typeface="Courier New" panose="02070309020205020404" pitchFamily="49" charset="0"/>
+              </a:rPr>
+              <a:t>'html'</a:t>
+            </a:r>
+            <a:r>
+              <a:rPr lang="tr-TR" sz="2000" dirty="0">
+                <a:solidFill>
+                  <a:srgbClr val="000000"/>
+                </a:solidFill>
+                <a:highlight>
+                  <a:srgbClr val="FEFCF5"/>
+                </a:highlight>
+                <a:latin typeface="Courier New" panose="02070309020205020404" pitchFamily="49" charset="0"/>
+              </a:rPr>
+              <a:t>     </a:t>
+            </a:r>
+            <a:r>
+              <a:rPr lang="tr-TR" sz="2000" dirty="0">
+                <a:solidFill>
+                  <a:srgbClr val="8000FF"/>
+                </a:solidFill>
+                <a:highlight>
+                  <a:srgbClr val="FEFCF5"/>
+                </a:highlight>
+                <a:latin typeface="Courier New" panose="02070309020205020404" pitchFamily="49" charset="0"/>
+              </a:rPr>
+              <a:t>=&gt;</a:t>
+            </a:r>
+            <a:r>
+              <a:rPr lang="tr-TR" sz="2000" dirty="0">
+                <a:solidFill>
+                  <a:srgbClr val="000000"/>
+                </a:solidFill>
+                <a:highlight>
+                  <a:srgbClr val="FEFCF5"/>
+                </a:highlight>
+                <a:latin typeface="Courier New" panose="02070309020205020404" pitchFamily="49" charset="0"/>
+              </a:rPr>
+              <a:t> </a:t>
+            </a:r>
+            <a:r>
+              <a:rPr lang="tr-TR" sz="2000" dirty="0">
+                <a:solidFill>
+                  <a:srgbClr val="808080"/>
+                </a:solidFill>
+                <a:highlight>
+                  <a:srgbClr val="FEFCF5"/>
+                </a:highlight>
+                <a:latin typeface="Courier New" panose="02070309020205020404" pitchFamily="49" charset="0"/>
+              </a:rPr>
+              <a:t>'</a:t>
+            </a:r>
+            <a:r>
+              <a:rPr lang="tr-TR" sz="2000" dirty="0" err="1">
+                <a:solidFill>
+                  <a:srgbClr val="808080"/>
+                </a:solidFill>
+                <a:highlight>
+                  <a:srgbClr val="FEFCF5"/>
+                </a:highlight>
+                <a:latin typeface="Courier New" panose="02070309020205020404" pitchFamily="49" charset="0"/>
+              </a:rPr>
+              <a:t>html_field</a:t>
+            </a:r>
+            <a:r>
+              <a:rPr lang="tr-TR" sz="2000" dirty="0">
+                <a:solidFill>
+                  <a:srgbClr val="808080"/>
+                </a:solidFill>
+                <a:highlight>
+                  <a:srgbClr val="FEFCF5"/>
+                </a:highlight>
+                <a:latin typeface="Courier New" panose="02070309020205020404" pitchFamily="49" charset="0"/>
+              </a:rPr>
+              <a:t>'</a:t>
+            </a:r>
+            <a:r>
+              <a:rPr lang="tr-TR" sz="2000" dirty="0">
+                <a:solidFill>
+                  <a:srgbClr val="8000FF"/>
+                </a:solidFill>
+                <a:highlight>
+                  <a:srgbClr val="FEFCF5"/>
+                </a:highlight>
+                <a:latin typeface="Courier New" panose="02070309020205020404" pitchFamily="49" charset="0"/>
+              </a:rPr>
+              <a:t>,</a:t>
+            </a:r>
+            <a:r>
+              <a:rPr lang="tr-TR" sz="2000" dirty="0">
+                <a:solidFill>
+                  <a:srgbClr val="000000"/>
+                </a:solidFill>
+                <a:highlight>
+                  <a:srgbClr val="FEFCF5"/>
+                </a:highlight>
+                <a:latin typeface="Courier New" panose="02070309020205020404" pitchFamily="49" charset="0"/>
+              </a:rPr>
+              <a:t>    </a:t>
+            </a:r>
+          </a:p>
+          <a:p>
+            <a:r>
+              <a:rPr lang="tr-TR" sz="2000" dirty="0">
+                <a:solidFill>
+                  <a:srgbClr val="000000"/>
+                </a:solidFill>
+                <a:highlight>
+                  <a:srgbClr val="FEFCF5"/>
+                </a:highlight>
+                <a:latin typeface="Courier New" panose="02070309020205020404" pitchFamily="49" charset="0"/>
+              </a:rPr>
+              <a:t>    </a:t>
+            </a:r>
+            <a:r>
+              <a:rPr lang="tr-TR" sz="2000" dirty="0">
+                <a:solidFill>
+                  <a:srgbClr val="808080"/>
+                </a:solidFill>
+                <a:highlight>
+                  <a:srgbClr val="FEFCF5"/>
+                </a:highlight>
+                <a:latin typeface="Courier New" panose="02070309020205020404" pitchFamily="49" charset="0"/>
+              </a:rPr>
+              <a:t>'</a:t>
+            </a:r>
+            <a:r>
+              <a:rPr lang="tr-TR" sz="2000" dirty="0" err="1">
+                <a:solidFill>
+                  <a:srgbClr val="808080"/>
+                </a:solidFill>
+                <a:highlight>
+                  <a:srgbClr val="FEFCF5"/>
+                </a:highlight>
+                <a:latin typeface="Courier New" panose="02070309020205020404" pitchFamily="49" charset="0"/>
+              </a:rPr>
+              <a:t>author</a:t>
+            </a:r>
+            <a:r>
+              <a:rPr lang="tr-TR" sz="2000" dirty="0">
+                <a:solidFill>
+                  <a:srgbClr val="808080"/>
+                </a:solidFill>
+                <a:highlight>
+                  <a:srgbClr val="FEFCF5"/>
+                </a:highlight>
+                <a:latin typeface="Courier New" panose="02070309020205020404" pitchFamily="49" charset="0"/>
+              </a:rPr>
+              <a:t>'</a:t>
+            </a:r>
+            <a:r>
+              <a:rPr lang="tr-TR" sz="2000" dirty="0">
+                <a:solidFill>
+                  <a:srgbClr val="000000"/>
+                </a:solidFill>
+                <a:highlight>
+                  <a:srgbClr val="FEFCF5"/>
+                </a:highlight>
+                <a:latin typeface="Courier New" panose="02070309020205020404" pitchFamily="49" charset="0"/>
+              </a:rPr>
+              <a:t>   </a:t>
+            </a:r>
+            <a:r>
+              <a:rPr lang="tr-TR" sz="2000" dirty="0">
+                <a:solidFill>
+                  <a:srgbClr val="8000FF"/>
+                </a:solidFill>
+                <a:highlight>
+                  <a:srgbClr val="FEFCF5"/>
+                </a:highlight>
+                <a:latin typeface="Courier New" panose="02070309020205020404" pitchFamily="49" charset="0"/>
+              </a:rPr>
+              <a:t>=&gt;</a:t>
+            </a:r>
+            <a:r>
+              <a:rPr lang="tr-TR" sz="2000" dirty="0">
+                <a:solidFill>
+                  <a:srgbClr val="000000"/>
+                </a:solidFill>
+                <a:highlight>
+                  <a:srgbClr val="FEFCF5"/>
+                </a:highlight>
+                <a:latin typeface="Courier New" panose="02070309020205020404" pitchFamily="49" charset="0"/>
+              </a:rPr>
+              <a:t> </a:t>
+            </a:r>
+            <a:r>
+              <a:rPr lang="tr-TR" sz="2000" dirty="0">
+                <a:solidFill>
+                  <a:srgbClr val="808080"/>
+                </a:solidFill>
+                <a:highlight>
+                  <a:srgbClr val="FEFCF5"/>
+                </a:highlight>
+                <a:latin typeface="Courier New" panose="02070309020205020404" pitchFamily="49" charset="0"/>
+              </a:rPr>
+              <a:t>'</a:t>
+            </a:r>
+            <a:r>
+              <a:rPr lang="tr-TR" sz="2000" dirty="0" err="1">
+                <a:solidFill>
+                  <a:srgbClr val="808080"/>
+                </a:solidFill>
+                <a:highlight>
+                  <a:srgbClr val="FEFCF5"/>
+                </a:highlight>
+                <a:latin typeface="Courier New" panose="02070309020205020404" pitchFamily="49" charset="0"/>
+              </a:rPr>
+              <a:t>author_field</a:t>
+            </a:r>
+            <a:r>
+              <a:rPr lang="tr-TR" sz="2000" dirty="0">
+                <a:solidFill>
+                  <a:srgbClr val="808080"/>
+                </a:solidFill>
+                <a:highlight>
+                  <a:srgbClr val="FEFCF5"/>
+                </a:highlight>
+                <a:latin typeface="Courier New" panose="02070309020205020404" pitchFamily="49" charset="0"/>
+              </a:rPr>
+              <a:t>'</a:t>
+            </a:r>
+            <a:r>
+              <a:rPr lang="tr-TR" sz="2000" dirty="0">
+                <a:solidFill>
+                  <a:srgbClr val="8000FF"/>
+                </a:solidFill>
+                <a:highlight>
+                  <a:srgbClr val="FEFCF5"/>
+                </a:highlight>
+                <a:latin typeface="Courier New" panose="02070309020205020404" pitchFamily="49" charset="0"/>
+              </a:rPr>
+              <a:t>,</a:t>
+            </a:r>
+            <a:r>
+              <a:rPr lang="tr-TR" sz="2000" dirty="0">
+                <a:solidFill>
+                  <a:srgbClr val="000000"/>
+                </a:solidFill>
+                <a:highlight>
+                  <a:srgbClr val="FEFCF5"/>
+                </a:highlight>
+                <a:latin typeface="Courier New" panose="02070309020205020404" pitchFamily="49" charset="0"/>
+              </a:rPr>
+              <a:t>  </a:t>
+            </a:r>
+          </a:p>
+          <a:p>
+            <a:r>
+              <a:rPr lang="tr-TR" sz="2000" dirty="0">
+                <a:solidFill>
+                  <a:srgbClr val="000000"/>
+                </a:solidFill>
+                <a:highlight>
+                  <a:srgbClr val="FEFCF5"/>
+                </a:highlight>
+                <a:latin typeface="Courier New" panose="02070309020205020404" pitchFamily="49" charset="0"/>
+              </a:rPr>
+              <a:t>    </a:t>
+            </a:r>
+            <a:r>
+              <a:rPr lang="tr-TR" sz="2000" dirty="0" smtClean="0">
+                <a:solidFill>
+                  <a:srgbClr val="808080"/>
+                </a:solidFill>
+                <a:highlight>
+                  <a:srgbClr val="FEFCF5"/>
+                </a:highlight>
+                <a:latin typeface="Courier New" panose="02070309020205020404" pitchFamily="49" charset="0"/>
+              </a:rPr>
+              <a:t>'dizin‘    </a:t>
+            </a:r>
+            <a:r>
+              <a:rPr lang="tr-TR" sz="2000" dirty="0" smtClean="0">
+                <a:solidFill>
+                  <a:srgbClr val="8000FF"/>
+                </a:solidFill>
+                <a:highlight>
+                  <a:srgbClr val="FEFCF5"/>
+                </a:highlight>
+                <a:latin typeface="Courier New" panose="02070309020205020404" pitchFamily="49" charset="0"/>
+              </a:rPr>
+              <a:t>=&gt;</a:t>
+            </a:r>
+            <a:r>
+              <a:rPr lang="tr-TR" sz="2000" dirty="0" smtClean="0">
+                <a:solidFill>
+                  <a:srgbClr val="000000"/>
+                </a:solidFill>
+                <a:highlight>
+                  <a:srgbClr val="FEFCF5"/>
+                </a:highlight>
+                <a:latin typeface="Courier New" panose="02070309020205020404" pitchFamily="49" charset="0"/>
+              </a:rPr>
+              <a:t> </a:t>
+            </a:r>
+            <a:r>
+              <a:rPr lang="tr-TR" sz="2000" dirty="0">
+                <a:solidFill>
+                  <a:srgbClr val="808080"/>
+                </a:solidFill>
+                <a:highlight>
+                  <a:srgbClr val="FEFCF5"/>
+                </a:highlight>
+                <a:latin typeface="Courier New" panose="02070309020205020404" pitchFamily="49" charset="0"/>
+              </a:rPr>
+              <a:t>'dizin'</a:t>
+            </a:r>
+            <a:r>
+              <a:rPr lang="tr-TR" sz="2000" dirty="0">
+                <a:solidFill>
+                  <a:srgbClr val="8000FF"/>
+                </a:solidFill>
+                <a:highlight>
+                  <a:srgbClr val="FEFCF5"/>
+                </a:highlight>
+                <a:latin typeface="Courier New" panose="02070309020205020404" pitchFamily="49" charset="0"/>
+              </a:rPr>
+              <a:t>,</a:t>
+            </a:r>
+            <a:r>
+              <a:rPr lang="tr-TR" sz="2000" dirty="0">
+                <a:solidFill>
+                  <a:srgbClr val="000000"/>
+                </a:solidFill>
+                <a:highlight>
+                  <a:srgbClr val="FEFCF5"/>
+                </a:highlight>
+                <a:latin typeface="Courier New" panose="02070309020205020404" pitchFamily="49" charset="0"/>
+              </a:rPr>
+              <a:t>       </a:t>
+            </a:r>
+          </a:p>
+          <a:p>
+            <a:r>
+              <a:rPr lang="tr-TR" sz="2000" dirty="0">
+                <a:solidFill>
+                  <a:srgbClr val="000000"/>
+                </a:solidFill>
+                <a:highlight>
+                  <a:srgbClr val="FEFCF5"/>
+                </a:highlight>
+                <a:latin typeface="Courier New" panose="02070309020205020404" pitchFamily="49" charset="0"/>
+              </a:rPr>
+              <a:t>    </a:t>
+            </a:r>
+            <a:r>
+              <a:rPr lang="tr-TR" sz="2000" dirty="0">
+                <a:solidFill>
+                  <a:srgbClr val="808080"/>
+                </a:solidFill>
+                <a:highlight>
+                  <a:srgbClr val="FEFCF5"/>
+                </a:highlight>
+                <a:latin typeface="Courier New" panose="02070309020205020404" pitchFamily="49" charset="0"/>
+              </a:rPr>
+              <a:t>'</a:t>
+            </a:r>
+            <a:r>
+              <a:rPr lang="tr-TR" sz="2000" dirty="0" err="1">
+                <a:solidFill>
+                  <a:srgbClr val="808080"/>
+                </a:solidFill>
+                <a:highlight>
+                  <a:srgbClr val="FEFCF5"/>
+                </a:highlight>
+                <a:latin typeface="Courier New" panose="02070309020205020404" pitchFamily="49" charset="0"/>
+              </a:rPr>
+              <a:t>icerikdizin</a:t>
+            </a:r>
+            <a:r>
+              <a:rPr lang="tr-TR" sz="2000" dirty="0">
+                <a:solidFill>
+                  <a:srgbClr val="808080"/>
+                </a:solidFill>
+                <a:highlight>
+                  <a:srgbClr val="FEFCF5"/>
+                </a:highlight>
+                <a:latin typeface="Courier New" panose="02070309020205020404" pitchFamily="49" charset="0"/>
+              </a:rPr>
+              <a:t>'</a:t>
+            </a:r>
+            <a:r>
+              <a:rPr lang="tr-TR" sz="2000" dirty="0">
+                <a:solidFill>
+                  <a:srgbClr val="8000FF"/>
+                </a:solidFill>
+                <a:highlight>
+                  <a:srgbClr val="FEFCF5"/>
+                </a:highlight>
+                <a:latin typeface="Courier New" panose="02070309020205020404" pitchFamily="49" charset="0"/>
+              </a:rPr>
+              <a:t>=&gt;</a:t>
+            </a:r>
+            <a:r>
+              <a:rPr lang="tr-TR" sz="2000" dirty="0">
+                <a:solidFill>
+                  <a:srgbClr val="000000"/>
+                </a:solidFill>
+                <a:highlight>
+                  <a:srgbClr val="FEFCF5"/>
+                </a:highlight>
+                <a:latin typeface="Courier New" panose="02070309020205020404" pitchFamily="49" charset="0"/>
+              </a:rPr>
+              <a:t> </a:t>
+            </a:r>
+            <a:r>
+              <a:rPr lang="tr-TR" sz="2000" dirty="0">
+                <a:solidFill>
+                  <a:srgbClr val="808080"/>
+                </a:solidFill>
+                <a:highlight>
+                  <a:srgbClr val="FEFCF5"/>
+                </a:highlight>
+                <a:latin typeface="Courier New" panose="02070309020205020404" pitchFamily="49" charset="0"/>
+              </a:rPr>
+              <a:t>'</a:t>
+            </a:r>
+            <a:r>
+              <a:rPr lang="tr-TR" sz="2000" dirty="0" err="1">
+                <a:solidFill>
+                  <a:srgbClr val="808080"/>
+                </a:solidFill>
+                <a:highlight>
+                  <a:srgbClr val="FEFCF5"/>
+                </a:highlight>
+                <a:latin typeface="Courier New" panose="02070309020205020404" pitchFamily="49" charset="0"/>
+              </a:rPr>
+              <a:t>icerikdizin</a:t>
+            </a:r>
+            <a:r>
+              <a:rPr lang="tr-TR" sz="2000" dirty="0">
+                <a:solidFill>
+                  <a:srgbClr val="808080"/>
+                </a:solidFill>
+                <a:highlight>
+                  <a:srgbClr val="FEFCF5"/>
+                </a:highlight>
+                <a:latin typeface="Courier New" panose="02070309020205020404" pitchFamily="49" charset="0"/>
+              </a:rPr>
+              <a:t>'</a:t>
+            </a:r>
+            <a:r>
+              <a:rPr lang="tr-TR" sz="2000" dirty="0">
+                <a:solidFill>
+                  <a:srgbClr val="8000FF"/>
+                </a:solidFill>
+                <a:highlight>
+                  <a:srgbClr val="FEFCF5"/>
+                </a:highlight>
+                <a:latin typeface="Courier New" panose="02070309020205020404" pitchFamily="49" charset="0"/>
+              </a:rPr>
+              <a:t>,</a:t>
+            </a:r>
+            <a:r>
+              <a:rPr lang="tr-TR" sz="2000" dirty="0">
+                <a:solidFill>
+                  <a:srgbClr val="000000"/>
+                </a:solidFill>
+                <a:highlight>
+                  <a:srgbClr val="FEFCF5"/>
+                </a:highlight>
+                <a:latin typeface="Courier New" panose="02070309020205020404" pitchFamily="49" charset="0"/>
+              </a:rPr>
+              <a:t>       </a:t>
+            </a:r>
+          </a:p>
+          <a:p>
+            <a:r>
+              <a:rPr lang="tr-TR" sz="2000" dirty="0">
+                <a:solidFill>
+                  <a:srgbClr val="000000"/>
+                </a:solidFill>
+                <a:highlight>
+                  <a:srgbClr val="FEFCF5"/>
+                </a:highlight>
+                <a:latin typeface="Courier New" panose="02070309020205020404" pitchFamily="49" charset="0"/>
+              </a:rPr>
+              <a:t>    </a:t>
+            </a:r>
+            <a:r>
+              <a:rPr lang="tr-TR" sz="2000" dirty="0" smtClean="0">
+                <a:solidFill>
+                  <a:srgbClr val="808080"/>
+                </a:solidFill>
+                <a:highlight>
+                  <a:srgbClr val="FEFCF5"/>
+                </a:highlight>
+                <a:latin typeface="Courier New" panose="02070309020205020404" pitchFamily="49" charset="0"/>
+              </a:rPr>
+              <a:t>'</a:t>
+            </a:r>
+            <a:r>
+              <a:rPr lang="tr-TR" sz="2000" dirty="0" err="1" smtClean="0">
+                <a:solidFill>
+                  <a:srgbClr val="808080"/>
+                </a:solidFill>
+                <a:highlight>
+                  <a:srgbClr val="FEFCF5"/>
+                </a:highlight>
+                <a:latin typeface="Courier New" panose="02070309020205020404" pitchFamily="49" charset="0"/>
+              </a:rPr>
+              <a:t>sablon</a:t>
+            </a:r>
+            <a:r>
+              <a:rPr lang="tr-TR" sz="2000" dirty="0" smtClean="0">
+                <a:solidFill>
+                  <a:srgbClr val="808080"/>
+                </a:solidFill>
+                <a:highlight>
+                  <a:srgbClr val="FEFCF5"/>
+                </a:highlight>
+                <a:latin typeface="Courier New" panose="02070309020205020404" pitchFamily="49" charset="0"/>
+              </a:rPr>
+              <a:t>‘   </a:t>
+            </a:r>
+            <a:r>
+              <a:rPr lang="tr-TR" sz="2000" dirty="0" smtClean="0">
+                <a:solidFill>
+                  <a:srgbClr val="8000FF"/>
+                </a:solidFill>
+                <a:highlight>
+                  <a:srgbClr val="FEFCF5"/>
+                </a:highlight>
+                <a:latin typeface="Courier New" panose="02070309020205020404" pitchFamily="49" charset="0"/>
+              </a:rPr>
+              <a:t>=&gt;</a:t>
+            </a:r>
+            <a:r>
+              <a:rPr lang="tr-TR" sz="2000" dirty="0" smtClean="0">
+                <a:solidFill>
+                  <a:srgbClr val="000000"/>
+                </a:solidFill>
+                <a:highlight>
+                  <a:srgbClr val="FEFCF5"/>
+                </a:highlight>
+                <a:latin typeface="Courier New" panose="02070309020205020404" pitchFamily="49" charset="0"/>
+              </a:rPr>
+              <a:t> </a:t>
+            </a:r>
+            <a:r>
+              <a:rPr lang="tr-TR" sz="2000" dirty="0">
+                <a:solidFill>
+                  <a:srgbClr val="808080"/>
+                </a:solidFill>
+                <a:highlight>
+                  <a:srgbClr val="FEFCF5"/>
+                </a:highlight>
+                <a:latin typeface="Courier New" panose="02070309020205020404" pitchFamily="49" charset="0"/>
+              </a:rPr>
+              <a:t>'</a:t>
+            </a:r>
+            <a:r>
+              <a:rPr lang="tr-TR" sz="2000" dirty="0" err="1">
+                <a:solidFill>
+                  <a:srgbClr val="808080"/>
+                </a:solidFill>
+                <a:highlight>
+                  <a:srgbClr val="FEFCF5"/>
+                </a:highlight>
+                <a:latin typeface="Courier New" panose="02070309020205020404" pitchFamily="49" charset="0"/>
+              </a:rPr>
+              <a:t>sablon</a:t>
+            </a:r>
+            <a:r>
+              <a:rPr lang="tr-TR" sz="2000" dirty="0">
+                <a:solidFill>
+                  <a:srgbClr val="808080"/>
+                </a:solidFill>
+                <a:highlight>
+                  <a:srgbClr val="FEFCF5"/>
+                </a:highlight>
+                <a:latin typeface="Courier New" panose="02070309020205020404" pitchFamily="49" charset="0"/>
+              </a:rPr>
+              <a:t>'</a:t>
+            </a:r>
+            <a:r>
+              <a:rPr lang="tr-TR" sz="2000" dirty="0">
+                <a:solidFill>
+                  <a:srgbClr val="000000"/>
+                </a:solidFill>
+                <a:highlight>
+                  <a:srgbClr val="FEFCF5"/>
+                </a:highlight>
+                <a:latin typeface="Courier New" panose="02070309020205020404" pitchFamily="49" charset="0"/>
+              </a:rPr>
+              <a:t>      </a:t>
+            </a:r>
+          </a:p>
+          <a:p>
+            <a:r>
+              <a:rPr lang="tr-TR" sz="2000" dirty="0" smtClean="0">
+                <a:solidFill>
+                  <a:srgbClr val="8000FF"/>
+                </a:solidFill>
+                <a:highlight>
+                  <a:srgbClr val="FEFCF5"/>
+                </a:highlight>
+                <a:latin typeface="Courier New" panose="02070309020205020404" pitchFamily="49" charset="0"/>
+              </a:rPr>
+              <a:t>));</a:t>
+            </a:r>
+          </a:p>
+          <a:p>
+            <a:endParaRPr lang="tr-TR" sz="2000" dirty="0">
+              <a:solidFill>
+                <a:srgbClr val="000000"/>
+              </a:solidFill>
+              <a:highlight>
+                <a:srgbClr val="FEFCF5"/>
+              </a:highlight>
+              <a:latin typeface="Courier New" panose="02070309020205020404" pitchFamily="49" charset="0"/>
+            </a:endParaRPr>
+          </a:p>
+          <a:p>
+            <a:r>
+              <a:rPr lang="tr-TR" sz="2000" dirty="0">
+                <a:solidFill>
+                  <a:srgbClr val="000080"/>
+                </a:solidFill>
+                <a:highlight>
+                  <a:srgbClr val="FEFCF5"/>
+                </a:highlight>
+                <a:latin typeface="Courier New" panose="02070309020205020404" pitchFamily="49" charset="0"/>
+              </a:rPr>
+              <a:t>$</a:t>
+            </a:r>
+            <a:r>
+              <a:rPr lang="tr-TR" sz="2000" dirty="0" err="1">
+                <a:solidFill>
+                  <a:srgbClr val="000080"/>
+                </a:solidFill>
+                <a:highlight>
+                  <a:srgbClr val="FEFCF5"/>
+                </a:highlight>
+                <a:latin typeface="Courier New" panose="02070309020205020404" pitchFamily="49" charset="0"/>
+              </a:rPr>
+              <a:t>count</a:t>
+            </a:r>
+            <a:r>
+              <a:rPr lang="tr-TR" sz="2000" dirty="0">
+                <a:solidFill>
+                  <a:srgbClr val="000000"/>
+                </a:solidFill>
+                <a:highlight>
+                  <a:srgbClr val="FEFCF5"/>
+                </a:highlight>
+                <a:latin typeface="Courier New" panose="02070309020205020404" pitchFamily="49" charset="0"/>
+              </a:rPr>
+              <a:t> </a:t>
+            </a:r>
+            <a:r>
+              <a:rPr lang="tr-TR" sz="2000" dirty="0">
+                <a:solidFill>
+                  <a:srgbClr val="8000FF"/>
+                </a:solidFill>
+                <a:highlight>
+                  <a:srgbClr val="FEFCF5"/>
+                </a:highlight>
+                <a:latin typeface="Courier New" panose="02070309020205020404" pitchFamily="49" charset="0"/>
+              </a:rPr>
+              <a:t>=</a:t>
+            </a:r>
+            <a:r>
+              <a:rPr lang="tr-TR" sz="2000" dirty="0">
+                <a:solidFill>
+                  <a:srgbClr val="000000"/>
+                </a:solidFill>
+                <a:highlight>
+                  <a:srgbClr val="FEFCF5"/>
+                </a:highlight>
+                <a:latin typeface="Courier New" panose="02070309020205020404" pitchFamily="49" charset="0"/>
+              </a:rPr>
+              <a:t> </a:t>
+            </a:r>
+            <a:r>
+              <a:rPr lang="tr-TR" sz="2000" dirty="0">
+                <a:solidFill>
+                  <a:srgbClr val="000080"/>
+                </a:solidFill>
+                <a:highlight>
+                  <a:srgbClr val="FEFCF5"/>
+                </a:highlight>
+                <a:latin typeface="Courier New" panose="02070309020205020404" pitchFamily="49" charset="0"/>
+              </a:rPr>
+              <a:t>$</a:t>
+            </a:r>
+            <a:r>
+              <a:rPr lang="tr-TR" sz="2000" dirty="0" err="1">
+                <a:solidFill>
+                  <a:srgbClr val="000080"/>
+                </a:solidFill>
+                <a:highlight>
+                  <a:srgbClr val="FEFCF5"/>
+                </a:highlight>
+                <a:latin typeface="Courier New" panose="02070309020205020404" pitchFamily="49" charset="0"/>
+              </a:rPr>
+              <a:t>conversion</a:t>
+            </a:r>
+            <a:r>
+              <a:rPr lang="tr-TR" sz="2000" dirty="0">
+                <a:solidFill>
+                  <a:srgbClr val="8000FF"/>
+                </a:solidFill>
+                <a:highlight>
+                  <a:srgbClr val="FEFCF5"/>
+                </a:highlight>
+                <a:latin typeface="Courier New" panose="02070309020205020404" pitchFamily="49" charset="0"/>
+              </a:rPr>
+              <a:t>-&gt;</a:t>
+            </a:r>
+            <a:r>
+              <a:rPr lang="tr-TR" sz="2000" dirty="0" err="1">
+                <a:solidFill>
+                  <a:srgbClr val="000000"/>
+                </a:solidFill>
+                <a:highlight>
+                  <a:srgbClr val="FEFCF5"/>
+                </a:highlight>
+                <a:latin typeface="Courier New" panose="02070309020205020404" pitchFamily="49" charset="0"/>
+              </a:rPr>
+              <a:t>build</a:t>
+            </a:r>
+            <a:r>
+              <a:rPr lang="tr-TR" sz="2000" dirty="0">
+                <a:solidFill>
+                  <a:srgbClr val="8000FF"/>
+                </a:solidFill>
+                <a:highlight>
+                  <a:srgbClr val="FEFCF5"/>
+                </a:highlight>
+                <a:latin typeface="Courier New" panose="02070309020205020404" pitchFamily="49" charset="0"/>
+              </a:rPr>
+              <a:t>();</a:t>
+            </a:r>
+            <a:endParaRPr lang="tr-TR" sz="2000" dirty="0">
+              <a:solidFill>
+                <a:srgbClr val="000000"/>
+              </a:solidFill>
+              <a:highlight>
+                <a:srgbClr val="FFFFFF"/>
+              </a:highlight>
+              <a:latin typeface="Consolas" panose="020B0609020204030204" pitchFamily="49" charset="0"/>
+            </a:endParaRPr>
+          </a:p>
+        </p:txBody>
+      </p:sp>
+    </p:spTree>
+    <p:extLst>
+      <p:ext uri="{BB962C8B-B14F-4D97-AF65-F5344CB8AC3E}">
+        <p14:creationId xmlns:p14="http://schemas.microsoft.com/office/powerpoint/2010/main" val="3654598423"/>
+      </p:ext>
+    </p:extLst>
+  </p:cSld>
+  <p:clrMapOvr>
+    <a:masterClrMapping/>
+  </p:clrMapOvr>
+  <p:timing>
+    <p:tnLst>
+      <p:par>
+        <p:cTn id="1" dur="indefinite" restart="never" nodeType="tmRoot"/>
+      </p:par>
+    </p:tnLst>
+  </p:timing>
+</p:sld>
+</file>
+
+<file path=ppt/slides/slide23.xml><?xml version="1.0" encoding="utf-8"?>
+<p:sld xmlns:a="http://schemas.openxmlformats.org/drawingml/2006/main" xmlns:r="http://schemas.openxmlformats.org/officeDocument/2006/relationships" xmlns:p="http://schemas.openxmlformats.org/presentationml/2006/main">
+  <p:cSld>
+    <p:bg>
+      <p:bgPr>
+        <a:blipFill dpi="0" rotWithShape="1">
+          <a:blip r:embed="rId2">
+            <a:lum/>
+          </a:blip>
+          <a:srcRect/>
+          <a:stretch>
+            <a:fillRect/>
+          </a:stretch>
+        </a:blipFill>
+        <a:effectLst/>
+      </p:bgPr>
+    </p:bg>
+    <p:spTree>
+      <p:nvGrpSpPr>
+        <p:cNvPr id="1" name=""/>
+        <p:cNvGrpSpPr/>
+        <p:nvPr/>
+      </p:nvGrpSpPr>
+      <p:grpSpPr>
+        <a:xfrm>
+          <a:off x="0" y="0"/>
+          <a:ext cx="0" cy="0"/>
+          <a:chOff x="0" y="0"/>
+          <a:chExt cx="0" cy="0"/>
+        </a:xfrm>
+      </p:grpSpPr>
+      <p:sp>
+        <p:nvSpPr>
+          <p:cNvPr id="2" name="Metin kutusu 1"/>
+          <p:cNvSpPr txBox="1"/>
+          <p:nvPr/>
+        </p:nvSpPr>
+        <p:spPr>
+          <a:xfrm>
+            <a:off x="499742" y="4971245"/>
+            <a:ext cx="11557417" cy="461665"/>
+          </a:xfrm>
+          <a:prstGeom prst="rect">
+            <a:avLst/>
+          </a:prstGeom>
+          <a:noFill/>
+        </p:spPr>
+        <p:txBody>
+          <a:bodyPr wrap="square" rtlCol="0">
+            <a:spAutoFit/>
+          </a:bodyPr>
+          <a:lstStyle/>
+          <a:p>
+            <a:pPr algn="ctr"/>
+            <a:r>
+              <a:rPr lang="tr-TR" sz="2400" b="1" dirty="0">
+                <a:solidFill>
+                  <a:schemeClr val="bg1"/>
+                </a:solidFill>
+                <a:latin typeface="Courier New" panose="02070309020205020404" pitchFamily="49" charset="0"/>
+                <a:cs typeface="Courier New" panose="02070309020205020404" pitchFamily="49" charset="0"/>
+              </a:rPr>
+              <a:t>https://</a:t>
+            </a:r>
+            <a:r>
+              <a:rPr lang="tr-TR" sz="2400" b="1" dirty="0" smtClean="0">
+                <a:solidFill>
+                  <a:schemeClr val="bg1"/>
+                </a:solidFill>
+                <a:latin typeface="Courier New" panose="02070309020205020404" pitchFamily="49" charset="0"/>
+                <a:cs typeface="Courier New" panose="02070309020205020404" pitchFamily="49" charset="0"/>
+              </a:rPr>
+              <a:t>github.com/smcn/dns/</a:t>
+            </a:r>
+            <a:endParaRPr lang="tr-TR" sz="2400" b="1" dirty="0">
+              <a:solidFill>
+                <a:schemeClr val="bg1"/>
+              </a:solidFill>
+              <a:latin typeface="Courier New" panose="02070309020205020404" pitchFamily="49" charset="0"/>
+              <a:cs typeface="Courier New" panose="02070309020205020404" pitchFamily="49" charset="0"/>
+            </a:endParaRPr>
+          </a:p>
+        </p:txBody>
+      </p:sp>
+      <p:pic>
+        <p:nvPicPr>
+          <p:cNvPr id="3" name="Resim 2"/>
+          <p:cNvPicPr>
+            <a:picLocks noChangeAspect="1"/>
+          </p:cNvPicPr>
+          <p:nvPr/>
+        </p:nvPicPr>
+        <p:blipFill>
+          <a:blip r:embed="rId3" cstate="print">
+            <a:extLst>
+              <a:ext uri="{28A0092B-C50C-407E-A947-70E740481C1C}">
+                <a14:useLocalDpi xmlns:a14="http://schemas.microsoft.com/office/drawing/2010/main" val="0"/>
+              </a:ext>
+            </a:extLst>
+          </a:blip>
+          <a:stretch>
+            <a:fillRect/>
+          </a:stretch>
+        </p:blipFill>
+        <p:spPr>
+          <a:xfrm>
+            <a:off x="499742" y="450197"/>
+            <a:ext cx="2649044" cy="734310"/>
+          </a:xfrm>
+          <a:prstGeom prst="rect">
+            <a:avLst/>
+          </a:prstGeom>
+        </p:spPr>
+      </p:pic>
+      <p:sp>
+        <p:nvSpPr>
           <p:cNvPr id="6" name="Metin kutusu 5"/>
           <p:cNvSpPr txBox="1"/>
           <p:nvPr/>
@@ -20582,8 +21714,9 @@
                 <a:solidFill>
                   <a:schemeClr val="accent1"/>
                 </a:solidFill>
-                <a:latin typeface="Courier New" panose="02070309020205020404" pitchFamily="49" charset="0"/>
+                <a:latin typeface="Consolas" panose="020B0609020204030204" pitchFamily="49" charset="0"/>
                 <a:cs typeface="Courier New" panose="02070309020205020404" pitchFamily="49" charset="0"/>
+                <a:hlinkClick r:id="rId4"/>
               </a:rPr>
               <a:t>https://</a:t>
             </a:r>
@@ -20592,8 +21725,9 @@
                 <a:solidFill>
                   <a:schemeClr val="accent1"/>
                 </a:solidFill>
-                <a:latin typeface="Courier New" panose="02070309020205020404" pitchFamily="49" charset="0"/>
+                <a:latin typeface="Consolas" panose="020B0609020204030204" pitchFamily="49" charset="0"/>
                 <a:cs typeface="Courier New" panose="02070309020205020404" pitchFamily="49" charset="0"/>
+                <a:hlinkClick r:id="rId4"/>
               </a:rPr>
               <a:t>github.com/smcn/grav/</a:t>
             </a:r>
@@ -20601,7 +21735,7 @@
               <a:solidFill>
                 <a:schemeClr val="accent1"/>
               </a:solidFill>
-              <a:latin typeface="Courier New" panose="02070309020205020404" pitchFamily="49" charset="0"/>
+              <a:latin typeface="Consolas" panose="020B0609020204030204" pitchFamily="49" charset="0"/>
               <a:cs typeface="Courier New" panose="02070309020205020404" pitchFamily="49" charset="0"/>
             </a:endParaRPr>
           </a:p>
@@ -20615,7 +21749,7 @@
         </p:nvSpPr>
         <p:spPr>
           <a:xfrm>
-            <a:off x="830580" y="5420031"/>
+            <a:off x="944880" y="5420031"/>
             <a:ext cx="10888980" cy="461665"/>
           </a:xfrm>
           <a:prstGeom prst="rect">
@@ -20635,7 +21769,7 @@
                 <a:solidFill>
                   <a:schemeClr val="accent1"/>
                 </a:solidFill>
-                <a:latin typeface="Courier New" panose="02070309020205020404" pitchFamily="49" charset="0"/>
+                <a:latin typeface="Consolas" panose="020B0609020204030204" pitchFamily="49" charset="0"/>
                 <a:cs typeface="Courier New" panose="02070309020205020404" pitchFamily="49" charset="0"/>
               </a:rPr>
               <a:t>Öğr</a:t>
@@ -20645,7 +21779,7 @@
                 <a:solidFill>
                   <a:schemeClr val="accent1"/>
                 </a:solidFill>
-                <a:latin typeface="Courier New" panose="02070309020205020404" pitchFamily="49" charset="0"/>
+                <a:latin typeface="Consolas" panose="020B0609020204030204" pitchFamily="49" charset="0"/>
                 <a:cs typeface="Courier New" panose="02070309020205020404" pitchFamily="49" charset="0"/>
               </a:rPr>
               <a:t>. Gör. İsmail CAN  -  can@omu.edu.tr</a:t>
@@ -20654,7 +21788,7 @@
               <a:solidFill>
                 <a:schemeClr val="accent1"/>
               </a:solidFill>
-              <a:latin typeface="Courier New" panose="02070309020205020404" pitchFamily="49" charset="0"/>
+              <a:latin typeface="Consolas" panose="020B0609020204030204" pitchFamily="49" charset="0"/>
               <a:cs typeface="Courier New" panose="02070309020205020404" pitchFamily="49" charset="0"/>
             </a:endParaRPr>
           </a:p>
@@ -20669,7 +21803,7 @@
         <p:spPr>
           <a:xfrm>
             <a:off x="944880" y="2997229"/>
-            <a:ext cx="10774680" cy="1107996"/>
+            <a:ext cx="10774680" cy="461665"/>
           </a:xfrm>
           <a:prstGeom prst="rect">
             <a:avLst/>
@@ -20684,20 +21818,20 @@
           <a:p>
             <a:pPr algn="ctr"/>
             <a:r>
-              <a:rPr lang="tr-TR" sz="6600" b="1" dirty="0" smtClean="0">
+              <a:rPr lang="tr-TR" sz="2400" b="1" dirty="0" smtClean="0">
                 <a:solidFill>
                   <a:schemeClr val="accent1"/>
                 </a:solidFill>
-                <a:latin typeface="Courier New" panose="02070309020205020404" pitchFamily="49" charset="0"/>
+                <a:latin typeface="Consolas" panose="020B0609020204030204" pitchFamily="49" charset="0"/>
                 <a:cs typeface="Courier New" panose="02070309020205020404" pitchFamily="49" charset="0"/>
               </a:rPr>
-              <a:t>Sorular? </a:t>
-            </a:r>
-            <a:endParaRPr lang="tr-TR" sz="6600" b="1" dirty="0">
+              <a:t>Dinlediğiniz için teşekkürler? </a:t>
+            </a:r>
+            <a:endParaRPr lang="tr-TR" sz="2400" b="1" dirty="0">
               <a:solidFill>
                 <a:schemeClr val="accent1"/>
               </a:solidFill>
-              <a:latin typeface="Courier New" panose="02070309020205020404" pitchFamily="49" charset="0"/>
+              <a:latin typeface="Consolas" panose="020B0609020204030204" pitchFamily="49" charset="0"/>
               <a:cs typeface="Courier New" panose="02070309020205020404" pitchFamily="49" charset="0"/>
             </a:endParaRPr>
           </a:p>
@@ -21449,7 +22583,7 @@
         </p:nvSpPr>
         <p:spPr>
           <a:xfrm>
-            <a:off x="781234" y="1587010"/>
+            <a:off x="752100" y="1506328"/>
             <a:ext cx="11052699" cy="4893647"/>
           </a:xfrm>
           <a:prstGeom prst="rect">
@@ -21475,6 +22609,10 @@
             </a:endParaRPr>
           </a:p>
           <a:p>
+            <a:pPr marL="342900" indent="-342900">
+              <a:buFont typeface="Wingdings" panose="05000000000000000000" pitchFamily="2" charset="2"/>
+              <a:buChar char="q"/>
+            </a:pPr>
             <a:r>
               <a:rPr lang="tr-TR" sz="2200" dirty="0" smtClean="0">
                 <a:latin typeface="Consolas" panose="020B0609020204030204" pitchFamily="49" charset="0"/>
@@ -21507,39 +22645,48 @@
             </a:r>
           </a:p>
           <a:p>
+            <a:endParaRPr lang="tr-TR" sz="2200" dirty="0" smtClean="0">
+              <a:latin typeface="Consolas" panose="020B0609020204030204" pitchFamily="49" charset="0"/>
+            </a:endParaRPr>
+          </a:p>
+          <a:p>
+            <a:pPr marL="342900" indent="-342900">
+              <a:buFont typeface="Wingdings" panose="05000000000000000000" pitchFamily="2" charset="2"/>
+              <a:buChar char="q"/>
+            </a:pPr>
+            <a:r>
+              <a:rPr lang="tr-TR" sz="2200" dirty="0">
+                <a:latin typeface="Consolas" panose="020B0609020204030204" pitchFamily="49" charset="0"/>
+              </a:rPr>
+              <a:t>Sayfaların, karmaşık veri tabanı </a:t>
+            </a:r>
             <a:r>
               <a:rPr lang="tr-TR" sz="2200" dirty="0" smtClean="0">
                 <a:latin typeface="Consolas" panose="020B0609020204030204" pitchFamily="49" charset="0"/>
               </a:rPr>
-              <a:t> </a:t>
-            </a:r>
-          </a:p>
-          <a:p>
+              <a:t>tablo ilişkileri </a:t>
+            </a:r>
             <a:r>
               <a:rPr lang="tr-TR" sz="2200" dirty="0">
                 <a:latin typeface="Consolas" panose="020B0609020204030204" pitchFamily="49" charset="0"/>
               </a:rPr>
-              <a:t>Sayfaların, karmaşık veri tabanı </a:t>
-            </a:r>
-            <a:r>
-              <a:rPr lang="tr-TR" sz="2200" dirty="0" smtClean="0">
-                <a:latin typeface="Consolas" panose="020B0609020204030204" pitchFamily="49" charset="0"/>
-              </a:rPr>
-              <a:t>tablo ilişkileri </a:t>
-            </a:r>
-            <a:r>
-              <a:rPr lang="tr-TR" sz="2200" dirty="0">
-                <a:latin typeface="Consolas" panose="020B0609020204030204" pitchFamily="49" charset="0"/>
-              </a:rPr>
               <a:t>yerine hiyerarşik bir ağaç yapısında olması, daha anlaşılır hale getirir.</a:t>
             </a:r>
           </a:p>
           <a:p>
+            <a:pPr marL="342900" indent="-342900">
+              <a:buFont typeface="Wingdings" panose="05000000000000000000" pitchFamily="2" charset="2"/>
+              <a:buChar char="q"/>
+            </a:pPr>
             <a:endParaRPr lang="tr-TR" sz="2200" dirty="0">
               <a:latin typeface="Consolas" panose="020B0609020204030204" pitchFamily="49" charset="0"/>
             </a:endParaRPr>
           </a:p>
           <a:p>
+            <a:pPr marL="342900" indent="-342900">
+              <a:buFont typeface="Wingdings" panose="05000000000000000000" pitchFamily="2" charset="2"/>
+              <a:buChar char="q"/>
+            </a:pPr>
             <a:r>
               <a:rPr lang="tr-TR" sz="2200" dirty="0" smtClean="0">
                 <a:latin typeface="Consolas" panose="020B0609020204030204" pitchFamily="49" charset="0"/>
@@ -21602,22 +22749,30 @@
             </a:r>
           </a:p>
           <a:p>
+            <a:pPr marL="342900" indent="-342900">
+              <a:buFont typeface="Wingdings" panose="05000000000000000000" pitchFamily="2" charset="2"/>
+              <a:buChar char="q"/>
+            </a:pPr>
             <a:endParaRPr lang="tr-TR" sz="2200" dirty="0" smtClean="0">
               <a:latin typeface="Consolas" panose="020B0609020204030204" pitchFamily="49" charset="0"/>
             </a:endParaRPr>
           </a:p>
           <a:p>
-            <a:r>
-              <a:rPr lang="tr-TR" sz="2200" dirty="0">
-                <a:latin typeface="Consolas" panose="020B0609020204030204" pitchFamily="49" charset="0"/>
-              </a:rPr>
-              <a:t>Her işi değil, işimize yarayanı </a:t>
-            </a:r>
+            <a:pPr marL="342900" indent="-342900">
+              <a:buFont typeface="Wingdings" panose="05000000000000000000" pitchFamily="2" charset="2"/>
+              <a:buChar char="q"/>
+            </a:pPr>
             <a:r>
               <a:rPr lang="tr-TR" sz="2200" dirty="0" smtClean="0">
                 <a:latin typeface="Consolas" panose="020B0609020204030204" pitchFamily="49" charset="0"/>
               </a:rPr>
-              <a:t>en iyi şekilde yapar.</a:t>
+              <a:t>Basit ve hızlıdır</a:t>
+            </a:r>
+            <a:r>
+              <a:rPr lang="tr-TR" sz="2200" dirty="0" smtClean="0">
+                <a:latin typeface="Consolas" panose="020B0609020204030204" pitchFamily="49" charset="0"/>
+              </a:rPr>
+              <a:t>.</a:t>
             </a:r>
             <a:endParaRPr lang="tr-TR" sz="2200" dirty="0">
               <a:latin typeface="Consolas" panose="020B0609020204030204" pitchFamily="49" charset="0"/>
@@ -21810,7 +22965,7 @@
         <p:spPr>
           <a:xfrm>
             <a:off x="363984" y="1587010"/>
-            <a:ext cx="11549849" cy="4401205"/>
+            <a:ext cx="11549849" cy="3416320"/>
           </a:xfrm>
           <a:prstGeom prst="rect">
             <a:avLst/>
@@ -21823,19 +22978,19 @@
           <a:lstStyle/>
           <a:p>
             <a:r>
-              <a:rPr lang="tr-TR" sz="2800" dirty="0" err="1">
+              <a:rPr lang="tr-TR" sz="2400" dirty="0" err="1">
                 <a:latin typeface="Consolas" panose="020B0609020204030204" pitchFamily="49" charset="0"/>
               </a:rPr>
               <a:t>Grav</a:t>
             </a:r>
             <a:r>
-              <a:rPr lang="tr-TR" sz="2800" dirty="0">
+              <a:rPr lang="tr-TR" sz="2400" dirty="0">
                 <a:latin typeface="Consolas" panose="020B0609020204030204" pitchFamily="49" charset="0"/>
               </a:rPr>
               <a:t> kasıtlı olarak az sayıda gereksinimle tasarlanmıştır</a:t>
             </a:r>
             <a:r>
-              <a:rPr lang="tr-TR" sz="2800" dirty="0" smtClean="0">
+              <a:rPr lang="tr-TR" sz="2400" dirty="0" smtClean="0">
                 <a:latin typeface="Consolas" panose="020B0609020204030204" pitchFamily="49" charset="0"/>
               </a:rPr>
               <a:t>.</a:t>
@@ -21843,12 +22998,12 @@
           </a:p>
           <a:p>
             <a:r>
-              <a:rPr lang="tr-TR" sz="2800" dirty="0" smtClean="0">
+              <a:rPr lang="tr-TR" sz="2400" dirty="0" smtClean="0">
                 <a:latin typeface="Consolas" panose="020B0609020204030204" pitchFamily="49" charset="0"/>
               </a:rPr>
               <a:t> </a:t>
             </a:r>
-            <a:endParaRPr lang="tr-TR" sz="2800" dirty="0">
+            <a:endParaRPr lang="tr-TR" sz="2400" dirty="0">
               <a:latin typeface="Consolas" panose="020B0609020204030204" pitchFamily="49" charset="0"/>
             </a:endParaRPr>
           </a:p>
@@ -21858,67 +23013,67 @@
               <a:buChar char="q"/>
             </a:pPr>
             <a:r>
-              <a:rPr lang="tr-TR" sz="2800" dirty="0">
+              <a:rPr lang="tr-TR" sz="2400" dirty="0">
                 <a:latin typeface="Consolas" panose="020B0609020204030204" pitchFamily="49" charset="0"/>
               </a:rPr>
               <a:t>Web </a:t>
             </a:r>
             <a:r>
-              <a:rPr lang="tr-TR" sz="2800" dirty="0" smtClean="0">
+              <a:rPr lang="tr-TR" sz="2400" dirty="0" smtClean="0">
                 <a:latin typeface="Consolas" panose="020B0609020204030204" pitchFamily="49" charset="0"/>
               </a:rPr>
               <a:t>Sunucusu, </a:t>
             </a:r>
             <a:r>
-              <a:rPr lang="tr-TR" sz="2800" dirty="0" err="1" smtClean="0">
+              <a:rPr lang="tr-TR" sz="2400" dirty="0" err="1" smtClean="0">
                 <a:latin typeface="Consolas" panose="020B0609020204030204" pitchFamily="49" charset="0"/>
               </a:rPr>
               <a:t>Apache</a:t>
             </a:r>
             <a:r>
-              <a:rPr lang="tr-TR" sz="2800" dirty="0">
+              <a:rPr lang="tr-TR" sz="2400" dirty="0">
                 <a:latin typeface="Consolas" panose="020B0609020204030204" pitchFamily="49" charset="0"/>
               </a:rPr>
               <a:t>, </a:t>
             </a:r>
             <a:r>
-              <a:rPr lang="tr-TR" sz="2800" dirty="0" err="1">
+              <a:rPr lang="tr-TR" sz="2400" dirty="0" err="1">
                 <a:latin typeface="Consolas" panose="020B0609020204030204" pitchFamily="49" charset="0"/>
               </a:rPr>
               <a:t>Nginx</a:t>
             </a:r>
             <a:r>
-              <a:rPr lang="tr-TR" sz="2800" dirty="0">
+              <a:rPr lang="tr-TR" sz="2400" dirty="0">
                 <a:latin typeface="Consolas" panose="020B0609020204030204" pitchFamily="49" charset="0"/>
               </a:rPr>
               <a:t>, </a:t>
             </a:r>
             <a:r>
-              <a:rPr lang="tr-TR" sz="2800" dirty="0" err="1">
+              <a:rPr lang="tr-TR" sz="2400" dirty="0" err="1">
                 <a:latin typeface="Consolas" panose="020B0609020204030204" pitchFamily="49" charset="0"/>
               </a:rPr>
               <a:t>LiteSpeed</a:t>
             </a:r>
             <a:r>
-              <a:rPr lang="tr-TR" sz="2800" dirty="0">
+              <a:rPr lang="tr-TR" sz="2400" dirty="0">
                 <a:latin typeface="Consolas" panose="020B0609020204030204" pitchFamily="49" charset="0"/>
               </a:rPr>
               <a:t>, </a:t>
             </a:r>
             <a:r>
-              <a:rPr lang="tr-TR" sz="2800" dirty="0" err="1">
+              <a:rPr lang="tr-TR" sz="2400" dirty="0" err="1">
                 <a:latin typeface="Consolas" panose="020B0609020204030204" pitchFamily="49" charset="0"/>
               </a:rPr>
               <a:t>Lightly</a:t>
             </a:r>
             <a:r>
-              <a:rPr lang="tr-TR" sz="2800" dirty="0">
+              <a:rPr lang="tr-TR" sz="2400" dirty="0">
                 <a:latin typeface="Consolas" panose="020B0609020204030204" pitchFamily="49" charset="0"/>
               </a:rPr>
               <a:t>, IIS, vb</a:t>
             </a:r>
             <a:r>
-              <a:rPr lang="tr-TR" sz="2800" dirty="0" smtClean="0">
+              <a:rPr lang="tr-TR" sz="2400" dirty="0" smtClean="0">
                 <a:latin typeface="Consolas" panose="020B0609020204030204" pitchFamily="49" charset="0"/>
               </a:rPr>
               <a:t>.</a:t>
@@ -21929,7 +23084,7 @@
               <a:buFont typeface="Wingdings" panose="05000000000000000000" pitchFamily="2" charset="2"/>
               <a:buChar char="q"/>
             </a:pPr>
-            <a:endParaRPr lang="tr-TR" sz="2800" dirty="0">
+            <a:endParaRPr lang="tr-TR" sz="2400" dirty="0">
               <a:latin typeface="Consolas" panose="020B0609020204030204" pitchFamily="49" charset="0"/>
             </a:endParaRPr>
           </a:p>
@@ -21939,91 +23094,87 @@
               <a:buChar char="q"/>
             </a:pPr>
             <a:r>
-              <a:rPr lang="tr-TR" sz="2800" dirty="0" smtClean="0">
+              <a:rPr lang="tr-TR" sz="2400" dirty="0" smtClean="0">
                 <a:latin typeface="Consolas" panose="020B0609020204030204" pitchFamily="49" charset="0"/>
               </a:rPr>
               <a:t>Betik Dili, PHP </a:t>
             </a:r>
             <a:r>
-              <a:rPr lang="tr-TR" sz="2800" dirty="0">
+              <a:rPr lang="tr-TR" sz="2400" dirty="0">
                 <a:latin typeface="Consolas" panose="020B0609020204030204" pitchFamily="49" charset="0"/>
               </a:rPr>
               <a:t>7.1.3 veya </a:t>
             </a:r>
             <a:r>
-              <a:rPr lang="tr-TR" sz="2800" dirty="0" smtClean="0">
+              <a:rPr lang="tr-TR" sz="2400" dirty="0" smtClean="0">
                 <a:latin typeface="Consolas" panose="020B0609020204030204" pitchFamily="49" charset="0"/>
               </a:rPr>
               <a:t>üstü</a:t>
             </a:r>
+          </a:p>
+          <a:p>
+            <a:endParaRPr lang="tr-TR" sz="2400" dirty="0">
+              <a:latin typeface="Consolas" panose="020B0609020204030204" pitchFamily="49" charset="0"/>
+            </a:endParaRPr>
           </a:p>
           <a:p>
             <a:pPr marL="457200" indent="-457200">
               <a:buFont typeface="Wingdings" panose="05000000000000000000" pitchFamily="2" charset="2"/>
               <a:buChar char="q"/>
             </a:pPr>
-            <a:endParaRPr lang="tr-TR" sz="2800" dirty="0">
+            <a:r>
+              <a:rPr lang="tr-TR" sz="2400" dirty="0" smtClean="0">
+                <a:latin typeface="Consolas" panose="020B0609020204030204" pitchFamily="49" charset="0"/>
+              </a:rPr>
+              <a:t>Veri Tabanı, </a:t>
+            </a:r>
+            <a:r>
+              <a:rPr lang="tr-TR" sz="2400" dirty="0">
+                <a:latin typeface="Consolas" panose="020B0609020204030204" pitchFamily="49" charset="0"/>
+              </a:rPr>
+              <a:t>Gerekli bir </a:t>
+            </a:r>
+            <a:r>
+              <a:rPr lang="tr-TR" sz="2400" dirty="0" err="1">
+                <a:latin typeface="Consolas" panose="020B0609020204030204" pitchFamily="49" charset="0"/>
+              </a:rPr>
+              <a:t>veritabanı</a:t>
+            </a:r>
+            <a:r>
+              <a:rPr lang="tr-TR" sz="2400" dirty="0">
+                <a:latin typeface="Consolas" panose="020B0609020204030204" pitchFamily="49" charset="0"/>
+              </a:rPr>
+              <a:t> yok </a:t>
+            </a:r>
+            <a:endParaRPr lang="tr-TR" sz="2400" dirty="0" smtClean="0">
               <a:latin typeface="Consolas" panose="020B0609020204030204" pitchFamily="49" charset="0"/>
             </a:endParaRPr>
           </a:p>
           <a:p>
-            <a:pPr marL="457200" indent="-457200">
-              <a:buFont typeface="Wingdings" panose="05000000000000000000" pitchFamily="2" charset="2"/>
-              <a:buChar char="q"/>
-            </a:pPr>
-            <a:r>
-              <a:rPr lang="tr-TR" sz="2800" dirty="0" smtClean="0">
-                <a:latin typeface="Consolas" panose="020B0609020204030204" pitchFamily="49" charset="0"/>
-              </a:rPr>
-              <a:t>Veri Tabanı, </a:t>
-            </a:r>
-            <a:r>
-              <a:rPr lang="tr-TR" sz="2800" dirty="0">
-                <a:latin typeface="Consolas" panose="020B0609020204030204" pitchFamily="49" charset="0"/>
-              </a:rPr>
-              <a:t>Gerekli bir </a:t>
-            </a:r>
-            <a:r>
-              <a:rPr lang="tr-TR" sz="2800" dirty="0" err="1">
-                <a:latin typeface="Consolas" panose="020B0609020204030204" pitchFamily="49" charset="0"/>
-              </a:rPr>
-              <a:t>veritabanı</a:t>
-            </a:r>
-            <a:r>
-              <a:rPr lang="tr-TR" sz="2800" dirty="0">
-                <a:latin typeface="Consolas" panose="020B0609020204030204" pitchFamily="49" charset="0"/>
-              </a:rPr>
-              <a:t> yok </a:t>
-            </a:r>
-            <a:endParaRPr lang="tr-TR" sz="2800" dirty="0" smtClean="0">
+            <a:endParaRPr lang="tr-TR" sz="2400" dirty="0">
               <a:latin typeface="Consolas" panose="020B0609020204030204" pitchFamily="49" charset="0"/>
             </a:endParaRPr>
           </a:p>
           <a:p>
-            <a:endParaRPr lang="tr-TR" sz="2800" dirty="0">
-              <a:latin typeface="Consolas" panose="020B0609020204030204" pitchFamily="49" charset="0"/>
-            </a:endParaRPr>
-          </a:p>
-          <a:p>
-            <a:r>
-              <a:rPr lang="tr-TR" sz="2800" dirty="0" err="1" smtClean="0">
+            <a:r>
+              <a:rPr lang="tr-TR" sz="2400" dirty="0" err="1" smtClean="0">
                 <a:latin typeface="Consolas" panose="020B0609020204030204" pitchFamily="49" charset="0"/>
               </a:rPr>
               <a:t>Grav</a:t>
             </a:r>
             <a:r>
-              <a:rPr lang="tr-TR" sz="2800" dirty="0">
+              <a:rPr lang="tr-TR" sz="2400" dirty="0">
                 <a:latin typeface="Consolas" panose="020B0609020204030204" pitchFamily="49" charset="0"/>
               </a:rPr>
               <a:t>, içeriğiniz için düz metin </a:t>
             </a:r>
             <a:r>
-              <a:rPr lang="tr-TR" sz="2800" smtClean="0">
+              <a:rPr lang="tr-TR" sz="2400" dirty="0" smtClean="0">
                 <a:latin typeface="Consolas" panose="020B0609020204030204" pitchFamily="49" charset="0"/>
               </a:rPr>
               <a:t>dosyalarını kullanır…</a:t>
             </a:r>
-            <a:endParaRPr lang="tr-TR" sz="2800" dirty="0">
+            <a:endParaRPr lang="tr-TR" sz="2400" dirty="0">
               <a:latin typeface="Consolas" panose="020B0609020204030204" pitchFamily="49" charset="0"/>
             </a:endParaRPr>
           </a:p>
@@ -22375,55 +23526,19 @@
               <a:rPr lang="tr-TR" sz="2000" dirty="0">
                 <a:latin typeface="Consolas" panose="020B0609020204030204" pitchFamily="49" charset="0"/>
               </a:rPr>
-              <a:t> </a:t>
+              <a:t> indirip, çalıştığını göstermek      için yukarıda anlatılan şekilde de kurulabildiğinden bahseder, fakat bu şekilde kurulumda bağımlı olduğu paketleri kurmak daha zahmetli olacaktır. PHP uygulamalarında </a:t>
+            </a:r>
+            <a:r>
+              <a:rPr lang="tr-TR" sz="2000" dirty="0" err="1">
+                <a:latin typeface="Consolas" panose="020B0609020204030204" pitchFamily="49" charset="0"/>
+              </a:rPr>
+              <a:t>composer</a:t>
             </a:r>
             <a:r>
               <a:rPr lang="tr-TR" sz="2000" dirty="0">
                 <a:latin typeface="Consolas" panose="020B0609020204030204" pitchFamily="49" charset="0"/>
               </a:rPr>
-              <a:t>indirip, çalıştığını göstermek </a:t>
-            </a:r>
-            <a:r>
-              <a:rPr lang="tr-TR" sz="2000" dirty="0">
-                <a:latin typeface="Consolas" panose="020B0609020204030204" pitchFamily="49" charset="0"/>
-              </a:rPr>
-              <a:t>     için </a:t>
-            </a:r>
-            <a:r>
-              <a:rPr lang="tr-TR" sz="2000" dirty="0">
-                <a:latin typeface="Consolas" panose="020B0609020204030204" pitchFamily="49" charset="0"/>
-              </a:rPr>
-              <a:t>yukarıda anlatılan şekilde de kurulabildiğinden bahseder, fakat bu şekilde kurulumda bağımlı olduğu paketleri kurmak daha zahmetli olacaktır</a:t>
-            </a:r>
-            <a:r>
-              <a:rPr lang="tr-TR" sz="2000" dirty="0">
-                <a:latin typeface="Consolas" panose="020B0609020204030204" pitchFamily="49" charset="0"/>
-              </a:rPr>
-              <a:t>. PHP </a:t>
-            </a:r>
-            <a:r>
-              <a:rPr lang="tr-TR" sz="2000" dirty="0">
-                <a:latin typeface="Consolas" panose="020B0609020204030204" pitchFamily="49" charset="0"/>
-              </a:rPr>
-              <a:t>uygulamalarında </a:t>
-            </a:r>
-            <a:r>
-              <a:rPr lang="tr-TR" sz="2000" dirty="0" err="1">
-                <a:latin typeface="Consolas" panose="020B0609020204030204" pitchFamily="49" charset="0"/>
-              </a:rPr>
-              <a:t>composer</a:t>
-            </a:r>
-            <a:r>
-              <a:rPr lang="tr-TR" sz="2000" dirty="0">
-                <a:latin typeface="Consolas" panose="020B0609020204030204" pitchFamily="49" charset="0"/>
-              </a:rPr>
-              <a:t> tercih edilmesi uygun olacaktır</a:t>
-            </a:r>
-            <a:r>
-              <a:rPr lang="tr-TR" sz="2000" dirty="0">
-                <a:latin typeface="Consolas" panose="020B0609020204030204" pitchFamily="49" charset="0"/>
-              </a:rPr>
-              <a:t>.</a:t>
+              <a:t> tercih edilmesi uygun olacaktır.</a:t>
             </a:r>
           </a:p>
         </p:txBody>
@@ -23750,13 +24865,7 @@
               <a:rPr lang="tr-TR" sz="2000" dirty="0" smtClean="0">
                 <a:latin typeface="Consolas" panose="020B0609020204030204" pitchFamily="49" charset="0"/>
               </a:rPr>
-              <a:t>				Temalar</a:t>
-            </a:r>
-            <a:r>
-              <a:rPr lang="tr-TR" sz="2000" dirty="0" smtClean="0">
-                <a:latin typeface="Consolas" panose="020B0609020204030204" pitchFamily="49" charset="0"/>
-              </a:rPr>
-              <a:t>.</a:t>
+              <a:t>				Temalar.</a:t>
             </a:r>
           </a:p>
           <a:p>
